--- a/Моя документация/Презентация_Панова.pptx
+++ b/Моя документация/Презентация_Панова.pptx
@@ -201,7 +201,7 @@
           <a:p>
             <a:fld id="{97492AD3-C3F8-4419-8377-8AB6450BBD53}" type="datetimeFigureOut">
               <a:rPr lang="ru-RU" smtClean="0"/>
-              <a:t>19.12.2024</a:t>
+              <a:t>20.12.2024</a:t>
             </a:fld>
             <a:endParaRPr lang="ru-RU"/>
           </a:p>
@@ -831,7 +831,7 @@
           <a:p>
             <a:fld id="{996B0899-1335-4285-9C68-A535A6A0AB31}" type="datetime1">
               <a:rPr lang="ru-RU" smtClean="0"/>
-              <a:t>19.12.2024</a:t>
+              <a:t>20.12.2024</a:t>
             </a:fld>
             <a:endParaRPr lang="ru-RU"/>
           </a:p>
@@ -996,7 +996,7 @@
           <a:p>
             <a:fld id="{68F5DEDA-D5BF-4E01-9907-4DF9873E53FF}" type="datetime1">
               <a:rPr lang="ru-RU" smtClean="0"/>
-              <a:t>19.12.2024</a:t>
+              <a:t>20.12.2024</a:t>
             </a:fld>
             <a:endParaRPr lang="ru-RU"/>
           </a:p>
@@ -1171,7 +1171,7 @@
           <a:p>
             <a:fld id="{B64121E7-56A0-4150-BD66-D7C490E25544}" type="datetime1">
               <a:rPr lang="ru-RU" smtClean="0"/>
-              <a:t>19.12.2024</a:t>
+              <a:t>20.12.2024</a:t>
             </a:fld>
             <a:endParaRPr lang="ru-RU"/>
           </a:p>
@@ -1336,7 +1336,7 @@
           <a:p>
             <a:fld id="{E40EE295-5B94-4823-94B5-FE9F2F6A8A1B}" type="datetime1">
               <a:rPr lang="ru-RU" smtClean="0"/>
-              <a:t>19.12.2024</a:t>
+              <a:t>20.12.2024</a:t>
             </a:fld>
             <a:endParaRPr lang="ru-RU"/>
           </a:p>
@@ -1577,7 +1577,7 @@
           <a:p>
             <a:fld id="{FA5F6850-C165-4DB4-99FF-9E9F58477740}" type="datetime1">
               <a:rPr lang="ru-RU" smtClean="0"/>
-              <a:t>19.12.2024</a:t>
+              <a:t>20.12.2024</a:t>
             </a:fld>
             <a:endParaRPr lang="ru-RU"/>
           </a:p>
@@ -1860,7 +1860,7 @@
           <a:p>
             <a:fld id="{671645BE-2D5D-4A59-B9D9-A93CDA4B6247}" type="datetime1">
               <a:rPr lang="ru-RU" smtClean="0"/>
-              <a:t>19.12.2024</a:t>
+              <a:t>20.12.2024</a:t>
             </a:fld>
             <a:endParaRPr lang="ru-RU"/>
           </a:p>
@@ -2289,7 +2289,7 @@
           <a:p>
             <a:fld id="{2F167F26-66A6-4073-93DB-9231D7C2F2F2}" type="datetime1">
               <a:rPr lang="ru-RU" smtClean="0"/>
-              <a:t>19.12.2024</a:t>
+              <a:t>20.12.2024</a:t>
             </a:fld>
             <a:endParaRPr lang="ru-RU"/>
           </a:p>
@@ -2402,7 +2402,7 @@
           <a:p>
             <a:fld id="{6D23A73E-9C8A-42D2-ADCA-32CBE28F612B}" type="datetime1">
               <a:rPr lang="ru-RU" smtClean="0"/>
-              <a:t>19.12.2024</a:t>
+              <a:t>20.12.2024</a:t>
             </a:fld>
             <a:endParaRPr lang="ru-RU"/>
           </a:p>
@@ -2492,7 +2492,7 @@
           <a:p>
             <a:fld id="{0C93248B-780E-4599-99F7-37CA691140F9}" type="datetime1">
               <a:rPr lang="ru-RU" smtClean="0"/>
-              <a:t>19.12.2024</a:t>
+              <a:t>20.12.2024</a:t>
             </a:fld>
             <a:endParaRPr lang="ru-RU"/>
           </a:p>
@@ -2681,7 +2681,7 @@
           <a:p>
             <a:fld id="{30B70643-A9E0-4174-B314-0E2D128C357B}" type="datetime1">
               <a:rPr lang="ru-RU" smtClean="0"/>
-              <a:t>19.12.2024</a:t>
+              <a:t>20.12.2024</a:t>
             </a:fld>
             <a:endParaRPr lang="ru-RU"/>
           </a:p>
@@ -2999,7 +2999,7 @@
           <a:p>
             <a:fld id="{841480F6-40A1-4A2D-9FBA-CE3A87408C91}" type="datetime1">
               <a:rPr lang="ru-RU" smtClean="0"/>
-              <a:t>19.12.2024</a:t>
+              <a:t>20.12.2024</a:t>
             </a:fld>
             <a:endParaRPr lang="ru-RU"/>
           </a:p>
@@ -3378,7 +3378,7 @@
           <a:p>
             <a:fld id="{ECA43FD7-6D4F-4E74-B39B-7A81C2585FEA}" type="datetime1">
               <a:rPr lang="ru-RU" smtClean="0"/>
-              <a:t>19.12.2024</a:t>
+              <a:t>20.12.2024</a:t>
             </a:fld>
             <a:endParaRPr lang="ru-RU"/>
           </a:p>
@@ -4152,11 +4152,7 @@
             </a:pPr>
             <a:r>
               <a:rPr lang="ru-RU" sz="2000" dirty="0" smtClean="0"/>
-              <a:t>Мобильные технологии могут стать ключевым инструментом для</a:t>
-            </a:r>
-            <a:r>
-              <a:rPr lang="ru-RU" sz="2000" dirty="0" smtClean="0"/>
-              <a:t> </a:t>
+              <a:t>Мобильные технологии могут стать ключевым инструментом для </a:t>
             </a:r>
             <a:r>
               <a:rPr lang="ru-RU" sz="2000" b="1" i="1" dirty="0" smtClean="0"/>
@@ -4975,9 +4971,7 @@
           </p:nvPr>
         </p:nvSpPr>
         <p:spPr>
-          <a:solidFill>
-            <a:srgbClr val="FFFF00"/>
-          </a:solidFill>
+          <a:noFill/>
         </p:spPr>
         <p:txBody>
           <a:bodyPr/>
@@ -5003,7 +4997,7 @@
         <p:spPr>
           <a:xfrm>
             <a:off x="539552" y="2060848"/>
-            <a:ext cx="8604448" cy="1200329"/>
+            <a:ext cx="8604448" cy="2139047"/>
           </a:xfrm>
           <a:prstGeom prst="rect">
             <a:avLst/>
@@ -5016,38 +5010,123 @@
           </a:bodyPr>
           <a:lstStyle/>
           <a:p>
+            <a:pPr marL="285750" lvl="0" indent="-285750">
+              <a:spcAft>
+                <a:spcPts val="600"/>
+              </a:spcAft>
+              <a:buFont typeface="Arial" panose="020B0604020202020204" pitchFamily="34" charset="0"/>
+              <a:buChar char="•"/>
+            </a:pPr>
+            <a:r>
+              <a:rPr lang="ru-RU" dirty="0" smtClean="0"/>
+              <a:t>Низкая </a:t>
+            </a:r>
             <a:r>
               <a:rPr lang="ru-RU" dirty="0"/>
-              <a:t>● Как задача решается в настоящее время? </a:t>
-            </a:r>
-            <a:endParaRPr lang="ru-RU" dirty="0" smtClean="0"/>
-          </a:p>
-          <a:p>
+              <a:t>точность и скорость </a:t>
+            </a:r>
+            <a:r>
+              <a:rPr lang="ru-RU" dirty="0" smtClean="0"/>
+              <a:t>перевода</a:t>
+            </a:r>
+          </a:p>
+          <a:p>
+            <a:pPr marL="285750" lvl="0" indent="-285750">
+              <a:spcAft>
+                <a:spcPts val="600"/>
+              </a:spcAft>
+              <a:buFont typeface="Arial" panose="020B0604020202020204" pitchFamily="34" charset="0"/>
+              <a:buChar char="•"/>
+            </a:pPr>
+            <a:r>
+              <a:rPr lang="ru-RU" dirty="0" smtClean="0"/>
+              <a:t>Ограниченная </a:t>
+            </a:r>
             <a:r>
               <a:rPr lang="ru-RU" dirty="0"/>
-              <a:t>● Какие подходы или процессы используются</a:t>
+              <a:t>поддержка языков и </a:t>
             </a:r>
             <a:r>
               <a:rPr lang="ru-RU" dirty="0" smtClean="0"/>
-              <a:t>?</a:t>
-            </a:r>
-          </a:p>
-          <a:p>
+              <a:t>диалектов</a:t>
+            </a:r>
+          </a:p>
+          <a:p>
+            <a:pPr marL="285750" lvl="0" indent="-285750">
+              <a:spcAft>
+                <a:spcPts val="600"/>
+              </a:spcAft>
+              <a:buFont typeface="Arial" panose="020B0604020202020204" pitchFamily="34" charset="0"/>
+              <a:buChar char="•"/>
+            </a:pPr>
             <a:r>
               <a:rPr lang="ru-RU" dirty="0" smtClean="0"/>
-              <a:t>● </a:t>
+              <a:t>Высокая стоимость</a:t>
+            </a:r>
+          </a:p>
+          <a:p>
+            <a:pPr marL="285750" lvl="0" indent="-285750">
+              <a:spcAft>
+                <a:spcPts val="600"/>
+              </a:spcAft>
+              <a:buFont typeface="Arial" panose="020B0604020202020204" pitchFamily="34" charset="0"/>
+              <a:buChar char="•"/>
+            </a:pPr>
+            <a:r>
+              <a:rPr lang="ru-RU" dirty="0" smtClean="0"/>
+              <a:t>Зависимость </a:t>
             </a:r>
             <a:r>
               <a:rPr lang="ru-RU" dirty="0"/>
-              <a:t>Описание основных этапов существующего решения. </a:t>
-            </a:r>
-            <a:endParaRPr lang="ru-RU" dirty="0" smtClean="0"/>
-          </a:p>
-          <a:p>
+              <a:t>от дополнительных </a:t>
+            </a:r>
+            <a:r>
+              <a:rPr lang="ru-RU" dirty="0" smtClean="0"/>
+              <a:t>устройств</a:t>
+            </a:r>
+          </a:p>
+          <a:p>
+            <a:pPr marL="285750" lvl="0" indent="-285750">
+              <a:spcAft>
+                <a:spcPts val="600"/>
+              </a:spcAft>
+              <a:buFont typeface="Arial" panose="020B0604020202020204" pitchFamily="34" charset="0"/>
+              <a:buChar char="•"/>
+            </a:pPr>
+            <a:r>
+              <a:rPr lang="ru-RU" dirty="0" smtClean="0"/>
+              <a:t>Недостаточная </a:t>
+            </a:r>
             <a:r>
               <a:rPr lang="ru-RU" dirty="0"/>
-              <a:t>● Какие аспекты решения остаются проблемными или недостаточными? </a:t>
-            </a:r>
+              <a:t>интеграция с другими приложениями и </a:t>
+            </a:r>
+            <a:r>
+              <a:rPr lang="ru-RU" dirty="0" smtClean="0"/>
+              <a:t>устройствами</a:t>
+            </a:r>
+          </a:p>
+          <a:p>
+            <a:pPr marL="285750" lvl="0" indent="-285750">
+              <a:spcAft>
+                <a:spcPts val="600"/>
+              </a:spcAft>
+              <a:buFont typeface="Arial" panose="020B0604020202020204" pitchFamily="34" charset="0"/>
+              <a:buChar char="•"/>
+            </a:pPr>
+            <a:r>
+              <a:rPr lang="ru-RU" dirty="0" smtClean="0"/>
+              <a:t>Недостаточное </a:t>
+            </a:r>
+            <a:r>
+              <a:rPr lang="ru-RU" dirty="0"/>
+              <a:t>тестирование и оценка </a:t>
+            </a:r>
+            <a:r>
+              <a:rPr lang="ru-RU" dirty="0" smtClean="0"/>
+              <a:t>эффективности</a:t>
+            </a:r>
+            <a:endParaRPr lang="ru-RU" dirty="0"/>
           </a:p>
         </p:txBody>
       </p:sp>
@@ -5122,9 +5201,7 @@
           </p:nvPr>
         </p:nvSpPr>
         <p:spPr>
-          <a:solidFill>
-            <a:srgbClr val="FFFF00"/>
-          </a:solidFill>
+          <a:noFill/>
         </p:spPr>
         <p:txBody>
           <a:bodyPr/>
@@ -5143,82 +5220,81 @@
       </p:sp>
       <p:sp>
         <p:nvSpPr>
-          <p:cNvPr id="3" name="TextBox 2"/>
-          <p:cNvSpPr txBox="1"/>
+          <p:cNvPr id="4" name="Номер слайда 3"/>
+          <p:cNvSpPr>
+            <a:spLocks noGrp="1"/>
+          </p:cNvSpPr>
+          <p:nvPr>
+            <p:ph type="sldNum" sz="quarter" idx="12"/>
+          </p:nvPr>
+        </p:nvSpPr>
+        <p:spPr/>
+        <p:txBody>
+          <a:bodyPr/>
+          <a:lstStyle/>
+          <a:p>
+            <a:fld id="{1B61E6DC-7948-428B-BF0C-0B97AF471FA1}" type="slidenum">
+              <a:rPr lang="ru-RU" smtClean="0"/>
+              <a:t>7</a:t>
+            </a:fld>
+            <a:endParaRPr lang="ru-RU"/>
+          </a:p>
+        </p:txBody>
+      </p:sp>
+      <p:pic>
+        <p:nvPicPr>
+          <p:cNvPr id="1027" name="Picture 3"/>
+          <p:cNvPicPr>
+            <a:picLocks noChangeAspect="1" noChangeArrowheads="1"/>
+          </p:cNvPicPr>
           <p:nvPr/>
-        </p:nvSpPr>
-        <p:spPr>
+        </p:nvPicPr>
+        <p:blipFill>
+          <a:blip r:embed="rId2">
+            <a:extLst>
+              <a:ext uri="{28A0092B-C50C-407E-A947-70E740481C1C}">
+                <a14:useLocalDpi xmlns:a14="http://schemas.microsoft.com/office/drawing/2010/main" val="0"/>
+              </a:ext>
+            </a:extLst>
+          </a:blip>
+          <a:srcRect/>
+          <a:stretch>
+            <a:fillRect/>
+          </a:stretch>
+        </p:blipFill>
+        <p:spPr bwMode="auto">
           <a:xfrm>
-            <a:off x="539552" y="1772816"/>
-            <a:ext cx="7925952" cy="923330"/>
+            <a:off x="395536" y="1916832"/>
+            <a:ext cx="7635627" cy="3384376"/>
           </a:xfrm>
           <a:prstGeom prst="rect">
             <a:avLst/>
           </a:prstGeom>
           <a:noFill/>
+          <a:ln>
+            <a:noFill/>
+          </a:ln>
+          <a:extLst>
+            <a:ext uri="{909E8E84-426E-40DD-AFC4-6F175D3DCCD1}">
+              <a14:hiddenFill xmlns:a14="http://schemas.microsoft.com/office/drawing/2010/main">
+                <a:solidFill>
+                  <a:schemeClr val="accent1"/>
+                </a:solidFill>
+              </a14:hiddenFill>
+            </a:ext>
+            <a:ext uri="{91240B29-F687-4F45-9708-019B960494DF}">
+              <a14:hiddenLine xmlns:a14="http://schemas.microsoft.com/office/drawing/2010/main" w="9525">
+                <a:solidFill>
+                  <a:schemeClr val="tx1"/>
+                </a:solidFill>
+                <a:miter lim="800000"/>
+                <a:headEnd/>
+                <a:tailEnd/>
+              </a14:hiddenLine>
+            </a:ext>
+          </a:extLst>
         </p:spPr>
-        <p:txBody>
-          <a:bodyPr wrap="none" rtlCol="0">
-            <a:spAutoFit/>
-          </a:bodyPr>
-          <a:lstStyle/>
-          <a:p>
-            <a:r>
-              <a:rPr lang="ru-RU" dirty="0"/>
-              <a:t>● Привести существующих аналогов, их преимущества и недостатки. </a:t>
-            </a:r>
-            <a:endParaRPr lang="ru-RU" dirty="0" smtClean="0"/>
-          </a:p>
-          <a:p>
-            <a:r>
-              <a:rPr lang="ru-RU" dirty="0" smtClean="0"/>
-              <a:t>(</a:t>
-            </a:r>
-            <a:r>
-              <a:rPr lang="ru-RU" dirty="0"/>
-              <a:t>Обычно </a:t>
-            </a:r>
-            <a:r>
-              <a:rPr lang="ru-RU" dirty="0" smtClean="0"/>
-              <a:t>делаю </a:t>
-            </a:r>
-            <a:r>
-              <a:rPr lang="ru-RU" dirty="0"/>
-              <a:t>в виде таблицы и сравнивают их по выделенным критериям). </a:t>
-            </a:r>
-            <a:endParaRPr lang="ru-RU" dirty="0" smtClean="0"/>
-          </a:p>
-          <a:p>
-            <a:r>
-              <a:rPr lang="ru-RU" dirty="0"/>
-              <a:t>● Чем они не удовлетворяют полностью требованиям или целям работы?</a:t>
-            </a:r>
-          </a:p>
-        </p:txBody>
-      </p:sp>
-      <p:sp>
-        <p:nvSpPr>
-          <p:cNvPr id="4" name="Номер слайда 3"/>
-          <p:cNvSpPr>
-            <a:spLocks noGrp="1"/>
-          </p:cNvSpPr>
-          <p:nvPr>
-            <p:ph type="sldNum" sz="quarter" idx="12"/>
-          </p:nvPr>
-        </p:nvSpPr>
-        <p:spPr/>
-        <p:txBody>
-          <a:bodyPr/>
-          <a:lstStyle/>
-          <a:p>
-            <a:fld id="{1B61E6DC-7948-428B-BF0C-0B97AF471FA1}" type="slidenum">
-              <a:rPr lang="ru-RU" smtClean="0"/>
-              <a:t>7</a:t>
-            </a:fld>
-            <a:endParaRPr lang="ru-RU"/>
-          </a:p>
-        </p:txBody>
-      </p:sp>
+      </p:pic>
     </p:spTree>
     <p:extLst>
       <p:ext uri="{BB962C8B-B14F-4D97-AF65-F5344CB8AC3E}">
@@ -5267,9 +5343,7 @@
           </p:nvPr>
         </p:nvSpPr>
         <p:spPr>
-          <a:solidFill>
-            <a:srgbClr val="FFFF00"/>
-          </a:solidFill>
+          <a:noFill/>
         </p:spPr>
         <p:txBody>
           <a:bodyPr/>
@@ -5294,8 +5368,8 @@
         </p:nvSpPr>
         <p:spPr>
           <a:xfrm>
-            <a:off x="611560" y="2060848"/>
-            <a:ext cx="5013873" cy="923330"/>
+            <a:off x="467544" y="1916832"/>
+            <a:ext cx="7992888" cy="2708434"/>
           </a:xfrm>
           <a:prstGeom prst="rect">
             <a:avLst/>
@@ -5303,29 +5377,147 @@
           <a:noFill/>
         </p:spPr>
         <p:txBody>
-          <a:bodyPr wrap="none" rtlCol="0">
+          <a:bodyPr wrap="square" rtlCol="0">
             <a:spAutoFit/>
           </a:bodyPr>
           <a:lstStyle/>
           <a:p>
-            <a:r>
-              <a:rPr lang="ru-RU" dirty="0"/>
-              <a:t>● Общая концепция разработанного подхода. </a:t>
-            </a:r>
-            <a:endParaRPr lang="ru-RU" dirty="0" smtClean="0"/>
-          </a:p>
-          <a:p>
-            <a:r>
-              <a:rPr lang="ru-RU" dirty="0"/>
-              <a:t>● Как оно закрывает выявленные проблемы? </a:t>
-            </a:r>
-            <a:endParaRPr lang="ru-RU" dirty="0" smtClean="0"/>
-          </a:p>
-          <a:p>
-            <a:r>
-              <a:rPr lang="ru-RU" dirty="0"/>
-              <a:t>● Чем предложенное решение лучше аналогов? </a:t>
-            </a:r>
+            <a:pPr>
+              <a:spcAft>
+                <a:spcPts val="600"/>
+              </a:spcAft>
+            </a:pPr>
+            <a:r>
+              <a:rPr lang="ru-RU" sz="2000" dirty="0" smtClean="0"/>
+              <a:t>Направления</a:t>
+            </a:r>
+            <a:r>
+              <a:rPr lang="ru-RU" sz="2000" dirty="0"/>
+              <a:t>, которые будет учитывать разрабатываемый прототип:</a:t>
+            </a:r>
+          </a:p>
+          <a:p>
+            <a:pPr marL="342900" indent="-342900">
+              <a:spcAft>
+                <a:spcPts val="600"/>
+              </a:spcAft>
+              <a:buFont typeface="+mj-lt"/>
+              <a:buAutoNum type="arabicPeriod"/>
+            </a:pPr>
+            <a:r>
+              <a:rPr lang="ru-RU" sz="2000" dirty="0" smtClean="0"/>
+              <a:t>Повышение </a:t>
+            </a:r>
+            <a:r>
+              <a:rPr lang="ru-RU" sz="2000" dirty="0"/>
+              <a:t>точности и скорости </a:t>
+            </a:r>
+            <a:r>
+              <a:rPr lang="ru-RU" sz="2000" dirty="0" smtClean="0"/>
+              <a:t>перевода</a:t>
+            </a:r>
+          </a:p>
+          <a:p>
+            <a:pPr marL="342900" indent="-342900">
+              <a:spcAft>
+                <a:spcPts val="600"/>
+              </a:spcAft>
+              <a:buFont typeface="+mj-lt"/>
+              <a:buAutoNum type="arabicPeriod"/>
+            </a:pPr>
+            <a:r>
+              <a:rPr lang="ru-RU" sz="2000" dirty="0" smtClean="0"/>
+              <a:t>Расширение </a:t>
+            </a:r>
+            <a:r>
+              <a:rPr lang="ru-RU" sz="2000" dirty="0"/>
+              <a:t>поддержки языков и </a:t>
+            </a:r>
+            <a:r>
+              <a:rPr lang="ru-RU" sz="2000" dirty="0" smtClean="0"/>
+              <a:t>диалектов</a:t>
+            </a:r>
+          </a:p>
+          <a:p>
+            <a:pPr marL="342900" indent="-342900">
+              <a:spcAft>
+                <a:spcPts val="600"/>
+              </a:spcAft>
+              <a:buFont typeface="+mj-lt"/>
+              <a:buAutoNum type="arabicPeriod"/>
+            </a:pPr>
+            <a:r>
+              <a:rPr lang="ru-RU" sz="2000" dirty="0" smtClean="0"/>
+              <a:t>Снижение стоимости</a:t>
+            </a:r>
+          </a:p>
+          <a:p>
+            <a:pPr marL="342900" indent="-342900">
+              <a:spcAft>
+                <a:spcPts val="600"/>
+              </a:spcAft>
+              <a:buFont typeface="+mj-lt"/>
+              <a:buAutoNum type="arabicPeriod"/>
+            </a:pPr>
+            <a:r>
+              <a:rPr lang="ru-RU" sz="2000" dirty="0" smtClean="0"/>
+              <a:t>Улучшение </a:t>
+            </a:r>
+            <a:r>
+              <a:rPr lang="ru-RU" sz="2000" dirty="0"/>
+              <a:t>удобства </a:t>
+            </a:r>
+            <a:r>
+              <a:rPr lang="ru-RU" sz="2000" dirty="0" smtClean="0"/>
+              <a:t>использования</a:t>
+            </a:r>
+          </a:p>
+          <a:p>
+            <a:pPr marL="342900" indent="-342900">
+              <a:spcAft>
+                <a:spcPts val="600"/>
+              </a:spcAft>
+              <a:buFont typeface="+mj-lt"/>
+              <a:buAutoNum type="arabicPeriod"/>
+            </a:pPr>
+            <a:r>
+              <a:rPr lang="ru-RU" sz="2000" dirty="0" smtClean="0"/>
+              <a:t>Интеграция </a:t>
+            </a:r>
+            <a:r>
+              <a:rPr lang="ru-RU" sz="2000" dirty="0"/>
+              <a:t>с другими приложениями и </a:t>
+            </a:r>
+            <a:r>
+              <a:rPr lang="ru-RU" sz="2000" dirty="0" smtClean="0"/>
+              <a:t>устройствами</a:t>
+            </a:r>
+          </a:p>
+          <a:p>
+            <a:pPr marL="342900" indent="-342900">
+              <a:spcAft>
+                <a:spcPts val="600"/>
+              </a:spcAft>
+              <a:buFont typeface="+mj-lt"/>
+              <a:buAutoNum type="arabicPeriod"/>
+            </a:pPr>
+            <a:r>
+              <a:rPr lang="ru-RU" sz="2000" dirty="0" smtClean="0"/>
+              <a:t>Проведение </a:t>
+            </a:r>
+            <a:r>
+              <a:rPr lang="ru-RU" sz="2000" dirty="0"/>
+              <a:t>тщательного тестирования и оценки </a:t>
+            </a:r>
+            <a:r>
+              <a:rPr lang="ru-RU" sz="2000" dirty="0" smtClean="0"/>
+              <a:t>эффективности</a:t>
+            </a:r>
+            <a:r>
+              <a:rPr lang="ru-RU" sz="2000" dirty="0" smtClean="0"/>
+              <a:t> </a:t>
+            </a:r>
+            <a:endParaRPr lang="ru-RU" sz="2000" dirty="0"/>
           </a:p>
         </p:txBody>
       </p:sp>
@@ -5400,9 +5592,7 @@
           </p:nvPr>
         </p:nvSpPr>
         <p:spPr>
-          <a:solidFill>
-            <a:srgbClr val="FFFF00"/>
-          </a:solidFill>
+          <a:noFill/>
         </p:spPr>
         <p:txBody>
           <a:bodyPr/>
@@ -5427,8 +5617,8 @@
         </p:nvSpPr>
         <p:spPr>
           <a:xfrm>
-            <a:off x="755576" y="1916832"/>
-            <a:ext cx="6605334" cy="923330"/>
+            <a:off x="467544" y="1772816"/>
+            <a:ext cx="8136904" cy="1554272"/>
           </a:xfrm>
           <a:prstGeom prst="rect">
             <a:avLst/>
@@ -5436,29 +5626,86 @@
           <a:noFill/>
         </p:spPr>
         <p:txBody>
-          <a:bodyPr wrap="none" rtlCol="0">
+          <a:bodyPr wrap="square" rtlCol="0">
             <a:spAutoFit/>
           </a:bodyPr>
           <a:lstStyle/>
           <a:p>
-            <a:r>
-              <a:rPr lang="ru-RU" dirty="0"/>
-              <a:t>● Как результаты исследования будут применяться на практике? </a:t>
-            </a:r>
-            <a:endParaRPr lang="ru-RU" dirty="0" smtClean="0"/>
-          </a:p>
-          <a:p>
-            <a:r>
-              <a:rPr lang="ru-RU" dirty="0"/>
-              <a:t>● Преимущества для пользователей, бизнеса или науки. </a:t>
-            </a:r>
-            <a:endParaRPr lang="ru-RU" dirty="0" smtClean="0"/>
-          </a:p>
-          <a:p>
-            <a:r>
-              <a:rPr lang="ru-RU" dirty="0"/>
-              <a:t>● Примеры, где решение может быть полезным.</a:t>
-            </a:r>
+            <a:pPr marL="342900" indent="-342900">
+              <a:spcAft>
+                <a:spcPts val="600"/>
+              </a:spcAft>
+              <a:buFont typeface="Arial" panose="020B0604020202020204" pitchFamily="34" charset="0"/>
+              <a:buChar char="•"/>
+            </a:pPr>
+            <a:r>
+              <a:rPr lang="ru-RU" sz="2000" dirty="0" smtClean="0"/>
+              <a:t>Создание </a:t>
+            </a:r>
+            <a:r>
+              <a:rPr lang="ru-RU" sz="2000" dirty="0"/>
+              <a:t>равных </a:t>
+            </a:r>
+            <a:r>
+              <a:rPr lang="ru-RU" sz="2000" dirty="0" smtClean="0"/>
+              <a:t>возможностей</a:t>
+            </a:r>
+          </a:p>
+          <a:p>
+            <a:pPr marL="342900" indent="-342900">
+              <a:spcAft>
+                <a:spcPts val="600"/>
+              </a:spcAft>
+              <a:buFont typeface="Arial" panose="020B0604020202020204" pitchFamily="34" charset="0"/>
+              <a:buChar char="•"/>
+            </a:pPr>
+            <a:r>
+              <a:rPr lang="ru-RU" sz="2000" dirty="0" smtClean="0"/>
+              <a:t>Повышение </a:t>
+            </a:r>
+            <a:r>
+              <a:rPr lang="ru-RU" sz="2000" dirty="0"/>
+              <a:t>качества </a:t>
+            </a:r>
+            <a:r>
+              <a:rPr lang="ru-RU" sz="2000" dirty="0" smtClean="0"/>
+              <a:t>жизни</a:t>
+            </a:r>
+          </a:p>
+          <a:p>
+            <a:pPr marL="342900" indent="-342900">
+              <a:spcAft>
+                <a:spcPts val="600"/>
+              </a:spcAft>
+              <a:buFont typeface="Arial" panose="020B0604020202020204" pitchFamily="34" charset="0"/>
+              <a:buChar char="•"/>
+            </a:pPr>
+            <a:r>
+              <a:rPr lang="ru-RU" sz="2000" dirty="0" smtClean="0"/>
+              <a:t>Развитие </a:t>
+            </a:r>
+            <a:r>
+              <a:rPr lang="ru-RU" sz="2000" dirty="0"/>
+              <a:t>инклюзивного </a:t>
+            </a:r>
+            <a:r>
+              <a:rPr lang="ru-RU" sz="2000" dirty="0" smtClean="0"/>
+              <a:t>общества</a:t>
+            </a:r>
+          </a:p>
+          <a:p>
+            <a:pPr marL="342900" indent="-342900">
+              <a:spcAft>
+                <a:spcPts val="600"/>
+              </a:spcAft>
+              <a:buFont typeface="Arial" panose="020B0604020202020204" pitchFamily="34" charset="0"/>
+              <a:buChar char="•"/>
+            </a:pPr>
+            <a:r>
+              <a:rPr lang="ru-RU" sz="2000" dirty="0" smtClean="0"/>
+              <a:t>Прогресс мобильной технологии</a:t>
+            </a:r>
+            <a:endParaRPr lang="ru-RU" sz="2000" dirty="0"/>
           </a:p>
         </p:txBody>
       </p:sp>

--- a/Моя документация/Презентация_Панова.pptx
+++ b/Моя документация/Презентация_Панова.pptx
@@ -5,19 +5,26 @@
     <p:sldMasterId id="2147483804" r:id="rId1"/>
   </p:sldMasterIdLst>
   <p:notesMasterIdLst>
-    <p:notesMasterId r:id="rId12"/>
+    <p:notesMasterId r:id="rId19"/>
   </p:notesMasterIdLst>
   <p:sldIdLst>
     <p:sldId id="256" r:id="rId2"/>
     <p:sldId id="257" r:id="rId3"/>
-    <p:sldId id="258" r:id="rId4"/>
-    <p:sldId id="259" r:id="rId5"/>
+    <p:sldId id="266" r:id="rId4"/>
+    <p:sldId id="258" r:id="rId5"/>
     <p:sldId id="260" r:id="rId6"/>
-    <p:sldId id="261" r:id="rId7"/>
-    <p:sldId id="262" r:id="rId8"/>
-    <p:sldId id="263" r:id="rId9"/>
-    <p:sldId id="264" r:id="rId10"/>
-    <p:sldId id="265" r:id="rId11"/>
+    <p:sldId id="267" r:id="rId7"/>
+    <p:sldId id="259" r:id="rId8"/>
+    <p:sldId id="261" r:id="rId9"/>
+    <p:sldId id="262" r:id="rId10"/>
+    <p:sldId id="263" r:id="rId11"/>
+    <p:sldId id="264" r:id="rId12"/>
+    <p:sldId id="269" r:id="rId13"/>
+    <p:sldId id="268" r:id="rId14"/>
+    <p:sldId id="270" r:id="rId15"/>
+    <p:sldId id="271" r:id="rId16"/>
+    <p:sldId id="272" r:id="rId17"/>
+    <p:sldId id="265" r:id="rId18"/>
   </p:sldIdLst>
   <p:sldSz cx="9144000" cy="6858000" type="screen4x3"/>
   <p:notesSz cx="6858000" cy="9144000"/>
@@ -201,7 +208,7 @@
           <a:p>
             <a:fld id="{97492AD3-C3F8-4419-8377-8AB6450BBD53}" type="datetimeFigureOut">
               <a:rPr lang="ru-RU" smtClean="0"/>
-              <a:t>20.12.2024</a:t>
+              <a:t>09.06.2025</a:t>
             </a:fld>
             <a:endParaRPr lang="ru-RU"/>
           </a:p>
@@ -618,7 +625,91 @@
           <a:p>
             <a:fld id="{30462639-AE41-4FCF-BB8D-2BD51F038F18}" type="slidenum">
               <a:rPr lang="ru-RU" smtClean="0"/>
-              <a:t>10</a:t>
+              <a:t>7</a:t>
+            </a:fld>
+            <a:endParaRPr lang="ru-RU"/>
+          </a:p>
+        </p:txBody>
+      </p:sp>
+    </p:spTree>
+    <p:extLst>
+      <p:ext uri="{BB962C8B-B14F-4D97-AF65-F5344CB8AC3E}">
+        <p14:creationId xmlns:p14="http://schemas.microsoft.com/office/powerpoint/2010/main" val="3661960750"/>
+      </p:ext>
+    </p:extLst>
+  </p:cSld>
+  <p:clrMapOvr>
+    <a:masterClrMapping/>
+  </p:clrMapOvr>
+</p:notes>
+</file>
+
+<file path=ppt/notesSlides/notesSlide3.xml><?xml version="1.0" encoding="utf-8"?>
+<p:notes xmlns:a="http://schemas.openxmlformats.org/drawingml/2006/main" xmlns:r="http://schemas.openxmlformats.org/officeDocument/2006/relationships" xmlns:p="http://schemas.openxmlformats.org/presentationml/2006/main">
+  <p:cSld>
+    <p:spTree>
+      <p:nvGrpSpPr>
+        <p:cNvPr id="1" name=""/>
+        <p:cNvGrpSpPr/>
+        <p:nvPr/>
+      </p:nvGrpSpPr>
+      <p:grpSpPr>
+        <a:xfrm>
+          <a:off x="0" y="0"/>
+          <a:ext cx="0" cy="0"/>
+          <a:chOff x="0" y="0"/>
+          <a:chExt cx="0" cy="0"/>
+        </a:xfrm>
+      </p:grpSpPr>
+      <p:sp>
+        <p:nvSpPr>
+          <p:cNvPr id="2" name="Образ слайда 1"/>
+          <p:cNvSpPr>
+            <a:spLocks noGrp="1" noRot="1" noChangeAspect="1"/>
+          </p:cNvSpPr>
+          <p:nvPr>
+            <p:ph type="sldImg"/>
+          </p:nvPr>
+        </p:nvSpPr>
+        <p:spPr/>
+      </p:sp>
+      <p:sp>
+        <p:nvSpPr>
+          <p:cNvPr id="3" name="Заметки 2"/>
+          <p:cNvSpPr>
+            <a:spLocks noGrp="1"/>
+          </p:cNvSpPr>
+          <p:nvPr>
+            <p:ph type="body" idx="1"/>
+          </p:nvPr>
+        </p:nvSpPr>
+        <p:spPr/>
+        <p:txBody>
+          <a:bodyPr/>
+          <a:lstStyle/>
+          <a:p>
+            <a:endParaRPr lang="ru-RU"/>
+          </a:p>
+        </p:txBody>
+      </p:sp>
+      <p:sp>
+        <p:nvSpPr>
+          <p:cNvPr id="4" name="Номер слайда 3"/>
+          <p:cNvSpPr>
+            <a:spLocks noGrp="1"/>
+          </p:cNvSpPr>
+          <p:nvPr>
+            <p:ph type="sldNum" sz="quarter" idx="10"/>
+          </p:nvPr>
+        </p:nvSpPr>
+        <p:spPr/>
+        <p:txBody>
+          <a:bodyPr/>
+          <a:lstStyle/>
+          <a:p>
+            <a:fld id="{30462639-AE41-4FCF-BB8D-2BD51F038F18}" type="slidenum">
+              <a:rPr lang="ru-RU" smtClean="0"/>
+              <a:t>17</a:t>
             </a:fld>
             <a:endParaRPr lang="ru-RU"/>
           </a:p>
@@ -831,7 +922,7 @@
           <a:p>
             <a:fld id="{996B0899-1335-4285-9C68-A535A6A0AB31}" type="datetime1">
               <a:rPr lang="ru-RU" smtClean="0"/>
-              <a:t>20.12.2024</a:t>
+              <a:t>09.06.2025</a:t>
             </a:fld>
             <a:endParaRPr lang="ru-RU"/>
           </a:p>
@@ -996,7 +1087,7 @@
           <a:p>
             <a:fld id="{68F5DEDA-D5BF-4E01-9907-4DF9873E53FF}" type="datetime1">
               <a:rPr lang="ru-RU" smtClean="0"/>
-              <a:t>20.12.2024</a:t>
+              <a:t>09.06.2025</a:t>
             </a:fld>
             <a:endParaRPr lang="ru-RU"/>
           </a:p>
@@ -1171,7 +1262,7 @@
           <a:p>
             <a:fld id="{B64121E7-56A0-4150-BD66-D7C490E25544}" type="datetime1">
               <a:rPr lang="ru-RU" smtClean="0"/>
-              <a:t>20.12.2024</a:t>
+              <a:t>09.06.2025</a:t>
             </a:fld>
             <a:endParaRPr lang="ru-RU"/>
           </a:p>
@@ -1336,7 +1427,7 @@
           <a:p>
             <a:fld id="{E40EE295-5B94-4823-94B5-FE9F2F6A8A1B}" type="datetime1">
               <a:rPr lang="ru-RU" smtClean="0"/>
-              <a:t>20.12.2024</a:t>
+              <a:t>09.06.2025</a:t>
             </a:fld>
             <a:endParaRPr lang="ru-RU"/>
           </a:p>
@@ -1577,7 +1668,7 @@
           <a:p>
             <a:fld id="{FA5F6850-C165-4DB4-99FF-9E9F58477740}" type="datetime1">
               <a:rPr lang="ru-RU" smtClean="0"/>
-              <a:t>20.12.2024</a:t>
+              <a:t>09.06.2025</a:t>
             </a:fld>
             <a:endParaRPr lang="ru-RU"/>
           </a:p>
@@ -1860,7 +1951,7 @@
           <a:p>
             <a:fld id="{671645BE-2D5D-4A59-B9D9-A93CDA4B6247}" type="datetime1">
               <a:rPr lang="ru-RU" smtClean="0"/>
-              <a:t>20.12.2024</a:t>
+              <a:t>09.06.2025</a:t>
             </a:fld>
             <a:endParaRPr lang="ru-RU"/>
           </a:p>
@@ -2289,7 +2380,7 @@
           <a:p>
             <a:fld id="{2F167F26-66A6-4073-93DB-9231D7C2F2F2}" type="datetime1">
               <a:rPr lang="ru-RU" smtClean="0"/>
-              <a:t>20.12.2024</a:t>
+              <a:t>09.06.2025</a:t>
             </a:fld>
             <a:endParaRPr lang="ru-RU"/>
           </a:p>
@@ -2402,7 +2493,7 @@
           <a:p>
             <a:fld id="{6D23A73E-9C8A-42D2-ADCA-32CBE28F612B}" type="datetime1">
               <a:rPr lang="ru-RU" smtClean="0"/>
-              <a:t>20.12.2024</a:t>
+              <a:t>09.06.2025</a:t>
             </a:fld>
             <a:endParaRPr lang="ru-RU"/>
           </a:p>
@@ -2492,7 +2583,7 @@
           <a:p>
             <a:fld id="{0C93248B-780E-4599-99F7-37CA691140F9}" type="datetime1">
               <a:rPr lang="ru-RU" smtClean="0"/>
-              <a:t>20.12.2024</a:t>
+              <a:t>09.06.2025</a:t>
             </a:fld>
             <a:endParaRPr lang="ru-RU"/>
           </a:p>
@@ -2681,7 +2772,7 @@
           <a:p>
             <a:fld id="{30B70643-A9E0-4174-B314-0E2D128C357B}" type="datetime1">
               <a:rPr lang="ru-RU" smtClean="0"/>
-              <a:t>20.12.2024</a:t>
+              <a:t>09.06.2025</a:t>
             </a:fld>
             <a:endParaRPr lang="ru-RU"/>
           </a:p>
@@ -2999,7 +3090,7 @@
           <a:p>
             <a:fld id="{841480F6-40A1-4A2D-9FBA-CE3A87408C91}" type="datetime1">
               <a:rPr lang="ru-RU" smtClean="0"/>
-              <a:t>20.12.2024</a:t>
+              <a:t>09.06.2025</a:t>
             </a:fld>
             <a:endParaRPr lang="ru-RU"/>
           </a:p>
@@ -3378,7 +3469,7 @@
           <a:p>
             <a:fld id="{ECA43FD7-6D4F-4E74-B39B-7A81C2585FEA}" type="datetime1">
               <a:rPr lang="ru-RU" smtClean="0"/>
-              <a:t>20.12.2024</a:t>
+              <a:t>09.06.2025</a:t>
             </a:fld>
             <a:endParaRPr lang="ru-RU"/>
           </a:p>
@@ -3727,8 +3818,10 @@
             <a:r>
               <a:rPr lang="ru-RU" sz="3600" dirty="0">
                 <a:solidFill>
-                  <a:schemeClr val="tx1"/>
-                </a:solidFill>
+                  <a:srgbClr val="000000"/>
+                </a:solidFill>
+                <a:latin typeface="Times New Roman" panose="02020603050405020304" pitchFamily="18" charset="0"/>
+                <a:cs typeface="Times New Roman" panose="02020603050405020304" pitchFamily="18" charset="0"/>
               </a:rPr>
               <a:t>Исследование влияния мобильных приложений на социальную интеграцию глухих людей и разработка прототипа приложения для поддержки их общения</a:t>
             </a:r>
@@ -3761,32 +3854,40 @@
             <a:r>
               <a:rPr lang="ru-RU" dirty="0">
                 <a:solidFill>
-                  <a:schemeClr val="tx1"/>
-                </a:solidFill>
+                  <a:srgbClr val="000000"/>
+                </a:solidFill>
+                <a:latin typeface="Times New Roman" panose="02020603050405020304" pitchFamily="18" charset="0"/>
+                <a:cs typeface="Times New Roman" panose="02020603050405020304" pitchFamily="18" charset="0"/>
               </a:rPr>
               <a:t>Исполнитель: </a:t>
             </a:r>
             <a:r>
               <a:rPr lang="ru-RU" dirty="0" smtClean="0">
                 <a:solidFill>
-                  <a:schemeClr val="tx1"/>
-                </a:solidFill>
+                  <a:srgbClr val="000000"/>
+                </a:solidFill>
+                <a:latin typeface="Times New Roman" panose="02020603050405020304" pitchFamily="18" charset="0"/>
+                <a:cs typeface="Times New Roman" panose="02020603050405020304" pitchFamily="18" charset="0"/>
               </a:rPr>
               <a:t>студент </a:t>
             </a:r>
             <a:r>
               <a:rPr lang="ru-RU" dirty="0">
                 <a:solidFill>
-                  <a:schemeClr val="tx1"/>
-                </a:solidFill>
+                  <a:srgbClr val="000000"/>
+                </a:solidFill>
+                <a:latin typeface="Times New Roman" panose="02020603050405020304" pitchFamily="18" charset="0"/>
+                <a:cs typeface="Times New Roman" panose="02020603050405020304" pitchFamily="18" charset="0"/>
               </a:rPr>
               <a:t>4 </a:t>
             </a:r>
             <a:r>
               <a:rPr lang="ru-RU" dirty="0" smtClean="0">
                 <a:solidFill>
-                  <a:schemeClr val="tx1"/>
-                </a:solidFill>
+                  <a:srgbClr val="000000"/>
+                </a:solidFill>
+                <a:latin typeface="Times New Roman" panose="02020603050405020304" pitchFamily="18" charset="0"/>
+                <a:cs typeface="Times New Roman" panose="02020603050405020304" pitchFamily="18" charset="0"/>
               </a:rPr>
               <a:t>курса ПрИн-467 Панова В.В.</a:t>
             </a:r>
@@ -3796,31 +3897,39 @@
             <a:r>
               <a:rPr lang="ru-RU" dirty="0" smtClean="0">
                 <a:solidFill>
-                  <a:schemeClr val="tx1"/>
-                </a:solidFill>
+                  <a:srgbClr val="000000"/>
+                </a:solidFill>
+                <a:latin typeface="Times New Roman" panose="02020603050405020304" pitchFamily="18" charset="0"/>
+                <a:cs typeface="Times New Roman" panose="02020603050405020304" pitchFamily="18" charset="0"/>
               </a:rPr>
               <a:t>Научный </a:t>
             </a:r>
             <a:r>
               <a:rPr lang="ru-RU" dirty="0">
                 <a:solidFill>
-                  <a:schemeClr val="tx1"/>
-                </a:solidFill>
+                  <a:srgbClr val="000000"/>
+                </a:solidFill>
+                <a:latin typeface="Times New Roman" panose="02020603050405020304" pitchFamily="18" charset="0"/>
+                <a:cs typeface="Times New Roman" panose="02020603050405020304" pitchFamily="18" charset="0"/>
               </a:rPr>
               <a:t>руководитель: </a:t>
             </a:r>
             <a:r>
               <a:rPr lang="ru-RU" dirty="0" smtClean="0">
                 <a:solidFill>
-                  <a:schemeClr val="tx1"/>
-                </a:solidFill>
+                  <a:srgbClr val="000000"/>
+                </a:solidFill>
+                <a:latin typeface="Times New Roman" panose="02020603050405020304" pitchFamily="18" charset="0"/>
+                <a:cs typeface="Times New Roman" panose="02020603050405020304" pitchFamily="18" charset="0"/>
               </a:rPr>
               <a:t>ст. пр. Кузнецова А.С.</a:t>
             </a:r>
             <a:endParaRPr lang="ru-RU" dirty="0">
               <a:solidFill>
-                <a:schemeClr val="tx1"/>
+                <a:srgbClr val="000000"/>
               </a:solidFill>
+              <a:latin typeface="Times New Roman" panose="02020603050405020304" pitchFamily="18" charset="0"/>
+              <a:cs typeface="Times New Roman" panose="02020603050405020304" pitchFamily="18" charset="0"/>
             </a:endParaRPr>
           </a:p>
         </p:txBody>
@@ -3833,8 +3942,8 @@
         </p:nvSpPr>
         <p:spPr>
           <a:xfrm>
-            <a:off x="485865" y="332656"/>
-            <a:ext cx="7625101" cy="784830"/>
+            <a:off x="534341" y="332656"/>
+            <a:ext cx="7528150" cy="784830"/>
           </a:xfrm>
           <a:prstGeom prst="rect">
             <a:avLst/>
@@ -3857,6 +3966,8 @@
                 <a:solidFill>
                   <a:srgbClr val="000000"/>
                 </a:solidFill>
+                <a:latin typeface="Times New Roman" panose="02020603050405020304" pitchFamily="18" charset="0"/>
+                <a:cs typeface="Times New Roman" panose="02020603050405020304" pitchFamily="18" charset="0"/>
               </a:rPr>
               <a:t>Волгоградский государственный технический </a:t>
             </a:r>
@@ -3865,6 +3976,8 @@
                 <a:solidFill>
                   <a:srgbClr val="000000"/>
                 </a:solidFill>
+                <a:latin typeface="Times New Roman" panose="02020603050405020304" pitchFamily="18" charset="0"/>
+                <a:cs typeface="Times New Roman" panose="02020603050405020304" pitchFamily="18" charset="0"/>
               </a:rPr>
               <a:t>университет</a:t>
             </a:r>
@@ -3880,6 +3993,8 @@
                 <a:solidFill>
                   <a:srgbClr val="000000"/>
                 </a:solidFill>
+                <a:latin typeface="Times New Roman" panose="02020603050405020304" pitchFamily="18" charset="0"/>
+                <a:cs typeface="Times New Roman" panose="02020603050405020304" pitchFamily="18" charset="0"/>
               </a:rPr>
               <a:t>Кафедра «Программное </a:t>
             </a:r>
@@ -3888,6 +4003,8 @@
                 <a:solidFill>
                   <a:srgbClr val="000000"/>
                 </a:solidFill>
+                <a:latin typeface="Times New Roman" panose="02020603050405020304" pitchFamily="18" charset="0"/>
+                <a:cs typeface="Times New Roman" panose="02020603050405020304" pitchFamily="18" charset="0"/>
               </a:rPr>
               <a:t>обеспечение автоматизированных </a:t>
             </a:r>
@@ -3896,6 +4013,8 @@
                 <a:solidFill>
                   <a:srgbClr val="000000"/>
                 </a:solidFill>
+                <a:latin typeface="Times New Roman" panose="02020603050405020304" pitchFamily="18" charset="0"/>
+                <a:cs typeface="Times New Roman" panose="02020603050405020304" pitchFamily="18" charset="0"/>
               </a:rPr>
               <a:t>систем»</a:t>
             </a:r>
@@ -3903,6 +4022,8 @@
               <a:solidFill>
                 <a:srgbClr val="000000"/>
               </a:solidFill>
+              <a:latin typeface="Times New Roman" panose="02020603050405020304" pitchFamily="18" charset="0"/>
+              <a:cs typeface="Times New Roman" panose="02020603050405020304" pitchFamily="18" charset="0"/>
             </a:endParaRPr>
           </a:p>
         </p:txBody>
@@ -3955,6 +4076,2112 @@
           </p:nvPr>
         </p:nvSpPr>
         <p:spPr>
+          <a:noFill/>
+        </p:spPr>
+        <p:txBody>
+          <a:bodyPr/>
+          <a:lstStyle/>
+          <a:p>
+            <a:r>
+              <a:rPr lang="ru-RU" sz="4000" dirty="0">
+                <a:solidFill>
+                  <a:srgbClr val="000000"/>
+                </a:solidFill>
+                <a:latin typeface="Times New Roman" panose="02020603050405020304" pitchFamily="18" charset="0"/>
+                <a:cs typeface="Times New Roman" panose="02020603050405020304" pitchFamily="18" charset="0"/>
+              </a:rPr>
+              <a:t>Предлагаемое решение</a:t>
+            </a:r>
+          </a:p>
+        </p:txBody>
+      </p:sp>
+      <p:sp>
+        <p:nvSpPr>
+          <p:cNvPr id="3" name="TextBox 2"/>
+          <p:cNvSpPr txBox="1"/>
+          <p:nvPr/>
+        </p:nvSpPr>
+        <p:spPr>
+          <a:xfrm>
+            <a:off x="467544" y="1916832"/>
+            <a:ext cx="7992888" cy="3477875"/>
+          </a:xfrm>
+          <a:prstGeom prst="rect">
+            <a:avLst/>
+          </a:prstGeom>
+          <a:noFill/>
+        </p:spPr>
+        <p:txBody>
+          <a:bodyPr wrap="square" rtlCol="0">
+            <a:spAutoFit/>
+          </a:bodyPr>
+          <a:lstStyle/>
+          <a:p>
+            <a:pPr>
+              <a:spcAft>
+                <a:spcPts val="600"/>
+              </a:spcAft>
+            </a:pPr>
+            <a:r>
+              <a:rPr lang="ru-RU" sz="2000" dirty="0" smtClean="0">
+                <a:solidFill>
+                  <a:srgbClr val="000000"/>
+                </a:solidFill>
+                <a:latin typeface="Times New Roman" panose="02020603050405020304" pitchFamily="18" charset="0"/>
+                <a:cs typeface="Times New Roman" panose="02020603050405020304" pitchFamily="18" charset="0"/>
+              </a:rPr>
+              <a:t>Направления</a:t>
+            </a:r>
+            <a:r>
+              <a:rPr lang="ru-RU" sz="2000" dirty="0">
+                <a:solidFill>
+                  <a:srgbClr val="000000"/>
+                </a:solidFill>
+                <a:latin typeface="Times New Roman" panose="02020603050405020304" pitchFamily="18" charset="0"/>
+                <a:cs typeface="Times New Roman" panose="02020603050405020304" pitchFamily="18" charset="0"/>
+              </a:rPr>
+              <a:t>, которые будет учитывать разрабатываемый прототип:</a:t>
+            </a:r>
+          </a:p>
+          <a:p>
+            <a:pPr marL="342900" indent="-342900">
+              <a:spcAft>
+                <a:spcPts val="600"/>
+              </a:spcAft>
+              <a:buFont typeface="+mj-lt"/>
+              <a:buAutoNum type="arabicPeriod"/>
+            </a:pPr>
+            <a:r>
+              <a:rPr lang="ru-RU" sz="2000" dirty="0" smtClean="0">
+                <a:solidFill>
+                  <a:srgbClr val="000000"/>
+                </a:solidFill>
+                <a:latin typeface="Times New Roman" panose="02020603050405020304" pitchFamily="18" charset="0"/>
+                <a:cs typeface="Times New Roman" panose="02020603050405020304" pitchFamily="18" charset="0"/>
+              </a:rPr>
+              <a:t>Повышение </a:t>
+            </a:r>
+            <a:r>
+              <a:rPr lang="ru-RU" sz="2000" dirty="0">
+                <a:solidFill>
+                  <a:srgbClr val="000000"/>
+                </a:solidFill>
+                <a:latin typeface="Times New Roman" panose="02020603050405020304" pitchFamily="18" charset="0"/>
+                <a:cs typeface="Times New Roman" panose="02020603050405020304" pitchFamily="18" charset="0"/>
+              </a:rPr>
+              <a:t>точности и скорости </a:t>
+            </a:r>
+            <a:r>
+              <a:rPr lang="ru-RU" sz="2000" dirty="0" smtClean="0">
+                <a:solidFill>
+                  <a:srgbClr val="000000"/>
+                </a:solidFill>
+                <a:latin typeface="Times New Roman" panose="02020603050405020304" pitchFamily="18" charset="0"/>
+                <a:cs typeface="Times New Roman" panose="02020603050405020304" pitchFamily="18" charset="0"/>
+              </a:rPr>
+              <a:t>перевода</a:t>
+            </a:r>
+          </a:p>
+          <a:p>
+            <a:pPr marL="342900" indent="-342900">
+              <a:spcAft>
+                <a:spcPts val="600"/>
+              </a:spcAft>
+              <a:buFont typeface="+mj-lt"/>
+              <a:buAutoNum type="arabicPeriod"/>
+            </a:pPr>
+            <a:r>
+              <a:rPr lang="ru-RU" sz="2000" dirty="0" smtClean="0">
+                <a:solidFill>
+                  <a:srgbClr val="000000"/>
+                </a:solidFill>
+                <a:latin typeface="Times New Roman" panose="02020603050405020304" pitchFamily="18" charset="0"/>
+                <a:cs typeface="Times New Roman" panose="02020603050405020304" pitchFamily="18" charset="0"/>
+              </a:rPr>
+              <a:t>Расширение </a:t>
+            </a:r>
+            <a:r>
+              <a:rPr lang="ru-RU" sz="2000" dirty="0">
+                <a:solidFill>
+                  <a:srgbClr val="000000"/>
+                </a:solidFill>
+                <a:latin typeface="Times New Roman" panose="02020603050405020304" pitchFamily="18" charset="0"/>
+                <a:cs typeface="Times New Roman" panose="02020603050405020304" pitchFamily="18" charset="0"/>
+              </a:rPr>
+              <a:t>поддержки языков и </a:t>
+            </a:r>
+            <a:r>
+              <a:rPr lang="ru-RU" sz="2000" dirty="0" smtClean="0">
+                <a:solidFill>
+                  <a:srgbClr val="000000"/>
+                </a:solidFill>
+                <a:latin typeface="Times New Roman" panose="02020603050405020304" pitchFamily="18" charset="0"/>
+                <a:cs typeface="Times New Roman" panose="02020603050405020304" pitchFamily="18" charset="0"/>
+              </a:rPr>
+              <a:t>диалектов</a:t>
+            </a:r>
+          </a:p>
+          <a:p>
+            <a:pPr marL="342900" indent="-342900">
+              <a:spcAft>
+                <a:spcPts val="600"/>
+              </a:spcAft>
+              <a:buFont typeface="+mj-lt"/>
+              <a:buAutoNum type="arabicPeriod"/>
+            </a:pPr>
+            <a:r>
+              <a:rPr lang="ru-RU" sz="2000" dirty="0" smtClean="0">
+                <a:solidFill>
+                  <a:srgbClr val="000000"/>
+                </a:solidFill>
+                <a:latin typeface="Times New Roman" panose="02020603050405020304" pitchFamily="18" charset="0"/>
+                <a:cs typeface="Times New Roman" panose="02020603050405020304" pitchFamily="18" charset="0"/>
+              </a:rPr>
+              <a:t>Снижение стоимости</a:t>
+            </a:r>
+          </a:p>
+          <a:p>
+            <a:pPr marL="342900" indent="-342900">
+              <a:spcAft>
+                <a:spcPts val="600"/>
+              </a:spcAft>
+              <a:buFont typeface="+mj-lt"/>
+              <a:buAutoNum type="arabicPeriod"/>
+            </a:pPr>
+            <a:r>
+              <a:rPr lang="ru-RU" sz="2000" dirty="0" smtClean="0">
+                <a:solidFill>
+                  <a:srgbClr val="000000"/>
+                </a:solidFill>
+                <a:latin typeface="Times New Roman" panose="02020603050405020304" pitchFamily="18" charset="0"/>
+                <a:cs typeface="Times New Roman" panose="02020603050405020304" pitchFamily="18" charset="0"/>
+              </a:rPr>
+              <a:t>Улучшение </a:t>
+            </a:r>
+            <a:r>
+              <a:rPr lang="ru-RU" sz="2000" dirty="0">
+                <a:solidFill>
+                  <a:srgbClr val="000000"/>
+                </a:solidFill>
+                <a:latin typeface="Times New Roman" panose="02020603050405020304" pitchFamily="18" charset="0"/>
+                <a:cs typeface="Times New Roman" panose="02020603050405020304" pitchFamily="18" charset="0"/>
+              </a:rPr>
+              <a:t>удобства </a:t>
+            </a:r>
+            <a:r>
+              <a:rPr lang="ru-RU" sz="2000" dirty="0" smtClean="0">
+                <a:solidFill>
+                  <a:srgbClr val="000000"/>
+                </a:solidFill>
+                <a:latin typeface="Times New Roman" panose="02020603050405020304" pitchFamily="18" charset="0"/>
+                <a:cs typeface="Times New Roman" panose="02020603050405020304" pitchFamily="18" charset="0"/>
+              </a:rPr>
+              <a:t>использования:</a:t>
+            </a:r>
+          </a:p>
+          <a:p>
+            <a:pPr marL="800100" lvl="1" indent="-342900">
+              <a:spcAft>
+                <a:spcPts val="600"/>
+              </a:spcAft>
+              <a:buFont typeface="Arial" panose="020B0604020202020204" pitchFamily="34" charset="0"/>
+              <a:buChar char="•"/>
+            </a:pPr>
+            <a:r>
+              <a:rPr lang="ru-RU" sz="2000" dirty="0" smtClean="0">
+                <a:solidFill>
+                  <a:srgbClr val="000000"/>
+                </a:solidFill>
+                <a:latin typeface="Times New Roman" panose="02020603050405020304" pitchFamily="18" charset="0"/>
+                <a:cs typeface="Times New Roman" panose="02020603050405020304" pitchFamily="18" charset="0"/>
+              </a:rPr>
+              <a:t>Перевод видеозаписи </a:t>
+            </a:r>
+            <a:r>
+              <a:rPr lang="ru-RU" sz="2000" dirty="0">
+                <a:solidFill>
+                  <a:srgbClr val="000000"/>
+                </a:solidFill>
+                <a:latin typeface="Times New Roman" panose="02020603050405020304" pitchFamily="18" charset="0"/>
+                <a:cs typeface="Times New Roman" panose="02020603050405020304" pitchFamily="18" charset="0"/>
+              </a:rPr>
+              <a:t>с жестовым языком в </a:t>
+            </a:r>
+            <a:r>
+              <a:rPr lang="ru-RU" sz="2000" dirty="0" smtClean="0">
+                <a:solidFill>
+                  <a:srgbClr val="000000"/>
+                </a:solidFill>
+                <a:latin typeface="Times New Roman" panose="02020603050405020304" pitchFamily="18" charset="0"/>
+                <a:cs typeface="Times New Roman" panose="02020603050405020304" pitchFamily="18" charset="0"/>
+              </a:rPr>
+              <a:t>текст</a:t>
+            </a:r>
+          </a:p>
+          <a:p>
+            <a:pPr marL="800100" lvl="1" indent="-342900">
+              <a:spcAft>
+                <a:spcPts val="600"/>
+              </a:spcAft>
+              <a:buFont typeface="Arial" panose="020B0604020202020204" pitchFamily="34" charset="0"/>
+              <a:buChar char="•"/>
+            </a:pPr>
+            <a:r>
+              <a:rPr lang="ru-RU" sz="2000" dirty="0">
+                <a:solidFill>
+                  <a:srgbClr val="000000"/>
+                </a:solidFill>
+                <a:latin typeface="Times New Roman" panose="02020603050405020304" pitchFamily="18" charset="0"/>
+                <a:cs typeface="Times New Roman" panose="02020603050405020304" pitchFamily="18" charset="0"/>
+              </a:rPr>
+              <a:t>Автоматические субтитры для </a:t>
+            </a:r>
+            <a:r>
+              <a:rPr lang="ru-RU" sz="2000" dirty="0" err="1">
+                <a:solidFill>
+                  <a:srgbClr val="000000"/>
+                </a:solidFill>
+                <a:latin typeface="Times New Roman" panose="02020603050405020304" pitchFamily="18" charset="0"/>
+                <a:cs typeface="Times New Roman" panose="02020603050405020304" pitchFamily="18" charset="0"/>
+              </a:rPr>
+              <a:t>медиаконтента</a:t>
+            </a:r>
+            <a:endParaRPr lang="ru-RU" sz="2000" dirty="0">
+              <a:solidFill>
+                <a:srgbClr val="000000"/>
+              </a:solidFill>
+              <a:latin typeface="Times New Roman" panose="02020603050405020304" pitchFamily="18" charset="0"/>
+              <a:cs typeface="Times New Roman" panose="02020603050405020304" pitchFamily="18" charset="0"/>
+            </a:endParaRPr>
+          </a:p>
+          <a:p>
+            <a:pPr marL="800100" lvl="1" indent="-342900">
+              <a:spcAft>
+                <a:spcPts val="600"/>
+              </a:spcAft>
+              <a:buFont typeface="Arial" panose="020B0604020202020204" pitchFamily="34" charset="0"/>
+              <a:buChar char="•"/>
+            </a:pPr>
+            <a:r>
+              <a:rPr lang="ru-RU" sz="2000" dirty="0" smtClean="0">
+                <a:solidFill>
+                  <a:srgbClr val="000000"/>
+                </a:solidFill>
+                <a:latin typeface="Times New Roman" panose="02020603050405020304" pitchFamily="18" charset="0"/>
+                <a:cs typeface="Times New Roman" panose="02020603050405020304" pitchFamily="18" charset="0"/>
+              </a:rPr>
+              <a:t>Настройка </a:t>
+            </a:r>
+            <a:r>
+              <a:rPr lang="ru-RU" sz="2000" dirty="0">
+                <a:solidFill>
+                  <a:srgbClr val="000000"/>
+                </a:solidFill>
+                <a:latin typeface="Times New Roman" panose="02020603050405020304" pitchFamily="18" charset="0"/>
+                <a:cs typeface="Times New Roman" panose="02020603050405020304" pitchFamily="18" charset="0"/>
+              </a:rPr>
+              <a:t>контраста, шрифтов, цветовых схем</a:t>
+            </a:r>
+          </a:p>
+          <a:p>
+            <a:pPr marL="342900" indent="-342900">
+              <a:spcAft>
+                <a:spcPts val="600"/>
+              </a:spcAft>
+              <a:buFont typeface="+mj-lt"/>
+              <a:buAutoNum type="arabicPeriod"/>
+            </a:pPr>
+            <a:r>
+              <a:rPr lang="ru-RU" sz="2000" dirty="0" smtClean="0">
+                <a:solidFill>
+                  <a:srgbClr val="000000"/>
+                </a:solidFill>
+                <a:latin typeface="Times New Roman" panose="02020603050405020304" pitchFamily="18" charset="0"/>
+                <a:cs typeface="Times New Roman" panose="02020603050405020304" pitchFamily="18" charset="0"/>
+              </a:rPr>
+              <a:t>Интеграция </a:t>
+            </a:r>
+            <a:r>
+              <a:rPr lang="ru-RU" sz="2000" dirty="0">
+                <a:solidFill>
+                  <a:srgbClr val="000000"/>
+                </a:solidFill>
+                <a:latin typeface="Times New Roman" panose="02020603050405020304" pitchFamily="18" charset="0"/>
+                <a:cs typeface="Times New Roman" panose="02020603050405020304" pitchFamily="18" charset="0"/>
+              </a:rPr>
+              <a:t>с другими приложениями и </a:t>
+            </a:r>
+            <a:r>
+              <a:rPr lang="ru-RU" sz="2000" dirty="0" smtClean="0">
+                <a:solidFill>
+                  <a:srgbClr val="000000"/>
+                </a:solidFill>
+                <a:latin typeface="Times New Roman" panose="02020603050405020304" pitchFamily="18" charset="0"/>
+                <a:cs typeface="Times New Roman" panose="02020603050405020304" pitchFamily="18" charset="0"/>
+              </a:rPr>
+              <a:t>устройствами</a:t>
+            </a:r>
+            <a:endParaRPr lang="ru-RU" sz="2000" dirty="0" smtClean="0">
+              <a:solidFill>
+                <a:srgbClr val="000000"/>
+              </a:solidFill>
+              <a:latin typeface="Times New Roman" panose="02020603050405020304" pitchFamily="18" charset="0"/>
+              <a:cs typeface="Times New Roman" panose="02020603050405020304" pitchFamily="18" charset="0"/>
+            </a:endParaRPr>
+          </a:p>
+        </p:txBody>
+      </p:sp>
+      <p:sp>
+        <p:nvSpPr>
+          <p:cNvPr id="4" name="Номер слайда 3"/>
+          <p:cNvSpPr>
+            <a:spLocks noGrp="1"/>
+          </p:cNvSpPr>
+          <p:nvPr>
+            <p:ph type="sldNum" sz="quarter" idx="12"/>
+          </p:nvPr>
+        </p:nvSpPr>
+        <p:spPr/>
+        <p:txBody>
+          <a:bodyPr/>
+          <a:lstStyle/>
+          <a:p>
+            <a:fld id="{1B61E6DC-7948-428B-BF0C-0B97AF471FA1}" type="slidenum">
+              <a:rPr lang="ru-RU" sz="2400" b="1" smtClean="0">
+                <a:latin typeface="Times New Roman" panose="02020603050405020304" pitchFamily="18" charset="0"/>
+                <a:cs typeface="Times New Roman" panose="02020603050405020304" pitchFamily="18" charset="0"/>
+              </a:rPr>
+              <a:t>10</a:t>
+            </a:fld>
+            <a:endParaRPr lang="ru-RU" sz="2400" b="1" dirty="0">
+              <a:latin typeface="Times New Roman" panose="02020603050405020304" pitchFamily="18" charset="0"/>
+              <a:cs typeface="Times New Roman" panose="02020603050405020304" pitchFamily="18" charset="0"/>
+            </a:endParaRPr>
+          </a:p>
+        </p:txBody>
+      </p:sp>
+    </p:spTree>
+    <p:extLst>
+      <p:ext uri="{BB962C8B-B14F-4D97-AF65-F5344CB8AC3E}">
+        <p14:creationId xmlns:p14="http://schemas.microsoft.com/office/powerpoint/2010/main" val="2950982690"/>
+      </p:ext>
+    </p:extLst>
+  </p:cSld>
+  <p:clrMapOvr>
+    <a:masterClrMapping/>
+  </p:clrMapOvr>
+  <p:timing>
+    <p:tnLst>
+      <p:par>
+        <p:cTn id="1" dur="indefinite" restart="never" nodeType="tmRoot"/>
+      </p:par>
+    </p:tnLst>
+  </p:timing>
+</p:sld>
+</file>
+
+<file path=ppt/slides/slide11.xml><?xml version="1.0" encoding="utf-8"?>
+<p:sld xmlns:a="http://schemas.openxmlformats.org/drawingml/2006/main" xmlns:r="http://schemas.openxmlformats.org/officeDocument/2006/relationships" xmlns:p="http://schemas.openxmlformats.org/presentationml/2006/main">
+  <p:cSld>
+    <p:spTree>
+      <p:nvGrpSpPr>
+        <p:cNvPr id="1" name=""/>
+        <p:cNvGrpSpPr/>
+        <p:nvPr/>
+      </p:nvGrpSpPr>
+      <p:grpSpPr>
+        <a:xfrm>
+          <a:off x="0" y="0"/>
+          <a:ext cx="0" cy="0"/>
+          <a:chOff x="0" y="0"/>
+          <a:chExt cx="0" cy="0"/>
+        </a:xfrm>
+      </p:grpSpPr>
+      <p:sp>
+        <p:nvSpPr>
+          <p:cNvPr id="2" name="Заголовок 1"/>
+          <p:cNvSpPr>
+            <a:spLocks noGrp="1"/>
+          </p:cNvSpPr>
+          <p:nvPr>
+            <p:ph type="title"/>
+          </p:nvPr>
+        </p:nvSpPr>
+        <p:spPr>
+          <a:noFill/>
+        </p:spPr>
+        <p:txBody>
+          <a:bodyPr/>
+          <a:lstStyle/>
+          <a:p>
+            <a:r>
+              <a:rPr lang="ru-RU" sz="4000" dirty="0">
+                <a:solidFill>
+                  <a:schemeClr val="tx1"/>
+                </a:solidFill>
+                <a:latin typeface="Times New Roman" panose="02020603050405020304" pitchFamily="18" charset="0"/>
+                <a:cs typeface="Times New Roman" panose="02020603050405020304" pitchFamily="18" charset="0"/>
+              </a:rPr>
+              <a:t> Практическая значимость</a:t>
+            </a:r>
+          </a:p>
+        </p:txBody>
+      </p:sp>
+      <p:sp>
+        <p:nvSpPr>
+          <p:cNvPr id="3" name="TextBox 2"/>
+          <p:cNvSpPr txBox="1"/>
+          <p:nvPr/>
+        </p:nvSpPr>
+        <p:spPr>
+          <a:xfrm>
+            <a:off x="467544" y="1772816"/>
+            <a:ext cx="7992888" cy="4862870"/>
+          </a:xfrm>
+          <a:prstGeom prst="rect">
+            <a:avLst/>
+          </a:prstGeom>
+          <a:noFill/>
+        </p:spPr>
+        <p:txBody>
+          <a:bodyPr wrap="square" rtlCol="0">
+            <a:spAutoFit/>
+          </a:bodyPr>
+          <a:lstStyle/>
+          <a:p>
+            <a:pPr>
+              <a:spcAft>
+                <a:spcPts val="600"/>
+              </a:spcAft>
+            </a:pPr>
+            <a:r>
+              <a:rPr lang="ru-RU" sz="2000" dirty="0" smtClean="0">
+                <a:latin typeface="Times New Roman" panose="02020603050405020304" pitchFamily="18" charset="0"/>
+                <a:cs typeface="Times New Roman" panose="02020603050405020304" pitchFamily="18" charset="0"/>
+              </a:rPr>
+              <a:t>Для </a:t>
+            </a:r>
+            <a:r>
+              <a:rPr lang="ru-RU" sz="2000" dirty="0">
+                <a:latin typeface="Times New Roman" panose="02020603050405020304" pitchFamily="18" charset="0"/>
+                <a:cs typeface="Times New Roman" panose="02020603050405020304" pitchFamily="18" charset="0"/>
+              </a:rPr>
+              <a:t>пользователей:</a:t>
+            </a:r>
+          </a:p>
+          <a:p>
+            <a:pPr marL="342900" indent="-342900">
+              <a:spcAft>
+                <a:spcPts val="600"/>
+              </a:spcAft>
+              <a:buFont typeface="Arial" panose="020B0604020202020204" pitchFamily="34" charset="0"/>
+              <a:buChar char="•"/>
+            </a:pPr>
+            <a:r>
+              <a:rPr lang="ru-RU" sz="2000" dirty="0" smtClean="0">
+                <a:latin typeface="Times New Roman" panose="02020603050405020304" pitchFamily="18" charset="0"/>
+                <a:cs typeface="Times New Roman" panose="02020603050405020304" pitchFamily="18" charset="0"/>
+              </a:rPr>
+              <a:t>Упрощение </a:t>
+            </a:r>
+            <a:r>
+              <a:rPr lang="ru-RU" sz="2000" dirty="0">
+                <a:latin typeface="Times New Roman" panose="02020603050405020304" pitchFamily="18" charset="0"/>
+                <a:cs typeface="Times New Roman" panose="02020603050405020304" pitchFamily="18" charset="0"/>
+              </a:rPr>
+              <a:t>общения со слышащими через субтитры/транскрипцию</a:t>
+            </a:r>
+          </a:p>
+          <a:p>
+            <a:pPr marL="342900" indent="-342900">
+              <a:spcAft>
+                <a:spcPts val="600"/>
+              </a:spcAft>
+              <a:buFont typeface="Arial" panose="020B0604020202020204" pitchFamily="34" charset="0"/>
+              <a:buChar char="•"/>
+            </a:pPr>
+            <a:r>
+              <a:rPr lang="ru-RU" sz="2000" dirty="0" smtClean="0">
+                <a:latin typeface="Times New Roman" panose="02020603050405020304" pitchFamily="18" charset="0"/>
+                <a:cs typeface="Times New Roman" panose="02020603050405020304" pitchFamily="18" charset="0"/>
+              </a:rPr>
+              <a:t>Доступ </a:t>
+            </a:r>
+            <a:r>
+              <a:rPr lang="ru-RU" sz="2000" dirty="0">
+                <a:latin typeface="Times New Roman" panose="02020603050405020304" pitchFamily="18" charset="0"/>
+                <a:cs typeface="Times New Roman" panose="02020603050405020304" pitchFamily="18" charset="0"/>
+              </a:rPr>
+              <a:t>к сообществам, мероприятиям, образовательному контенту</a:t>
+            </a:r>
+          </a:p>
+          <a:p>
+            <a:pPr>
+              <a:spcAft>
+                <a:spcPts val="600"/>
+              </a:spcAft>
+            </a:pPr>
+            <a:endParaRPr lang="ru-RU" sz="2000" dirty="0">
+              <a:latin typeface="Times New Roman" panose="02020603050405020304" pitchFamily="18" charset="0"/>
+              <a:cs typeface="Times New Roman" panose="02020603050405020304" pitchFamily="18" charset="0"/>
+            </a:endParaRPr>
+          </a:p>
+          <a:p>
+            <a:pPr>
+              <a:spcAft>
+                <a:spcPts val="600"/>
+              </a:spcAft>
+            </a:pPr>
+            <a:r>
+              <a:rPr lang="ru-RU" sz="2000" dirty="0">
+                <a:latin typeface="Times New Roman" panose="02020603050405020304" pitchFamily="18" charset="0"/>
+                <a:cs typeface="Times New Roman" panose="02020603050405020304" pitchFamily="18" charset="0"/>
+              </a:rPr>
+              <a:t>Для общества</a:t>
+            </a:r>
+            <a:r>
+              <a:rPr lang="ru-RU" sz="2000" dirty="0" smtClean="0">
+                <a:latin typeface="Times New Roman" panose="02020603050405020304" pitchFamily="18" charset="0"/>
+                <a:cs typeface="Times New Roman" panose="02020603050405020304" pitchFamily="18" charset="0"/>
+              </a:rPr>
+              <a:t>:</a:t>
+            </a:r>
+            <a:endParaRPr lang="ru-RU" sz="2000" dirty="0">
+              <a:latin typeface="Times New Roman" panose="02020603050405020304" pitchFamily="18" charset="0"/>
+              <a:cs typeface="Times New Roman" panose="02020603050405020304" pitchFamily="18" charset="0"/>
+            </a:endParaRPr>
+          </a:p>
+          <a:p>
+            <a:pPr marL="342900" indent="-342900">
+              <a:spcAft>
+                <a:spcPts val="600"/>
+              </a:spcAft>
+              <a:buFont typeface="Arial" panose="020B0604020202020204" pitchFamily="34" charset="0"/>
+              <a:buChar char="•"/>
+            </a:pPr>
+            <a:r>
+              <a:rPr lang="ru-RU" sz="2000" dirty="0" smtClean="0">
+                <a:latin typeface="Times New Roman" panose="02020603050405020304" pitchFamily="18" charset="0"/>
+                <a:cs typeface="Times New Roman" panose="02020603050405020304" pitchFamily="18" charset="0"/>
+              </a:rPr>
+              <a:t>Снижение </a:t>
+            </a:r>
+            <a:r>
+              <a:rPr lang="ru-RU" sz="2000" dirty="0">
+                <a:latin typeface="Times New Roman" panose="02020603050405020304" pitchFamily="18" charset="0"/>
+                <a:cs typeface="Times New Roman" panose="02020603050405020304" pitchFamily="18" charset="0"/>
+              </a:rPr>
+              <a:t>коммуникационных барьеров в </a:t>
+            </a:r>
+            <a:r>
+              <a:rPr lang="ru-RU" sz="2000" dirty="0" smtClean="0">
+                <a:latin typeface="Times New Roman" panose="02020603050405020304" pitchFamily="18" charset="0"/>
+                <a:cs typeface="Times New Roman" panose="02020603050405020304" pitchFamily="18" charset="0"/>
+              </a:rPr>
+              <a:t>медицине/образовании/работе</a:t>
+            </a:r>
+            <a:endParaRPr lang="ru-RU" sz="2000" dirty="0">
+              <a:latin typeface="Times New Roman" panose="02020603050405020304" pitchFamily="18" charset="0"/>
+              <a:cs typeface="Times New Roman" panose="02020603050405020304" pitchFamily="18" charset="0"/>
+            </a:endParaRPr>
+          </a:p>
+          <a:p>
+            <a:pPr marL="342900" indent="-342900">
+              <a:spcAft>
+                <a:spcPts val="600"/>
+              </a:spcAft>
+              <a:buFont typeface="Arial" panose="020B0604020202020204" pitchFamily="34" charset="0"/>
+              <a:buChar char="•"/>
+            </a:pPr>
+            <a:r>
+              <a:rPr lang="ru-RU" sz="2000" dirty="0" smtClean="0">
+                <a:latin typeface="Times New Roman" panose="02020603050405020304" pitchFamily="18" charset="0"/>
+                <a:cs typeface="Times New Roman" panose="02020603050405020304" pitchFamily="18" charset="0"/>
+              </a:rPr>
+              <a:t>Сокращение </a:t>
+            </a:r>
+            <a:r>
+              <a:rPr lang="ru-RU" sz="2000" dirty="0">
+                <a:latin typeface="Times New Roman" panose="02020603050405020304" pitchFamily="18" charset="0"/>
+                <a:cs typeface="Times New Roman" panose="02020603050405020304" pitchFamily="18" charset="0"/>
+              </a:rPr>
+              <a:t>потребности в </a:t>
+            </a:r>
+            <a:r>
+              <a:rPr lang="ru-RU" sz="2000" dirty="0" err="1">
+                <a:latin typeface="Times New Roman" panose="02020603050405020304" pitchFamily="18" charset="0"/>
+                <a:cs typeface="Times New Roman" panose="02020603050405020304" pitchFamily="18" charset="0"/>
+              </a:rPr>
+              <a:t>сурдопереводчиках</a:t>
+            </a:r>
+            <a:r>
+              <a:rPr lang="ru-RU" sz="2000" dirty="0">
+                <a:latin typeface="Times New Roman" panose="02020603050405020304" pitchFamily="18" charset="0"/>
+                <a:cs typeface="Times New Roman" panose="02020603050405020304" pitchFamily="18" charset="0"/>
+              </a:rPr>
+              <a:t> для базовых задач</a:t>
+            </a:r>
+          </a:p>
+          <a:p>
+            <a:pPr>
+              <a:spcAft>
+                <a:spcPts val="600"/>
+              </a:spcAft>
+            </a:pPr>
+            <a:endParaRPr lang="ru-RU" sz="2000" dirty="0">
+              <a:latin typeface="Times New Roman" panose="02020603050405020304" pitchFamily="18" charset="0"/>
+              <a:cs typeface="Times New Roman" panose="02020603050405020304" pitchFamily="18" charset="0"/>
+            </a:endParaRPr>
+          </a:p>
+          <a:p>
+            <a:pPr>
+              <a:spcAft>
+                <a:spcPts val="600"/>
+              </a:spcAft>
+            </a:pPr>
+            <a:r>
+              <a:rPr lang="ru-RU" sz="2000" dirty="0">
+                <a:latin typeface="Times New Roman" panose="02020603050405020304" pitchFamily="18" charset="0"/>
+                <a:cs typeface="Times New Roman" panose="02020603050405020304" pitchFamily="18" charset="0"/>
+              </a:rPr>
+              <a:t>Для технологий</a:t>
+            </a:r>
+            <a:r>
+              <a:rPr lang="ru-RU" sz="2000" dirty="0" smtClean="0">
+                <a:latin typeface="Times New Roman" panose="02020603050405020304" pitchFamily="18" charset="0"/>
+                <a:cs typeface="Times New Roman" panose="02020603050405020304" pitchFamily="18" charset="0"/>
+              </a:rPr>
+              <a:t>:</a:t>
+            </a:r>
+            <a:endParaRPr lang="ru-RU" sz="2000" dirty="0">
+              <a:latin typeface="Times New Roman" panose="02020603050405020304" pitchFamily="18" charset="0"/>
+              <a:cs typeface="Times New Roman" panose="02020603050405020304" pitchFamily="18" charset="0"/>
+            </a:endParaRPr>
+          </a:p>
+          <a:p>
+            <a:pPr marL="342900" indent="-342900">
+              <a:spcAft>
+                <a:spcPts val="600"/>
+              </a:spcAft>
+              <a:buFont typeface="Arial" panose="020B0604020202020204" pitchFamily="34" charset="0"/>
+              <a:buChar char="•"/>
+            </a:pPr>
+            <a:r>
+              <a:rPr lang="ru-RU" sz="2000" dirty="0" smtClean="0">
+                <a:latin typeface="Times New Roman" panose="02020603050405020304" pitchFamily="18" charset="0"/>
+                <a:cs typeface="Times New Roman" panose="02020603050405020304" pitchFamily="18" charset="0"/>
+              </a:rPr>
+              <a:t>Готовый </a:t>
+            </a:r>
+            <a:r>
+              <a:rPr lang="ru-RU" sz="2000" dirty="0">
+                <a:latin typeface="Times New Roman" panose="02020603050405020304" pitchFamily="18" charset="0"/>
+                <a:cs typeface="Times New Roman" panose="02020603050405020304" pitchFamily="18" charset="0"/>
+              </a:rPr>
+              <a:t>дизайн-прототип для реализации </a:t>
+            </a:r>
+            <a:r>
+              <a:rPr lang="ru-RU" sz="2000" dirty="0" smtClean="0">
+                <a:latin typeface="Times New Roman" panose="02020603050405020304" pitchFamily="18" charset="0"/>
+                <a:cs typeface="Times New Roman" panose="02020603050405020304" pitchFamily="18" charset="0"/>
+              </a:rPr>
+              <a:t>приложения</a:t>
+            </a:r>
+            <a:endParaRPr lang="ru-RU" sz="2000" dirty="0">
+              <a:latin typeface="Times New Roman" panose="02020603050405020304" pitchFamily="18" charset="0"/>
+              <a:cs typeface="Times New Roman" panose="02020603050405020304" pitchFamily="18" charset="0"/>
+            </a:endParaRPr>
+          </a:p>
+          <a:p>
+            <a:pPr marL="342900" indent="-342900">
+              <a:spcAft>
+                <a:spcPts val="600"/>
+              </a:spcAft>
+              <a:buFont typeface="Arial" panose="020B0604020202020204" pitchFamily="34" charset="0"/>
+              <a:buChar char="•"/>
+            </a:pPr>
+            <a:r>
+              <a:rPr lang="ru-RU" sz="2000" dirty="0" smtClean="0">
+                <a:latin typeface="Times New Roman" panose="02020603050405020304" pitchFamily="18" charset="0"/>
+                <a:cs typeface="Times New Roman" panose="02020603050405020304" pitchFamily="18" charset="0"/>
+              </a:rPr>
+              <a:t>Методология </a:t>
+            </a:r>
+            <a:r>
+              <a:rPr lang="ru-RU" sz="2000" dirty="0">
+                <a:latin typeface="Times New Roman" panose="02020603050405020304" pitchFamily="18" charset="0"/>
+                <a:cs typeface="Times New Roman" panose="02020603050405020304" pitchFamily="18" charset="0"/>
+              </a:rPr>
+              <a:t>проектирования интерфейсов для людей с нарушениями слуха</a:t>
+            </a:r>
+            <a:endParaRPr lang="ru-RU" sz="2000" dirty="0">
+              <a:latin typeface="Times New Roman" panose="02020603050405020304" pitchFamily="18" charset="0"/>
+              <a:cs typeface="Times New Roman" panose="02020603050405020304" pitchFamily="18" charset="0"/>
+            </a:endParaRPr>
+          </a:p>
+        </p:txBody>
+      </p:sp>
+      <p:sp>
+        <p:nvSpPr>
+          <p:cNvPr id="4" name="Номер слайда 3"/>
+          <p:cNvSpPr>
+            <a:spLocks noGrp="1"/>
+          </p:cNvSpPr>
+          <p:nvPr>
+            <p:ph type="sldNum" sz="quarter" idx="12"/>
+          </p:nvPr>
+        </p:nvSpPr>
+        <p:spPr/>
+        <p:txBody>
+          <a:bodyPr/>
+          <a:lstStyle/>
+          <a:p>
+            <a:fld id="{1B61E6DC-7948-428B-BF0C-0B97AF471FA1}" type="slidenum">
+              <a:rPr lang="ru-RU" sz="2400" b="1" smtClean="0">
+                <a:latin typeface="Times New Roman" panose="02020603050405020304" pitchFamily="18" charset="0"/>
+                <a:cs typeface="Times New Roman" panose="02020603050405020304" pitchFamily="18" charset="0"/>
+              </a:rPr>
+              <a:t>11</a:t>
+            </a:fld>
+            <a:endParaRPr lang="ru-RU" sz="2400" b="1" dirty="0">
+              <a:latin typeface="Times New Roman" panose="02020603050405020304" pitchFamily="18" charset="0"/>
+              <a:cs typeface="Times New Roman" panose="02020603050405020304" pitchFamily="18" charset="0"/>
+            </a:endParaRPr>
+          </a:p>
+        </p:txBody>
+      </p:sp>
+    </p:spTree>
+    <p:extLst>
+      <p:ext uri="{BB962C8B-B14F-4D97-AF65-F5344CB8AC3E}">
+        <p14:creationId xmlns:p14="http://schemas.microsoft.com/office/powerpoint/2010/main" val="1939407047"/>
+      </p:ext>
+    </p:extLst>
+  </p:cSld>
+  <p:clrMapOvr>
+    <a:masterClrMapping/>
+  </p:clrMapOvr>
+  <p:timing>
+    <p:tnLst>
+      <p:par>
+        <p:cTn id="1" dur="indefinite" restart="never" nodeType="tmRoot"/>
+      </p:par>
+    </p:tnLst>
+  </p:timing>
+</p:sld>
+</file>
+
+<file path=ppt/slides/slide12.xml><?xml version="1.0" encoding="utf-8"?>
+<p:sld xmlns:a="http://schemas.openxmlformats.org/drawingml/2006/main" xmlns:r="http://schemas.openxmlformats.org/officeDocument/2006/relationships" xmlns:p="http://schemas.openxmlformats.org/presentationml/2006/main">
+  <p:cSld>
+    <p:spTree>
+      <p:nvGrpSpPr>
+        <p:cNvPr id="1" name=""/>
+        <p:cNvGrpSpPr/>
+        <p:nvPr/>
+      </p:nvGrpSpPr>
+      <p:grpSpPr>
+        <a:xfrm>
+          <a:off x="0" y="0"/>
+          <a:ext cx="0" cy="0"/>
+          <a:chOff x="0" y="0"/>
+          <a:chExt cx="0" cy="0"/>
+        </a:xfrm>
+      </p:grpSpPr>
+      <p:sp>
+        <p:nvSpPr>
+          <p:cNvPr id="3" name="Номер слайда 2"/>
+          <p:cNvSpPr>
+            <a:spLocks noGrp="1"/>
+          </p:cNvSpPr>
+          <p:nvPr>
+            <p:ph type="sldNum" sz="quarter" idx="12"/>
+          </p:nvPr>
+        </p:nvSpPr>
+        <p:spPr/>
+        <p:txBody>
+          <a:bodyPr/>
+          <a:lstStyle/>
+          <a:p>
+            <a:fld id="{1B61E6DC-7948-428B-BF0C-0B97AF471FA1}" type="slidenum">
+              <a:rPr lang="ru-RU" sz="2400" b="1" smtClean="0">
+                <a:latin typeface="Times New Roman" panose="02020603050405020304" pitchFamily="18" charset="0"/>
+                <a:cs typeface="Times New Roman" panose="02020603050405020304" pitchFamily="18" charset="0"/>
+              </a:rPr>
+              <a:t>12</a:t>
+            </a:fld>
+            <a:endParaRPr lang="ru-RU" sz="2400" b="1" dirty="0">
+              <a:latin typeface="Times New Roman" panose="02020603050405020304" pitchFamily="18" charset="0"/>
+              <a:cs typeface="Times New Roman" panose="02020603050405020304" pitchFamily="18" charset="0"/>
+            </a:endParaRPr>
+          </a:p>
+        </p:txBody>
+      </p:sp>
+      <p:pic>
+        <p:nvPicPr>
+          <p:cNvPr id="4" name="Рисунок 3" descr="Unnamed File"/>
+          <p:cNvPicPr/>
+          <p:nvPr/>
+        </p:nvPicPr>
+        <p:blipFill>
+          <a:blip r:embed="rId2">
+            <a:extLst>
+              <a:ext uri="{28A0092B-C50C-407E-A947-70E740481C1C}">
+                <a14:useLocalDpi xmlns:a14="http://schemas.microsoft.com/office/drawing/2010/main" val="0"/>
+              </a:ext>
+            </a:extLst>
+          </a:blip>
+          <a:srcRect b="32387"/>
+          <a:stretch>
+            <a:fillRect/>
+          </a:stretch>
+        </p:blipFill>
+        <p:spPr bwMode="auto">
+          <a:xfrm>
+            <a:off x="1115616" y="1268760"/>
+            <a:ext cx="6840760" cy="5324440"/>
+          </a:xfrm>
+          <a:prstGeom prst="rect">
+            <a:avLst/>
+          </a:prstGeom>
+          <a:noFill/>
+          <a:ln>
+            <a:noFill/>
+          </a:ln>
+        </p:spPr>
+      </p:pic>
+      <p:sp>
+        <p:nvSpPr>
+          <p:cNvPr id="2" name="Заголовок 1"/>
+          <p:cNvSpPr>
+            <a:spLocks noGrp="1"/>
+          </p:cNvSpPr>
+          <p:nvPr>
+            <p:ph type="title"/>
+          </p:nvPr>
+        </p:nvSpPr>
+        <p:spPr>
+          <a:xfrm>
+            <a:off x="457200" y="274638"/>
+            <a:ext cx="8003232" cy="1143000"/>
+          </a:xfrm>
+        </p:spPr>
+        <p:txBody>
+          <a:bodyPr/>
+          <a:lstStyle/>
+          <a:p>
+            <a:r>
+              <a:rPr lang="ru-RU" sz="4000" dirty="0" smtClean="0">
+                <a:solidFill>
+                  <a:srgbClr val="000000"/>
+                </a:solidFill>
+                <a:latin typeface="Times New Roman" panose="02020603050405020304" pitchFamily="18" charset="0"/>
+                <a:cs typeface="Times New Roman" panose="02020603050405020304" pitchFamily="18" charset="0"/>
+              </a:rPr>
+              <a:t>Диаграмма взаимодействия</a:t>
+            </a:r>
+            <a:endParaRPr lang="ru-RU" sz="4000" dirty="0">
+              <a:solidFill>
+                <a:srgbClr val="000000"/>
+              </a:solidFill>
+              <a:latin typeface="Times New Roman" panose="02020603050405020304" pitchFamily="18" charset="0"/>
+              <a:cs typeface="Times New Roman" panose="02020603050405020304" pitchFamily="18" charset="0"/>
+            </a:endParaRPr>
+          </a:p>
+        </p:txBody>
+      </p:sp>
+    </p:spTree>
+    <p:extLst>
+      <p:ext uri="{BB962C8B-B14F-4D97-AF65-F5344CB8AC3E}">
+        <p14:creationId xmlns:p14="http://schemas.microsoft.com/office/powerpoint/2010/main" val="2355464175"/>
+      </p:ext>
+    </p:extLst>
+  </p:cSld>
+  <p:clrMapOvr>
+    <a:masterClrMapping/>
+  </p:clrMapOvr>
+  <p:timing>
+    <p:tnLst>
+      <p:par>
+        <p:cTn id="1" dur="indefinite" restart="never" nodeType="tmRoot"/>
+      </p:par>
+    </p:tnLst>
+  </p:timing>
+</p:sld>
+</file>
+
+<file path=ppt/slides/slide13.xml><?xml version="1.0" encoding="utf-8"?>
+<p:sld xmlns:a="http://schemas.openxmlformats.org/drawingml/2006/main" xmlns:r="http://schemas.openxmlformats.org/officeDocument/2006/relationships" xmlns:p="http://schemas.openxmlformats.org/presentationml/2006/main">
+  <p:cSld>
+    <p:spTree>
+      <p:nvGrpSpPr>
+        <p:cNvPr id="1" name=""/>
+        <p:cNvGrpSpPr/>
+        <p:nvPr/>
+      </p:nvGrpSpPr>
+      <p:grpSpPr>
+        <a:xfrm>
+          <a:off x="0" y="0"/>
+          <a:ext cx="0" cy="0"/>
+          <a:chOff x="0" y="0"/>
+          <a:chExt cx="0" cy="0"/>
+        </a:xfrm>
+      </p:grpSpPr>
+      <p:sp>
+        <p:nvSpPr>
+          <p:cNvPr id="3" name="Номер слайда 2"/>
+          <p:cNvSpPr>
+            <a:spLocks noGrp="1"/>
+          </p:cNvSpPr>
+          <p:nvPr>
+            <p:ph type="sldNum" sz="quarter" idx="12"/>
+          </p:nvPr>
+        </p:nvSpPr>
+        <p:spPr/>
+        <p:txBody>
+          <a:bodyPr/>
+          <a:lstStyle/>
+          <a:p>
+            <a:fld id="{1B61E6DC-7948-428B-BF0C-0B97AF471FA1}" type="slidenum">
+              <a:rPr lang="ru-RU" sz="2400" b="1" smtClean="0">
+                <a:latin typeface="Times New Roman" panose="02020603050405020304" pitchFamily="18" charset="0"/>
+                <a:cs typeface="Times New Roman" panose="02020603050405020304" pitchFamily="18" charset="0"/>
+              </a:rPr>
+              <a:t>13</a:t>
+            </a:fld>
+            <a:endParaRPr lang="ru-RU" sz="2400" b="1">
+              <a:latin typeface="Times New Roman" panose="02020603050405020304" pitchFamily="18" charset="0"/>
+              <a:cs typeface="Times New Roman" panose="02020603050405020304" pitchFamily="18" charset="0"/>
+            </a:endParaRPr>
+          </a:p>
+        </p:txBody>
+      </p:sp>
+      <p:pic>
+        <p:nvPicPr>
+          <p:cNvPr id="2050" name="Picture 2" descr="Screenshot_1"/>
+          <p:cNvPicPr>
+            <a:picLocks noChangeAspect="1" noChangeArrowheads="1"/>
+          </p:cNvPicPr>
+          <p:nvPr/>
+        </p:nvPicPr>
+        <p:blipFill rotWithShape="1">
+          <a:blip r:embed="rId2">
+            <a:extLst>
+              <a:ext uri="{28A0092B-C50C-407E-A947-70E740481C1C}">
+                <a14:useLocalDpi xmlns:a14="http://schemas.microsoft.com/office/drawing/2010/main" val="0"/>
+              </a:ext>
+            </a:extLst>
+          </a:blip>
+          <a:srcRect l="3530" t="4151" r="1838" b="2218"/>
+          <a:stretch/>
+        </p:blipFill>
+        <p:spPr bwMode="auto">
+          <a:xfrm>
+            <a:off x="843279" y="1196752"/>
+            <a:ext cx="6918443" cy="5559648"/>
+          </a:xfrm>
+          <a:prstGeom prst="rect">
+            <a:avLst/>
+          </a:prstGeom>
+          <a:noFill/>
+          <a:ln>
+            <a:noFill/>
+          </a:ln>
+          <a:extLst>
+            <a:ext uri="{909E8E84-426E-40DD-AFC4-6F175D3DCCD1}">
+              <a14:hiddenFill xmlns:a14="http://schemas.microsoft.com/office/drawing/2010/main">
+                <a:solidFill>
+                  <a:srgbClr val="FFFFFF"/>
+                </a:solidFill>
+              </a14:hiddenFill>
+            </a:ext>
+            <a:ext uri="{91240B29-F687-4F45-9708-019B960494DF}">
+              <a14:hiddenLine xmlns:a14="http://schemas.microsoft.com/office/drawing/2010/main" w="9525">
+                <a:solidFill>
+                  <a:srgbClr val="000000"/>
+                </a:solidFill>
+                <a:miter lim="800000"/>
+                <a:headEnd/>
+                <a:tailEnd/>
+              </a14:hiddenLine>
+            </a:ext>
+          </a:extLst>
+        </p:spPr>
+      </p:pic>
+      <p:sp>
+        <p:nvSpPr>
+          <p:cNvPr id="2" name="Заголовок 1"/>
+          <p:cNvSpPr>
+            <a:spLocks noGrp="1"/>
+          </p:cNvSpPr>
+          <p:nvPr>
+            <p:ph type="title"/>
+          </p:nvPr>
+        </p:nvSpPr>
+        <p:spPr>
+          <a:xfrm>
+            <a:off x="457200" y="274638"/>
+            <a:ext cx="8003232" cy="1143000"/>
+          </a:xfrm>
+        </p:spPr>
+        <p:txBody>
+          <a:bodyPr/>
+          <a:lstStyle/>
+          <a:p>
+            <a:r>
+              <a:rPr lang="ru-RU" sz="4000" dirty="0">
+                <a:solidFill>
+                  <a:srgbClr val="000000"/>
+                </a:solidFill>
+                <a:latin typeface="Times New Roman" panose="02020603050405020304" pitchFamily="18" charset="0"/>
+                <a:cs typeface="Times New Roman" panose="02020603050405020304" pitchFamily="18" charset="0"/>
+              </a:rPr>
+              <a:t>Диаграмма вариантов использования</a:t>
+            </a:r>
+          </a:p>
+        </p:txBody>
+      </p:sp>
+    </p:spTree>
+    <p:extLst>
+      <p:ext uri="{BB962C8B-B14F-4D97-AF65-F5344CB8AC3E}">
+        <p14:creationId xmlns:p14="http://schemas.microsoft.com/office/powerpoint/2010/main" val="2690609910"/>
+      </p:ext>
+    </p:extLst>
+  </p:cSld>
+  <p:clrMapOvr>
+    <a:masterClrMapping/>
+  </p:clrMapOvr>
+  <p:timing>
+    <p:tnLst>
+      <p:par>
+        <p:cTn id="1" dur="indefinite" restart="never" nodeType="tmRoot"/>
+      </p:par>
+    </p:tnLst>
+  </p:timing>
+</p:sld>
+</file>
+
+<file path=ppt/slides/slide14.xml><?xml version="1.0" encoding="utf-8"?>
+<p:sld xmlns:a="http://schemas.openxmlformats.org/drawingml/2006/main" xmlns:r="http://schemas.openxmlformats.org/officeDocument/2006/relationships" xmlns:p="http://schemas.openxmlformats.org/presentationml/2006/main">
+  <p:cSld>
+    <p:spTree>
+      <p:nvGrpSpPr>
+        <p:cNvPr id="1" name=""/>
+        <p:cNvGrpSpPr/>
+        <p:nvPr/>
+      </p:nvGrpSpPr>
+      <p:grpSpPr>
+        <a:xfrm>
+          <a:off x="0" y="0"/>
+          <a:ext cx="0" cy="0"/>
+          <a:chOff x="0" y="0"/>
+          <a:chExt cx="0" cy="0"/>
+        </a:xfrm>
+      </p:grpSpPr>
+      <p:sp>
+        <p:nvSpPr>
+          <p:cNvPr id="2" name="Заголовок 1"/>
+          <p:cNvSpPr>
+            <a:spLocks noGrp="1"/>
+          </p:cNvSpPr>
+          <p:nvPr>
+            <p:ph type="title"/>
+          </p:nvPr>
+        </p:nvSpPr>
+        <p:spPr/>
+        <p:txBody>
+          <a:bodyPr/>
+          <a:lstStyle/>
+          <a:p>
+            <a:r>
+              <a:rPr lang="ru-RU" sz="4000" dirty="0" smtClean="0">
+                <a:solidFill>
+                  <a:srgbClr val="000000"/>
+                </a:solidFill>
+                <a:latin typeface="Times New Roman" panose="02020603050405020304" pitchFamily="18" charset="0"/>
+                <a:cs typeface="Times New Roman" panose="02020603050405020304" pitchFamily="18" charset="0"/>
+              </a:rPr>
+              <a:t>Интерфейс прототипа</a:t>
+            </a:r>
+            <a:endParaRPr lang="ru-RU" sz="4000" dirty="0">
+              <a:solidFill>
+                <a:srgbClr val="000000"/>
+              </a:solidFill>
+              <a:latin typeface="Times New Roman" panose="02020603050405020304" pitchFamily="18" charset="0"/>
+              <a:cs typeface="Times New Roman" panose="02020603050405020304" pitchFamily="18" charset="0"/>
+            </a:endParaRPr>
+          </a:p>
+        </p:txBody>
+      </p:sp>
+      <p:sp>
+        <p:nvSpPr>
+          <p:cNvPr id="3" name="Номер слайда 2"/>
+          <p:cNvSpPr>
+            <a:spLocks noGrp="1"/>
+          </p:cNvSpPr>
+          <p:nvPr>
+            <p:ph type="sldNum" sz="quarter" idx="12"/>
+          </p:nvPr>
+        </p:nvSpPr>
+        <p:spPr/>
+        <p:txBody>
+          <a:bodyPr/>
+          <a:lstStyle/>
+          <a:p>
+            <a:fld id="{1B61E6DC-7948-428B-BF0C-0B97AF471FA1}" type="slidenum">
+              <a:rPr lang="ru-RU" sz="2400" b="1" smtClean="0">
+                <a:latin typeface="Times New Roman" panose="02020603050405020304" pitchFamily="18" charset="0"/>
+                <a:cs typeface="Times New Roman" panose="02020603050405020304" pitchFamily="18" charset="0"/>
+              </a:rPr>
+              <a:t>14</a:t>
+            </a:fld>
+            <a:endParaRPr lang="ru-RU" sz="2400" b="1" dirty="0">
+              <a:latin typeface="Times New Roman" panose="02020603050405020304" pitchFamily="18" charset="0"/>
+              <a:cs typeface="Times New Roman" panose="02020603050405020304" pitchFamily="18" charset="0"/>
+            </a:endParaRPr>
+          </a:p>
+        </p:txBody>
+      </p:sp>
+      <p:sp>
+        <p:nvSpPr>
+          <p:cNvPr id="4" name="Rectangle 4"/>
+          <p:cNvSpPr>
+            <a:spLocks noChangeArrowheads="1"/>
+          </p:cNvSpPr>
+          <p:nvPr/>
+        </p:nvSpPr>
+        <p:spPr bwMode="auto">
+          <a:xfrm>
+            <a:off x="0" y="0"/>
+            <a:ext cx="9144000" cy="457200"/>
+          </a:xfrm>
+          <a:prstGeom prst="rect">
+            <a:avLst/>
+          </a:prstGeom>
+          <a:noFill/>
+          <a:ln>
+            <a:noFill/>
+          </a:ln>
+          <a:effectLst/>
+          <a:extLst>
+            <a:ext uri="{909E8E84-426E-40DD-AFC4-6F175D3DCCD1}">
+              <a14:hiddenFill xmlns:a14="http://schemas.microsoft.com/office/drawing/2010/main">
+                <a:solidFill>
+                  <a:schemeClr val="accent1"/>
+                </a:solidFill>
+              </a14:hiddenFill>
+            </a:ext>
+            <a:ext uri="{91240B29-F687-4F45-9708-019B960494DF}">
+              <a14:hiddenLine xmlns:a14="http://schemas.microsoft.com/office/drawing/2010/main" w="9525">
+                <a:solidFill>
+                  <a:schemeClr val="tx1"/>
+                </a:solidFill>
+                <a:miter lim="800000"/>
+                <a:headEnd/>
+                <a:tailEnd/>
+              </a14:hiddenLine>
+            </a:ext>
+            <a:ext uri="{AF507438-7753-43E0-B8FC-AC1667EBCBE1}">
+              <a14:hiddenEffects xmlns:a14="http://schemas.microsoft.com/office/drawing/2010/main">
+                <a:effectLst>
+                  <a:outerShdw dist="35921" dir="2700000" algn="ctr" rotWithShape="0">
+                    <a:schemeClr val="bg2"/>
+                  </a:outerShdw>
+                </a:effectLst>
+              </a14:hiddenEffects>
+            </a:ext>
+          </a:extLst>
+        </p:spPr>
+        <p:txBody>
+          <a:bodyPr vert="horz" wrap="none" lIns="91440" tIns="45720" rIns="91440" bIns="45720" numCol="1" anchor="ctr" anchorCtr="0" compatLnSpc="1">
+            <a:prstTxWarp prst="textNoShape">
+              <a:avLst/>
+            </a:prstTxWarp>
+            <a:spAutoFit/>
+          </a:bodyPr>
+          <a:lstStyle/>
+          <a:p>
+            <a:endParaRPr lang="ru-RU"/>
+          </a:p>
+        </p:txBody>
+      </p:sp>
+      <p:sp>
+        <p:nvSpPr>
+          <p:cNvPr id="5" name="Rectangle 5"/>
+          <p:cNvSpPr>
+            <a:spLocks noChangeArrowheads="1"/>
+          </p:cNvSpPr>
+          <p:nvPr/>
+        </p:nvSpPr>
+        <p:spPr bwMode="auto">
+          <a:xfrm>
+            <a:off x="0" y="4068763"/>
+            <a:ext cx="9144000" cy="0"/>
+          </a:xfrm>
+          <a:prstGeom prst="rect">
+            <a:avLst/>
+          </a:prstGeom>
+          <a:noFill/>
+          <a:ln>
+            <a:noFill/>
+          </a:ln>
+          <a:effectLst/>
+          <a:extLst>
+            <a:ext uri="{909E8E84-426E-40DD-AFC4-6F175D3DCCD1}">
+              <a14:hiddenFill xmlns:a14="http://schemas.microsoft.com/office/drawing/2010/main">
+                <a:solidFill>
+                  <a:schemeClr val="accent1"/>
+                </a:solidFill>
+              </a14:hiddenFill>
+            </a:ext>
+            <a:ext uri="{91240B29-F687-4F45-9708-019B960494DF}">
+              <a14:hiddenLine xmlns:a14="http://schemas.microsoft.com/office/drawing/2010/main" w="9525">
+                <a:solidFill>
+                  <a:schemeClr val="tx1"/>
+                </a:solidFill>
+                <a:miter lim="800000"/>
+                <a:headEnd/>
+                <a:tailEnd/>
+              </a14:hiddenLine>
+            </a:ext>
+            <a:ext uri="{AF507438-7753-43E0-B8FC-AC1667EBCBE1}">
+              <a14:hiddenEffects xmlns:a14="http://schemas.microsoft.com/office/drawing/2010/main">
+                <a:effectLst>
+                  <a:outerShdw dist="35921" dir="2700000" algn="ctr" rotWithShape="0">
+                    <a:schemeClr val="bg2"/>
+                  </a:outerShdw>
+                </a:effectLst>
+              </a14:hiddenEffects>
+            </a:ext>
+          </a:extLst>
+        </p:spPr>
+        <p:txBody>
+          <a:bodyPr vert="horz" wrap="none" lIns="91440" tIns="45720" rIns="91440" bIns="45720" numCol="1" anchor="ctr" anchorCtr="0" compatLnSpc="1">
+            <a:prstTxWarp prst="textNoShape">
+              <a:avLst/>
+            </a:prstTxWarp>
+            <a:spAutoFit/>
+          </a:bodyPr>
+          <a:lstStyle/>
+          <a:p>
+            <a:pPr marL="0" marR="0" lvl="0" indent="450850" algn="just" defTabSz="914400" rtl="0" eaLnBrk="1" fontAlgn="base" latinLnBrk="0" hangingPunct="1">
+              <a:lnSpc>
+                <a:spcPct val="100000"/>
+              </a:lnSpc>
+              <a:spcBef>
+                <a:spcPct val="0"/>
+              </a:spcBef>
+              <a:spcAft>
+                <a:spcPct val="0"/>
+              </a:spcAft>
+              <a:buClrTx/>
+              <a:buSzTx/>
+              <a:buFontTx/>
+              <a:buNone/>
+              <a:tabLst/>
+            </a:pPr>
+            <a:r>
+              <a:rPr kumimoji="0" lang="ru-RU" altLang="ru-RU" sz="1400" b="0" i="0" u="none" strike="noStrike" cap="none" normalizeH="0" baseline="0" smtClean="0">
+                <a:ln>
+                  <a:noFill/>
+                </a:ln>
+                <a:solidFill>
+                  <a:schemeClr val="tx1"/>
+                </a:solidFill>
+                <a:effectLst/>
+                <a:latin typeface="Arial" pitchFamily="34" charset="0"/>
+                <a:ea typeface="Times New Roman" pitchFamily="18" charset="0"/>
+                <a:cs typeface="Arial" pitchFamily="34" charset="0"/>
+              </a:rPr>
+              <a:t> </a:t>
+            </a:r>
+            <a:endParaRPr kumimoji="0" lang="ru-RU" altLang="ru-RU" sz="1800" b="0" i="0" u="none" strike="noStrike" cap="none" normalizeH="0" baseline="0" smtClean="0">
+              <a:ln>
+                <a:noFill/>
+              </a:ln>
+              <a:solidFill>
+                <a:schemeClr val="tx1"/>
+              </a:solidFill>
+              <a:effectLst/>
+              <a:latin typeface="Arial" pitchFamily="34" charset="0"/>
+              <a:cs typeface="Arial" pitchFamily="34" charset="0"/>
+            </a:endParaRPr>
+          </a:p>
+        </p:txBody>
+      </p:sp>
+      <p:sp>
+        <p:nvSpPr>
+          <p:cNvPr id="6" name="Rectangle 6"/>
+          <p:cNvSpPr>
+            <a:spLocks noChangeArrowheads="1"/>
+          </p:cNvSpPr>
+          <p:nvPr/>
+        </p:nvSpPr>
+        <p:spPr bwMode="auto">
+          <a:xfrm>
+            <a:off x="0" y="7680325"/>
+            <a:ext cx="9144000" cy="0"/>
+          </a:xfrm>
+          <a:prstGeom prst="rect">
+            <a:avLst/>
+          </a:prstGeom>
+          <a:noFill/>
+          <a:ln>
+            <a:noFill/>
+          </a:ln>
+          <a:effectLst/>
+          <a:extLst>
+            <a:ext uri="{909E8E84-426E-40DD-AFC4-6F175D3DCCD1}">
+              <a14:hiddenFill xmlns:a14="http://schemas.microsoft.com/office/drawing/2010/main">
+                <a:solidFill>
+                  <a:schemeClr val="accent1"/>
+                </a:solidFill>
+              </a14:hiddenFill>
+            </a:ext>
+            <a:ext uri="{91240B29-F687-4F45-9708-019B960494DF}">
+              <a14:hiddenLine xmlns:a14="http://schemas.microsoft.com/office/drawing/2010/main" w="9525">
+                <a:solidFill>
+                  <a:schemeClr val="tx1"/>
+                </a:solidFill>
+                <a:miter lim="800000"/>
+                <a:headEnd/>
+                <a:tailEnd/>
+              </a14:hiddenLine>
+            </a:ext>
+            <a:ext uri="{AF507438-7753-43E0-B8FC-AC1667EBCBE1}">
+              <a14:hiddenEffects xmlns:a14="http://schemas.microsoft.com/office/drawing/2010/main">
+                <a:effectLst>
+                  <a:outerShdw dist="35921" dir="2700000" algn="ctr" rotWithShape="0">
+                    <a:schemeClr val="bg2"/>
+                  </a:outerShdw>
+                </a:effectLst>
+              </a14:hiddenEffects>
+            </a:ext>
+          </a:extLst>
+        </p:spPr>
+        <p:txBody>
+          <a:bodyPr vert="horz" wrap="none" lIns="91440" tIns="45720" rIns="91440" bIns="45720" numCol="1" anchor="ctr" anchorCtr="0" compatLnSpc="1">
+            <a:prstTxWarp prst="textNoShape">
+              <a:avLst/>
+            </a:prstTxWarp>
+            <a:spAutoFit/>
+          </a:bodyPr>
+          <a:lstStyle/>
+          <a:p>
+            <a:pPr marL="0" marR="0" lvl="0" indent="450850" algn="just" defTabSz="914400" rtl="0" eaLnBrk="1" fontAlgn="base" latinLnBrk="0" hangingPunct="1">
+              <a:lnSpc>
+                <a:spcPct val="100000"/>
+              </a:lnSpc>
+              <a:spcBef>
+                <a:spcPct val="0"/>
+              </a:spcBef>
+              <a:spcAft>
+                <a:spcPct val="0"/>
+              </a:spcAft>
+              <a:buClrTx/>
+              <a:buSzTx/>
+              <a:buFontTx/>
+              <a:buNone/>
+              <a:tabLst/>
+            </a:pPr>
+            <a:r>
+              <a:rPr kumimoji="0" lang="ru-RU" altLang="ru-RU" sz="1400" b="0" i="0" u="none" strike="noStrike" cap="none" normalizeH="0" baseline="0" smtClean="0">
+                <a:ln>
+                  <a:noFill/>
+                </a:ln>
+                <a:solidFill>
+                  <a:schemeClr val="tx1"/>
+                </a:solidFill>
+                <a:effectLst/>
+                <a:latin typeface="Arial" pitchFamily="34" charset="0"/>
+                <a:ea typeface="Times New Roman" pitchFamily="18" charset="0"/>
+                <a:cs typeface="Arial" pitchFamily="34" charset="0"/>
+              </a:rPr>
+              <a:t> </a:t>
+            </a:r>
+            <a:endParaRPr kumimoji="0" lang="ru-RU" altLang="ru-RU" sz="1800" b="0" i="0" u="none" strike="noStrike" cap="none" normalizeH="0" baseline="0" smtClean="0">
+              <a:ln>
+                <a:noFill/>
+              </a:ln>
+              <a:solidFill>
+                <a:schemeClr val="tx1"/>
+              </a:solidFill>
+              <a:effectLst/>
+              <a:latin typeface="Arial" pitchFamily="34" charset="0"/>
+              <a:cs typeface="Arial" pitchFamily="34" charset="0"/>
+            </a:endParaRPr>
+          </a:p>
+        </p:txBody>
+      </p:sp>
+      <p:pic>
+        <p:nvPicPr>
+          <p:cNvPr id="3082" name="Picture 10" descr="C:\Users\Admin\Desktop\VSTU\7_sem\НИР (диплом)\мой диплом (2024)\Прототип_HearingDeaf\Профиль_свой.png"/>
+          <p:cNvPicPr>
+            <a:picLocks noChangeAspect="1" noChangeArrowheads="1"/>
+          </p:cNvPicPr>
+          <p:nvPr/>
+        </p:nvPicPr>
+        <p:blipFill>
+          <a:blip r:embed="rId2">
+            <a:extLst>
+              <a:ext uri="{28A0092B-C50C-407E-A947-70E740481C1C}">
+                <a14:useLocalDpi xmlns:a14="http://schemas.microsoft.com/office/drawing/2010/main" val="0"/>
+              </a:ext>
+            </a:extLst>
+          </a:blip>
+          <a:srcRect/>
+          <a:stretch>
+            <a:fillRect/>
+          </a:stretch>
+        </p:blipFill>
+        <p:spPr bwMode="auto">
+          <a:xfrm>
+            <a:off x="2843808" y="1548763"/>
+            <a:ext cx="2264428" cy="5040000"/>
+          </a:xfrm>
+          <a:prstGeom prst="rect">
+            <a:avLst/>
+          </a:prstGeom>
+          <a:noFill/>
+          <a:extLst>
+            <a:ext uri="{909E8E84-426E-40DD-AFC4-6F175D3DCCD1}">
+              <a14:hiddenFill xmlns:a14="http://schemas.microsoft.com/office/drawing/2010/main">
+                <a:solidFill>
+                  <a:srgbClr val="FFFFFF"/>
+                </a:solidFill>
+              </a14:hiddenFill>
+            </a:ext>
+          </a:extLst>
+        </p:spPr>
+      </p:pic>
+      <p:pic>
+        <p:nvPicPr>
+          <p:cNvPr id="3084" name="Picture 12" descr="C:\Users\Admin\Desktop\VSTU\7_sem\НИР (диплом)\мой диплом (2024)\Прототип_HearingDeaf\Авторизация.png"/>
+          <p:cNvPicPr>
+            <a:picLocks noChangeAspect="1" noChangeArrowheads="1"/>
+          </p:cNvPicPr>
+          <p:nvPr/>
+        </p:nvPicPr>
+        <p:blipFill>
+          <a:blip r:embed="rId3">
+            <a:extLst>
+              <a:ext uri="{28A0092B-C50C-407E-A947-70E740481C1C}">
+                <a14:useLocalDpi xmlns:a14="http://schemas.microsoft.com/office/drawing/2010/main" val="0"/>
+              </a:ext>
+            </a:extLst>
+          </a:blip>
+          <a:srcRect/>
+          <a:stretch>
+            <a:fillRect/>
+          </a:stretch>
+        </p:blipFill>
+        <p:spPr bwMode="auto">
+          <a:xfrm>
+            <a:off x="179512" y="1557272"/>
+            <a:ext cx="2264428" cy="5040000"/>
+          </a:xfrm>
+          <a:prstGeom prst="rect">
+            <a:avLst/>
+          </a:prstGeom>
+          <a:noFill/>
+          <a:extLst>
+            <a:ext uri="{909E8E84-426E-40DD-AFC4-6F175D3DCCD1}">
+              <a14:hiddenFill xmlns:a14="http://schemas.microsoft.com/office/drawing/2010/main">
+                <a:solidFill>
+                  <a:srgbClr val="FFFFFF"/>
+                </a:solidFill>
+              </a14:hiddenFill>
+            </a:ext>
+          </a:extLst>
+        </p:spPr>
+      </p:pic>
+      <p:pic>
+        <p:nvPicPr>
+          <p:cNvPr id="3085" name="Picture 13" descr="C:\Users\Admin\Desktop\VSTU\7_sem\НИР (диплом)\мой диплом (2024)\Прототип_HearingDeaf\Медиацентр.png"/>
+          <p:cNvPicPr>
+            <a:picLocks noChangeAspect="1" noChangeArrowheads="1"/>
+          </p:cNvPicPr>
+          <p:nvPr/>
+        </p:nvPicPr>
+        <p:blipFill>
+          <a:blip r:embed="rId4">
+            <a:extLst>
+              <a:ext uri="{28A0092B-C50C-407E-A947-70E740481C1C}">
+                <a14:useLocalDpi xmlns:a14="http://schemas.microsoft.com/office/drawing/2010/main" val="0"/>
+              </a:ext>
+            </a:extLst>
+          </a:blip>
+          <a:srcRect/>
+          <a:stretch>
+            <a:fillRect/>
+          </a:stretch>
+        </p:blipFill>
+        <p:spPr bwMode="auto">
+          <a:xfrm>
+            <a:off x="5580112" y="1548763"/>
+            <a:ext cx="2264428" cy="5040000"/>
+          </a:xfrm>
+          <a:prstGeom prst="rect">
+            <a:avLst/>
+          </a:prstGeom>
+          <a:noFill/>
+          <a:extLst>
+            <a:ext uri="{909E8E84-426E-40DD-AFC4-6F175D3DCCD1}">
+              <a14:hiddenFill xmlns:a14="http://schemas.microsoft.com/office/drawing/2010/main">
+                <a:solidFill>
+                  <a:srgbClr val="FFFFFF"/>
+                </a:solidFill>
+              </a14:hiddenFill>
+            </a:ext>
+          </a:extLst>
+        </p:spPr>
+      </p:pic>
+    </p:spTree>
+    <p:extLst>
+      <p:ext uri="{BB962C8B-B14F-4D97-AF65-F5344CB8AC3E}">
+        <p14:creationId xmlns:p14="http://schemas.microsoft.com/office/powerpoint/2010/main" val="1486686601"/>
+      </p:ext>
+    </p:extLst>
+  </p:cSld>
+  <p:clrMapOvr>
+    <a:masterClrMapping/>
+  </p:clrMapOvr>
+  <p:timing>
+    <p:tnLst>
+      <p:par>
+        <p:cTn id="1" dur="indefinite" restart="never" nodeType="tmRoot"/>
+      </p:par>
+    </p:tnLst>
+  </p:timing>
+</p:sld>
+</file>
+
+<file path=ppt/slides/slide15.xml><?xml version="1.0" encoding="utf-8"?>
+<p:sld xmlns:a="http://schemas.openxmlformats.org/drawingml/2006/main" xmlns:r="http://schemas.openxmlformats.org/officeDocument/2006/relationships" xmlns:p="http://schemas.openxmlformats.org/presentationml/2006/main">
+  <p:cSld>
+    <p:spTree>
+      <p:nvGrpSpPr>
+        <p:cNvPr id="1" name=""/>
+        <p:cNvGrpSpPr/>
+        <p:nvPr/>
+      </p:nvGrpSpPr>
+      <p:grpSpPr>
+        <a:xfrm>
+          <a:off x="0" y="0"/>
+          <a:ext cx="0" cy="0"/>
+          <a:chOff x="0" y="0"/>
+          <a:chExt cx="0" cy="0"/>
+        </a:xfrm>
+      </p:grpSpPr>
+      <p:sp>
+        <p:nvSpPr>
+          <p:cNvPr id="3" name="Номер слайда 2"/>
+          <p:cNvSpPr>
+            <a:spLocks noGrp="1"/>
+          </p:cNvSpPr>
+          <p:nvPr>
+            <p:ph type="sldNum" sz="quarter" idx="12"/>
+          </p:nvPr>
+        </p:nvSpPr>
+        <p:spPr/>
+        <p:txBody>
+          <a:bodyPr/>
+          <a:lstStyle/>
+          <a:p>
+            <a:fld id="{1B61E6DC-7948-428B-BF0C-0B97AF471FA1}" type="slidenum">
+              <a:rPr lang="ru-RU" sz="2400" b="1" smtClean="0">
+                <a:latin typeface="Times New Roman" panose="02020603050405020304" pitchFamily="18" charset="0"/>
+                <a:cs typeface="Times New Roman" panose="02020603050405020304" pitchFamily="18" charset="0"/>
+              </a:rPr>
+              <a:t>15</a:t>
+            </a:fld>
+            <a:endParaRPr lang="ru-RU" sz="2400" b="1">
+              <a:latin typeface="Times New Roman" panose="02020603050405020304" pitchFamily="18" charset="0"/>
+              <a:cs typeface="Times New Roman" panose="02020603050405020304" pitchFamily="18" charset="0"/>
+            </a:endParaRPr>
+          </a:p>
+        </p:txBody>
+      </p:sp>
+      <p:sp>
+        <p:nvSpPr>
+          <p:cNvPr id="5" name="Заголовок 1"/>
+          <p:cNvSpPr>
+            <a:spLocks noGrp="1"/>
+          </p:cNvSpPr>
+          <p:nvPr>
+            <p:ph type="title"/>
+          </p:nvPr>
+        </p:nvSpPr>
+        <p:spPr>
+          <a:xfrm>
+            <a:off x="457200" y="274638"/>
+            <a:ext cx="7620000" cy="1143000"/>
+          </a:xfrm>
+        </p:spPr>
+        <p:txBody>
+          <a:bodyPr/>
+          <a:lstStyle/>
+          <a:p>
+            <a:r>
+              <a:rPr lang="ru-RU" sz="4000" dirty="0" smtClean="0">
+                <a:solidFill>
+                  <a:srgbClr val="000000"/>
+                </a:solidFill>
+                <a:latin typeface="Times New Roman" panose="02020603050405020304" pitchFamily="18" charset="0"/>
+                <a:cs typeface="Times New Roman" panose="02020603050405020304" pitchFamily="18" charset="0"/>
+              </a:rPr>
+              <a:t>Интерфейс прототипа</a:t>
+            </a:r>
+            <a:endParaRPr lang="ru-RU" sz="4000" dirty="0">
+              <a:solidFill>
+                <a:srgbClr val="000000"/>
+              </a:solidFill>
+              <a:latin typeface="Times New Roman" panose="02020603050405020304" pitchFamily="18" charset="0"/>
+              <a:cs typeface="Times New Roman" panose="02020603050405020304" pitchFamily="18" charset="0"/>
+            </a:endParaRPr>
+          </a:p>
+        </p:txBody>
+      </p:sp>
+      <p:pic>
+        <p:nvPicPr>
+          <p:cNvPr id="4098" name="Picture 2" descr="C:\Users\Admin\Desktop\VSTU\7_sem\НИР (диплом)\мой диплом (2024)\Прототип_HearingDeaf\Переписка с пользователем.png"/>
+          <p:cNvPicPr>
+            <a:picLocks noChangeAspect="1" noChangeArrowheads="1"/>
+          </p:cNvPicPr>
+          <p:nvPr/>
+        </p:nvPicPr>
+        <p:blipFill>
+          <a:blip r:embed="rId2">
+            <a:extLst>
+              <a:ext uri="{28A0092B-C50C-407E-A947-70E740481C1C}">
+                <a14:useLocalDpi xmlns:a14="http://schemas.microsoft.com/office/drawing/2010/main" val="0"/>
+              </a:ext>
+            </a:extLst>
+          </a:blip>
+          <a:srcRect/>
+          <a:stretch>
+            <a:fillRect/>
+          </a:stretch>
+        </p:blipFill>
+        <p:spPr bwMode="auto">
+          <a:xfrm>
+            <a:off x="2843808" y="1556792"/>
+            <a:ext cx="2264428" cy="5040000"/>
+          </a:xfrm>
+          <a:prstGeom prst="rect">
+            <a:avLst/>
+          </a:prstGeom>
+          <a:noFill/>
+          <a:extLst>
+            <a:ext uri="{909E8E84-426E-40DD-AFC4-6F175D3DCCD1}">
+              <a14:hiddenFill xmlns:a14="http://schemas.microsoft.com/office/drawing/2010/main">
+                <a:solidFill>
+                  <a:srgbClr val="FFFFFF"/>
+                </a:solidFill>
+              </a14:hiddenFill>
+            </a:ext>
+          </a:extLst>
+        </p:spPr>
+      </p:pic>
+      <p:pic>
+        <p:nvPicPr>
+          <p:cNvPr id="4101" name="Picture 5" descr="C:\Users\Admin\Desktop\VSTU\7_sem\НИР (диплом)\мой диплом (2024)\Прототип_HearingDeaf\Профиль_другого пользователя.png"/>
+          <p:cNvPicPr>
+            <a:picLocks noChangeAspect="1" noChangeArrowheads="1"/>
+          </p:cNvPicPr>
+          <p:nvPr/>
+        </p:nvPicPr>
+        <p:blipFill>
+          <a:blip r:embed="rId3">
+            <a:extLst>
+              <a:ext uri="{28A0092B-C50C-407E-A947-70E740481C1C}">
+                <a14:useLocalDpi xmlns:a14="http://schemas.microsoft.com/office/drawing/2010/main" val="0"/>
+              </a:ext>
+            </a:extLst>
+          </a:blip>
+          <a:srcRect/>
+          <a:stretch>
+            <a:fillRect/>
+          </a:stretch>
+        </p:blipFill>
+        <p:spPr bwMode="auto">
+          <a:xfrm>
+            <a:off x="5578936" y="1556792"/>
+            <a:ext cx="2264428" cy="5040000"/>
+          </a:xfrm>
+          <a:prstGeom prst="rect">
+            <a:avLst/>
+          </a:prstGeom>
+          <a:noFill/>
+          <a:extLst>
+            <a:ext uri="{909E8E84-426E-40DD-AFC4-6F175D3DCCD1}">
+              <a14:hiddenFill xmlns:a14="http://schemas.microsoft.com/office/drawing/2010/main">
+                <a:solidFill>
+                  <a:srgbClr val="FFFFFF"/>
+                </a:solidFill>
+              </a14:hiddenFill>
+            </a:ext>
+          </a:extLst>
+        </p:spPr>
+      </p:pic>
+      <p:pic>
+        <p:nvPicPr>
+          <p:cNvPr id="12" name="Picture 11" descr="C:\Users\Admin\Desktop\VSTU\7_sem\НИР (диплом)\мой диплом (2024)\Прототип_HearingDeaf\Чаты.png"/>
+          <p:cNvPicPr>
+            <a:picLocks noChangeAspect="1" noChangeArrowheads="1"/>
+          </p:cNvPicPr>
+          <p:nvPr/>
+        </p:nvPicPr>
+        <p:blipFill>
+          <a:blip r:embed="rId4">
+            <a:extLst>
+              <a:ext uri="{28A0092B-C50C-407E-A947-70E740481C1C}">
+                <a14:useLocalDpi xmlns:a14="http://schemas.microsoft.com/office/drawing/2010/main" val="0"/>
+              </a:ext>
+            </a:extLst>
+          </a:blip>
+          <a:srcRect/>
+          <a:stretch>
+            <a:fillRect/>
+          </a:stretch>
+        </p:blipFill>
+        <p:spPr bwMode="auto">
+          <a:xfrm>
+            <a:off x="179512" y="1556792"/>
+            <a:ext cx="2264428" cy="5040000"/>
+          </a:xfrm>
+          <a:prstGeom prst="rect">
+            <a:avLst/>
+          </a:prstGeom>
+          <a:noFill/>
+          <a:extLst>
+            <a:ext uri="{909E8E84-426E-40DD-AFC4-6F175D3DCCD1}">
+              <a14:hiddenFill xmlns:a14="http://schemas.microsoft.com/office/drawing/2010/main">
+                <a:solidFill>
+                  <a:srgbClr val="FFFFFF"/>
+                </a:solidFill>
+              </a14:hiddenFill>
+            </a:ext>
+          </a:extLst>
+        </p:spPr>
+      </p:pic>
+    </p:spTree>
+    <p:extLst>
+      <p:ext uri="{BB962C8B-B14F-4D97-AF65-F5344CB8AC3E}">
+        <p14:creationId xmlns:p14="http://schemas.microsoft.com/office/powerpoint/2010/main" val="240841856"/>
+      </p:ext>
+    </p:extLst>
+  </p:cSld>
+  <p:clrMapOvr>
+    <a:masterClrMapping/>
+  </p:clrMapOvr>
+  <p:timing>
+    <p:tnLst>
+      <p:par>
+        <p:cTn id="1" dur="indefinite" restart="never" nodeType="tmRoot"/>
+      </p:par>
+    </p:tnLst>
+  </p:timing>
+</p:sld>
+</file>
+
+<file path=ppt/slides/slide16.xml><?xml version="1.0" encoding="utf-8"?>
+<p:sld xmlns:a="http://schemas.openxmlformats.org/drawingml/2006/main" xmlns:r="http://schemas.openxmlformats.org/officeDocument/2006/relationships" xmlns:p="http://schemas.openxmlformats.org/presentationml/2006/main">
+  <p:cSld>
+    <p:spTree>
+      <p:nvGrpSpPr>
+        <p:cNvPr id="1" name=""/>
+        <p:cNvGrpSpPr/>
+        <p:nvPr/>
+      </p:nvGrpSpPr>
+      <p:grpSpPr>
+        <a:xfrm>
+          <a:off x="0" y="0"/>
+          <a:ext cx="0" cy="0"/>
+          <a:chOff x="0" y="0"/>
+          <a:chExt cx="0" cy="0"/>
+        </a:xfrm>
+      </p:grpSpPr>
+      <p:sp>
+        <p:nvSpPr>
+          <p:cNvPr id="3" name="Номер слайда 2"/>
+          <p:cNvSpPr>
+            <a:spLocks noGrp="1"/>
+          </p:cNvSpPr>
+          <p:nvPr>
+            <p:ph type="sldNum" sz="quarter" idx="12"/>
+          </p:nvPr>
+        </p:nvSpPr>
+        <p:spPr/>
+        <p:txBody>
+          <a:bodyPr/>
+          <a:lstStyle/>
+          <a:p>
+            <a:fld id="{1B61E6DC-7948-428B-BF0C-0B97AF471FA1}" type="slidenum">
+              <a:rPr lang="ru-RU" sz="2400" b="1" smtClean="0">
+                <a:latin typeface="Times New Roman" panose="02020603050405020304" pitchFamily="18" charset="0"/>
+                <a:cs typeface="Times New Roman" panose="02020603050405020304" pitchFamily="18" charset="0"/>
+              </a:rPr>
+              <a:t>16</a:t>
+            </a:fld>
+            <a:endParaRPr lang="ru-RU" sz="2400" b="1" dirty="0">
+              <a:latin typeface="Times New Roman" panose="02020603050405020304" pitchFamily="18" charset="0"/>
+              <a:cs typeface="Times New Roman" panose="02020603050405020304" pitchFamily="18" charset="0"/>
+            </a:endParaRPr>
+          </a:p>
+        </p:txBody>
+      </p:sp>
+      <p:sp>
+        <p:nvSpPr>
+          <p:cNvPr id="5" name="Заголовок 1"/>
+          <p:cNvSpPr>
+            <a:spLocks noGrp="1"/>
+          </p:cNvSpPr>
+          <p:nvPr>
+            <p:ph type="title"/>
+          </p:nvPr>
+        </p:nvSpPr>
+        <p:spPr>
+          <a:xfrm>
+            <a:off x="457200" y="274638"/>
+            <a:ext cx="7620000" cy="1143000"/>
+          </a:xfrm>
+        </p:spPr>
+        <p:txBody>
+          <a:bodyPr/>
+          <a:lstStyle/>
+          <a:p>
+            <a:r>
+              <a:rPr lang="ru-RU" sz="4000" dirty="0" smtClean="0">
+                <a:solidFill>
+                  <a:srgbClr val="000000"/>
+                </a:solidFill>
+                <a:latin typeface="Times New Roman" panose="02020603050405020304" pitchFamily="18" charset="0"/>
+                <a:cs typeface="Times New Roman" panose="02020603050405020304" pitchFamily="18" charset="0"/>
+              </a:rPr>
+              <a:t>Интерфейс прототипа</a:t>
+            </a:r>
+            <a:endParaRPr lang="ru-RU" sz="4000" dirty="0">
+              <a:solidFill>
+                <a:srgbClr val="000000"/>
+              </a:solidFill>
+              <a:latin typeface="Times New Roman" panose="02020603050405020304" pitchFamily="18" charset="0"/>
+              <a:cs typeface="Times New Roman" panose="02020603050405020304" pitchFamily="18" charset="0"/>
+            </a:endParaRPr>
+          </a:p>
+        </p:txBody>
+      </p:sp>
+      <p:pic>
+        <p:nvPicPr>
+          <p:cNvPr id="5124" name="Picture 4" descr="C:\Users\Admin\Desktop\VSTU\7_sem\НИР (диплом)\мой диплом (2024)\Прототип_HearingDeaf\Перевод Жестового языка. Перевести РЖЯ в текст.png"/>
+          <p:cNvPicPr>
+            <a:picLocks noChangeAspect="1" noChangeArrowheads="1"/>
+          </p:cNvPicPr>
+          <p:nvPr/>
+        </p:nvPicPr>
+        <p:blipFill>
+          <a:blip r:embed="rId2">
+            <a:extLst>
+              <a:ext uri="{28A0092B-C50C-407E-A947-70E740481C1C}">
+                <a14:useLocalDpi xmlns:a14="http://schemas.microsoft.com/office/drawing/2010/main" val="0"/>
+              </a:ext>
+            </a:extLst>
+          </a:blip>
+          <a:srcRect/>
+          <a:stretch>
+            <a:fillRect/>
+          </a:stretch>
+        </p:blipFill>
+        <p:spPr bwMode="auto">
+          <a:xfrm>
+            <a:off x="6444208" y="1556792"/>
+            <a:ext cx="1940938" cy="4320000"/>
+          </a:xfrm>
+          <a:prstGeom prst="rect">
+            <a:avLst/>
+          </a:prstGeom>
+          <a:noFill/>
+          <a:extLst>
+            <a:ext uri="{909E8E84-426E-40DD-AFC4-6F175D3DCCD1}">
+              <a14:hiddenFill xmlns:a14="http://schemas.microsoft.com/office/drawing/2010/main">
+                <a:solidFill>
+                  <a:srgbClr val="FFFFFF"/>
+                </a:solidFill>
+              </a14:hiddenFill>
+            </a:ext>
+          </a:extLst>
+        </p:spPr>
+      </p:pic>
+      <p:pic>
+        <p:nvPicPr>
+          <p:cNvPr id="5125" name="Picture 5" descr="C:\Users\Admin\Desktop\VSTU\7_sem\НИР (диплом)\мой диплом (2024)\Прототип_HearingDeaf\Перевод Жестового языка. Глав.экрэкр.png"/>
+          <p:cNvPicPr>
+            <a:picLocks noChangeAspect="1" noChangeArrowheads="1"/>
+          </p:cNvPicPr>
+          <p:nvPr/>
+        </p:nvPicPr>
+        <p:blipFill>
+          <a:blip r:embed="rId3">
+            <a:extLst>
+              <a:ext uri="{28A0092B-C50C-407E-A947-70E740481C1C}">
+                <a14:useLocalDpi xmlns:a14="http://schemas.microsoft.com/office/drawing/2010/main" val="0"/>
+              </a:ext>
+            </a:extLst>
+          </a:blip>
+          <a:srcRect/>
+          <a:stretch>
+            <a:fillRect/>
+          </a:stretch>
+        </p:blipFill>
+        <p:spPr bwMode="auto">
+          <a:xfrm>
+            <a:off x="4355976" y="1556792"/>
+            <a:ext cx="1940938" cy="4320000"/>
+          </a:xfrm>
+          <a:prstGeom prst="rect">
+            <a:avLst/>
+          </a:prstGeom>
+          <a:noFill/>
+          <a:extLst>
+            <a:ext uri="{909E8E84-426E-40DD-AFC4-6F175D3DCCD1}">
+              <a14:hiddenFill xmlns:a14="http://schemas.microsoft.com/office/drawing/2010/main">
+                <a:solidFill>
+                  <a:srgbClr val="FFFFFF"/>
+                </a:solidFill>
+              </a14:hiddenFill>
+            </a:ext>
+          </a:extLst>
+        </p:spPr>
+      </p:pic>
+      <p:pic>
+        <p:nvPicPr>
+          <p:cNvPr id="8" name="Picture 6" descr="C:\Users\Admin\Desktop\VSTU\7_sem\НИР (диплом)\мой диплом (2024)\Прототип_HearingDeaf\Перевод Устной речи. Глав.экр_Заметки.png"/>
+          <p:cNvPicPr>
+            <a:picLocks noChangeAspect="1" noChangeArrowheads="1"/>
+          </p:cNvPicPr>
+          <p:nvPr/>
+        </p:nvPicPr>
+        <p:blipFill>
+          <a:blip r:embed="rId4">
+            <a:extLst>
+              <a:ext uri="{28A0092B-C50C-407E-A947-70E740481C1C}">
+                <a14:useLocalDpi xmlns:a14="http://schemas.microsoft.com/office/drawing/2010/main" val="0"/>
+              </a:ext>
+            </a:extLst>
+          </a:blip>
+          <a:srcRect/>
+          <a:stretch>
+            <a:fillRect/>
+          </a:stretch>
+        </p:blipFill>
+        <p:spPr bwMode="auto">
+          <a:xfrm>
+            <a:off x="251520" y="1556792"/>
+            <a:ext cx="1940938" cy="4320000"/>
+          </a:xfrm>
+          <a:prstGeom prst="rect">
+            <a:avLst/>
+          </a:prstGeom>
+          <a:noFill/>
+          <a:extLst>
+            <a:ext uri="{909E8E84-426E-40DD-AFC4-6F175D3DCCD1}">
+              <a14:hiddenFill xmlns:a14="http://schemas.microsoft.com/office/drawing/2010/main">
+                <a:solidFill>
+                  <a:srgbClr val="FFFFFF"/>
+                </a:solidFill>
+              </a14:hiddenFill>
+            </a:ext>
+          </a:extLst>
+        </p:spPr>
+      </p:pic>
+      <p:pic>
+        <p:nvPicPr>
+          <p:cNvPr id="9" name="Picture 7" descr="C:\Users\Admin\Desktop\VSTU\7_sem\НИР (диплом)\мой диплом (2024)\Прототип_HearingDeaf\Перевод Устной речи. Новая заметка.png"/>
+          <p:cNvPicPr>
+            <a:picLocks noChangeAspect="1" noChangeArrowheads="1"/>
+          </p:cNvPicPr>
+          <p:nvPr/>
+        </p:nvPicPr>
+        <p:blipFill>
+          <a:blip r:embed="rId5">
+            <a:extLst>
+              <a:ext uri="{28A0092B-C50C-407E-A947-70E740481C1C}">
+                <a14:useLocalDpi xmlns:a14="http://schemas.microsoft.com/office/drawing/2010/main" val="0"/>
+              </a:ext>
+            </a:extLst>
+          </a:blip>
+          <a:srcRect/>
+          <a:stretch>
+            <a:fillRect/>
+          </a:stretch>
+        </p:blipFill>
+        <p:spPr bwMode="auto">
+          <a:xfrm>
+            <a:off x="2339752" y="1556792"/>
+            <a:ext cx="1940938" cy="4320000"/>
+          </a:xfrm>
+          <a:prstGeom prst="rect">
+            <a:avLst/>
+          </a:prstGeom>
+          <a:noFill/>
+          <a:extLst>
+            <a:ext uri="{909E8E84-426E-40DD-AFC4-6F175D3DCCD1}">
+              <a14:hiddenFill xmlns:a14="http://schemas.microsoft.com/office/drawing/2010/main">
+                <a:solidFill>
+                  <a:srgbClr val="FFFFFF"/>
+                </a:solidFill>
+              </a14:hiddenFill>
+            </a:ext>
+          </a:extLst>
+        </p:spPr>
+      </p:pic>
+    </p:spTree>
+    <p:extLst>
+      <p:ext uri="{BB962C8B-B14F-4D97-AF65-F5344CB8AC3E}">
+        <p14:creationId xmlns:p14="http://schemas.microsoft.com/office/powerpoint/2010/main" val="29367117"/>
+      </p:ext>
+    </p:extLst>
+  </p:cSld>
+  <p:clrMapOvr>
+    <a:masterClrMapping/>
+  </p:clrMapOvr>
+  <p:timing>
+    <p:tnLst>
+      <p:par>
+        <p:cTn id="1" dur="indefinite" restart="never" nodeType="tmRoot"/>
+      </p:par>
+    </p:tnLst>
+  </p:timing>
+</p:sld>
+</file>
+
+<file path=ppt/slides/slide17.xml><?xml version="1.0" encoding="utf-8"?>
+<p:sld xmlns:a="http://schemas.openxmlformats.org/drawingml/2006/main" xmlns:r="http://schemas.openxmlformats.org/officeDocument/2006/relationships" xmlns:p="http://schemas.openxmlformats.org/presentationml/2006/main">
+  <p:cSld>
+    <p:spTree>
+      <p:nvGrpSpPr>
+        <p:cNvPr id="1" name=""/>
+        <p:cNvGrpSpPr/>
+        <p:nvPr/>
+      </p:nvGrpSpPr>
+      <p:grpSpPr>
+        <a:xfrm>
+          <a:off x="0" y="0"/>
+          <a:ext cx="0" cy="0"/>
+          <a:chOff x="0" y="0"/>
+          <a:chExt cx="0" cy="0"/>
+        </a:xfrm>
+      </p:grpSpPr>
+      <p:sp>
+        <p:nvSpPr>
+          <p:cNvPr id="2" name="Заголовок 1"/>
+          <p:cNvSpPr>
+            <a:spLocks noGrp="1"/>
+          </p:cNvSpPr>
+          <p:nvPr>
+            <p:ph type="title"/>
+          </p:nvPr>
+        </p:nvSpPr>
+        <p:spPr>
           <a:xfrm>
             <a:off x="395536" y="1844824"/>
             <a:ext cx="7620000" cy="1143000"/>
@@ -3970,6 +6197,8 @@
                 <a:solidFill>
                   <a:schemeClr val="tx1"/>
                 </a:solidFill>
+                <a:latin typeface="Times New Roman" panose="02020603050405020304" pitchFamily="18" charset="0"/>
+                <a:cs typeface="Times New Roman" panose="02020603050405020304" pitchFamily="18" charset="0"/>
               </a:rPr>
               <a:t>Спасибо за внимание</a:t>
             </a:r>
@@ -3977,6 +6206,8 @@
               <a:solidFill>
                 <a:schemeClr val="tx1"/>
               </a:solidFill>
+              <a:latin typeface="Times New Roman" panose="02020603050405020304" pitchFamily="18" charset="0"/>
+              <a:cs typeface="Times New Roman" panose="02020603050405020304" pitchFamily="18" charset="0"/>
             </a:endParaRPr>
           </a:p>
         </p:txBody>
@@ -3997,10 +6228,16 @@
           <a:lstStyle/>
           <a:p>
             <a:fld id="{1B61E6DC-7948-428B-BF0C-0B97AF471FA1}" type="slidenum">
-              <a:rPr lang="ru-RU" smtClean="0"/>
-              <a:t>10</a:t>
+              <a:rPr lang="ru-RU" sz="2400" b="1" smtClean="0">
+                <a:latin typeface="Times New Roman" panose="02020603050405020304" pitchFamily="18" charset="0"/>
+                <a:cs typeface="Times New Roman" panose="02020603050405020304" pitchFamily="18" charset="0"/>
+              </a:rPr>
+              <a:t>17</a:t>
             </a:fld>
-            <a:endParaRPr lang="ru-RU"/>
+            <a:endParaRPr lang="ru-RU" sz="2400" b="1" dirty="0">
+              <a:latin typeface="Times New Roman" panose="02020603050405020304" pitchFamily="18" charset="0"/>
+              <a:cs typeface="Times New Roman" panose="02020603050405020304" pitchFamily="18" charset="0"/>
+            </a:endParaRPr>
           </a:p>
         </p:txBody>
       </p:sp>
@@ -4061,8 +6298,10 @@
             <a:r>
               <a:rPr lang="ru-RU" sz="4000" dirty="0">
                 <a:solidFill>
-                  <a:schemeClr val="tx1"/>
-                </a:solidFill>
+                  <a:srgbClr val="000000"/>
+                </a:solidFill>
+                <a:latin typeface="Times New Roman" panose="02020603050405020304" pitchFamily="18" charset="0"/>
+                <a:cs typeface="Times New Roman" panose="02020603050405020304" pitchFamily="18" charset="0"/>
               </a:rPr>
               <a:t>Актуальность работы</a:t>
             </a:r>
@@ -4097,15 +6336,33 @@
               </a:spcAft>
             </a:pPr>
             <a:r>
-              <a:rPr lang="ru-RU" sz="2000" dirty="0" smtClean="0"/>
+              <a:rPr lang="ru-RU" sz="2000" dirty="0" smtClean="0">
+                <a:solidFill>
+                  <a:srgbClr val="000000"/>
+                </a:solidFill>
+                <a:latin typeface="Times New Roman" panose="02020603050405020304" pitchFamily="18" charset="0"/>
+                <a:cs typeface="Times New Roman" panose="02020603050405020304" pitchFamily="18" charset="0"/>
+              </a:rPr>
               <a:t>Тема </a:t>
             </a:r>
             <a:r>
-              <a:rPr lang="ru-RU" sz="2000" dirty="0"/>
+              <a:rPr lang="ru-RU" sz="2000" dirty="0">
+                <a:solidFill>
+                  <a:srgbClr val="000000"/>
+                </a:solidFill>
+                <a:latin typeface="Times New Roman" panose="02020603050405020304" pitchFamily="18" charset="0"/>
+                <a:cs typeface="Times New Roman" panose="02020603050405020304" pitchFamily="18" charset="0"/>
+              </a:rPr>
               <a:t>исследования и разработки мобильных приложений для поддержки социальной интеграции глухих людей является актуальной и имеет как научную, так и практическую </a:t>
             </a:r>
             <a:r>
-              <a:rPr lang="ru-RU" sz="2000" dirty="0" smtClean="0"/>
+              <a:rPr lang="ru-RU" sz="2000" dirty="0" smtClean="0">
+                <a:solidFill>
+                  <a:srgbClr val="000000"/>
+                </a:solidFill>
+                <a:latin typeface="Times New Roman" panose="02020603050405020304" pitchFamily="18" charset="0"/>
+                <a:cs typeface="Times New Roman" panose="02020603050405020304" pitchFamily="18" charset="0"/>
+              </a:rPr>
               <a:t>значимость.</a:t>
             </a:r>
           </a:p>
@@ -4116,31 +6373,73 @@
               </a:spcAft>
             </a:pPr>
             <a:r>
-              <a:rPr lang="ru-RU" sz="2000" dirty="0" smtClean="0"/>
+              <a:rPr lang="ru-RU" sz="2000" dirty="0" smtClean="0">
+                <a:solidFill>
+                  <a:srgbClr val="000000"/>
+                </a:solidFill>
+                <a:latin typeface="Times New Roman" panose="02020603050405020304" pitchFamily="18" charset="0"/>
+                <a:cs typeface="Times New Roman" panose="02020603050405020304" pitchFamily="18" charset="0"/>
+              </a:rPr>
               <a:t>Она </a:t>
             </a:r>
             <a:r>
-              <a:rPr lang="ru-RU" sz="2000" dirty="0"/>
+              <a:rPr lang="ru-RU" sz="2000" dirty="0">
+                <a:solidFill>
+                  <a:srgbClr val="000000"/>
+                </a:solidFill>
+                <a:latin typeface="Times New Roman" panose="02020603050405020304" pitchFamily="18" charset="0"/>
+                <a:cs typeface="Times New Roman" panose="02020603050405020304" pitchFamily="18" charset="0"/>
+              </a:rPr>
               <a:t>отвечает на вызовы современного общества, связанные с </a:t>
             </a:r>
             <a:r>
-              <a:rPr lang="ru-RU" sz="2000" b="1" i="1" dirty="0"/>
+              <a:rPr lang="ru-RU" sz="2000" b="1" i="1" dirty="0">
+                <a:solidFill>
+                  <a:srgbClr val="000000"/>
+                </a:solidFill>
+                <a:latin typeface="Times New Roman" panose="02020603050405020304" pitchFamily="18" charset="0"/>
+                <a:cs typeface="Times New Roman" panose="02020603050405020304" pitchFamily="18" charset="0"/>
+              </a:rPr>
               <a:t>инклюзией</a:t>
             </a:r>
             <a:r>
-              <a:rPr lang="ru-RU" sz="2000" dirty="0"/>
+              <a:rPr lang="ru-RU" sz="2000" dirty="0">
+                <a:solidFill>
+                  <a:srgbClr val="000000"/>
+                </a:solidFill>
+                <a:latin typeface="Times New Roman" panose="02020603050405020304" pitchFamily="18" charset="0"/>
+                <a:cs typeface="Times New Roman" panose="02020603050405020304" pitchFamily="18" charset="0"/>
+              </a:rPr>
               <a:t> и устранением </a:t>
             </a:r>
             <a:r>
-              <a:rPr lang="ru-RU" sz="2000" b="1" i="1" dirty="0" smtClean="0"/>
+              <a:rPr lang="ru-RU" sz="2000" b="1" i="1" dirty="0" smtClean="0">
+                <a:solidFill>
+                  <a:srgbClr val="000000"/>
+                </a:solidFill>
+                <a:latin typeface="Times New Roman" panose="02020603050405020304" pitchFamily="18" charset="0"/>
+                <a:cs typeface="Times New Roman" panose="02020603050405020304" pitchFamily="18" charset="0"/>
+              </a:rPr>
               <a:t>коммуникационных барьеров </a:t>
             </a:r>
             <a:r>
-              <a:rPr lang="ru-RU" sz="2000" dirty="0"/>
+              <a:rPr lang="ru-RU" sz="2000" dirty="0">
+                <a:solidFill>
+                  <a:srgbClr val="000000"/>
+                </a:solidFill>
+                <a:latin typeface="Times New Roman" panose="02020603050405020304" pitchFamily="18" charset="0"/>
+                <a:cs typeface="Times New Roman" panose="02020603050405020304" pitchFamily="18" charset="0"/>
+              </a:rPr>
               <a:t>для людей с ограниченными </a:t>
             </a:r>
             <a:r>
-              <a:rPr lang="ru-RU" sz="2000" dirty="0" smtClean="0"/>
+              <a:rPr lang="ru-RU" sz="2000" dirty="0" smtClean="0">
+                <a:solidFill>
+                  <a:srgbClr val="000000"/>
+                </a:solidFill>
+                <a:latin typeface="Times New Roman" panose="02020603050405020304" pitchFamily="18" charset="0"/>
+                <a:cs typeface="Times New Roman" panose="02020603050405020304" pitchFamily="18" charset="0"/>
+              </a:rPr>
               <a:t>возможностями.</a:t>
             </a:r>
           </a:p>
@@ -4151,35 +6450,83 @@
               </a:spcAft>
             </a:pPr>
             <a:r>
-              <a:rPr lang="ru-RU" sz="2000" dirty="0" smtClean="0"/>
+              <a:rPr lang="ru-RU" sz="2000" dirty="0" smtClean="0">
+                <a:solidFill>
+                  <a:srgbClr val="000000"/>
+                </a:solidFill>
+                <a:latin typeface="Times New Roman" panose="02020603050405020304" pitchFamily="18" charset="0"/>
+                <a:cs typeface="Times New Roman" panose="02020603050405020304" pitchFamily="18" charset="0"/>
+              </a:rPr>
               <a:t>Мобильные технологии могут стать ключевым инструментом для </a:t>
             </a:r>
             <a:r>
-              <a:rPr lang="ru-RU" sz="2000" b="1" i="1" dirty="0" smtClean="0"/>
+              <a:rPr lang="ru-RU" sz="2000" b="1" i="1" dirty="0" smtClean="0">
+                <a:solidFill>
+                  <a:srgbClr val="000000"/>
+                </a:solidFill>
+                <a:latin typeface="Times New Roman" panose="02020603050405020304" pitchFamily="18" charset="0"/>
+                <a:cs typeface="Times New Roman" panose="02020603050405020304" pitchFamily="18" charset="0"/>
+              </a:rPr>
               <a:t>доступа к информации</a:t>
             </a:r>
             <a:r>
-              <a:rPr lang="ru-RU" sz="2000" dirty="0" smtClean="0"/>
+              <a:rPr lang="ru-RU" sz="2000" dirty="0" smtClean="0">
+                <a:solidFill>
+                  <a:srgbClr val="000000"/>
+                </a:solidFill>
+                <a:latin typeface="Times New Roman" panose="02020603050405020304" pitchFamily="18" charset="0"/>
+                <a:cs typeface="Times New Roman" panose="02020603050405020304" pitchFamily="18" charset="0"/>
+              </a:rPr>
               <a:t>, </a:t>
             </a:r>
             <a:r>
-              <a:rPr lang="ru-RU" sz="2000" b="1" i="1" dirty="0" smtClean="0"/>
+              <a:rPr lang="ru-RU" sz="2000" b="1" i="1" dirty="0" smtClean="0">
+                <a:solidFill>
+                  <a:srgbClr val="000000"/>
+                </a:solidFill>
+                <a:latin typeface="Times New Roman" panose="02020603050405020304" pitchFamily="18" charset="0"/>
+                <a:cs typeface="Times New Roman" panose="02020603050405020304" pitchFamily="18" charset="0"/>
+              </a:rPr>
               <a:t>коммуникации</a:t>
             </a:r>
             <a:r>
-              <a:rPr lang="ru-RU" sz="2000" dirty="0"/>
+              <a:rPr lang="ru-RU" sz="2000" dirty="0">
+                <a:solidFill>
+                  <a:srgbClr val="000000"/>
+                </a:solidFill>
+                <a:latin typeface="Times New Roman" panose="02020603050405020304" pitchFamily="18" charset="0"/>
+                <a:cs typeface="Times New Roman" panose="02020603050405020304" pitchFamily="18" charset="0"/>
+              </a:rPr>
               <a:t> </a:t>
             </a:r>
             <a:r>
-              <a:rPr lang="ru-RU" sz="2000" dirty="0" smtClean="0"/>
+              <a:rPr lang="ru-RU" sz="2000" dirty="0" smtClean="0">
+                <a:solidFill>
+                  <a:srgbClr val="000000"/>
+                </a:solidFill>
+                <a:latin typeface="Times New Roman" panose="02020603050405020304" pitchFamily="18" charset="0"/>
+                <a:cs typeface="Times New Roman" panose="02020603050405020304" pitchFamily="18" charset="0"/>
+              </a:rPr>
               <a:t>и </a:t>
             </a:r>
             <a:r>
-              <a:rPr lang="ru-RU" sz="2000" b="1" i="1" dirty="0" smtClean="0"/>
+              <a:rPr lang="ru-RU" sz="2000" b="1" i="1" dirty="0" smtClean="0">
+                <a:solidFill>
+                  <a:srgbClr val="000000"/>
+                </a:solidFill>
+                <a:latin typeface="Times New Roman" panose="02020603050405020304" pitchFamily="18" charset="0"/>
+                <a:cs typeface="Times New Roman" panose="02020603050405020304" pitchFamily="18" charset="0"/>
+              </a:rPr>
               <a:t>повышения качества жизни</a:t>
             </a:r>
             <a:r>
-              <a:rPr lang="ru-RU" sz="2000" dirty="0" smtClean="0"/>
+              <a:rPr lang="ru-RU" sz="2000" dirty="0" smtClean="0">
+                <a:solidFill>
+                  <a:srgbClr val="000000"/>
+                </a:solidFill>
+                <a:latin typeface="Times New Roman" panose="02020603050405020304" pitchFamily="18" charset="0"/>
+                <a:cs typeface="Times New Roman" panose="02020603050405020304" pitchFamily="18" charset="0"/>
+              </a:rPr>
               <a:t> глухих людей.</a:t>
             </a:r>
           </a:p>
@@ -4190,18 +6537,42 @@
               </a:spcAft>
             </a:pPr>
             <a:r>
-              <a:rPr lang="ru-RU" sz="2000" dirty="0" smtClean="0"/>
+              <a:rPr lang="ru-RU" sz="2000" dirty="0" smtClean="0">
+                <a:solidFill>
+                  <a:srgbClr val="000000"/>
+                </a:solidFill>
+                <a:latin typeface="Times New Roman" panose="02020603050405020304" pitchFamily="18" charset="0"/>
+                <a:cs typeface="Times New Roman" panose="02020603050405020304" pitchFamily="18" charset="0"/>
+              </a:rPr>
               <a:t>Разработка </a:t>
             </a:r>
             <a:r>
-              <a:rPr lang="ru-RU" sz="2000" dirty="0"/>
+              <a:rPr lang="ru-RU" sz="2000" dirty="0">
+                <a:solidFill>
+                  <a:srgbClr val="000000"/>
+                </a:solidFill>
+                <a:latin typeface="Times New Roman" panose="02020603050405020304" pitchFamily="18" charset="0"/>
+                <a:cs typeface="Times New Roman" panose="02020603050405020304" pitchFamily="18" charset="0"/>
+              </a:rPr>
               <a:t>прототипа приложения может стать важным шагом в создании более доступного и инклюзивного мира для глухих людей</a:t>
             </a:r>
             <a:r>
-              <a:rPr lang="ru-RU" sz="2000" dirty="0" smtClean="0"/>
+              <a:rPr lang="ru-RU" sz="2000" dirty="0" smtClean="0">
+                <a:solidFill>
+                  <a:srgbClr val="000000"/>
+                </a:solidFill>
+                <a:latin typeface="Times New Roman" panose="02020603050405020304" pitchFamily="18" charset="0"/>
+                <a:cs typeface="Times New Roman" panose="02020603050405020304" pitchFamily="18" charset="0"/>
+              </a:rPr>
               <a:t>.</a:t>
             </a:r>
-            <a:endParaRPr lang="ru-RU" sz="2000" dirty="0"/>
+            <a:endParaRPr lang="ru-RU" sz="2000" dirty="0">
+              <a:solidFill>
+                <a:srgbClr val="000000"/>
+              </a:solidFill>
+              <a:latin typeface="Times New Roman" panose="02020603050405020304" pitchFamily="18" charset="0"/>
+              <a:cs typeface="Times New Roman" panose="02020603050405020304" pitchFamily="18" charset="0"/>
+            </a:endParaRPr>
           </a:p>
         </p:txBody>
       </p:sp>
@@ -4221,10 +6592,16 @@
           <a:lstStyle/>
           <a:p>
             <a:fld id="{1B61E6DC-7948-428B-BF0C-0B97AF471FA1}" type="slidenum">
-              <a:rPr lang="ru-RU" smtClean="0"/>
+              <a:rPr lang="ru-RU" sz="2400" b="1" smtClean="0">
+                <a:latin typeface="Times New Roman" panose="02020603050405020304" pitchFamily="18" charset="0"/>
+                <a:cs typeface="Times New Roman" panose="02020603050405020304" pitchFamily="18" charset="0"/>
+              </a:rPr>
               <a:t>2</a:t>
             </a:fld>
-            <a:endParaRPr lang="ru-RU" dirty="0"/>
+            <a:endParaRPr lang="ru-RU" sz="2400" b="1" dirty="0">
+              <a:latin typeface="Times New Roman" panose="02020603050405020304" pitchFamily="18" charset="0"/>
+              <a:cs typeface="Times New Roman" panose="02020603050405020304" pitchFamily="18" charset="0"/>
+            </a:endParaRPr>
           </a:p>
         </p:txBody>
       </p:sp>
@@ -4276,7 +6653,9 @@
           </p:nvPr>
         </p:nvSpPr>
         <p:spPr>
-          <a:noFill/>
+          <a:solidFill>
+            <a:srgbClr val="C00000"/>
+          </a:solidFill>
         </p:spPr>
         <p:txBody>
           <a:bodyPr/>
@@ -4285,24 +6664,72 @@
             <a:r>
               <a:rPr lang="ru-RU" sz="4000" dirty="0">
                 <a:solidFill>
-                  <a:schemeClr val="tx1"/>
-                </a:solidFill>
-              </a:rPr>
-              <a:t>Описание существующей проблемы</a:t>
-            </a:r>
-          </a:p>
-        </p:txBody>
-      </p:sp>
-      <p:sp>
-        <p:nvSpPr>
-          <p:cNvPr id="3" name="TextBox 2"/>
+                  <a:srgbClr val="000000"/>
+                </a:solidFill>
+                <a:latin typeface="Times New Roman" panose="02020603050405020304" pitchFamily="18" charset="0"/>
+                <a:cs typeface="Times New Roman" panose="02020603050405020304" pitchFamily="18" charset="0"/>
+              </a:rPr>
+              <a:t>Ключевые </a:t>
+            </a:r>
+            <a:r>
+              <a:rPr lang="ru-RU" sz="4000" dirty="0" smtClean="0">
+                <a:solidFill>
+                  <a:srgbClr val="000000"/>
+                </a:solidFill>
+                <a:latin typeface="Times New Roman" panose="02020603050405020304" pitchFamily="18" charset="0"/>
+                <a:cs typeface="Times New Roman" panose="02020603050405020304" pitchFamily="18" charset="0"/>
+              </a:rPr>
+              <a:t>понятия</a:t>
+            </a:r>
+            <a:endParaRPr lang="ru-RU" sz="4000" dirty="0">
+              <a:solidFill>
+                <a:srgbClr val="000000"/>
+              </a:solidFill>
+              <a:latin typeface="Times New Roman" panose="02020603050405020304" pitchFamily="18" charset="0"/>
+              <a:cs typeface="Times New Roman" panose="02020603050405020304" pitchFamily="18" charset="0"/>
+            </a:endParaRPr>
+          </a:p>
+        </p:txBody>
+      </p:sp>
+      <p:sp>
+        <p:nvSpPr>
+          <p:cNvPr id="3" name="Номер слайда 2"/>
+          <p:cNvSpPr>
+            <a:spLocks noGrp="1"/>
+          </p:cNvSpPr>
+          <p:nvPr>
+            <p:ph type="sldNum" sz="quarter" idx="12"/>
+          </p:nvPr>
+        </p:nvSpPr>
+        <p:spPr/>
+        <p:txBody>
+          <a:bodyPr/>
+          <a:lstStyle/>
+          <a:p>
+            <a:fld id="{1B61E6DC-7948-428B-BF0C-0B97AF471FA1}" type="slidenum">
+              <a:rPr lang="ru-RU" sz="2400" b="1" smtClean="0">
+                <a:latin typeface="Times New Roman" panose="02020603050405020304" pitchFamily="18" charset="0"/>
+                <a:cs typeface="Times New Roman" panose="02020603050405020304" pitchFamily="18" charset="0"/>
+              </a:rPr>
+              <a:t>3</a:t>
+            </a:fld>
+            <a:endParaRPr lang="ru-RU" sz="2400" b="1" dirty="0">
+              <a:latin typeface="Times New Roman" panose="02020603050405020304" pitchFamily="18" charset="0"/>
+              <a:cs typeface="Times New Roman" panose="02020603050405020304" pitchFamily="18" charset="0"/>
+            </a:endParaRPr>
+          </a:p>
+        </p:txBody>
+      </p:sp>
+      <p:sp>
+        <p:nvSpPr>
+          <p:cNvPr id="5" name="TextBox 4"/>
           <p:cNvSpPr txBox="1"/>
           <p:nvPr/>
         </p:nvSpPr>
         <p:spPr>
           <a:xfrm>
             <a:off x="395536" y="1700808"/>
-            <a:ext cx="8064896" cy="4708981"/>
+            <a:ext cx="8064896" cy="3954929"/>
           </a:xfrm>
           <a:prstGeom prst="rect">
             <a:avLst/>
@@ -4315,14 +6742,56 @@
           </a:bodyPr>
           <a:lstStyle/>
           <a:p>
+            <a:pPr marL="285750" lvl="0" indent="-285750">
+              <a:spcAft>
+                <a:spcPts val="600"/>
+              </a:spcAft>
+              <a:buFont typeface="Arial" panose="020B0604020202020204" pitchFamily="34" charset="0"/>
+              <a:buChar char="•"/>
+            </a:pPr>
+            <a:r>
+              <a:rPr lang="ru-RU" sz="2400" dirty="0">
+                <a:solidFill>
+                  <a:srgbClr val="000000"/>
+                </a:solidFill>
+                <a:latin typeface="Times New Roman" panose="02020603050405020304" pitchFamily="18" charset="0"/>
+                <a:cs typeface="Times New Roman" panose="02020603050405020304" pitchFamily="18" charset="0"/>
+              </a:rPr>
+              <a:t>Социальная интеграция: </a:t>
+            </a:r>
+            <a:endParaRPr lang="en-US" sz="2400" dirty="0" smtClean="0">
+              <a:solidFill>
+                <a:srgbClr val="000000"/>
+              </a:solidFill>
+              <a:latin typeface="Times New Roman" panose="02020603050405020304" pitchFamily="18" charset="0"/>
+              <a:cs typeface="Times New Roman" panose="02020603050405020304" pitchFamily="18" charset="0"/>
+            </a:endParaRPr>
+          </a:p>
+          <a:p>
             <a:pPr lvl="0">
               <a:spcAft>
                 <a:spcPts val="600"/>
               </a:spcAft>
             </a:pPr>
             <a:r>
-              <a:rPr lang="ru-RU" dirty="0" smtClean="0"/>
-              <a:t>Коммуникационные барьеры:</a:t>
+              <a:rPr lang="ru-RU" sz="2400" dirty="0" smtClean="0">
+                <a:solidFill>
+                  <a:srgbClr val="000000"/>
+                </a:solidFill>
+                <a:latin typeface="Times New Roman" panose="02020603050405020304" pitchFamily="18" charset="0"/>
+                <a:cs typeface="Times New Roman" panose="02020603050405020304" pitchFamily="18" charset="0"/>
+              </a:rPr>
+              <a:t>Вовлечение </a:t>
+            </a:r>
+            <a:r>
+              <a:rPr lang="ru-RU" sz="2400" dirty="0">
+                <a:solidFill>
+                  <a:srgbClr val="000000"/>
+                </a:solidFill>
+                <a:latin typeface="Times New Roman" panose="02020603050405020304" pitchFamily="18" charset="0"/>
+                <a:cs typeface="Times New Roman" panose="02020603050405020304" pitchFamily="18" charset="0"/>
+              </a:rPr>
+              <a:t>глухих в общественную жизнь через коммуникацию.</a:t>
             </a:r>
           </a:p>
           <a:p>
@@ -4331,26 +6800,39 @@
                 <a:spcPts val="600"/>
               </a:spcAft>
             </a:pPr>
-            <a:r>
-              <a:rPr lang="ru-RU" dirty="0" smtClean="0"/>
-              <a:t>Глухие люди не всегда имеют </a:t>
-            </a:r>
-            <a:r>
-              <a:rPr lang="ru-RU" b="1" i="1" dirty="0" smtClean="0"/>
-              <a:t>доступ к информации</a:t>
-            </a:r>
-            <a:r>
-              <a:rPr lang="ru-RU" dirty="0" smtClean="0"/>
-              <a:t>, представленной на слух (новости, объявления, лекции), испытывают </a:t>
-            </a:r>
-            <a:r>
-              <a:rPr lang="ru-RU" b="1" i="1" dirty="0" smtClean="0"/>
-              <a:t>трудности в общении </a:t>
-            </a:r>
-            <a:r>
-              <a:rPr lang="ru-RU" dirty="0" smtClean="0"/>
-              <a:t>со слышащими людьми, когда нет возможности использовать жестовый язык или письменный текст. </a:t>
-            </a:r>
+            <a:endParaRPr lang="ru-RU" sz="2400" dirty="0">
+              <a:solidFill>
+                <a:srgbClr val="000000"/>
+              </a:solidFill>
+              <a:latin typeface="Times New Roman" panose="02020603050405020304" pitchFamily="18" charset="0"/>
+              <a:cs typeface="Times New Roman" panose="02020603050405020304" pitchFamily="18" charset="0"/>
+            </a:endParaRPr>
+          </a:p>
+          <a:p>
+            <a:pPr marL="285750" lvl="0" indent="-285750">
+              <a:spcAft>
+                <a:spcPts val="600"/>
+              </a:spcAft>
+              <a:buFont typeface="Arial" panose="020B0604020202020204" pitchFamily="34" charset="0"/>
+              <a:buChar char="•"/>
+            </a:pPr>
+            <a:r>
+              <a:rPr lang="ru-RU" sz="2400" dirty="0">
+                <a:solidFill>
+                  <a:srgbClr val="000000"/>
+                </a:solidFill>
+                <a:latin typeface="Times New Roman" panose="02020603050405020304" pitchFamily="18" charset="0"/>
+                <a:cs typeface="Times New Roman" panose="02020603050405020304" pitchFamily="18" charset="0"/>
+              </a:rPr>
+              <a:t>Жестовый язык (РЖЯ): </a:t>
+            </a:r>
+            <a:endParaRPr lang="en-US" sz="2400" dirty="0" smtClean="0">
+              <a:solidFill>
+                <a:srgbClr val="000000"/>
+              </a:solidFill>
+              <a:latin typeface="Times New Roman" panose="02020603050405020304" pitchFamily="18" charset="0"/>
+              <a:cs typeface="Times New Roman" panose="02020603050405020304" pitchFamily="18" charset="0"/>
+            </a:endParaRPr>
           </a:p>
           <a:p>
             <a:pPr lvl="0">
@@ -4359,24 +6841,24 @@
               </a:spcAft>
             </a:pPr>
             <a:r>
-              <a:rPr lang="ru-RU" dirty="0" smtClean="0"/>
-              <a:t>Поэтому возникают </a:t>
-            </a:r>
-            <a:r>
-              <a:rPr lang="ru-RU" b="1" i="1" dirty="0" smtClean="0"/>
-              <a:t>проблемы с профессиональным общением</a:t>
-            </a:r>
-            <a:r>
-              <a:rPr lang="ru-RU" dirty="0" smtClean="0"/>
-              <a:t>, когда</a:t>
-            </a:r>
-            <a:r>
-              <a:rPr lang="ru-RU" b="1" dirty="0"/>
-              <a:t> </a:t>
-            </a:r>
-            <a:r>
-              <a:rPr lang="ru-RU" dirty="0" smtClean="0"/>
-              <a:t>сталкиваются с трудностями в получении профессиональной подготовки и карьерном росте из-за недостатка коммуникации с коллегами и руководством.</a:t>
+              <a:rPr lang="ru-RU" sz="2400" dirty="0" smtClean="0">
+                <a:solidFill>
+                  <a:srgbClr val="000000"/>
+                </a:solidFill>
+                <a:latin typeface="Times New Roman" panose="02020603050405020304" pitchFamily="18" charset="0"/>
+                <a:cs typeface="Times New Roman" panose="02020603050405020304" pitchFamily="18" charset="0"/>
+              </a:rPr>
+              <a:t>Визуально-пространственный </a:t>
+            </a:r>
+            <a:r>
+              <a:rPr lang="ru-RU" sz="2400" dirty="0">
+                <a:solidFill>
+                  <a:srgbClr val="000000"/>
+                </a:solidFill>
+                <a:latin typeface="Times New Roman" panose="02020603050405020304" pitchFamily="18" charset="0"/>
+                <a:cs typeface="Times New Roman" panose="02020603050405020304" pitchFamily="18" charset="0"/>
+              </a:rPr>
+              <a:t>язык, основной для глухих.</a:t>
             </a:r>
           </a:p>
           <a:p>
@@ -4385,7 +6867,39 @@
                 <a:spcPts val="600"/>
               </a:spcAft>
             </a:pPr>
-            <a:endParaRPr lang="ru-RU" dirty="0" smtClean="0"/>
+            <a:endParaRPr lang="ru-RU" sz="2400" dirty="0">
+              <a:solidFill>
+                <a:srgbClr val="000000"/>
+              </a:solidFill>
+              <a:latin typeface="Times New Roman" panose="02020603050405020304" pitchFamily="18" charset="0"/>
+              <a:cs typeface="Times New Roman" panose="02020603050405020304" pitchFamily="18" charset="0"/>
+            </a:endParaRPr>
+          </a:p>
+          <a:p>
+            <a:pPr marL="285750" lvl="0" indent="-285750">
+              <a:spcAft>
+                <a:spcPts val="600"/>
+              </a:spcAft>
+              <a:buFont typeface="Arial" panose="020B0604020202020204" pitchFamily="34" charset="0"/>
+              <a:buChar char="•"/>
+            </a:pPr>
+            <a:r>
+              <a:rPr lang="ru-RU" sz="2400" dirty="0">
+                <a:solidFill>
+                  <a:srgbClr val="000000"/>
+                </a:solidFill>
+                <a:latin typeface="Times New Roman" panose="02020603050405020304" pitchFamily="18" charset="0"/>
+                <a:cs typeface="Times New Roman" panose="02020603050405020304" pitchFamily="18" charset="0"/>
+              </a:rPr>
+              <a:t>Субтитры в реальном времени: </a:t>
+            </a:r>
+            <a:endParaRPr lang="en-US" sz="2400" dirty="0" smtClean="0">
+              <a:solidFill>
+                <a:srgbClr val="000000"/>
+              </a:solidFill>
+              <a:latin typeface="Times New Roman" panose="02020603050405020304" pitchFamily="18" charset="0"/>
+              <a:cs typeface="Times New Roman" panose="02020603050405020304" pitchFamily="18" charset="0"/>
+            </a:endParaRPr>
           </a:p>
           <a:p>
             <a:pPr lvl="0">
@@ -4394,101 +6908,39 @@
               </a:spcAft>
             </a:pPr>
             <a:r>
-              <a:rPr lang="ru-RU" dirty="0" smtClean="0"/>
-              <a:t>Недостаток </a:t>
-            </a:r>
-            <a:r>
-              <a:rPr lang="ru-RU" dirty="0"/>
-              <a:t>доступа к </a:t>
-            </a:r>
-            <a:r>
-              <a:rPr lang="ru-RU" dirty="0" smtClean="0"/>
-              <a:t>услугам:</a:t>
-            </a:r>
-          </a:p>
-          <a:p>
-            <a:pPr>
-              <a:spcAft>
-                <a:spcPts val="600"/>
-              </a:spcAft>
-            </a:pPr>
-            <a:r>
-              <a:rPr lang="ru-RU" dirty="0" smtClean="0"/>
-              <a:t>Глухие люди могут испытывать трудности в получении </a:t>
-            </a:r>
-            <a:r>
-              <a:rPr lang="ru-RU" b="1" i="1" dirty="0" smtClean="0"/>
-              <a:t>медицинской помощи </a:t>
-            </a:r>
-            <a:r>
-              <a:rPr lang="ru-RU" dirty="0" smtClean="0"/>
-              <a:t>из-за недостатка информации и коммуникации с врачами, также могут не иметь доступа к </a:t>
-            </a:r>
-            <a:r>
-              <a:rPr lang="ru-RU" b="1" i="1" dirty="0" smtClean="0"/>
-              <a:t>социальным услугам</a:t>
-            </a:r>
-            <a:r>
-              <a:rPr lang="ru-RU" dirty="0" smtClean="0"/>
-              <a:t>, адаптированным к их потребностям.</a:t>
-            </a:r>
-          </a:p>
-          <a:p>
-            <a:pPr>
-              <a:spcAft>
-                <a:spcPts val="600"/>
-              </a:spcAft>
-            </a:pPr>
-            <a:r>
-              <a:rPr lang="ru-RU" dirty="0" smtClean="0"/>
-              <a:t>Глухие </a:t>
-            </a:r>
-            <a:r>
-              <a:rPr lang="ru-RU" dirty="0"/>
-              <a:t>дети часто не имеют доступа к качественному </a:t>
-            </a:r>
-            <a:r>
-              <a:rPr lang="ru-RU" b="1" i="1" dirty="0"/>
-              <a:t>образованию</a:t>
-            </a:r>
-            <a:r>
-              <a:rPr lang="ru-RU" dirty="0"/>
-              <a:t>, адаптированному к их </a:t>
-            </a:r>
-            <a:r>
-              <a:rPr lang="ru-RU" dirty="0" smtClean="0"/>
-              <a:t>потребностям.</a:t>
-            </a:r>
-          </a:p>
-        </p:txBody>
-      </p:sp>
-      <p:sp>
-        <p:nvSpPr>
-          <p:cNvPr id="4" name="Номер слайда 3"/>
-          <p:cNvSpPr>
-            <a:spLocks noGrp="1"/>
-          </p:cNvSpPr>
-          <p:nvPr>
-            <p:ph type="sldNum" sz="quarter" idx="12"/>
-          </p:nvPr>
-        </p:nvSpPr>
-        <p:spPr/>
-        <p:txBody>
-          <a:bodyPr/>
-          <a:lstStyle/>
-          <a:p>
-            <a:fld id="{1B61E6DC-7948-428B-BF0C-0B97AF471FA1}" type="slidenum">
-              <a:rPr lang="ru-RU" smtClean="0"/>
-              <a:t>3</a:t>
-            </a:fld>
-            <a:endParaRPr lang="ru-RU" dirty="0"/>
+              <a:rPr lang="ru-RU" sz="2400" dirty="0" smtClean="0">
+                <a:solidFill>
+                  <a:srgbClr val="000000"/>
+                </a:solidFill>
+                <a:latin typeface="Times New Roman" panose="02020603050405020304" pitchFamily="18" charset="0"/>
+                <a:cs typeface="Times New Roman" panose="02020603050405020304" pitchFamily="18" charset="0"/>
+              </a:rPr>
+              <a:t>Автоматическая </a:t>
+            </a:r>
+            <a:r>
+              <a:rPr lang="ru-RU" sz="2400" dirty="0">
+                <a:solidFill>
+                  <a:srgbClr val="000000"/>
+                </a:solidFill>
+                <a:latin typeface="Times New Roman" panose="02020603050405020304" pitchFamily="18" charset="0"/>
+                <a:cs typeface="Times New Roman" panose="02020603050405020304" pitchFamily="18" charset="0"/>
+              </a:rPr>
+              <a:t>транскрипция устной речи.</a:t>
+            </a:r>
+            <a:endParaRPr lang="ru-RU" sz="2400" dirty="0" smtClean="0">
+              <a:solidFill>
+                <a:srgbClr val="000000"/>
+              </a:solidFill>
+              <a:latin typeface="Times New Roman" panose="02020603050405020304" pitchFamily="18" charset="0"/>
+              <a:cs typeface="Times New Roman" panose="02020603050405020304" pitchFamily="18" charset="0"/>
+            </a:endParaRPr>
           </a:p>
         </p:txBody>
       </p:sp>
     </p:spTree>
     <p:extLst>
       <p:ext uri="{BB962C8B-B14F-4D97-AF65-F5344CB8AC3E}">
-        <p14:creationId xmlns:p14="http://schemas.microsoft.com/office/powerpoint/2010/main" val="2855164495"/>
+        <p14:creationId xmlns:p14="http://schemas.microsoft.com/office/powerpoint/2010/main" val="2774560444"/>
       </p:ext>
     </p:extLst>
   </p:cSld>
@@ -4542,10 +6994,12 @@
             <a:r>
               <a:rPr lang="ru-RU" sz="4000" dirty="0">
                 <a:solidFill>
-                  <a:schemeClr val="tx1"/>
-                </a:solidFill>
-              </a:rPr>
-              <a:t>Цель и задачи исследования</a:t>
+                  <a:srgbClr val="000000"/>
+                </a:solidFill>
+                <a:latin typeface="Times New Roman" panose="02020603050405020304" pitchFamily="18" charset="0"/>
+                <a:cs typeface="Times New Roman" panose="02020603050405020304" pitchFamily="18" charset="0"/>
+              </a:rPr>
+              <a:t>Описание существующей проблемы</a:t>
             </a:r>
           </a:p>
         </p:txBody>
@@ -4558,8 +7012,8 @@
         </p:nvSpPr>
         <p:spPr>
           <a:xfrm>
-            <a:off x="539552" y="1844824"/>
-            <a:ext cx="7992888" cy="4385816"/>
+            <a:off x="395536" y="1700808"/>
+            <a:ext cx="8064896" cy="4708981"/>
           </a:xfrm>
           <a:prstGeom prst="rect">
             <a:avLst/>
@@ -4572,26 +7026,242 @@
           </a:bodyPr>
           <a:lstStyle/>
           <a:p>
+            <a:pPr lvl="0">
+              <a:spcAft>
+                <a:spcPts val="600"/>
+              </a:spcAft>
+            </a:pPr>
+            <a:r>
+              <a:rPr lang="ru-RU" dirty="0" smtClean="0">
+                <a:solidFill>
+                  <a:srgbClr val="000000"/>
+                </a:solidFill>
+                <a:latin typeface="Times New Roman" panose="02020603050405020304" pitchFamily="18" charset="0"/>
+                <a:cs typeface="Times New Roman" panose="02020603050405020304" pitchFamily="18" charset="0"/>
+              </a:rPr>
+              <a:t>Коммуникационные барьеры:</a:t>
+            </a:r>
+          </a:p>
+          <a:p>
+            <a:pPr lvl="0">
+              <a:spcAft>
+                <a:spcPts val="600"/>
+              </a:spcAft>
+            </a:pPr>
+            <a:r>
+              <a:rPr lang="ru-RU" dirty="0" smtClean="0">
+                <a:solidFill>
+                  <a:srgbClr val="000000"/>
+                </a:solidFill>
+                <a:latin typeface="Times New Roman" panose="02020603050405020304" pitchFamily="18" charset="0"/>
+                <a:cs typeface="Times New Roman" panose="02020603050405020304" pitchFamily="18" charset="0"/>
+              </a:rPr>
+              <a:t>Глухие люди не всегда имеют </a:t>
+            </a:r>
+            <a:r>
+              <a:rPr lang="ru-RU" b="1" i="1" dirty="0" smtClean="0">
+                <a:solidFill>
+                  <a:srgbClr val="000000"/>
+                </a:solidFill>
+                <a:latin typeface="Times New Roman" panose="02020603050405020304" pitchFamily="18" charset="0"/>
+                <a:cs typeface="Times New Roman" panose="02020603050405020304" pitchFamily="18" charset="0"/>
+              </a:rPr>
+              <a:t>доступ к информации</a:t>
+            </a:r>
+            <a:r>
+              <a:rPr lang="ru-RU" dirty="0" smtClean="0">
+                <a:solidFill>
+                  <a:srgbClr val="000000"/>
+                </a:solidFill>
+                <a:latin typeface="Times New Roman" panose="02020603050405020304" pitchFamily="18" charset="0"/>
+                <a:cs typeface="Times New Roman" panose="02020603050405020304" pitchFamily="18" charset="0"/>
+              </a:rPr>
+              <a:t>, представленной на слух (новости, объявления, лекции), испытывают </a:t>
+            </a:r>
+            <a:r>
+              <a:rPr lang="ru-RU" b="1" i="1" dirty="0" smtClean="0">
+                <a:solidFill>
+                  <a:srgbClr val="000000"/>
+                </a:solidFill>
+                <a:latin typeface="Times New Roman" panose="02020603050405020304" pitchFamily="18" charset="0"/>
+                <a:cs typeface="Times New Roman" panose="02020603050405020304" pitchFamily="18" charset="0"/>
+              </a:rPr>
+              <a:t>трудности в общении </a:t>
+            </a:r>
+            <a:r>
+              <a:rPr lang="ru-RU" dirty="0" smtClean="0">
+                <a:solidFill>
+                  <a:srgbClr val="000000"/>
+                </a:solidFill>
+                <a:latin typeface="Times New Roman" panose="02020603050405020304" pitchFamily="18" charset="0"/>
+                <a:cs typeface="Times New Roman" panose="02020603050405020304" pitchFamily="18" charset="0"/>
+              </a:rPr>
+              <a:t>со слышащими людьми, когда нет возможности использовать жестовый язык или письменный текст. </a:t>
+            </a:r>
+          </a:p>
+          <a:p>
+            <a:pPr lvl="0">
+              <a:spcAft>
+                <a:spcPts val="600"/>
+              </a:spcAft>
+            </a:pPr>
+            <a:r>
+              <a:rPr lang="ru-RU" dirty="0" smtClean="0">
+                <a:solidFill>
+                  <a:srgbClr val="000000"/>
+                </a:solidFill>
+                <a:latin typeface="Times New Roman" panose="02020603050405020304" pitchFamily="18" charset="0"/>
+                <a:cs typeface="Times New Roman" panose="02020603050405020304" pitchFamily="18" charset="0"/>
+              </a:rPr>
+              <a:t>Поэтому возникают </a:t>
+            </a:r>
+            <a:r>
+              <a:rPr lang="ru-RU" b="1" i="1" dirty="0" smtClean="0">
+                <a:solidFill>
+                  <a:srgbClr val="000000"/>
+                </a:solidFill>
+                <a:latin typeface="Times New Roman" panose="02020603050405020304" pitchFamily="18" charset="0"/>
+                <a:cs typeface="Times New Roman" panose="02020603050405020304" pitchFamily="18" charset="0"/>
+              </a:rPr>
+              <a:t>проблемы с профессиональным общением</a:t>
+            </a:r>
+            <a:r>
+              <a:rPr lang="ru-RU" dirty="0" smtClean="0">
+                <a:solidFill>
+                  <a:srgbClr val="000000"/>
+                </a:solidFill>
+                <a:latin typeface="Times New Roman" panose="02020603050405020304" pitchFamily="18" charset="0"/>
+                <a:cs typeface="Times New Roman" panose="02020603050405020304" pitchFamily="18" charset="0"/>
+              </a:rPr>
+              <a:t>, когда</a:t>
+            </a:r>
+            <a:r>
+              <a:rPr lang="ru-RU" b="1" dirty="0">
+                <a:solidFill>
+                  <a:srgbClr val="000000"/>
+                </a:solidFill>
+                <a:latin typeface="Times New Roman" panose="02020603050405020304" pitchFamily="18" charset="0"/>
+                <a:cs typeface="Times New Roman" panose="02020603050405020304" pitchFamily="18" charset="0"/>
+              </a:rPr>
+              <a:t> </a:t>
+            </a:r>
+            <a:r>
+              <a:rPr lang="ru-RU" dirty="0" smtClean="0">
+                <a:solidFill>
+                  <a:srgbClr val="000000"/>
+                </a:solidFill>
+                <a:latin typeface="Times New Roman" panose="02020603050405020304" pitchFamily="18" charset="0"/>
+                <a:cs typeface="Times New Roman" panose="02020603050405020304" pitchFamily="18" charset="0"/>
+              </a:rPr>
+              <a:t>сталкиваются с трудностями в получении профессиональной подготовки и карьерном росте из-за недостатка коммуникации с коллегами и руководством.</a:t>
+            </a:r>
+          </a:p>
+          <a:p>
+            <a:pPr lvl="0">
+              <a:spcAft>
+                <a:spcPts val="600"/>
+              </a:spcAft>
+            </a:pPr>
+            <a:endParaRPr lang="ru-RU" dirty="0" smtClean="0">
+              <a:solidFill>
+                <a:srgbClr val="000000"/>
+              </a:solidFill>
+              <a:latin typeface="Times New Roman" panose="02020603050405020304" pitchFamily="18" charset="0"/>
+              <a:cs typeface="Times New Roman" panose="02020603050405020304" pitchFamily="18" charset="0"/>
+            </a:endParaRPr>
+          </a:p>
+          <a:p>
+            <a:pPr lvl="0">
+              <a:spcAft>
+                <a:spcPts val="600"/>
+              </a:spcAft>
+            </a:pPr>
+            <a:r>
+              <a:rPr lang="ru-RU" dirty="0" smtClean="0">
+                <a:solidFill>
+                  <a:srgbClr val="000000"/>
+                </a:solidFill>
+                <a:latin typeface="Times New Roman" panose="02020603050405020304" pitchFamily="18" charset="0"/>
+                <a:cs typeface="Times New Roman" panose="02020603050405020304" pitchFamily="18" charset="0"/>
+              </a:rPr>
+              <a:t>Недостаток </a:t>
+            </a:r>
+            <a:r>
+              <a:rPr lang="ru-RU" dirty="0">
+                <a:solidFill>
+                  <a:srgbClr val="000000"/>
+                </a:solidFill>
+                <a:latin typeface="Times New Roman" panose="02020603050405020304" pitchFamily="18" charset="0"/>
+                <a:cs typeface="Times New Roman" panose="02020603050405020304" pitchFamily="18" charset="0"/>
+              </a:rPr>
+              <a:t>доступа к </a:t>
+            </a:r>
+            <a:r>
+              <a:rPr lang="ru-RU" dirty="0" smtClean="0">
+                <a:solidFill>
+                  <a:srgbClr val="000000"/>
+                </a:solidFill>
+                <a:latin typeface="Times New Roman" panose="02020603050405020304" pitchFamily="18" charset="0"/>
+                <a:cs typeface="Times New Roman" panose="02020603050405020304" pitchFamily="18" charset="0"/>
+              </a:rPr>
+              <a:t>услугам:</a:t>
+            </a:r>
+          </a:p>
+          <a:p>
             <a:pPr>
               <a:spcAft>
                 <a:spcPts val="600"/>
               </a:spcAft>
             </a:pPr>
             <a:r>
-              <a:rPr lang="ru-RU" b="1" dirty="0" smtClean="0"/>
-              <a:t>Цель работы</a:t>
-            </a:r>
-            <a:r>
-              <a:rPr lang="ru-RU" dirty="0" smtClean="0"/>
-              <a:t>: анализ </a:t>
-            </a:r>
-            <a:r>
-              <a:rPr lang="ru-RU" dirty="0"/>
-              <a:t>роли мобильных приложений в содействии социальной интеграции глухих людей, а также в разработке прототипа приложения, направленного на поддержку их коммуникации</a:t>
-            </a:r>
-            <a:r>
-              <a:rPr lang="ru-RU" dirty="0" smtClean="0"/>
-              <a:t>.</a:t>
+              <a:rPr lang="ru-RU" dirty="0" smtClean="0">
+                <a:solidFill>
+                  <a:srgbClr val="000000"/>
+                </a:solidFill>
+                <a:latin typeface="Times New Roman" panose="02020603050405020304" pitchFamily="18" charset="0"/>
+                <a:cs typeface="Times New Roman" panose="02020603050405020304" pitchFamily="18" charset="0"/>
+              </a:rPr>
+              <a:t>Глухие люди могут испытывать трудности в получении </a:t>
+            </a:r>
+            <a:r>
+              <a:rPr lang="ru-RU" b="1" i="1" dirty="0" smtClean="0">
+                <a:solidFill>
+                  <a:srgbClr val="000000"/>
+                </a:solidFill>
+                <a:latin typeface="Times New Roman" panose="02020603050405020304" pitchFamily="18" charset="0"/>
+                <a:cs typeface="Times New Roman" panose="02020603050405020304" pitchFamily="18" charset="0"/>
+              </a:rPr>
+              <a:t>медицинской помощи </a:t>
+            </a:r>
+            <a:r>
+              <a:rPr lang="ru-RU" dirty="0" smtClean="0">
+                <a:solidFill>
+                  <a:srgbClr val="000000"/>
+                </a:solidFill>
+                <a:latin typeface="Times New Roman" panose="02020603050405020304" pitchFamily="18" charset="0"/>
+                <a:cs typeface="Times New Roman" panose="02020603050405020304" pitchFamily="18" charset="0"/>
+              </a:rPr>
+              <a:t>из-за недостатка информации и коммуникации с врачами, также могут не иметь доступа к </a:t>
+            </a:r>
+            <a:r>
+              <a:rPr lang="ru-RU" b="1" i="1" dirty="0" smtClean="0">
+                <a:solidFill>
+                  <a:srgbClr val="000000"/>
+                </a:solidFill>
+                <a:latin typeface="Times New Roman" panose="02020603050405020304" pitchFamily="18" charset="0"/>
+                <a:cs typeface="Times New Roman" panose="02020603050405020304" pitchFamily="18" charset="0"/>
+              </a:rPr>
+              <a:t>социальным услугам</a:t>
+            </a:r>
+            <a:r>
+              <a:rPr lang="ru-RU" dirty="0" smtClean="0">
+                <a:solidFill>
+                  <a:srgbClr val="000000"/>
+                </a:solidFill>
+                <a:latin typeface="Times New Roman" panose="02020603050405020304" pitchFamily="18" charset="0"/>
+                <a:cs typeface="Times New Roman" panose="02020603050405020304" pitchFamily="18" charset="0"/>
+              </a:rPr>
+              <a:t>, адаптированным к их потребностям.</a:t>
             </a:r>
           </a:p>
           <a:p>
@@ -4600,104 +7270,56 @@
                 <a:spcPts val="600"/>
               </a:spcAft>
             </a:pPr>
-            <a:endParaRPr lang="ru-RU" dirty="0"/>
-          </a:p>
-          <a:p>
-            <a:pPr>
-              <a:spcAft>
-                <a:spcPts val="600"/>
-              </a:spcAft>
-            </a:pPr>
-            <a:r>
-              <a:rPr lang="ru-RU" b="1" dirty="0"/>
-              <a:t>Задачи</a:t>
-            </a:r>
-            <a:r>
-              <a:rPr lang="ru-RU" dirty="0"/>
-              <a:t>:</a:t>
-            </a:r>
-          </a:p>
-          <a:p>
-            <a:pPr>
-              <a:spcAft>
-                <a:spcPts val="600"/>
-              </a:spcAft>
-            </a:pPr>
-            <a:r>
-              <a:rPr lang="ru-RU" dirty="0"/>
-              <a:t>- анализ существующих мобильных приложений для глухих пользователей;</a:t>
-            </a:r>
-          </a:p>
-          <a:p>
-            <a:pPr>
-              <a:spcAft>
-                <a:spcPts val="600"/>
-              </a:spcAft>
-            </a:pPr>
-            <a:r>
-              <a:rPr lang="ru-RU" dirty="0"/>
-              <a:t>- анализ эффективности различных подходов к разработке интерфейсов и функционала для облегчения коммуникации;</a:t>
-            </a:r>
-          </a:p>
-          <a:p>
-            <a:pPr>
-              <a:spcAft>
-                <a:spcPts val="600"/>
-              </a:spcAft>
-            </a:pPr>
-            <a:r>
-              <a:rPr lang="ru-RU" dirty="0"/>
-              <a:t>- исследование особенностей и требований целевой аудитории;</a:t>
-            </a:r>
-          </a:p>
-          <a:p>
-            <a:pPr>
-              <a:spcAft>
-                <a:spcPts val="600"/>
-              </a:spcAft>
-            </a:pPr>
-            <a:r>
-              <a:rPr lang="ru-RU" dirty="0"/>
-              <a:t>- изучение и выбор технологий для создания прототипа;</a:t>
-            </a:r>
-          </a:p>
-          <a:p>
-            <a:pPr>
-              <a:spcAft>
-                <a:spcPts val="600"/>
-              </a:spcAft>
-            </a:pPr>
-            <a:r>
-              <a:rPr lang="ru-RU" dirty="0"/>
-              <a:t>- разработка концепции и функциональной структуры приложения;</a:t>
-            </a:r>
-          </a:p>
-          <a:p>
-            <a:pPr>
-              <a:spcAft>
-                <a:spcPts val="600"/>
-              </a:spcAft>
-            </a:pPr>
-            <a:r>
-              <a:rPr lang="ru-RU" dirty="0"/>
-              <a:t>- создание прототипа (макета) мобильного приложения;</a:t>
-            </a:r>
-          </a:p>
-          <a:p>
-            <a:pPr>
-              <a:spcAft>
-                <a:spcPts val="600"/>
-              </a:spcAft>
-            </a:pPr>
-            <a:r>
-              <a:rPr lang="ru-RU" dirty="0"/>
-              <a:t>- оценка потенциальной эффективности предложенного решения</a:t>
-            </a:r>
-            <a:r>
-              <a:rPr lang="ru-RU" dirty="0" smtClean="0"/>
-              <a:t>.</a:t>
-            </a:r>
-            <a:endParaRPr lang="ru-RU" dirty="0"/>
+            <a:r>
+              <a:rPr lang="ru-RU" dirty="0" smtClean="0">
+                <a:solidFill>
+                  <a:srgbClr val="000000"/>
+                </a:solidFill>
+                <a:latin typeface="Times New Roman" panose="02020603050405020304" pitchFamily="18" charset="0"/>
+                <a:cs typeface="Times New Roman" panose="02020603050405020304" pitchFamily="18" charset="0"/>
+              </a:rPr>
+              <a:t>Глухие </a:t>
+            </a:r>
+            <a:r>
+              <a:rPr lang="ru-RU" dirty="0">
+                <a:solidFill>
+                  <a:srgbClr val="000000"/>
+                </a:solidFill>
+                <a:latin typeface="Times New Roman" panose="02020603050405020304" pitchFamily="18" charset="0"/>
+                <a:cs typeface="Times New Roman" panose="02020603050405020304" pitchFamily="18" charset="0"/>
+              </a:rPr>
+              <a:t>дети часто не имеют доступа к качественному </a:t>
+            </a:r>
+            <a:r>
+              <a:rPr lang="ru-RU" b="1" i="1" dirty="0">
+                <a:solidFill>
+                  <a:srgbClr val="000000"/>
+                </a:solidFill>
+                <a:latin typeface="Times New Roman" panose="02020603050405020304" pitchFamily="18" charset="0"/>
+                <a:cs typeface="Times New Roman" panose="02020603050405020304" pitchFamily="18" charset="0"/>
+              </a:rPr>
+              <a:t>образованию</a:t>
+            </a:r>
+            <a:r>
+              <a:rPr lang="ru-RU" dirty="0">
+                <a:solidFill>
+                  <a:srgbClr val="000000"/>
+                </a:solidFill>
+                <a:latin typeface="Times New Roman" panose="02020603050405020304" pitchFamily="18" charset="0"/>
+                <a:cs typeface="Times New Roman" panose="02020603050405020304" pitchFamily="18" charset="0"/>
+              </a:rPr>
+              <a:t>, адаптированному к их </a:t>
+            </a:r>
+            <a:r>
+              <a:rPr lang="ru-RU" dirty="0" smtClean="0">
+                <a:solidFill>
+                  <a:srgbClr val="000000"/>
+                </a:solidFill>
+                <a:latin typeface="Times New Roman" panose="02020603050405020304" pitchFamily="18" charset="0"/>
+                <a:cs typeface="Times New Roman" panose="02020603050405020304" pitchFamily="18" charset="0"/>
+              </a:rPr>
+              <a:t>потребностям.</a:t>
+            </a:r>
           </a:p>
         </p:txBody>
       </p:sp>
@@ -4717,17 +7339,23 @@
           <a:lstStyle/>
           <a:p>
             <a:fld id="{1B61E6DC-7948-428B-BF0C-0B97AF471FA1}" type="slidenum">
-              <a:rPr lang="ru-RU" smtClean="0"/>
+              <a:rPr lang="ru-RU" sz="2400" b="1" smtClean="0">
+                <a:latin typeface="Times New Roman" panose="02020603050405020304" pitchFamily="18" charset="0"/>
+                <a:cs typeface="Times New Roman" panose="02020603050405020304" pitchFamily="18" charset="0"/>
+              </a:rPr>
               <a:t>4</a:t>
             </a:fld>
-            <a:endParaRPr lang="ru-RU"/>
+            <a:endParaRPr lang="ru-RU" sz="2400" b="1" dirty="0">
+              <a:latin typeface="Times New Roman" panose="02020603050405020304" pitchFamily="18" charset="0"/>
+              <a:cs typeface="Times New Roman" panose="02020603050405020304" pitchFamily="18" charset="0"/>
+            </a:endParaRPr>
           </a:p>
         </p:txBody>
       </p:sp>
     </p:spTree>
     <p:extLst>
       <p:ext uri="{BB962C8B-B14F-4D97-AF65-F5344CB8AC3E}">
-        <p14:creationId xmlns:p14="http://schemas.microsoft.com/office/powerpoint/2010/main" val="480582083"/>
+        <p14:creationId xmlns:p14="http://schemas.microsoft.com/office/powerpoint/2010/main" val="2855164495"/>
       </p:ext>
     </p:extLst>
   </p:cSld>
@@ -4781,8 +7409,10 @@
             <a:r>
               <a:rPr lang="ru-RU" sz="4000" dirty="0">
                 <a:solidFill>
-                  <a:schemeClr val="tx1"/>
-                </a:solidFill>
+                  <a:srgbClr val="000000"/>
+                </a:solidFill>
+                <a:latin typeface="Times New Roman" panose="02020603050405020304" pitchFamily="18" charset="0"/>
+                <a:cs typeface="Times New Roman" panose="02020603050405020304" pitchFamily="18" charset="0"/>
               </a:rPr>
               <a:t>Объект и предмет исследования</a:t>
             </a:r>
@@ -4818,11 +7448,23 @@
               <a:buNone/>
             </a:pPr>
             <a:r>
-              <a:rPr lang="ru-RU" sz="2400" b="1" i="1" dirty="0"/>
+              <a:rPr lang="ru-RU" sz="2400" b="1" i="1" dirty="0">
+                <a:solidFill>
+                  <a:srgbClr val="000000"/>
+                </a:solidFill>
+                <a:latin typeface="Times New Roman" panose="02020603050405020304" pitchFamily="18" charset="0"/>
+                <a:cs typeface="Times New Roman" panose="02020603050405020304" pitchFamily="18" charset="0"/>
+              </a:rPr>
               <a:t>Объект исследования</a:t>
             </a:r>
             <a:r>
-              <a:rPr lang="ru-RU" sz="2400" dirty="0"/>
+              <a:rPr lang="ru-RU" sz="2400" dirty="0">
+                <a:solidFill>
+                  <a:srgbClr val="000000"/>
+                </a:solidFill>
+                <a:latin typeface="Times New Roman" panose="02020603050405020304" pitchFamily="18" charset="0"/>
+                <a:cs typeface="Times New Roman" panose="02020603050405020304" pitchFamily="18" charset="0"/>
+              </a:rPr>
               <a:t>: </a:t>
             </a:r>
           </a:p>
@@ -4834,12 +7476,24 @@
               <a:buNone/>
             </a:pPr>
             <a:r>
-              <a:rPr lang="ru-RU" sz="2400" dirty="0"/>
+              <a:rPr lang="ru-RU" sz="2400" dirty="0">
+                <a:solidFill>
+                  <a:srgbClr val="000000"/>
+                </a:solidFill>
+                <a:latin typeface="Times New Roman" panose="02020603050405020304" pitchFamily="18" charset="0"/>
+                <a:cs typeface="Times New Roman" panose="02020603050405020304" pitchFamily="18" charset="0"/>
+              </a:rPr>
               <a:t>Социальная интеграция глухих людей с помощью мобильных приложений.</a:t>
             </a:r>
           </a:p>
           <a:p>
-            <a:endParaRPr lang="ru-RU" sz="2400" dirty="0"/>
+            <a:endParaRPr lang="ru-RU" sz="2400" dirty="0">
+              <a:solidFill>
+                <a:srgbClr val="000000"/>
+              </a:solidFill>
+              <a:latin typeface="Times New Roman" panose="02020603050405020304" pitchFamily="18" charset="0"/>
+              <a:cs typeface="Times New Roman" panose="02020603050405020304" pitchFamily="18" charset="0"/>
+            </a:endParaRPr>
           </a:p>
         </p:txBody>
       </p:sp>
@@ -4872,11 +7526,23 @@
               <a:buNone/>
             </a:pPr>
             <a:r>
-              <a:rPr lang="ru-RU" sz="2400" b="1" i="1" dirty="0"/>
+              <a:rPr lang="ru-RU" sz="2400" b="1" i="1" dirty="0">
+                <a:solidFill>
+                  <a:srgbClr val="000000"/>
+                </a:solidFill>
+                <a:latin typeface="Times New Roman" panose="02020603050405020304" pitchFamily="18" charset="0"/>
+                <a:cs typeface="Times New Roman" panose="02020603050405020304" pitchFamily="18" charset="0"/>
+              </a:rPr>
               <a:t>Предмет исследования</a:t>
             </a:r>
             <a:r>
-              <a:rPr lang="ru-RU" sz="2400" dirty="0"/>
+              <a:rPr lang="ru-RU" sz="2400" dirty="0">
+                <a:solidFill>
+                  <a:srgbClr val="000000"/>
+                </a:solidFill>
+                <a:latin typeface="Times New Roman" panose="02020603050405020304" pitchFamily="18" charset="0"/>
+                <a:cs typeface="Times New Roman" panose="02020603050405020304" pitchFamily="18" charset="0"/>
+              </a:rPr>
               <a:t>:</a:t>
             </a:r>
           </a:p>
@@ -4888,15 +7554,57 @@
               <a:buNone/>
             </a:pPr>
             <a:r>
-              <a:rPr lang="ru-RU" sz="2400" dirty="0"/>
-              <a:t>Механизмы и функции мобильных приложений, способствующие улучшению социальной интеграции и коммуникации для глухих пользователей.</a:t>
+              <a:rPr lang="ru-RU" sz="2400" dirty="0">
+                <a:solidFill>
+                  <a:srgbClr val="000000"/>
+                </a:solidFill>
+                <a:latin typeface="Times New Roman" panose="02020603050405020304" pitchFamily="18" charset="0"/>
+                <a:cs typeface="Times New Roman" panose="02020603050405020304" pitchFamily="18" charset="0"/>
+              </a:rPr>
+              <a:t>Функции и </a:t>
+            </a:r>
+            <a:r>
+              <a:rPr lang="ru-RU" sz="2400" dirty="0" smtClean="0">
+                <a:solidFill>
+                  <a:srgbClr val="000000"/>
+                </a:solidFill>
+                <a:latin typeface="Times New Roman" panose="02020603050405020304" pitchFamily="18" charset="0"/>
+                <a:cs typeface="Times New Roman" panose="02020603050405020304" pitchFamily="18" charset="0"/>
+              </a:rPr>
+              <a:t>механизмы прототипа</a:t>
+            </a:r>
+            <a:r>
+              <a:rPr lang="ru-RU" sz="2400" dirty="0" smtClean="0">
+                <a:solidFill>
+                  <a:srgbClr val="000000"/>
+                </a:solidFill>
+                <a:latin typeface="Times New Roman" panose="02020603050405020304" pitchFamily="18" charset="0"/>
+                <a:cs typeface="Times New Roman" panose="02020603050405020304" pitchFamily="18" charset="0"/>
+              </a:rPr>
+              <a:t> </a:t>
+            </a:r>
+            <a:r>
+              <a:rPr lang="ru-RU" sz="2400" dirty="0">
+                <a:solidFill>
+                  <a:srgbClr val="000000"/>
+                </a:solidFill>
+                <a:latin typeface="Times New Roman" panose="02020603050405020304" pitchFamily="18" charset="0"/>
+                <a:cs typeface="Times New Roman" panose="02020603050405020304" pitchFamily="18" charset="0"/>
+              </a:rPr>
+              <a:t>мобильных приложений, способствующие улучшению социальной интеграции и коммуникации для глухих пользователей.</a:t>
             </a:r>
           </a:p>
           <a:p>
             <a:pPr marL="114300" indent="0">
               <a:buNone/>
             </a:pPr>
-            <a:endParaRPr lang="ru-RU" sz="2400" dirty="0"/>
+            <a:endParaRPr lang="ru-RU" sz="2400" dirty="0">
+              <a:solidFill>
+                <a:srgbClr val="000000"/>
+              </a:solidFill>
+              <a:latin typeface="Times New Roman" panose="02020603050405020304" pitchFamily="18" charset="0"/>
+              <a:cs typeface="Times New Roman" panose="02020603050405020304" pitchFamily="18" charset="0"/>
+            </a:endParaRPr>
           </a:p>
         </p:txBody>
       </p:sp>
@@ -4916,10 +7624,16 @@
           <a:lstStyle/>
           <a:p>
             <a:fld id="{1B61E6DC-7948-428B-BF0C-0B97AF471FA1}" type="slidenum">
-              <a:rPr lang="ru-RU" smtClean="0"/>
+              <a:rPr lang="ru-RU" sz="2400" b="1" smtClean="0">
+                <a:latin typeface="Times New Roman" panose="02020603050405020304" pitchFamily="18" charset="0"/>
+                <a:cs typeface="Times New Roman" panose="02020603050405020304" pitchFamily="18" charset="0"/>
+              </a:rPr>
               <a:t>5</a:t>
             </a:fld>
-            <a:endParaRPr lang="ru-RU" dirty="0"/>
+            <a:endParaRPr lang="ru-RU" sz="2400" b="1" dirty="0">
+              <a:latin typeface="Times New Roman" panose="02020603050405020304" pitchFamily="18" charset="0"/>
+              <a:cs typeface="Times New Roman" panose="02020603050405020304" pitchFamily="18" charset="0"/>
+            </a:endParaRPr>
           </a:p>
         </p:txBody>
       </p:sp>
@@ -4971,7 +7685,9 @@
           </p:nvPr>
         </p:nvSpPr>
         <p:spPr>
-          <a:noFill/>
+          <a:solidFill>
+            <a:srgbClr val="C00000"/>
+          </a:solidFill>
         </p:spPr>
         <p:txBody>
           <a:bodyPr/>
@@ -4980,24 +7696,66 @@
             <a:r>
               <a:rPr lang="ru-RU" sz="4000" dirty="0">
                 <a:solidFill>
-                  <a:schemeClr val="tx1"/>
-                </a:solidFill>
-              </a:rPr>
-              <a:t>Существующее решение и процесс решения задачи</a:t>
-            </a:r>
-          </a:p>
-        </p:txBody>
-      </p:sp>
-      <p:sp>
-        <p:nvSpPr>
-          <p:cNvPr id="3" name="TextBox 2"/>
+                  <a:srgbClr val="000000"/>
+                </a:solidFill>
+              </a:rPr>
+              <a:t>Научная </a:t>
+            </a:r>
+            <a:r>
+              <a:rPr lang="ru-RU" sz="4000" dirty="0" smtClean="0">
+                <a:solidFill>
+                  <a:srgbClr val="000000"/>
+                </a:solidFill>
+              </a:rPr>
+              <a:t>новизна</a:t>
+            </a:r>
+            <a:endParaRPr lang="ru-RU" sz="4000" dirty="0">
+              <a:solidFill>
+                <a:srgbClr val="000000"/>
+              </a:solidFill>
+            </a:endParaRPr>
+          </a:p>
+        </p:txBody>
+      </p:sp>
+      <p:sp>
+        <p:nvSpPr>
+          <p:cNvPr id="3" name="Номер слайда 2"/>
+          <p:cNvSpPr>
+            <a:spLocks noGrp="1"/>
+          </p:cNvSpPr>
+          <p:nvPr>
+            <p:ph type="sldNum" sz="quarter" idx="12"/>
+          </p:nvPr>
+        </p:nvSpPr>
+        <p:spPr/>
+        <p:txBody>
+          <a:bodyPr/>
+          <a:lstStyle/>
+          <a:p>
+            <a:fld id="{1B61E6DC-7948-428B-BF0C-0B97AF471FA1}" type="slidenum">
+              <a:rPr lang="ru-RU" sz="2400" b="1" smtClean="0">
+                <a:latin typeface="Times New Roman" panose="02020603050405020304" pitchFamily="18" charset="0"/>
+                <a:cs typeface="Times New Roman" panose="02020603050405020304" pitchFamily="18" charset="0"/>
+              </a:rPr>
+              <a:t>6</a:t>
+            </a:fld>
+            <a:endParaRPr lang="ru-RU" sz="2400" b="1" dirty="0">
+              <a:latin typeface="Times New Roman" panose="02020603050405020304" pitchFamily="18" charset="0"/>
+              <a:cs typeface="Times New Roman" panose="02020603050405020304" pitchFamily="18" charset="0"/>
+            </a:endParaRPr>
+          </a:p>
+        </p:txBody>
+      </p:sp>
+      <p:sp>
+        <p:nvSpPr>
+          <p:cNvPr id="4" name="TextBox 3"/>
           <p:cNvSpPr txBox="1"/>
           <p:nvPr/>
         </p:nvSpPr>
         <p:spPr>
           <a:xfrm>
-            <a:off x="539552" y="2060848"/>
-            <a:ext cx="8604448" cy="2139047"/>
+            <a:off x="395536" y="1700808"/>
+            <a:ext cx="8064896" cy="3508653"/>
           </a:xfrm>
           <a:prstGeom prst="rect">
             <a:avLst/>
@@ -5010,7 +7768,51 @@
           </a:bodyPr>
           <a:lstStyle/>
           <a:p>
-            <a:pPr marL="285750" lvl="0" indent="-285750">
+            <a:pPr lvl="0">
+              <a:spcAft>
+                <a:spcPts val="600"/>
+              </a:spcAft>
+            </a:pPr>
+            <a:r>
+              <a:rPr lang="ru-RU" sz="2400" dirty="0" smtClean="0">
+                <a:solidFill>
+                  <a:srgbClr val="000000"/>
+                </a:solidFill>
+                <a:latin typeface="Times New Roman" panose="02020603050405020304" pitchFamily="18" charset="0"/>
+                <a:cs typeface="Times New Roman" panose="02020603050405020304" pitchFamily="18" charset="0"/>
+              </a:rPr>
+              <a:t>Объединение </a:t>
+            </a:r>
+            <a:r>
+              <a:rPr lang="ru-RU" sz="2400" dirty="0">
+                <a:solidFill>
+                  <a:srgbClr val="000000"/>
+                </a:solidFill>
+                <a:latin typeface="Times New Roman" panose="02020603050405020304" pitchFamily="18" charset="0"/>
+                <a:cs typeface="Times New Roman" panose="02020603050405020304" pitchFamily="18" charset="0"/>
+              </a:rPr>
+              <a:t>в одном приложении</a:t>
+            </a:r>
+            <a:r>
+              <a:rPr lang="ru-RU" sz="2400" dirty="0" smtClean="0">
+                <a:solidFill>
+                  <a:srgbClr val="000000"/>
+                </a:solidFill>
+                <a:latin typeface="Times New Roman" panose="02020603050405020304" pitchFamily="18" charset="0"/>
+                <a:cs typeface="Times New Roman" panose="02020603050405020304" pitchFamily="18" charset="0"/>
+              </a:rPr>
+              <a:t>:</a:t>
+            </a:r>
+            <a:endParaRPr lang="ru-RU" sz="2400" dirty="0">
+              <a:solidFill>
+                <a:srgbClr val="000000"/>
+              </a:solidFill>
+              <a:latin typeface="Times New Roman" panose="02020603050405020304" pitchFamily="18" charset="0"/>
+              <a:cs typeface="Times New Roman" panose="02020603050405020304" pitchFamily="18" charset="0"/>
+            </a:endParaRPr>
+          </a:p>
+          <a:p>
+            <a:pPr marL="342900" lvl="0" indent="-342900">
               <a:spcAft>
                 <a:spcPts val="600"/>
               </a:spcAft>
@@ -5018,20 +7820,35 @@
               <a:buChar char="•"/>
             </a:pPr>
             <a:r>
-              <a:rPr lang="ru-RU" dirty="0" smtClean="0"/>
-              <a:t>Низкая </a:t>
-            </a:r>
-            <a:r>
-              <a:rPr lang="ru-RU" dirty="0"/>
-              <a:t>точность и скорость </a:t>
-            </a:r>
-            <a:r>
-              <a:rPr lang="ru-RU" dirty="0" smtClean="0"/>
-              <a:t>перевода</a:t>
-            </a:r>
-          </a:p>
-          <a:p>
-            <a:pPr marL="285750" lvl="0" indent="-285750">
+              <a:rPr lang="ru-RU" sz="2400" dirty="0">
+                <a:solidFill>
+                  <a:srgbClr val="000000"/>
+                </a:solidFill>
+                <a:latin typeface="Times New Roman" panose="02020603050405020304" pitchFamily="18" charset="0"/>
+                <a:cs typeface="Times New Roman" panose="02020603050405020304" pitchFamily="18" charset="0"/>
+              </a:rPr>
+              <a:t>Текстового/видео-чата</a:t>
+            </a:r>
+            <a:r>
+              <a:rPr lang="ru-RU" sz="2400" dirty="0" smtClean="0">
+                <a:solidFill>
+                  <a:srgbClr val="000000"/>
+                </a:solidFill>
+                <a:latin typeface="Times New Roman" panose="02020603050405020304" pitchFamily="18" charset="0"/>
+                <a:cs typeface="Times New Roman" panose="02020603050405020304" pitchFamily="18" charset="0"/>
+              </a:rPr>
+              <a:t>.</a:t>
+            </a:r>
+            <a:endParaRPr lang="ru-RU" sz="2400" dirty="0">
+              <a:solidFill>
+                <a:srgbClr val="000000"/>
+              </a:solidFill>
+              <a:latin typeface="Times New Roman" panose="02020603050405020304" pitchFamily="18" charset="0"/>
+              <a:cs typeface="Times New Roman" panose="02020603050405020304" pitchFamily="18" charset="0"/>
+            </a:endParaRPr>
+          </a:p>
+          <a:p>
+            <a:pPr marL="342900" lvl="0" indent="-342900">
               <a:spcAft>
                 <a:spcPts val="600"/>
               </a:spcAft>
@@ -5039,20 +7856,35 @@
               <a:buChar char="•"/>
             </a:pPr>
             <a:r>
-              <a:rPr lang="ru-RU" dirty="0" smtClean="0"/>
-              <a:t>Ограниченная </a:t>
-            </a:r>
-            <a:r>
-              <a:rPr lang="ru-RU" dirty="0"/>
-              <a:t>поддержка языков и </a:t>
-            </a:r>
-            <a:r>
-              <a:rPr lang="ru-RU" dirty="0" smtClean="0"/>
-              <a:t>диалектов</a:t>
-            </a:r>
-          </a:p>
-          <a:p>
-            <a:pPr marL="285750" lvl="0" indent="-285750">
+              <a:rPr lang="ru-RU" sz="2400" dirty="0">
+                <a:solidFill>
+                  <a:srgbClr val="000000"/>
+                </a:solidFill>
+                <a:latin typeface="Times New Roman" panose="02020603050405020304" pitchFamily="18" charset="0"/>
+                <a:cs typeface="Times New Roman" panose="02020603050405020304" pitchFamily="18" charset="0"/>
+              </a:rPr>
+              <a:t>Распознавания речи и субтитров</a:t>
+            </a:r>
+            <a:r>
+              <a:rPr lang="ru-RU" sz="2400" dirty="0" smtClean="0">
+                <a:solidFill>
+                  <a:srgbClr val="000000"/>
+                </a:solidFill>
+                <a:latin typeface="Times New Roman" panose="02020603050405020304" pitchFamily="18" charset="0"/>
+                <a:cs typeface="Times New Roman" panose="02020603050405020304" pitchFamily="18" charset="0"/>
+              </a:rPr>
+              <a:t>.</a:t>
+            </a:r>
+            <a:endParaRPr lang="ru-RU" sz="2400" dirty="0">
+              <a:solidFill>
+                <a:srgbClr val="000000"/>
+              </a:solidFill>
+              <a:latin typeface="Times New Roman" panose="02020603050405020304" pitchFamily="18" charset="0"/>
+              <a:cs typeface="Times New Roman" panose="02020603050405020304" pitchFamily="18" charset="0"/>
+            </a:endParaRPr>
+          </a:p>
+          <a:p>
+            <a:pPr marL="342900" lvl="0" indent="-342900">
               <a:spcAft>
                 <a:spcPts val="600"/>
               </a:spcAft>
@@ -5060,103 +7892,124 @@
               <a:buChar char="•"/>
             </a:pPr>
             <a:r>
-              <a:rPr lang="ru-RU" dirty="0" smtClean="0"/>
-              <a:t>Высокая стоимость</a:t>
-            </a:r>
-          </a:p>
-          <a:p>
-            <a:pPr marL="285750" lvl="0" indent="-285750">
+              <a:rPr lang="ru-RU" sz="2400" dirty="0">
+                <a:solidFill>
+                  <a:srgbClr val="000000"/>
+                </a:solidFill>
+                <a:latin typeface="Times New Roman" panose="02020603050405020304" pitchFamily="18" charset="0"/>
+                <a:cs typeface="Times New Roman" panose="02020603050405020304" pitchFamily="18" charset="0"/>
+              </a:rPr>
+              <a:t>Персонализации интерфейса</a:t>
+            </a:r>
+            <a:r>
+              <a:rPr lang="ru-RU" sz="2400" dirty="0" smtClean="0">
+                <a:solidFill>
+                  <a:srgbClr val="000000"/>
+                </a:solidFill>
+                <a:latin typeface="Times New Roman" panose="02020603050405020304" pitchFamily="18" charset="0"/>
+                <a:cs typeface="Times New Roman" panose="02020603050405020304" pitchFamily="18" charset="0"/>
+              </a:rPr>
+              <a:t>.</a:t>
+            </a:r>
+          </a:p>
+          <a:p>
+            <a:pPr lvl="0">
               <a:spcAft>
                 <a:spcPts val="600"/>
               </a:spcAft>
-              <a:buFont typeface="Arial" panose="020B0604020202020204" pitchFamily="34" charset="0"/>
-              <a:buChar char="•"/>
             </a:pPr>
-            <a:r>
-              <a:rPr lang="ru-RU" dirty="0" smtClean="0"/>
-              <a:t>Зависимость </a:t>
-            </a:r>
-            <a:r>
-              <a:rPr lang="ru-RU" dirty="0"/>
-              <a:t>от дополнительных </a:t>
-            </a:r>
-            <a:r>
-              <a:rPr lang="ru-RU" dirty="0" smtClean="0"/>
-              <a:t>устройств</a:t>
-            </a:r>
-          </a:p>
-          <a:p>
-            <a:pPr marL="285750" lvl="0" indent="-285750">
+            <a:endParaRPr lang="ru-RU" sz="2400" dirty="0">
+              <a:solidFill>
+                <a:srgbClr val="000000"/>
+              </a:solidFill>
+              <a:latin typeface="Times New Roman" panose="02020603050405020304" pitchFamily="18" charset="0"/>
+              <a:cs typeface="Times New Roman" panose="02020603050405020304" pitchFamily="18" charset="0"/>
+            </a:endParaRPr>
+          </a:p>
+          <a:p>
+            <a:pPr lvl="0">
               <a:spcAft>
                 <a:spcPts val="600"/>
               </a:spcAft>
-              <a:buFont typeface="Arial" panose="020B0604020202020204" pitchFamily="34" charset="0"/>
-              <a:buChar char="•"/>
             </a:pPr>
             <a:r>
-              <a:rPr lang="ru-RU" dirty="0" smtClean="0"/>
-              <a:t>Недостаточная </a:t>
-            </a:r>
-            <a:r>
-              <a:rPr lang="ru-RU" dirty="0"/>
-              <a:t>интеграция с другими приложениями и </a:t>
-            </a:r>
-            <a:r>
-              <a:rPr lang="ru-RU" dirty="0" smtClean="0"/>
-              <a:t>устройствами</a:t>
-            </a:r>
-          </a:p>
-          <a:p>
-            <a:pPr marL="285750" lvl="0" indent="-285750">
+              <a:rPr lang="ru-RU" sz="2400" dirty="0">
+                <a:solidFill>
+                  <a:srgbClr val="000000"/>
+                </a:solidFill>
+                <a:latin typeface="Times New Roman" panose="02020603050405020304" pitchFamily="18" charset="0"/>
+                <a:cs typeface="Times New Roman" panose="02020603050405020304" pitchFamily="18" charset="0"/>
+              </a:rPr>
+              <a:t>Адаптация под РЖЯ: </a:t>
+            </a:r>
+            <a:endParaRPr lang="ru-RU" sz="2400" dirty="0" smtClean="0">
+              <a:solidFill>
+                <a:srgbClr val="000000"/>
+              </a:solidFill>
+              <a:latin typeface="Times New Roman" panose="02020603050405020304" pitchFamily="18" charset="0"/>
+              <a:cs typeface="Times New Roman" panose="02020603050405020304" pitchFamily="18" charset="0"/>
+            </a:endParaRPr>
+          </a:p>
+          <a:p>
+            <a:pPr lvl="0">
               <a:spcAft>
                 <a:spcPts val="600"/>
               </a:spcAft>
-              <a:buFont typeface="Arial" panose="020B0604020202020204" pitchFamily="34" charset="0"/>
-              <a:buChar char="•"/>
             </a:pPr>
             <a:r>
-              <a:rPr lang="ru-RU" dirty="0" smtClean="0"/>
-              <a:t>Недостаточное </a:t>
-            </a:r>
-            <a:r>
-              <a:rPr lang="ru-RU" dirty="0"/>
-              <a:t>тестирование и оценка </a:t>
-            </a:r>
-            <a:r>
-              <a:rPr lang="ru-RU" dirty="0" smtClean="0"/>
-              <a:t>эффективности</a:t>
-            </a:r>
-            <a:endParaRPr lang="ru-RU" dirty="0"/>
-          </a:p>
-        </p:txBody>
-      </p:sp>
-      <p:sp>
-        <p:nvSpPr>
-          <p:cNvPr id="4" name="Номер слайда 3"/>
-          <p:cNvSpPr>
-            <a:spLocks noGrp="1"/>
-          </p:cNvSpPr>
-          <p:nvPr>
-            <p:ph type="sldNum" sz="quarter" idx="12"/>
-          </p:nvPr>
-        </p:nvSpPr>
-        <p:spPr/>
-        <p:txBody>
-          <a:bodyPr/>
-          <a:lstStyle/>
-          <a:p>
-            <a:fld id="{1B61E6DC-7948-428B-BF0C-0B97AF471FA1}" type="slidenum">
-              <a:rPr lang="ru-RU" smtClean="0"/>
-              <a:t>6</a:t>
-            </a:fld>
-            <a:endParaRPr lang="ru-RU"/>
+              <a:rPr lang="ru-RU" sz="2400" dirty="0" smtClean="0">
+                <a:solidFill>
+                  <a:srgbClr val="000000"/>
+                </a:solidFill>
+                <a:latin typeface="Times New Roman" panose="02020603050405020304" pitchFamily="18" charset="0"/>
+                <a:cs typeface="Times New Roman" panose="02020603050405020304" pitchFamily="18" charset="0"/>
+              </a:rPr>
+              <a:t>Учет </a:t>
+            </a:r>
+            <a:r>
+              <a:rPr lang="ru-RU" sz="2400" dirty="0">
+                <a:solidFill>
+                  <a:srgbClr val="000000"/>
+                </a:solidFill>
+                <a:latin typeface="Times New Roman" panose="02020603050405020304" pitchFamily="18" charset="0"/>
+                <a:cs typeface="Times New Roman" panose="02020603050405020304" pitchFamily="18" charset="0"/>
+              </a:rPr>
+              <a:t>особенностей русского жестового языка </a:t>
+            </a:r>
+            <a:r>
+              <a:rPr lang="ru-RU" sz="2400" dirty="0" smtClean="0">
+                <a:solidFill>
+                  <a:srgbClr val="000000"/>
+                </a:solidFill>
+                <a:latin typeface="Times New Roman" panose="02020603050405020304" pitchFamily="18" charset="0"/>
+                <a:cs typeface="Times New Roman" panose="02020603050405020304" pitchFamily="18" charset="0"/>
+              </a:rPr>
+              <a:t>в проектировании</a:t>
+            </a:r>
+            <a:r>
+              <a:rPr lang="ru-RU" sz="2400" dirty="0">
+                <a:solidFill>
+                  <a:srgbClr val="000000"/>
+                </a:solidFill>
+                <a:latin typeface="Times New Roman" panose="02020603050405020304" pitchFamily="18" charset="0"/>
+                <a:cs typeface="Times New Roman" panose="02020603050405020304" pitchFamily="18" charset="0"/>
+              </a:rPr>
+              <a:t>.</a:t>
+            </a:r>
+            <a:endParaRPr lang="ru-RU" sz="2400" dirty="0" smtClean="0">
+              <a:solidFill>
+                <a:srgbClr val="000000"/>
+              </a:solidFill>
+              <a:latin typeface="Times New Roman" panose="02020603050405020304" pitchFamily="18" charset="0"/>
+              <a:cs typeface="Times New Roman" panose="02020603050405020304" pitchFamily="18" charset="0"/>
+            </a:endParaRPr>
           </a:p>
         </p:txBody>
       </p:sp>
     </p:spTree>
     <p:extLst>
       <p:ext uri="{BB962C8B-B14F-4D97-AF65-F5344CB8AC3E}">
-        <p14:creationId xmlns:p14="http://schemas.microsoft.com/office/powerpoint/2010/main" val="3399840881"/>
+        <p14:creationId xmlns:p14="http://schemas.microsoft.com/office/powerpoint/2010/main" val="3899771178"/>
       </p:ext>
     </p:extLst>
   </p:cSld>
@@ -5210,95 +8063,344 @@
             <a:r>
               <a:rPr lang="ru-RU" sz="4000" dirty="0">
                 <a:solidFill>
-                  <a:schemeClr val="tx1"/>
-                </a:solidFill>
-              </a:rPr>
-              <a:t>Обзор аналогов</a:t>
-            </a:r>
-          </a:p>
-        </p:txBody>
-      </p:sp>
-      <p:sp>
-        <p:nvSpPr>
-          <p:cNvPr id="4" name="Номер слайда 3"/>
-          <p:cNvSpPr>
-            <a:spLocks noGrp="1"/>
-          </p:cNvSpPr>
-          <p:nvPr>
-            <p:ph type="sldNum" sz="quarter" idx="12"/>
-          </p:nvPr>
-        </p:nvSpPr>
-        <p:spPr/>
-        <p:txBody>
-          <a:bodyPr/>
-          <a:lstStyle/>
-          <a:p>
-            <a:fld id="{1B61E6DC-7948-428B-BF0C-0B97AF471FA1}" type="slidenum">
-              <a:rPr lang="ru-RU" smtClean="0"/>
-              <a:t>7</a:t>
-            </a:fld>
-            <a:endParaRPr lang="ru-RU"/>
-          </a:p>
-        </p:txBody>
-      </p:sp>
-      <p:pic>
-        <p:nvPicPr>
-          <p:cNvPr id="1027" name="Picture 3"/>
-          <p:cNvPicPr>
-            <a:picLocks noChangeAspect="1" noChangeArrowheads="1"/>
-          </p:cNvPicPr>
+                  <a:srgbClr val="000000"/>
+                </a:solidFill>
+                <a:latin typeface="Times New Roman" panose="02020603050405020304" pitchFamily="18" charset="0"/>
+                <a:cs typeface="Times New Roman" panose="02020603050405020304" pitchFamily="18" charset="0"/>
+              </a:rPr>
+              <a:t>Цель и задачи исследования</a:t>
+            </a:r>
+          </a:p>
+        </p:txBody>
+      </p:sp>
+      <p:sp>
+        <p:nvSpPr>
+          <p:cNvPr id="3" name="TextBox 2"/>
+          <p:cNvSpPr txBox="1"/>
           <p:nvPr/>
-        </p:nvPicPr>
-        <p:blipFill>
-          <a:blip r:embed="rId2">
-            <a:extLst>
-              <a:ext uri="{28A0092B-C50C-407E-A947-70E740481C1C}">
-                <a14:useLocalDpi xmlns:a14="http://schemas.microsoft.com/office/drawing/2010/main" val="0"/>
-              </a:ext>
-            </a:extLst>
-          </a:blip>
-          <a:srcRect/>
-          <a:stretch>
-            <a:fillRect/>
-          </a:stretch>
-        </p:blipFill>
-        <p:spPr bwMode="auto">
+        </p:nvSpPr>
+        <p:spPr>
           <a:xfrm>
-            <a:off x="395536" y="1916832"/>
-            <a:ext cx="7635627" cy="3384376"/>
+            <a:off x="467544" y="1844824"/>
+            <a:ext cx="7992888" cy="3785652"/>
           </a:xfrm>
           <a:prstGeom prst="rect">
             <a:avLst/>
           </a:prstGeom>
           <a:noFill/>
-          <a:ln>
-            <a:noFill/>
-          </a:ln>
-          <a:extLst>
-            <a:ext uri="{909E8E84-426E-40DD-AFC4-6F175D3DCCD1}">
-              <a14:hiddenFill xmlns:a14="http://schemas.microsoft.com/office/drawing/2010/main">
-                <a:solidFill>
-                  <a:schemeClr val="accent1"/>
-                </a:solidFill>
-              </a14:hiddenFill>
-            </a:ext>
-            <a:ext uri="{91240B29-F687-4F45-9708-019B960494DF}">
-              <a14:hiddenLine xmlns:a14="http://schemas.microsoft.com/office/drawing/2010/main" w="9525">
-                <a:solidFill>
-                  <a:schemeClr val="tx1"/>
-                </a:solidFill>
-                <a:miter lim="800000"/>
-                <a:headEnd/>
-                <a:tailEnd/>
-              </a14:hiddenLine>
-            </a:ext>
-          </a:extLst>
         </p:spPr>
-      </p:pic>
+        <p:txBody>
+          <a:bodyPr wrap="square" rtlCol="0">
+            <a:spAutoFit/>
+          </a:bodyPr>
+          <a:lstStyle/>
+          <a:p>
+            <a:pPr>
+              <a:spcAft>
+                <a:spcPts val="600"/>
+              </a:spcAft>
+            </a:pPr>
+            <a:r>
+              <a:rPr lang="ru-RU" sz="2000" b="1" dirty="0" smtClean="0">
+                <a:solidFill>
+                  <a:srgbClr val="000000"/>
+                </a:solidFill>
+                <a:latin typeface="Times New Roman" panose="02020603050405020304" pitchFamily="18" charset="0"/>
+                <a:cs typeface="Times New Roman" panose="02020603050405020304" pitchFamily="18" charset="0"/>
+              </a:rPr>
+              <a:t>Цель работы</a:t>
+            </a:r>
+            <a:r>
+              <a:rPr lang="ru-RU" sz="2000" dirty="0" smtClean="0">
+                <a:solidFill>
+                  <a:srgbClr val="000000"/>
+                </a:solidFill>
+                <a:latin typeface="Times New Roman" panose="02020603050405020304" pitchFamily="18" charset="0"/>
+                <a:cs typeface="Times New Roman" panose="02020603050405020304" pitchFamily="18" charset="0"/>
+              </a:rPr>
+              <a:t>: </a:t>
+            </a:r>
+            <a:r>
+              <a:rPr lang="ru-RU" sz="2000" dirty="0">
+                <a:solidFill>
+                  <a:srgbClr val="000000"/>
+                </a:solidFill>
+                <a:latin typeface="Times New Roman" panose="02020603050405020304" pitchFamily="18" charset="0"/>
+                <a:cs typeface="Times New Roman" panose="02020603050405020304" pitchFamily="18" charset="0"/>
+              </a:rPr>
+              <a:t>Разработка прототипа приложения для поддержки коммуникации и социальной интеграции глухих.</a:t>
+            </a:r>
+            <a:endParaRPr lang="ru-RU" sz="2000" dirty="0" smtClean="0">
+              <a:solidFill>
+                <a:srgbClr val="000000"/>
+              </a:solidFill>
+              <a:latin typeface="Times New Roman" panose="02020603050405020304" pitchFamily="18" charset="0"/>
+              <a:cs typeface="Times New Roman" panose="02020603050405020304" pitchFamily="18" charset="0"/>
+            </a:endParaRPr>
+          </a:p>
+          <a:p>
+            <a:pPr>
+              <a:spcAft>
+                <a:spcPts val="600"/>
+              </a:spcAft>
+            </a:pPr>
+            <a:endParaRPr lang="ru-RU" sz="2000" dirty="0">
+              <a:solidFill>
+                <a:srgbClr val="000000"/>
+              </a:solidFill>
+              <a:latin typeface="Times New Roman" panose="02020603050405020304" pitchFamily="18" charset="0"/>
+              <a:cs typeface="Times New Roman" panose="02020603050405020304" pitchFamily="18" charset="0"/>
+            </a:endParaRPr>
+          </a:p>
+          <a:p>
+            <a:pPr>
+              <a:spcAft>
+                <a:spcPts val="600"/>
+              </a:spcAft>
+            </a:pPr>
+            <a:r>
+              <a:rPr lang="ru-RU" sz="2000" b="1" dirty="0">
+                <a:solidFill>
+                  <a:srgbClr val="000000"/>
+                </a:solidFill>
+                <a:latin typeface="Times New Roman" panose="02020603050405020304" pitchFamily="18" charset="0"/>
+                <a:cs typeface="Times New Roman" panose="02020603050405020304" pitchFamily="18" charset="0"/>
+              </a:rPr>
+              <a:t>Задачи</a:t>
+            </a:r>
+            <a:r>
+              <a:rPr lang="ru-RU" sz="2000" dirty="0">
+                <a:solidFill>
+                  <a:srgbClr val="000000"/>
+                </a:solidFill>
+                <a:latin typeface="Times New Roman" panose="02020603050405020304" pitchFamily="18" charset="0"/>
+                <a:cs typeface="Times New Roman" panose="02020603050405020304" pitchFamily="18" charset="0"/>
+              </a:rPr>
+              <a:t>:</a:t>
+            </a:r>
+          </a:p>
+          <a:p>
+            <a:pPr marL="342900" indent="-342900">
+              <a:spcAft>
+                <a:spcPts val="600"/>
+              </a:spcAft>
+              <a:buFont typeface="Arial" panose="020B0604020202020204" pitchFamily="34" charset="0"/>
+              <a:buChar char="•"/>
+            </a:pPr>
+            <a:r>
+              <a:rPr lang="ru-RU" sz="2000" dirty="0">
+                <a:solidFill>
+                  <a:srgbClr val="000000"/>
+                </a:solidFill>
+                <a:latin typeface="Times New Roman" panose="02020603050405020304" pitchFamily="18" charset="0"/>
+                <a:cs typeface="Times New Roman" panose="02020603050405020304" pitchFamily="18" charset="0"/>
+              </a:rPr>
+              <a:t>Анализ потребностей целевой аудитории</a:t>
+            </a:r>
+            <a:r>
+              <a:rPr lang="ru-RU" sz="2000" dirty="0" smtClean="0">
+                <a:solidFill>
+                  <a:srgbClr val="000000"/>
+                </a:solidFill>
+                <a:latin typeface="Times New Roman" panose="02020603050405020304" pitchFamily="18" charset="0"/>
+                <a:cs typeface="Times New Roman" panose="02020603050405020304" pitchFamily="18" charset="0"/>
+              </a:rPr>
+              <a:t>.</a:t>
+            </a:r>
+            <a:endParaRPr lang="ru-RU" sz="2000" dirty="0">
+              <a:solidFill>
+                <a:srgbClr val="000000"/>
+              </a:solidFill>
+              <a:latin typeface="Times New Roman" panose="02020603050405020304" pitchFamily="18" charset="0"/>
+              <a:cs typeface="Times New Roman" panose="02020603050405020304" pitchFamily="18" charset="0"/>
+            </a:endParaRPr>
+          </a:p>
+          <a:p>
+            <a:pPr marL="342900" indent="-342900">
+              <a:spcAft>
+                <a:spcPts val="600"/>
+              </a:spcAft>
+              <a:buFont typeface="Arial" panose="020B0604020202020204" pitchFamily="34" charset="0"/>
+              <a:buChar char="•"/>
+            </a:pPr>
+            <a:r>
+              <a:rPr lang="ru-RU" sz="2000" dirty="0">
+                <a:solidFill>
+                  <a:srgbClr val="000000"/>
+                </a:solidFill>
+                <a:latin typeface="Times New Roman" panose="02020603050405020304" pitchFamily="18" charset="0"/>
+                <a:cs typeface="Times New Roman" panose="02020603050405020304" pitchFamily="18" charset="0"/>
+              </a:rPr>
+              <a:t>Исследование существующих приложений и технологий</a:t>
+            </a:r>
+            <a:r>
+              <a:rPr lang="ru-RU" sz="2000" dirty="0" smtClean="0">
+                <a:solidFill>
+                  <a:srgbClr val="000000"/>
+                </a:solidFill>
+                <a:latin typeface="Times New Roman" panose="02020603050405020304" pitchFamily="18" charset="0"/>
+                <a:cs typeface="Times New Roman" panose="02020603050405020304" pitchFamily="18" charset="0"/>
+              </a:rPr>
+              <a:t>.</a:t>
+            </a:r>
+            <a:endParaRPr lang="ru-RU" sz="2000" dirty="0">
+              <a:solidFill>
+                <a:srgbClr val="000000"/>
+              </a:solidFill>
+              <a:latin typeface="Times New Roman" panose="02020603050405020304" pitchFamily="18" charset="0"/>
+              <a:cs typeface="Times New Roman" panose="02020603050405020304" pitchFamily="18" charset="0"/>
+            </a:endParaRPr>
+          </a:p>
+          <a:p>
+            <a:pPr marL="342900" indent="-342900">
+              <a:spcAft>
+                <a:spcPts val="600"/>
+              </a:spcAft>
+              <a:buFont typeface="Arial" panose="020B0604020202020204" pitchFamily="34" charset="0"/>
+              <a:buChar char="•"/>
+            </a:pPr>
+            <a:r>
+              <a:rPr lang="ru-RU" sz="2000" dirty="0">
+                <a:solidFill>
+                  <a:srgbClr val="000000"/>
+                </a:solidFill>
+                <a:latin typeface="Times New Roman" panose="02020603050405020304" pitchFamily="18" charset="0"/>
+                <a:cs typeface="Times New Roman" panose="02020603050405020304" pitchFamily="18" charset="0"/>
+              </a:rPr>
+              <a:t>Формулирование функциональных требований</a:t>
+            </a:r>
+            <a:r>
+              <a:rPr lang="ru-RU" sz="2000" dirty="0" smtClean="0">
+                <a:solidFill>
+                  <a:srgbClr val="000000"/>
+                </a:solidFill>
+                <a:latin typeface="Times New Roman" panose="02020603050405020304" pitchFamily="18" charset="0"/>
+                <a:cs typeface="Times New Roman" panose="02020603050405020304" pitchFamily="18" charset="0"/>
+              </a:rPr>
+              <a:t>.</a:t>
+            </a:r>
+            <a:endParaRPr lang="ru-RU" sz="2000" dirty="0">
+              <a:solidFill>
+                <a:srgbClr val="000000"/>
+              </a:solidFill>
+              <a:latin typeface="Times New Roman" panose="02020603050405020304" pitchFamily="18" charset="0"/>
+              <a:cs typeface="Times New Roman" panose="02020603050405020304" pitchFamily="18" charset="0"/>
+            </a:endParaRPr>
+          </a:p>
+          <a:p>
+            <a:pPr marL="342900" indent="-342900">
+              <a:spcAft>
+                <a:spcPts val="600"/>
+              </a:spcAft>
+              <a:buFont typeface="Arial" panose="020B0604020202020204" pitchFamily="34" charset="0"/>
+              <a:buChar char="•"/>
+            </a:pPr>
+            <a:r>
+              <a:rPr lang="ru-RU" sz="2000" dirty="0">
+                <a:solidFill>
+                  <a:srgbClr val="000000"/>
+                </a:solidFill>
+                <a:latin typeface="Times New Roman" panose="02020603050405020304" pitchFamily="18" charset="0"/>
+                <a:cs typeface="Times New Roman" panose="02020603050405020304" pitchFamily="18" charset="0"/>
+              </a:rPr>
+              <a:t>Проектирование интерфейса и создание прототипа в </a:t>
+            </a:r>
+            <a:r>
+              <a:rPr lang="ru-RU" sz="2000" dirty="0" err="1">
+                <a:solidFill>
+                  <a:srgbClr val="000000"/>
+                </a:solidFill>
+                <a:latin typeface="Times New Roman" panose="02020603050405020304" pitchFamily="18" charset="0"/>
+                <a:cs typeface="Times New Roman" panose="02020603050405020304" pitchFamily="18" charset="0"/>
+              </a:rPr>
+              <a:t>Figma</a:t>
+            </a:r>
+            <a:r>
+              <a:rPr lang="ru-RU" sz="2000" dirty="0" smtClean="0">
+                <a:solidFill>
+                  <a:srgbClr val="000000"/>
+                </a:solidFill>
+                <a:latin typeface="Times New Roman" panose="02020603050405020304" pitchFamily="18" charset="0"/>
+                <a:cs typeface="Times New Roman" panose="02020603050405020304" pitchFamily="18" charset="0"/>
+              </a:rPr>
+              <a:t>.</a:t>
+            </a:r>
+            <a:endParaRPr lang="ru-RU" sz="2000" dirty="0">
+              <a:solidFill>
+                <a:srgbClr val="000000"/>
+              </a:solidFill>
+              <a:latin typeface="Times New Roman" panose="02020603050405020304" pitchFamily="18" charset="0"/>
+              <a:cs typeface="Times New Roman" panose="02020603050405020304" pitchFamily="18" charset="0"/>
+            </a:endParaRPr>
+          </a:p>
+          <a:p>
+            <a:pPr marL="342900" indent="-342900">
+              <a:spcAft>
+                <a:spcPts val="600"/>
+              </a:spcAft>
+              <a:buFont typeface="Arial" panose="020B0604020202020204" pitchFamily="34" charset="0"/>
+              <a:buChar char="•"/>
+            </a:pPr>
+            <a:r>
+              <a:rPr lang="ru-RU" sz="2000" dirty="0">
+                <a:solidFill>
+                  <a:srgbClr val="000000"/>
+                </a:solidFill>
+                <a:latin typeface="Times New Roman" panose="02020603050405020304" pitchFamily="18" charset="0"/>
+                <a:cs typeface="Times New Roman" panose="02020603050405020304" pitchFamily="18" charset="0"/>
+              </a:rPr>
+              <a:t>Оценка эффективности решения.</a:t>
+            </a:r>
+          </a:p>
+          <a:p>
+            <a:pPr>
+              <a:spcAft>
+                <a:spcPts val="600"/>
+              </a:spcAft>
+            </a:pPr>
+            <a:endParaRPr lang="ru-RU" sz="2000" dirty="0">
+              <a:solidFill>
+                <a:srgbClr val="000000"/>
+              </a:solidFill>
+              <a:latin typeface="Times New Roman" panose="02020603050405020304" pitchFamily="18" charset="0"/>
+              <a:cs typeface="Times New Roman" panose="02020603050405020304" pitchFamily="18" charset="0"/>
+            </a:endParaRPr>
+          </a:p>
+        </p:txBody>
+      </p:sp>
+      <p:sp>
+        <p:nvSpPr>
+          <p:cNvPr id="4" name="Номер слайда 3"/>
+          <p:cNvSpPr>
+            <a:spLocks noGrp="1"/>
+          </p:cNvSpPr>
+          <p:nvPr>
+            <p:ph type="sldNum" sz="quarter" idx="12"/>
+          </p:nvPr>
+        </p:nvSpPr>
+        <p:spPr/>
+        <p:txBody>
+          <a:bodyPr/>
+          <a:lstStyle/>
+          <a:p>
+            <a:fld id="{1B61E6DC-7948-428B-BF0C-0B97AF471FA1}" type="slidenum">
+              <a:rPr lang="ru-RU" sz="2400" b="1" smtClean="0">
+                <a:latin typeface="Times New Roman" panose="02020603050405020304" pitchFamily="18" charset="0"/>
+                <a:cs typeface="Times New Roman" panose="02020603050405020304" pitchFamily="18" charset="0"/>
+              </a:rPr>
+              <a:t>7</a:t>
+            </a:fld>
+            <a:endParaRPr lang="ru-RU" sz="2400" b="1" dirty="0">
+              <a:latin typeface="Times New Roman" panose="02020603050405020304" pitchFamily="18" charset="0"/>
+              <a:cs typeface="Times New Roman" panose="02020603050405020304" pitchFamily="18" charset="0"/>
+            </a:endParaRPr>
+          </a:p>
+        </p:txBody>
+      </p:sp>
     </p:spTree>
     <p:extLst>
       <p:ext uri="{BB962C8B-B14F-4D97-AF65-F5344CB8AC3E}">
-        <p14:creationId xmlns:p14="http://schemas.microsoft.com/office/powerpoint/2010/main" val="2536865007"/>
+        <p14:creationId xmlns:p14="http://schemas.microsoft.com/office/powerpoint/2010/main" val="480582083"/>
       </p:ext>
     </p:extLst>
   </p:cSld>
@@ -5352,10 +8454,12 @@
             <a:r>
               <a:rPr lang="ru-RU" sz="4000" dirty="0">
                 <a:solidFill>
-                  <a:schemeClr val="tx1"/>
-                </a:solidFill>
-              </a:rPr>
-              <a:t>Предлагаемое решение</a:t>
+                  <a:srgbClr val="000000"/>
+                </a:solidFill>
+                <a:latin typeface="Times New Roman" panose="02020603050405020304" pitchFamily="18" charset="0"/>
+                <a:cs typeface="Times New Roman" panose="02020603050405020304" pitchFamily="18" charset="0"/>
+              </a:rPr>
+              <a:t>Существующее решение и процесс решения задачи</a:t>
             </a:r>
           </a:p>
         </p:txBody>
@@ -5368,8 +8472,8 @@
         </p:nvSpPr>
         <p:spPr>
           <a:xfrm>
-            <a:off x="467544" y="1916832"/>
-            <a:ext cx="7992888" cy="2708434"/>
+            <a:off x="539552" y="2060848"/>
+            <a:ext cx="7920880" cy="2631490"/>
           </a:xfrm>
           <a:prstGeom prst="rect">
             <a:avLst/>
@@ -5382,142 +8486,125 @@
           </a:bodyPr>
           <a:lstStyle/>
           <a:p>
-            <a:pPr>
+            <a:pPr marL="285750" lvl="0" indent="-285750">
               <a:spcAft>
                 <a:spcPts val="600"/>
               </a:spcAft>
+              <a:buFont typeface="Arial" panose="020B0604020202020204" pitchFamily="34" charset="0"/>
+              <a:buChar char="•"/>
             </a:pPr>
             <a:r>
-              <a:rPr lang="ru-RU" sz="2000" dirty="0" smtClean="0"/>
-              <a:t>Направления</a:t>
-            </a:r>
-            <a:r>
-              <a:rPr lang="ru-RU" sz="2000" dirty="0"/>
-              <a:t>, которые будет учитывать разрабатываемый прототип:</a:t>
-            </a:r>
-          </a:p>
-          <a:p>
-            <a:pPr marL="342900" indent="-342900">
+              <a:rPr lang="ru-RU" sz="2000" dirty="0" smtClean="0">
+                <a:solidFill>
+                  <a:srgbClr val="000000"/>
+                </a:solidFill>
+                <a:latin typeface="Times New Roman" panose="02020603050405020304" pitchFamily="18" charset="0"/>
+                <a:cs typeface="Times New Roman" panose="02020603050405020304" pitchFamily="18" charset="0"/>
+              </a:rPr>
+              <a:t>Низкая точность и скорость перевода</a:t>
+            </a:r>
+          </a:p>
+          <a:p>
+            <a:pPr marL="285750" lvl="0" indent="-285750">
               <a:spcAft>
                 <a:spcPts val="600"/>
               </a:spcAft>
-              <a:buFont typeface="+mj-lt"/>
-              <a:buAutoNum type="arabicPeriod"/>
+              <a:buFont typeface="Arial" panose="020B0604020202020204" pitchFamily="34" charset="0"/>
+              <a:buChar char="•"/>
             </a:pPr>
             <a:r>
-              <a:rPr lang="ru-RU" sz="2000" dirty="0" smtClean="0"/>
-              <a:t>Повышение </a:t>
-            </a:r>
-            <a:r>
-              <a:rPr lang="ru-RU" sz="2000" dirty="0"/>
-              <a:t>точности и скорости </a:t>
-            </a:r>
-            <a:r>
-              <a:rPr lang="ru-RU" sz="2000" dirty="0" smtClean="0"/>
-              <a:t>перевода</a:t>
-            </a:r>
-          </a:p>
-          <a:p>
-            <a:pPr marL="342900" indent="-342900">
+              <a:rPr lang="ru-RU" sz="2000" dirty="0" smtClean="0">
+                <a:solidFill>
+                  <a:srgbClr val="000000"/>
+                </a:solidFill>
+                <a:latin typeface="Times New Roman" panose="02020603050405020304" pitchFamily="18" charset="0"/>
+                <a:cs typeface="Times New Roman" panose="02020603050405020304" pitchFamily="18" charset="0"/>
+              </a:rPr>
+              <a:t>Ограниченная поддержка языков и диалектов</a:t>
+            </a:r>
+          </a:p>
+          <a:p>
+            <a:pPr marL="285750" lvl="0" indent="-285750">
               <a:spcAft>
                 <a:spcPts val="600"/>
               </a:spcAft>
-              <a:buFont typeface="+mj-lt"/>
-              <a:buAutoNum type="arabicPeriod"/>
+              <a:buFont typeface="Arial" panose="020B0604020202020204" pitchFamily="34" charset="0"/>
+              <a:buChar char="•"/>
             </a:pPr>
             <a:r>
-              <a:rPr lang="ru-RU" sz="2000" dirty="0" smtClean="0"/>
-              <a:t>Расширение </a:t>
-            </a:r>
-            <a:r>
-              <a:rPr lang="ru-RU" sz="2000" dirty="0"/>
-              <a:t>поддержки языков и </a:t>
-            </a:r>
-            <a:r>
-              <a:rPr lang="ru-RU" sz="2000" dirty="0" smtClean="0"/>
-              <a:t>диалектов</a:t>
-            </a:r>
-          </a:p>
-          <a:p>
-            <a:pPr marL="342900" indent="-342900">
+              <a:rPr lang="ru-RU" sz="2000" dirty="0" smtClean="0">
+                <a:solidFill>
+                  <a:srgbClr val="000000"/>
+                </a:solidFill>
+                <a:latin typeface="Times New Roman" panose="02020603050405020304" pitchFamily="18" charset="0"/>
+                <a:cs typeface="Times New Roman" panose="02020603050405020304" pitchFamily="18" charset="0"/>
+              </a:rPr>
+              <a:t>Высокая стоимость</a:t>
+            </a:r>
+          </a:p>
+          <a:p>
+            <a:pPr marL="285750" lvl="0" indent="-285750">
               <a:spcAft>
                 <a:spcPts val="600"/>
               </a:spcAft>
-              <a:buFont typeface="+mj-lt"/>
-              <a:buAutoNum type="arabicPeriod"/>
+              <a:buFont typeface="Arial" panose="020B0604020202020204" pitchFamily="34" charset="0"/>
+              <a:buChar char="•"/>
             </a:pPr>
             <a:r>
-              <a:rPr lang="ru-RU" sz="2000" dirty="0" smtClean="0"/>
-              <a:t>Снижение стоимости</a:t>
-            </a:r>
-          </a:p>
-          <a:p>
-            <a:pPr marL="342900" indent="-342900">
+              <a:rPr lang="ru-RU" sz="2000" dirty="0" smtClean="0">
+                <a:solidFill>
+                  <a:srgbClr val="000000"/>
+                </a:solidFill>
+                <a:latin typeface="Times New Roman" panose="02020603050405020304" pitchFamily="18" charset="0"/>
+                <a:cs typeface="Times New Roman" panose="02020603050405020304" pitchFamily="18" charset="0"/>
+              </a:rPr>
+              <a:t>Зависимость от дополнительных устройств</a:t>
+            </a:r>
+          </a:p>
+          <a:p>
+            <a:pPr marL="285750" lvl="0" indent="-285750">
               <a:spcAft>
                 <a:spcPts val="600"/>
               </a:spcAft>
-              <a:buFont typeface="+mj-lt"/>
-              <a:buAutoNum type="arabicPeriod"/>
+              <a:buFont typeface="Arial" panose="020B0604020202020204" pitchFamily="34" charset="0"/>
+              <a:buChar char="•"/>
             </a:pPr>
             <a:r>
-              <a:rPr lang="ru-RU" sz="2000" dirty="0" smtClean="0"/>
-              <a:t>Улучшение </a:t>
-            </a:r>
-            <a:r>
-              <a:rPr lang="ru-RU" sz="2000" dirty="0"/>
-              <a:t>удобства </a:t>
-            </a:r>
-            <a:r>
-              <a:rPr lang="ru-RU" sz="2000" dirty="0" smtClean="0"/>
-              <a:t>использования</a:t>
-            </a:r>
-          </a:p>
-          <a:p>
-            <a:pPr marL="342900" indent="-342900">
+              <a:rPr lang="ru-RU" sz="2000" dirty="0" smtClean="0">
+                <a:solidFill>
+                  <a:srgbClr val="000000"/>
+                </a:solidFill>
+                <a:latin typeface="Times New Roman" panose="02020603050405020304" pitchFamily="18" charset="0"/>
+                <a:cs typeface="Times New Roman" panose="02020603050405020304" pitchFamily="18" charset="0"/>
+              </a:rPr>
+              <a:t>Недостаточная интеграция с другими приложениями и устройствами</a:t>
+            </a:r>
+          </a:p>
+          <a:p>
+            <a:pPr marL="285750" lvl="0" indent="-285750">
               <a:spcAft>
                 <a:spcPts val="600"/>
               </a:spcAft>
-              <a:buFont typeface="+mj-lt"/>
-              <a:buAutoNum type="arabicPeriod"/>
+              <a:buFont typeface="Arial" panose="020B0604020202020204" pitchFamily="34" charset="0"/>
+              <a:buChar char="•"/>
             </a:pPr>
             <a:r>
-              <a:rPr lang="ru-RU" sz="2000" dirty="0" smtClean="0"/>
-              <a:t>Интеграция </a:t>
-            </a:r>
-            <a:r>
-              <a:rPr lang="ru-RU" sz="2000" dirty="0"/>
-              <a:t>с другими приложениями и </a:t>
-            </a:r>
-            <a:r>
-              <a:rPr lang="ru-RU" sz="2000" dirty="0" smtClean="0"/>
-              <a:t>устройствами</a:t>
-            </a:r>
-          </a:p>
-          <a:p>
-            <a:pPr marL="342900" indent="-342900">
-              <a:spcAft>
-                <a:spcPts val="600"/>
-              </a:spcAft>
-              <a:buFont typeface="+mj-lt"/>
-              <a:buAutoNum type="arabicPeriod"/>
-            </a:pPr>
-            <a:r>
-              <a:rPr lang="ru-RU" sz="2000" dirty="0" smtClean="0"/>
-              <a:t>Проведение </a:t>
-            </a:r>
-            <a:r>
-              <a:rPr lang="ru-RU" sz="2000" dirty="0"/>
-              <a:t>тщательного тестирования и оценки </a:t>
-            </a:r>
-            <a:r>
-              <a:rPr lang="ru-RU" sz="2000" dirty="0" smtClean="0"/>
-              <a:t>эффективности</a:t>
-            </a:r>
-            <a:r>
-              <a:rPr lang="ru-RU" sz="2000" dirty="0" smtClean="0"/>
-              <a:t> </a:t>
-            </a:r>
-            <a:endParaRPr lang="ru-RU" sz="2000" dirty="0"/>
+              <a:rPr lang="ru-RU" sz="2000" dirty="0" smtClean="0">
+                <a:solidFill>
+                  <a:srgbClr val="000000"/>
+                </a:solidFill>
+                <a:latin typeface="Times New Roman" panose="02020603050405020304" pitchFamily="18" charset="0"/>
+                <a:cs typeface="Times New Roman" panose="02020603050405020304" pitchFamily="18" charset="0"/>
+              </a:rPr>
+              <a:t>Недостаточное тестирование и оценка эффективности</a:t>
+            </a:r>
+            <a:endParaRPr lang="ru-RU" sz="2000" dirty="0">
+              <a:solidFill>
+                <a:srgbClr val="000000"/>
+              </a:solidFill>
+              <a:latin typeface="Times New Roman" panose="02020603050405020304" pitchFamily="18" charset="0"/>
+              <a:cs typeface="Times New Roman" panose="02020603050405020304" pitchFamily="18" charset="0"/>
+            </a:endParaRPr>
           </a:p>
         </p:txBody>
       </p:sp>
@@ -5537,17 +8624,23 @@
           <a:lstStyle/>
           <a:p>
             <a:fld id="{1B61E6DC-7948-428B-BF0C-0B97AF471FA1}" type="slidenum">
-              <a:rPr lang="ru-RU" smtClean="0"/>
+              <a:rPr lang="ru-RU" sz="2400" b="1" smtClean="0">
+                <a:latin typeface="Times New Roman" panose="02020603050405020304" pitchFamily="18" charset="0"/>
+                <a:cs typeface="Times New Roman" panose="02020603050405020304" pitchFamily="18" charset="0"/>
+              </a:rPr>
               <a:t>8</a:t>
             </a:fld>
-            <a:endParaRPr lang="ru-RU"/>
+            <a:endParaRPr lang="ru-RU" sz="2400" b="1" dirty="0">
+              <a:latin typeface="Times New Roman" panose="02020603050405020304" pitchFamily="18" charset="0"/>
+              <a:cs typeface="Times New Roman" panose="02020603050405020304" pitchFamily="18" charset="0"/>
+            </a:endParaRPr>
           </a:p>
         </p:txBody>
       </p:sp>
     </p:spTree>
     <p:extLst>
       <p:ext uri="{BB962C8B-B14F-4D97-AF65-F5344CB8AC3E}">
-        <p14:creationId xmlns:p14="http://schemas.microsoft.com/office/powerpoint/2010/main" val="2950982690"/>
+        <p14:creationId xmlns:p14="http://schemas.microsoft.com/office/powerpoint/2010/main" val="3399840881"/>
       </p:ext>
     </p:extLst>
   </p:cSld>
@@ -5603,109 +8696,11 @@
                 <a:solidFill>
                   <a:schemeClr val="tx1"/>
                 </a:solidFill>
-              </a:rPr>
-              <a:t> Практическая значимость</a:t>
-            </a:r>
-          </a:p>
-        </p:txBody>
-      </p:sp>
-      <p:sp>
-        <p:nvSpPr>
-          <p:cNvPr id="3" name="TextBox 2"/>
-          <p:cNvSpPr txBox="1"/>
-          <p:nvPr/>
-        </p:nvSpPr>
-        <p:spPr>
-          <a:xfrm>
-            <a:off x="467544" y="1772816"/>
-            <a:ext cx="8136904" cy="1554272"/>
-          </a:xfrm>
-          <a:prstGeom prst="rect">
-            <a:avLst/>
-          </a:prstGeom>
-          <a:noFill/>
-        </p:spPr>
-        <p:txBody>
-          <a:bodyPr wrap="square" rtlCol="0">
-            <a:spAutoFit/>
-          </a:bodyPr>
-          <a:lstStyle/>
-          <a:p>
-            <a:pPr marL="342900" indent="-342900">
-              <a:spcAft>
-                <a:spcPts val="600"/>
-              </a:spcAft>
-              <a:buFont typeface="Arial" panose="020B0604020202020204" pitchFamily="34" charset="0"/>
-              <a:buChar char="•"/>
-            </a:pPr>
-            <a:r>
-              <a:rPr lang="ru-RU" sz="2000" dirty="0" smtClean="0"/>
-              <a:t>Создание </a:t>
-            </a:r>
-            <a:r>
-              <a:rPr lang="ru-RU" sz="2000" dirty="0"/>
-              <a:t>равных </a:t>
-            </a:r>
-            <a:r>
-              <a:rPr lang="ru-RU" sz="2000" dirty="0" smtClean="0"/>
-              <a:t>возможностей</a:t>
-            </a:r>
-          </a:p>
-          <a:p>
-            <a:pPr marL="342900" indent="-342900">
-              <a:spcAft>
-                <a:spcPts val="600"/>
-              </a:spcAft>
-              <a:buFont typeface="Arial" panose="020B0604020202020204" pitchFamily="34" charset="0"/>
-              <a:buChar char="•"/>
-            </a:pPr>
-            <a:r>
-              <a:rPr lang="ru-RU" sz="2000" dirty="0" smtClean="0"/>
-              <a:t>Повышение </a:t>
-            </a:r>
-            <a:r>
-              <a:rPr lang="ru-RU" sz="2000" dirty="0"/>
-              <a:t>качества </a:t>
-            </a:r>
-            <a:r>
-              <a:rPr lang="ru-RU" sz="2000" dirty="0" smtClean="0"/>
-              <a:t>жизни</a:t>
-            </a:r>
-          </a:p>
-          <a:p>
-            <a:pPr marL="342900" indent="-342900">
-              <a:spcAft>
-                <a:spcPts val="600"/>
-              </a:spcAft>
-              <a:buFont typeface="Arial" panose="020B0604020202020204" pitchFamily="34" charset="0"/>
-              <a:buChar char="•"/>
-            </a:pPr>
-            <a:r>
-              <a:rPr lang="ru-RU" sz="2000" dirty="0" smtClean="0"/>
-              <a:t>Развитие </a:t>
-            </a:r>
-            <a:r>
-              <a:rPr lang="ru-RU" sz="2000" dirty="0"/>
-              <a:t>инклюзивного </a:t>
-            </a:r>
-            <a:r>
-              <a:rPr lang="ru-RU" sz="2000" dirty="0" smtClean="0"/>
-              <a:t>общества</a:t>
-            </a:r>
-          </a:p>
-          <a:p>
-            <a:pPr marL="342900" indent="-342900">
-              <a:spcAft>
-                <a:spcPts val="600"/>
-              </a:spcAft>
-              <a:buFont typeface="Arial" panose="020B0604020202020204" pitchFamily="34" charset="0"/>
-              <a:buChar char="•"/>
-            </a:pPr>
-            <a:r>
-              <a:rPr lang="ru-RU" sz="2000" dirty="0" smtClean="0"/>
-              <a:t>Прогресс мобильной технологии</a:t>
-            </a:r>
-            <a:endParaRPr lang="ru-RU" sz="2000" dirty="0"/>
+                <a:latin typeface="Times New Roman" panose="02020603050405020304" pitchFamily="18" charset="0"/>
+                <a:cs typeface="Times New Roman" panose="02020603050405020304" pitchFamily="18" charset="0"/>
+              </a:rPr>
+              <a:t>Обзор аналогов</a:t>
+            </a:r>
           </a:p>
         </p:txBody>
       </p:sp>
@@ -5725,17 +8720,1806 @@
           <a:lstStyle/>
           <a:p>
             <a:fld id="{1B61E6DC-7948-428B-BF0C-0B97AF471FA1}" type="slidenum">
-              <a:rPr lang="ru-RU" smtClean="0"/>
+              <a:rPr lang="ru-RU" sz="2400" b="1" smtClean="0">
+                <a:latin typeface="Times New Roman" panose="02020603050405020304" pitchFamily="18" charset="0"/>
+                <a:cs typeface="Times New Roman" panose="02020603050405020304" pitchFamily="18" charset="0"/>
+              </a:rPr>
               <a:t>9</a:t>
             </a:fld>
-            <a:endParaRPr lang="ru-RU"/>
-          </a:p>
-        </p:txBody>
-      </p:sp>
+            <a:endParaRPr lang="ru-RU" sz="2400" b="1" dirty="0">
+              <a:latin typeface="Times New Roman" panose="02020603050405020304" pitchFamily="18" charset="0"/>
+              <a:cs typeface="Times New Roman" panose="02020603050405020304" pitchFamily="18" charset="0"/>
+            </a:endParaRPr>
+          </a:p>
+        </p:txBody>
+      </p:sp>
+      <p:graphicFrame>
+        <p:nvGraphicFramePr>
+          <p:cNvPr id="6" name="Таблица 5"/>
+          <p:cNvGraphicFramePr>
+            <a:graphicFrameLocks noGrp="1"/>
+          </p:cNvGraphicFramePr>
+          <p:nvPr>
+            <p:extLst>
+              <p:ext uri="{D42A27DB-BD31-4B8C-83A1-F6EECF244321}">
+                <p14:modId xmlns:p14="http://schemas.microsoft.com/office/powerpoint/2010/main" val="1858285892"/>
+              </p:ext>
+            </p:extLst>
+          </p:nvPr>
+        </p:nvGraphicFramePr>
+        <p:xfrm>
+          <a:off x="323529" y="1196753"/>
+          <a:ext cx="7920880" cy="5523967"/>
+        </p:xfrm>
+        <a:graphic>
+          <a:graphicData uri="http://schemas.openxmlformats.org/drawingml/2006/table">
+            <a:tbl>
+              <a:tblPr firstRow="1" firstCol="1" bandRow="1">
+                <a:tableStyleId>{E8B1032C-EA38-4F05-BA0D-38AFFFC7BED3}</a:tableStyleId>
+              </a:tblPr>
+              <a:tblGrid>
+                <a:gridCol w="2592287"/>
+                <a:gridCol w="1152128"/>
+                <a:gridCol w="1080120"/>
+                <a:gridCol w="1152128"/>
+                <a:gridCol w="936104"/>
+                <a:gridCol w="1008113"/>
+              </a:tblGrid>
+              <a:tr h="570658">
+                <a:tc>
+                  <a:txBody>
+                    <a:bodyPr/>
+                    <a:lstStyle/>
+                    <a:p>
+                      <a:pPr algn="l">
+                        <a:spcAft>
+                          <a:spcPts val="0"/>
+                        </a:spcAft>
+                      </a:pPr>
+                      <a:r>
+                        <a:rPr lang="ru-RU" sz="1400" dirty="0">
+                          <a:effectLst/>
+                          <a:latin typeface="Times New Roman" panose="02020603050405020304" pitchFamily="18" charset="0"/>
+                          <a:cs typeface="Times New Roman" panose="02020603050405020304" pitchFamily="18" charset="0"/>
+                        </a:rPr>
+                        <a:t>Функция</a:t>
+                      </a:r>
+                      <a:endParaRPr lang="ru-RU" sz="1400" dirty="0">
+                        <a:effectLst/>
+                        <a:latin typeface="Times New Roman" panose="02020603050405020304" pitchFamily="18" charset="0"/>
+                        <a:ea typeface="Times New Roman"/>
+                        <a:cs typeface="Times New Roman" panose="02020603050405020304" pitchFamily="18" charset="0"/>
+                      </a:endParaRPr>
+                    </a:p>
+                  </a:txBody>
+                  <a:tcPr marL="62077" marR="62077" marT="0" marB="0"/>
+                </a:tc>
+                <a:tc>
+                  <a:txBody>
+                    <a:bodyPr/>
+                    <a:lstStyle/>
+                    <a:p>
+                      <a:pPr algn="ctr">
+                        <a:spcAft>
+                          <a:spcPts val="0"/>
+                        </a:spcAft>
+                      </a:pPr>
+                      <a:r>
+                        <a:rPr lang="ru-RU" sz="1400" dirty="0">
+                          <a:effectLst/>
+                          <a:latin typeface="Times New Roman" panose="02020603050405020304" pitchFamily="18" charset="0"/>
+                          <a:cs typeface="Times New Roman" panose="02020603050405020304" pitchFamily="18" charset="0"/>
+                        </a:rPr>
+                        <a:t>Прототип</a:t>
+                      </a:r>
+                      <a:endParaRPr lang="ru-RU" sz="1400" dirty="0">
+                        <a:effectLst/>
+                        <a:latin typeface="Times New Roman" panose="02020603050405020304" pitchFamily="18" charset="0"/>
+                        <a:ea typeface="Times New Roman"/>
+                        <a:cs typeface="Times New Roman" panose="02020603050405020304" pitchFamily="18" charset="0"/>
+                      </a:endParaRPr>
+                    </a:p>
+                  </a:txBody>
+                  <a:tcPr marL="62077" marR="62077" marT="0" marB="0"/>
+                </a:tc>
+                <a:tc>
+                  <a:txBody>
+                    <a:bodyPr/>
+                    <a:lstStyle/>
+                    <a:p>
+                      <a:pPr algn="ctr">
+                        <a:spcAft>
+                          <a:spcPts val="0"/>
+                        </a:spcAft>
+                      </a:pPr>
+                      <a:r>
+                        <a:rPr lang="en-US" sz="1400">
+                          <a:effectLst/>
+                          <a:latin typeface="Times New Roman" panose="02020603050405020304" pitchFamily="18" charset="0"/>
+                          <a:cs typeface="Times New Roman" panose="02020603050405020304" pitchFamily="18" charset="0"/>
+                        </a:rPr>
+                        <a:t>WorldDeaf</a:t>
+                      </a:r>
+                      <a:endParaRPr lang="ru-RU" sz="1400">
+                        <a:effectLst/>
+                        <a:latin typeface="Times New Roman" panose="02020603050405020304" pitchFamily="18" charset="0"/>
+                        <a:ea typeface="Times New Roman"/>
+                        <a:cs typeface="Times New Roman" panose="02020603050405020304" pitchFamily="18" charset="0"/>
+                      </a:endParaRPr>
+                    </a:p>
+                  </a:txBody>
+                  <a:tcPr marL="62077" marR="62077" marT="0" marB="0"/>
+                </a:tc>
+                <a:tc>
+                  <a:txBody>
+                    <a:bodyPr/>
+                    <a:lstStyle/>
+                    <a:p>
+                      <a:pPr algn="ctr">
+                        <a:spcAft>
+                          <a:spcPts val="0"/>
+                        </a:spcAft>
+                      </a:pPr>
+                      <a:r>
+                        <a:rPr lang="en-US" sz="1400" dirty="0">
+                          <a:effectLst/>
+                          <a:latin typeface="Times New Roman" panose="02020603050405020304" pitchFamily="18" charset="0"/>
+                          <a:cs typeface="Times New Roman" panose="02020603050405020304" pitchFamily="18" charset="0"/>
+                        </a:rPr>
+                        <a:t>Google Live Transcribe</a:t>
+                      </a:r>
+                      <a:endParaRPr lang="ru-RU" sz="1400" dirty="0">
+                        <a:effectLst/>
+                        <a:latin typeface="Times New Roman" panose="02020603050405020304" pitchFamily="18" charset="0"/>
+                        <a:ea typeface="Times New Roman"/>
+                        <a:cs typeface="Times New Roman" panose="02020603050405020304" pitchFamily="18" charset="0"/>
+                      </a:endParaRPr>
+                    </a:p>
+                  </a:txBody>
+                  <a:tcPr marL="62077" marR="62077" marT="0" marB="0"/>
+                </a:tc>
+                <a:tc>
+                  <a:txBody>
+                    <a:bodyPr/>
+                    <a:lstStyle/>
+                    <a:p>
+                      <a:pPr algn="ctr">
+                        <a:spcAft>
+                          <a:spcPts val="0"/>
+                        </a:spcAft>
+                      </a:pPr>
+                      <a:r>
+                        <a:rPr lang="en-US" sz="1400">
+                          <a:effectLst/>
+                          <a:latin typeface="Times New Roman" panose="02020603050405020304" pitchFamily="18" charset="0"/>
+                          <a:cs typeface="Times New Roman" panose="02020603050405020304" pitchFamily="18" charset="0"/>
+                        </a:rPr>
+                        <a:t>Microsoft Translator</a:t>
+                      </a:r>
+                      <a:endParaRPr lang="ru-RU" sz="1400">
+                        <a:effectLst/>
+                        <a:latin typeface="Times New Roman" panose="02020603050405020304" pitchFamily="18" charset="0"/>
+                        <a:ea typeface="Times New Roman"/>
+                        <a:cs typeface="Times New Roman" panose="02020603050405020304" pitchFamily="18" charset="0"/>
+                      </a:endParaRPr>
+                    </a:p>
+                  </a:txBody>
+                  <a:tcPr marL="62077" marR="62077" marT="0" marB="0"/>
+                </a:tc>
+                <a:tc>
+                  <a:txBody>
+                    <a:bodyPr/>
+                    <a:lstStyle/>
+                    <a:p>
+                      <a:pPr algn="ctr">
+                        <a:spcAft>
+                          <a:spcPts val="0"/>
+                        </a:spcAft>
+                      </a:pPr>
+                      <a:r>
+                        <a:rPr lang="ru-RU" sz="1400">
+                          <a:effectLst/>
+                          <a:latin typeface="Times New Roman" panose="02020603050405020304" pitchFamily="18" charset="0"/>
+                          <a:cs typeface="Times New Roman" panose="02020603050405020304" pitchFamily="18" charset="0"/>
+                        </a:rPr>
+                        <a:t>ВКонтакте</a:t>
+                      </a:r>
+                      <a:endParaRPr lang="ru-RU" sz="1400">
+                        <a:effectLst/>
+                        <a:latin typeface="Times New Roman" panose="02020603050405020304" pitchFamily="18" charset="0"/>
+                        <a:ea typeface="Times New Roman"/>
+                        <a:cs typeface="Times New Roman" panose="02020603050405020304" pitchFamily="18" charset="0"/>
+                      </a:endParaRPr>
+                    </a:p>
+                  </a:txBody>
+                  <a:tcPr marL="62077" marR="62077" marT="0" marB="0"/>
+                </a:tc>
+              </a:tr>
+              <a:tr h="409600">
+                <a:tc>
+                  <a:txBody>
+                    <a:bodyPr/>
+                    <a:lstStyle/>
+                    <a:p>
+                      <a:pPr algn="l">
+                        <a:spcAft>
+                          <a:spcPts val="0"/>
+                        </a:spcAft>
+                      </a:pPr>
+                      <a:r>
+                        <a:rPr lang="ru-RU" sz="1400" dirty="0">
+                          <a:effectLst/>
+                          <a:latin typeface="Times New Roman" panose="02020603050405020304" pitchFamily="18" charset="0"/>
+                          <a:cs typeface="Times New Roman" panose="02020603050405020304" pitchFamily="18" charset="0"/>
+                        </a:rPr>
+                        <a:t>Обмен текстовыми сообщениями</a:t>
+                      </a:r>
+                      <a:endParaRPr lang="ru-RU" sz="1400" dirty="0">
+                        <a:effectLst/>
+                        <a:latin typeface="Times New Roman" panose="02020603050405020304" pitchFamily="18" charset="0"/>
+                        <a:ea typeface="Times New Roman"/>
+                        <a:cs typeface="Times New Roman" panose="02020603050405020304" pitchFamily="18" charset="0"/>
+                      </a:endParaRPr>
+                    </a:p>
+                  </a:txBody>
+                  <a:tcPr marL="62077" marR="62077" marT="0" marB="0"/>
+                </a:tc>
+                <a:tc>
+                  <a:txBody>
+                    <a:bodyPr/>
+                    <a:lstStyle/>
+                    <a:p>
+                      <a:pPr algn="ctr">
+                        <a:spcAft>
+                          <a:spcPts val="0"/>
+                        </a:spcAft>
+                      </a:pPr>
+                      <a:r>
+                        <a:rPr lang="ru-RU" sz="2800" b="1" dirty="0">
+                          <a:effectLst/>
+                          <a:latin typeface="Times New Roman" panose="02020603050405020304" pitchFamily="18" charset="0"/>
+                          <a:cs typeface="Times New Roman" panose="02020603050405020304" pitchFamily="18" charset="0"/>
+                        </a:rPr>
+                        <a:t>+</a:t>
+                      </a:r>
+                      <a:endParaRPr lang="ru-RU" sz="2800" b="1" dirty="0">
+                        <a:effectLst/>
+                        <a:latin typeface="Times New Roman" panose="02020603050405020304" pitchFamily="18" charset="0"/>
+                        <a:ea typeface="Times New Roman"/>
+                        <a:cs typeface="Times New Roman" panose="02020603050405020304" pitchFamily="18" charset="0"/>
+                      </a:endParaRPr>
+                    </a:p>
+                  </a:txBody>
+                  <a:tcPr marL="62077" marR="62077" marT="0" marB="0" anchor="ctr"/>
+                </a:tc>
+                <a:tc>
+                  <a:txBody>
+                    <a:bodyPr/>
+                    <a:lstStyle/>
+                    <a:p>
+                      <a:pPr algn="ctr">
+                        <a:spcAft>
+                          <a:spcPts val="0"/>
+                        </a:spcAft>
+                      </a:pPr>
+                      <a:r>
+                        <a:rPr lang="ru-RU" sz="2800" b="1">
+                          <a:effectLst/>
+                          <a:latin typeface="Times New Roman" panose="02020603050405020304" pitchFamily="18" charset="0"/>
+                          <a:cs typeface="Times New Roman" panose="02020603050405020304" pitchFamily="18" charset="0"/>
+                        </a:rPr>
+                        <a:t>+</a:t>
+                      </a:r>
+                      <a:endParaRPr lang="ru-RU" sz="2800" b="1">
+                        <a:effectLst/>
+                        <a:latin typeface="Times New Roman" panose="02020603050405020304" pitchFamily="18" charset="0"/>
+                        <a:ea typeface="Times New Roman"/>
+                        <a:cs typeface="Times New Roman" panose="02020603050405020304" pitchFamily="18" charset="0"/>
+                      </a:endParaRPr>
+                    </a:p>
+                  </a:txBody>
+                  <a:tcPr marL="62077" marR="62077" marT="0" marB="0" anchor="ctr"/>
+                </a:tc>
+                <a:tc>
+                  <a:txBody>
+                    <a:bodyPr/>
+                    <a:lstStyle/>
+                    <a:p>
+                      <a:pPr algn="ctr">
+                        <a:spcAft>
+                          <a:spcPts val="0"/>
+                        </a:spcAft>
+                      </a:pPr>
+                      <a:r>
+                        <a:rPr lang="ru-RU" sz="2800" b="1">
+                          <a:effectLst/>
+                          <a:latin typeface="Times New Roman" panose="02020603050405020304" pitchFamily="18" charset="0"/>
+                          <a:cs typeface="Times New Roman" panose="02020603050405020304" pitchFamily="18" charset="0"/>
+                        </a:rPr>
+                        <a:t>-</a:t>
+                      </a:r>
+                      <a:endParaRPr lang="ru-RU" sz="2800" b="1">
+                        <a:effectLst/>
+                        <a:latin typeface="Times New Roman" panose="02020603050405020304" pitchFamily="18" charset="0"/>
+                        <a:ea typeface="Times New Roman"/>
+                        <a:cs typeface="Times New Roman" panose="02020603050405020304" pitchFamily="18" charset="0"/>
+                      </a:endParaRPr>
+                    </a:p>
+                  </a:txBody>
+                  <a:tcPr marL="62077" marR="62077" marT="0" marB="0" anchor="ctr"/>
+                </a:tc>
+                <a:tc>
+                  <a:txBody>
+                    <a:bodyPr/>
+                    <a:lstStyle/>
+                    <a:p>
+                      <a:pPr algn="ctr">
+                        <a:spcAft>
+                          <a:spcPts val="0"/>
+                        </a:spcAft>
+                      </a:pPr>
+                      <a:r>
+                        <a:rPr lang="ru-RU" sz="2800" b="1">
+                          <a:effectLst/>
+                          <a:latin typeface="Times New Roman" panose="02020603050405020304" pitchFamily="18" charset="0"/>
+                          <a:cs typeface="Times New Roman" panose="02020603050405020304" pitchFamily="18" charset="0"/>
+                        </a:rPr>
+                        <a:t>-</a:t>
+                      </a:r>
+                      <a:endParaRPr lang="ru-RU" sz="2800" b="1">
+                        <a:effectLst/>
+                        <a:latin typeface="Times New Roman" panose="02020603050405020304" pitchFamily="18" charset="0"/>
+                        <a:ea typeface="Times New Roman"/>
+                        <a:cs typeface="Times New Roman" panose="02020603050405020304" pitchFamily="18" charset="0"/>
+                      </a:endParaRPr>
+                    </a:p>
+                  </a:txBody>
+                  <a:tcPr marL="62077" marR="62077" marT="0" marB="0" anchor="ctr"/>
+                </a:tc>
+                <a:tc>
+                  <a:txBody>
+                    <a:bodyPr/>
+                    <a:lstStyle/>
+                    <a:p>
+                      <a:pPr algn="ctr">
+                        <a:spcAft>
+                          <a:spcPts val="0"/>
+                        </a:spcAft>
+                      </a:pPr>
+                      <a:r>
+                        <a:rPr lang="ru-RU" sz="2800" b="1">
+                          <a:effectLst/>
+                          <a:latin typeface="Times New Roman" panose="02020603050405020304" pitchFamily="18" charset="0"/>
+                          <a:cs typeface="Times New Roman" panose="02020603050405020304" pitchFamily="18" charset="0"/>
+                        </a:rPr>
+                        <a:t>+</a:t>
+                      </a:r>
+                      <a:endParaRPr lang="ru-RU" sz="2800" b="1">
+                        <a:effectLst/>
+                        <a:latin typeface="Times New Roman" panose="02020603050405020304" pitchFamily="18" charset="0"/>
+                        <a:ea typeface="Times New Roman"/>
+                        <a:cs typeface="Times New Roman" panose="02020603050405020304" pitchFamily="18" charset="0"/>
+                      </a:endParaRPr>
+                    </a:p>
+                  </a:txBody>
+                  <a:tcPr marL="62077" marR="62077" marT="0" marB="0" anchor="ctr"/>
+                </a:tc>
+              </a:tr>
+              <a:tr h="614401">
+                <a:tc>
+                  <a:txBody>
+                    <a:bodyPr/>
+                    <a:lstStyle/>
+                    <a:p>
+                      <a:pPr algn="l">
+                        <a:spcAft>
+                          <a:spcPts val="0"/>
+                        </a:spcAft>
+                      </a:pPr>
+                      <a:r>
+                        <a:rPr lang="ru-RU" sz="1400" dirty="0">
+                          <a:effectLst/>
+                          <a:latin typeface="Times New Roman" panose="02020603050405020304" pitchFamily="18" charset="0"/>
+                          <a:cs typeface="Times New Roman" panose="02020603050405020304" pitchFamily="18" charset="0"/>
+                        </a:rPr>
+                        <a:t>Обмен </a:t>
+                      </a:r>
+                      <a:r>
+                        <a:rPr lang="ru-RU" sz="1400" dirty="0" err="1">
+                          <a:effectLst/>
+                          <a:latin typeface="Times New Roman" panose="02020603050405020304" pitchFamily="18" charset="0"/>
+                          <a:cs typeface="Times New Roman" panose="02020603050405020304" pitchFamily="18" charset="0"/>
+                        </a:rPr>
+                        <a:t>видеосообщениями</a:t>
+                      </a:r>
+                      <a:r>
+                        <a:rPr lang="ru-RU" sz="1400" dirty="0">
+                          <a:effectLst/>
+                          <a:latin typeface="Times New Roman" panose="02020603050405020304" pitchFamily="18" charset="0"/>
+                          <a:cs typeface="Times New Roman" panose="02020603050405020304" pitchFamily="18" charset="0"/>
+                        </a:rPr>
+                        <a:t> с жестами</a:t>
+                      </a:r>
+                      <a:endParaRPr lang="ru-RU" sz="1400" dirty="0">
+                        <a:effectLst/>
+                        <a:latin typeface="Times New Roman" panose="02020603050405020304" pitchFamily="18" charset="0"/>
+                        <a:ea typeface="Times New Roman"/>
+                        <a:cs typeface="Times New Roman" panose="02020603050405020304" pitchFamily="18" charset="0"/>
+                      </a:endParaRPr>
+                    </a:p>
+                  </a:txBody>
+                  <a:tcPr marL="62077" marR="62077" marT="0" marB="0"/>
+                </a:tc>
+                <a:tc>
+                  <a:txBody>
+                    <a:bodyPr/>
+                    <a:lstStyle/>
+                    <a:p>
+                      <a:pPr algn="ctr">
+                        <a:spcAft>
+                          <a:spcPts val="0"/>
+                        </a:spcAft>
+                      </a:pPr>
+                      <a:r>
+                        <a:rPr lang="ru-RU" sz="2800" b="1" dirty="0">
+                          <a:effectLst/>
+                          <a:latin typeface="Times New Roman" panose="02020603050405020304" pitchFamily="18" charset="0"/>
+                          <a:cs typeface="Times New Roman" panose="02020603050405020304" pitchFamily="18" charset="0"/>
+                        </a:rPr>
+                        <a:t>+</a:t>
+                      </a:r>
+                      <a:endParaRPr lang="ru-RU" sz="2800" b="1" dirty="0">
+                        <a:effectLst/>
+                        <a:latin typeface="Times New Roman" panose="02020603050405020304" pitchFamily="18" charset="0"/>
+                        <a:ea typeface="Times New Roman"/>
+                        <a:cs typeface="Times New Roman" panose="02020603050405020304" pitchFamily="18" charset="0"/>
+                      </a:endParaRPr>
+                    </a:p>
+                  </a:txBody>
+                  <a:tcPr marL="62077" marR="62077" marT="0" marB="0" anchor="ctr"/>
+                </a:tc>
+                <a:tc>
+                  <a:txBody>
+                    <a:bodyPr/>
+                    <a:lstStyle/>
+                    <a:p>
+                      <a:pPr algn="ctr">
+                        <a:spcAft>
+                          <a:spcPts val="0"/>
+                        </a:spcAft>
+                      </a:pPr>
+                      <a:r>
+                        <a:rPr lang="ru-RU" sz="2800" b="1" dirty="0">
+                          <a:effectLst/>
+                          <a:latin typeface="Times New Roman" panose="02020603050405020304" pitchFamily="18" charset="0"/>
+                          <a:cs typeface="Times New Roman" panose="02020603050405020304" pitchFamily="18" charset="0"/>
+                        </a:rPr>
+                        <a:t>+</a:t>
+                      </a:r>
+                      <a:endParaRPr lang="ru-RU" sz="2800" b="1" dirty="0">
+                        <a:effectLst/>
+                        <a:latin typeface="Times New Roman" panose="02020603050405020304" pitchFamily="18" charset="0"/>
+                        <a:ea typeface="Times New Roman"/>
+                        <a:cs typeface="Times New Roman" panose="02020603050405020304" pitchFamily="18" charset="0"/>
+                      </a:endParaRPr>
+                    </a:p>
+                  </a:txBody>
+                  <a:tcPr marL="62077" marR="62077" marT="0" marB="0" anchor="ctr"/>
+                </a:tc>
+                <a:tc>
+                  <a:txBody>
+                    <a:bodyPr/>
+                    <a:lstStyle/>
+                    <a:p>
+                      <a:pPr algn="ctr">
+                        <a:spcAft>
+                          <a:spcPts val="0"/>
+                        </a:spcAft>
+                      </a:pPr>
+                      <a:r>
+                        <a:rPr lang="ru-RU" sz="2800" b="1">
+                          <a:effectLst/>
+                          <a:latin typeface="Times New Roman" panose="02020603050405020304" pitchFamily="18" charset="0"/>
+                          <a:cs typeface="Times New Roman" panose="02020603050405020304" pitchFamily="18" charset="0"/>
+                        </a:rPr>
+                        <a:t>-</a:t>
+                      </a:r>
+                      <a:endParaRPr lang="ru-RU" sz="2800" b="1">
+                        <a:effectLst/>
+                        <a:latin typeface="Times New Roman" panose="02020603050405020304" pitchFamily="18" charset="0"/>
+                        <a:ea typeface="Times New Roman"/>
+                        <a:cs typeface="Times New Roman" panose="02020603050405020304" pitchFamily="18" charset="0"/>
+                      </a:endParaRPr>
+                    </a:p>
+                  </a:txBody>
+                  <a:tcPr marL="62077" marR="62077" marT="0" marB="0" anchor="ctr"/>
+                </a:tc>
+                <a:tc>
+                  <a:txBody>
+                    <a:bodyPr/>
+                    <a:lstStyle/>
+                    <a:p>
+                      <a:pPr algn="ctr">
+                        <a:spcAft>
+                          <a:spcPts val="0"/>
+                        </a:spcAft>
+                      </a:pPr>
+                      <a:r>
+                        <a:rPr lang="ru-RU" sz="2800" b="1">
+                          <a:effectLst/>
+                          <a:latin typeface="Times New Roman" panose="02020603050405020304" pitchFamily="18" charset="0"/>
+                          <a:cs typeface="Times New Roman" panose="02020603050405020304" pitchFamily="18" charset="0"/>
+                        </a:rPr>
+                        <a:t>-</a:t>
+                      </a:r>
+                      <a:endParaRPr lang="ru-RU" sz="2800" b="1">
+                        <a:effectLst/>
+                        <a:latin typeface="Times New Roman" panose="02020603050405020304" pitchFamily="18" charset="0"/>
+                        <a:ea typeface="Times New Roman"/>
+                        <a:cs typeface="Times New Roman" panose="02020603050405020304" pitchFamily="18" charset="0"/>
+                      </a:endParaRPr>
+                    </a:p>
+                  </a:txBody>
+                  <a:tcPr marL="62077" marR="62077" marT="0" marB="0" anchor="ctr"/>
+                </a:tc>
+                <a:tc>
+                  <a:txBody>
+                    <a:bodyPr/>
+                    <a:lstStyle/>
+                    <a:p>
+                      <a:pPr algn="ctr">
+                        <a:spcAft>
+                          <a:spcPts val="0"/>
+                        </a:spcAft>
+                      </a:pPr>
+                      <a:r>
+                        <a:rPr lang="ru-RU" sz="2800" b="1" dirty="0">
+                          <a:effectLst/>
+                          <a:latin typeface="Times New Roman" panose="02020603050405020304" pitchFamily="18" charset="0"/>
+                          <a:cs typeface="Times New Roman" panose="02020603050405020304" pitchFamily="18" charset="0"/>
+                        </a:rPr>
+                        <a:t>-</a:t>
+                      </a:r>
+                      <a:endParaRPr lang="ru-RU" sz="2800" b="1" dirty="0">
+                        <a:effectLst/>
+                        <a:latin typeface="Times New Roman" panose="02020603050405020304" pitchFamily="18" charset="0"/>
+                        <a:ea typeface="Times New Roman"/>
+                        <a:cs typeface="Times New Roman" panose="02020603050405020304" pitchFamily="18" charset="0"/>
+                      </a:endParaRPr>
+                    </a:p>
+                  </a:txBody>
+                  <a:tcPr marL="62077" marR="62077" marT="0" marB="0" anchor="ctr"/>
+                </a:tc>
+              </a:tr>
+              <a:tr h="576793">
+                <a:tc>
+                  <a:txBody>
+                    <a:bodyPr/>
+                    <a:lstStyle/>
+                    <a:p>
+                      <a:pPr algn="l">
+                        <a:spcAft>
+                          <a:spcPts val="0"/>
+                        </a:spcAft>
+                      </a:pPr>
+                      <a:r>
+                        <a:rPr lang="ru-RU" sz="1400" dirty="0" err="1">
+                          <a:effectLst/>
+                          <a:latin typeface="Times New Roman" panose="02020603050405020304" pitchFamily="18" charset="0"/>
+                          <a:cs typeface="Times New Roman" panose="02020603050405020304" pitchFamily="18" charset="0"/>
+                        </a:rPr>
+                        <a:t>Видеозвонки</a:t>
+                      </a:r>
+                      <a:r>
+                        <a:rPr lang="ru-RU" sz="1400" dirty="0">
+                          <a:effectLst/>
+                          <a:latin typeface="Times New Roman" panose="02020603050405020304" pitchFamily="18" charset="0"/>
+                          <a:cs typeface="Times New Roman" panose="02020603050405020304" pitchFamily="18" charset="0"/>
+                        </a:rPr>
+                        <a:t> с возможностью субтитров</a:t>
+                      </a:r>
+                      <a:endParaRPr lang="ru-RU" sz="1400" dirty="0">
+                        <a:effectLst/>
+                        <a:latin typeface="Times New Roman" panose="02020603050405020304" pitchFamily="18" charset="0"/>
+                        <a:ea typeface="Times New Roman"/>
+                        <a:cs typeface="Times New Roman" panose="02020603050405020304" pitchFamily="18" charset="0"/>
+                      </a:endParaRPr>
+                    </a:p>
+                  </a:txBody>
+                  <a:tcPr marL="62077" marR="62077" marT="0" marB="0"/>
+                </a:tc>
+                <a:tc>
+                  <a:txBody>
+                    <a:bodyPr/>
+                    <a:lstStyle/>
+                    <a:p>
+                      <a:pPr algn="ctr">
+                        <a:spcAft>
+                          <a:spcPts val="0"/>
+                        </a:spcAft>
+                      </a:pPr>
+                      <a:r>
+                        <a:rPr lang="ru-RU" sz="2800" b="1">
+                          <a:effectLst/>
+                          <a:latin typeface="Times New Roman" panose="02020603050405020304" pitchFamily="18" charset="0"/>
+                          <a:cs typeface="Times New Roman" panose="02020603050405020304" pitchFamily="18" charset="0"/>
+                        </a:rPr>
+                        <a:t>+</a:t>
+                      </a:r>
+                      <a:endParaRPr lang="ru-RU" sz="2800" b="1">
+                        <a:effectLst/>
+                        <a:latin typeface="Times New Roman" panose="02020603050405020304" pitchFamily="18" charset="0"/>
+                        <a:ea typeface="Times New Roman"/>
+                        <a:cs typeface="Times New Roman" panose="02020603050405020304" pitchFamily="18" charset="0"/>
+                      </a:endParaRPr>
+                    </a:p>
+                  </a:txBody>
+                  <a:tcPr marL="62077" marR="62077" marT="0" marB="0" anchor="ctr"/>
+                </a:tc>
+                <a:tc>
+                  <a:txBody>
+                    <a:bodyPr/>
+                    <a:lstStyle/>
+                    <a:p>
+                      <a:pPr algn="ctr">
+                        <a:spcAft>
+                          <a:spcPts val="0"/>
+                        </a:spcAft>
+                      </a:pPr>
+                      <a:r>
+                        <a:rPr lang="ru-RU" sz="2800" b="1" dirty="0">
+                          <a:effectLst/>
+                          <a:latin typeface="Times New Roman" panose="02020603050405020304" pitchFamily="18" charset="0"/>
+                          <a:cs typeface="Times New Roman" panose="02020603050405020304" pitchFamily="18" charset="0"/>
+                        </a:rPr>
+                        <a:t>+</a:t>
+                      </a:r>
+                      <a:endParaRPr lang="ru-RU" sz="2800" b="1" dirty="0">
+                        <a:effectLst/>
+                        <a:latin typeface="Times New Roman" panose="02020603050405020304" pitchFamily="18" charset="0"/>
+                        <a:ea typeface="Times New Roman"/>
+                        <a:cs typeface="Times New Roman" panose="02020603050405020304" pitchFamily="18" charset="0"/>
+                      </a:endParaRPr>
+                    </a:p>
+                  </a:txBody>
+                  <a:tcPr marL="62077" marR="62077" marT="0" marB="0" anchor="ctr"/>
+                </a:tc>
+                <a:tc>
+                  <a:txBody>
+                    <a:bodyPr/>
+                    <a:lstStyle/>
+                    <a:p>
+                      <a:pPr algn="ctr">
+                        <a:spcAft>
+                          <a:spcPts val="0"/>
+                        </a:spcAft>
+                      </a:pPr>
+                      <a:r>
+                        <a:rPr lang="ru-RU" sz="2800" b="1" dirty="0">
+                          <a:effectLst/>
+                          <a:latin typeface="Times New Roman" panose="02020603050405020304" pitchFamily="18" charset="0"/>
+                          <a:cs typeface="Times New Roman" panose="02020603050405020304" pitchFamily="18" charset="0"/>
+                        </a:rPr>
+                        <a:t>-</a:t>
+                      </a:r>
+                      <a:endParaRPr lang="ru-RU" sz="2800" b="1" dirty="0">
+                        <a:effectLst/>
+                        <a:latin typeface="Times New Roman" panose="02020603050405020304" pitchFamily="18" charset="0"/>
+                        <a:ea typeface="Times New Roman"/>
+                        <a:cs typeface="Times New Roman" panose="02020603050405020304" pitchFamily="18" charset="0"/>
+                      </a:endParaRPr>
+                    </a:p>
+                  </a:txBody>
+                  <a:tcPr marL="62077" marR="62077" marT="0" marB="0" anchor="ctr"/>
+                </a:tc>
+                <a:tc>
+                  <a:txBody>
+                    <a:bodyPr/>
+                    <a:lstStyle/>
+                    <a:p>
+                      <a:pPr algn="ctr">
+                        <a:spcAft>
+                          <a:spcPts val="0"/>
+                        </a:spcAft>
+                      </a:pPr>
+                      <a:r>
+                        <a:rPr lang="ru-RU" sz="2800" b="1">
+                          <a:effectLst/>
+                          <a:latin typeface="Times New Roman" panose="02020603050405020304" pitchFamily="18" charset="0"/>
+                          <a:cs typeface="Times New Roman" panose="02020603050405020304" pitchFamily="18" charset="0"/>
+                        </a:rPr>
+                        <a:t>-</a:t>
+                      </a:r>
+                      <a:endParaRPr lang="ru-RU" sz="2800" b="1">
+                        <a:effectLst/>
+                        <a:latin typeface="Times New Roman" panose="02020603050405020304" pitchFamily="18" charset="0"/>
+                        <a:ea typeface="Times New Roman"/>
+                        <a:cs typeface="Times New Roman" panose="02020603050405020304" pitchFamily="18" charset="0"/>
+                      </a:endParaRPr>
+                    </a:p>
+                  </a:txBody>
+                  <a:tcPr marL="62077" marR="62077" marT="0" marB="0" anchor="ctr"/>
+                </a:tc>
+                <a:tc>
+                  <a:txBody>
+                    <a:bodyPr/>
+                    <a:lstStyle/>
+                    <a:p>
+                      <a:pPr algn="ctr">
+                        <a:spcAft>
+                          <a:spcPts val="0"/>
+                        </a:spcAft>
+                      </a:pPr>
+                      <a:r>
+                        <a:rPr lang="ru-RU" sz="2800" b="1">
+                          <a:effectLst/>
+                          <a:latin typeface="Times New Roman" panose="02020603050405020304" pitchFamily="18" charset="0"/>
+                          <a:cs typeface="Times New Roman" panose="02020603050405020304" pitchFamily="18" charset="0"/>
+                        </a:rPr>
+                        <a:t>+</a:t>
+                      </a:r>
+                      <a:endParaRPr lang="ru-RU" sz="2800" b="1">
+                        <a:effectLst/>
+                        <a:latin typeface="Times New Roman" panose="02020603050405020304" pitchFamily="18" charset="0"/>
+                        <a:ea typeface="Times New Roman"/>
+                        <a:cs typeface="Times New Roman" panose="02020603050405020304" pitchFamily="18" charset="0"/>
+                      </a:endParaRPr>
+                    </a:p>
+                  </a:txBody>
+                  <a:tcPr marL="62077" marR="62077" marT="0" marB="0" anchor="ctr"/>
+                </a:tc>
+              </a:tr>
+              <a:tr h="614401">
+                <a:tc>
+                  <a:txBody>
+                    <a:bodyPr/>
+                    <a:lstStyle/>
+                    <a:p>
+                      <a:pPr algn="l">
+                        <a:spcAft>
+                          <a:spcPts val="0"/>
+                        </a:spcAft>
+                      </a:pPr>
+                      <a:r>
+                        <a:rPr lang="ru-RU" sz="1400" dirty="0">
+                          <a:effectLst/>
+                          <a:latin typeface="Times New Roman" panose="02020603050405020304" pitchFamily="18" charset="0"/>
+                          <a:cs typeface="Times New Roman" panose="02020603050405020304" pitchFamily="18" charset="0"/>
+                        </a:rPr>
+                        <a:t>Преобразование речи в текст</a:t>
+                      </a:r>
+                    </a:p>
+                    <a:p>
+                      <a:pPr algn="l">
+                        <a:spcAft>
+                          <a:spcPts val="0"/>
+                        </a:spcAft>
+                      </a:pPr>
+                      <a:r>
+                        <a:rPr lang="ru-RU" sz="1400" dirty="0">
+                          <a:effectLst/>
+                          <a:latin typeface="Times New Roman" panose="02020603050405020304" pitchFamily="18" charset="0"/>
+                          <a:cs typeface="Times New Roman" panose="02020603050405020304" pitchFamily="18" charset="0"/>
+                        </a:rPr>
+                        <a:t>(реальное время)</a:t>
+                      </a:r>
+                      <a:endParaRPr lang="ru-RU" sz="1400" dirty="0">
+                        <a:effectLst/>
+                        <a:latin typeface="Times New Roman" panose="02020603050405020304" pitchFamily="18" charset="0"/>
+                        <a:ea typeface="Times New Roman"/>
+                        <a:cs typeface="Times New Roman" panose="02020603050405020304" pitchFamily="18" charset="0"/>
+                      </a:endParaRPr>
+                    </a:p>
+                  </a:txBody>
+                  <a:tcPr marL="62077" marR="62077" marT="0" marB="0"/>
+                </a:tc>
+                <a:tc>
+                  <a:txBody>
+                    <a:bodyPr/>
+                    <a:lstStyle/>
+                    <a:p>
+                      <a:pPr algn="ctr">
+                        <a:spcAft>
+                          <a:spcPts val="0"/>
+                        </a:spcAft>
+                      </a:pPr>
+                      <a:r>
+                        <a:rPr lang="ru-RU" sz="2800" b="1" dirty="0">
+                          <a:effectLst/>
+                          <a:latin typeface="Times New Roman" panose="02020603050405020304" pitchFamily="18" charset="0"/>
+                          <a:cs typeface="Times New Roman" panose="02020603050405020304" pitchFamily="18" charset="0"/>
+                        </a:rPr>
+                        <a:t>+</a:t>
+                      </a:r>
+                      <a:endParaRPr lang="ru-RU" sz="2800" b="1" dirty="0">
+                        <a:effectLst/>
+                        <a:latin typeface="Times New Roman" panose="02020603050405020304" pitchFamily="18" charset="0"/>
+                        <a:ea typeface="Times New Roman"/>
+                        <a:cs typeface="Times New Roman" panose="02020603050405020304" pitchFamily="18" charset="0"/>
+                      </a:endParaRPr>
+                    </a:p>
+                  </a:txBody>
+                  <a:tcPr marL="62077" marR="62077" marT="0" marB="0" anchor="ctr"/>
+                </a:tc>
+                <a:tc>
+                  <a:txBody>
+                    <a:bodyPr/>
+                    <a:lstStyle/>
+                    <a:p>
+                      <a:pPr algn="ctr">
+                        <a:spcAft>
+                          <a:spcPts val="0"/>
+                        </a:spcAft>
+                      </a:pPr>
+                      <a:r>
+                        <a:rPr lang="ru-RU" sz="2800" b="1">
+                          <a:effectLst/>
+                          <a:latin typeface="Times New Roman" panose="02020603050405020304" pitchFamily="18" charset="0"/>
+                          <a:cs typeface="Times New Roman" panose="02020603050405020304" pitchFamily="18" charset="0"/>
+                        </a:rPr>
+                        <a:t>+</a:t>
+                      </a:r>
+                      <a:endParaRPr lang="ru-RU" sz="2800" b="1">
+                        <a:effectLst/>
+                        <a:latin typeface="Times New Roman" panose="02020603050405020304" pitchFamily="18" charset="0"/>
+                        <a:ea typeface="Times New Roman"/>
+                        <a:cs typeface="Times New Roman" panose="02020603050405020304" pitchFamily="18" charset="0"/>
+                      </a:endParaRPr>
+                    </a:p>
+                  </a:txBody>
+                  <a:tcPr marL="62077" marR="62077" marT="0" marB="0" anchor="ctr"/>
+                </a:tc>
+                <a:tc>
+                  <a:txBody>
+                    <a:bodyPr/>
+                    <a:lstStyle/>
+                    <a:p>
+                      <a:pPr algn="ctr">
+                        <a:spcAft>
+                          <a:spcPts val="0"/>
+                        </a:spcAft>
+                      </a:pPr>
+                      <a:r>
+                        <a:rPr lang="ru-RU" sz="2800" b="1" dirty="0">
+                          <a:effectLst/>
+                          <a:latin typeface="Times New Roman" panose="02020603050405020304" pitchFamily="18" charset="0"/>
+                          <a:cs typeface="Times New Roman" panose="02020603050405020304" pitchFamily="18" charset="0"/>
+                        </a:rPr>
+                        <a:t>+</a:t>
+                      </a:r>
+                      <a:endParaRPr lang="ru-RU" sz="2800" b="1" dirty="0">
+                        <a:effectLst/>
+                        <a:latin typeface="Times New Roman" panose="02020603050405020304" pitchFamily="18" charset="0"/>
+                        <a:ea typeface="Times New Roman"/>
+                        <a:cs typeface="Times New Roman" panose="02020603050405020304" pitchFamily="18" charset="0"/>
+                      </a:endParaRPr>
+                    </a:p>
+                  </a:txBody>
+                  <a:tcPr marL="62077" marR="62077" marT="0" marB="0" anchor="ctr"/>
+                </a:tc>
+                <a:tc>
+                  <a:txBody>
+                    <a:bodyPr/>
+                    <a:lstStyle/>
+                    <a:p>
+                      <a:pPr algn="ctr">
+                        <a:spcAft>
+                          <a:spcPts val="0"/>
+                        </a:spcAft>
+                      </a:pPr>
+                      <a:r>
+                        <a:rPr lang="ru-RU" sz="2800" b="1">
+                          <a:effectLst/>
+                          <a:latin typeface="Times New Roman" panose="02020603050405020304" pitchFamily="18" charset="0"/>
+                          <a:cs typeface="Times New Roman" panose="02020603050405020304" pitchFamily="18" charset="0"/>
+                        </a:rPr>
+                        <a:t>+</a:t>
+                      </a:r>
+                      <a:endParaRPr lang="ru-RU" sz="2800" b="1">
+                        <a:effectLst/>
+                        <a:latin typeface="Times New Roman" panose="02020603050405020304" pitchFamily="18" charset="0"/>
+                        <a:ea typeface="Times New Roman"/>
+                        <a:cs typeface="Times New Roman" panose="02020603050405020304" pitchFamily="18" charset="0"/>
+                      </a:endParaRPr>
+                    </a:p>
+                  </a:txBody>
+                  <a:tcPr marL="62077" marR="62077" marT="0" marB="0" anchor="ctr"/>
+                </a:tc>
+                <a:tc>
+                  <a:txBody>
+                    <a:bodyPr/>
+                    <a:lstStyle/>
+                    <a:p>
+                      <a:pPr algn="ctr">
+                        <a:spcAft>
+                          <a:spcPts val="0"/>
+                        </a:spcAft>
+                      </a:pPr>
+                      <a:r>
+                        <a:rPr lang="ru-RU" sz="2800" b="1">
+                          <a:effectLst/>
+                          <a:latin typeface="Times New Roman" panose="02020603050405020304" pitchFamily="18" charset="0"/>
+                          <a:cs typeface="Times New Roman" panose="02020603050405020304" pitchFamily="18" charset="0"/>
+                        </a:rPr>
+                        <a:t>-</a:t>
+                      </a:r>
+                      <a:endParaRPr lang="ru-RU" sz="2800" b="1">
+                        <a:effectLst/>
+                        <a:latin typeface="Times New Roman" panose="02020603050405020304" pitchFamily="18" charset="0"/>
+                        <a:ea typeface="Times New Roman"/>
+                        <a:cs typeface="Times New Roman" panose="02020603050405020304" pitchFamily="18" charset="0"/>
+                      </a:endParaRPr>
+                    </a:p>
+                  </a:txBody>
+                  <a:tcPr marL="62077" marR="62077" marT="0" marB="0" anchor="ctr"/>
+                </a:tc>
+              </a:tr>
+              <a:tr h="769057">
+                <a:tc>
+                  <a:txBody>
+                    <a:bodyPr/>
+                    <a:lstStyle/>
+                    <a:p>
+                      <a:pPr algn="l">
+                        <a:spcAft>
+                          <a:spcPts val="0"/>
+                        </a:spcAft>
+                      </a:pPr>
+                      <a:r>
+                        <a:rPr lang="ru-RU" sz="1400" dirty="0">
+                          <a:effectLst/>
+                          <a:latin typeface="Times New Roman" panose="02020603050405020304" pitchFamily="18" charset="0"/>
+                          <a:cs typeface="Times New Roman" panose="02020603050405020304" pitchFamily="18" charset="0"/>
+                        </a:rPr>
+                        <a:t>Поддержка автоматических субтитров в </a:t>
+                      </a:r>
+                      <a:r>
+                        <a:rPr lang="ru-RU" sz="1400" dirty="0" err="1">
+                          <a:effectLst/>
+                          <a:latin typeface="Times New Roman" panose="02020603050405020304" pitchFamily="18" charset="0"/>
+                          <a:cs typeface="Times New Roman" panose="02020603050405020304" pitchFamily="18" charset="0"/>
+                        </a:rPr>
+                        <a:t>медиаконтенте</a:t>
+                      </a:r>
+                      <a:endParaRPr lang="ru-RU" sz="1400" dirty="0">
+                        <a:effectLst/>
+                        <a:latin typeface="Times New Roman" panose="02020603050405020304" pitchFamily="18" charset="0"/>
+                        <a:ea typeface="Times New Roman"/>
+                        <a:cs typeface="Times New Roman" panose="02020603050405020304" pitchFamily="18" charset="0"/>
+                      </a:endParaRPr>
+                    </a:p>
+                  </a:txBody>
+                  <a:tcPr marL="62077" marR="62077" marT="0" marB="0"/>
+                </a:tc>
+                <a:tc>
+                  <a:txBody>
+                    <a:bodyPr/>
+                    <a:lstStyle/>
+                    <a:p>
+                      <a:pPr algn="ctr">
+                        <a:spcAft>
+                          <a:spcPts val="0"/>
+                        </a:spcAft>
+                      </a:pPr>
+                      <a:r>
+                        <a:rPr lang="ru-RU" sz="2800" b="1">
+                          <a:effectLst/>
+                          <a:latin typeface="Times New Roman" panose="02020603050405020304" pitchFamily="18" charset="0"/>
+                          <a:cs typeface="Times New Roman" panose="02020603050405020304" pitchFamily="18" charset="0"/>
+                        </a:rPr>
+                        <a:t>+</a:t>
+                      </a:r>
+                      <a:endParaRPr lang="ru-RU" sz="2800" b="1">
+                        <a:effectLst/>
+                        <a:latin typeface="Times New Roman" panose="02020603050405020304" pitchFamily="18" charset="0"/>
+                        <a:ea typeface="Times New Roman"/>
+                        <a:cs typeface="Times New Roman" panose="02020603050405020304" pitchFamily="18" charset="0"/>
+                      </a:endParaRPr>
+                    </a:p>
+                  </a:txBody>
+                  <a:tcPr marL="62077" marR="62077" marT="0" marB="0" anchor="ctr"/>
+                </a:tc>
+                <a:tc>
+                  <a:txBody>
+                    <a:bodyPr/>
+                    <a:lstStyle/>
+                    <a:p>
+                      <a:pPr algn="ctr">
+                        <a:spcAft>
+                          <a:spcPts val="0"/>
+                        </a:spcAft>
+                      </a:pPr>
+                      <a:r>
+                        <a:rPr lang="ru-RU" sz="2800" b="1" dirty="0">
+                          <a:effectLst/>
+                          <a:latin typeface="Times New Roman" panose="02020603050405020304" pitchFamily="18" charset="0"/>
+                          <a:cs typeface="Times New Roman" panose="02020603050405020304" pitchFamily="18" charset="0"/>
+                        </a:rPr>
+                        <a:t>-</a:t>
+                      </a:r>
+                      <a:endParaRPr lang="ru-RU" sz="2800" b="1" dirty="0">
+                        <a:effectLst/>
+                        <a:latin typeface="Times New Roman" panose="02020603050405020304" pitchFamily="18" charset="0"/>
+                        <a:ea typeface="Times New Roman"/>
+                        <a:cs typeface="Times New Roman" panose="02020603050405020304" pitchFamily="18" charset="0"/>
+                      </a:endParaRPr>
+                    </a:p>
+                  </a:txBody>
+                  <a:tcPr marL="62077" marR="62077" marT="0" marB="0" anchor="ctr"/>
+                </a:tc>
+                <a:tc>
+                  <a:txBody>
+                    <a:bodyPr/>
+                    <a:lstStyle/>
+                    <a:p>
+                      <a:pPr algn="ctr">
+                        <a:spcAft>
+                          <a:spcPts val="0"/>
+                        </a:spcAft>
+                      </a:pPr>
+                      <a:r>
+                        <a:rPr lang="ru-RU" sz="2800" b="1" dirty="0">
+                          <a:effectLst/>
+                          <a:latin typeface="Times New Roman" panose="02020603050405020304" pitchFamily="18" charset="0"/>
+                          <a:cs typeface="Times New Roman" panose="02020603050405020304" pitchFamily="18" charset="0"/>
+                        </a:rPr>
+                        <a:t>-</a:t>
+                      </a:r>
+                      <a:endParaRPr lang="ru-RU" sz="2800" b="1" dirty="0">
+                        <a:effectLst/>
+                        <a:latin typeface="Times New Roman" panose="02020603050405020304" pitchFamily="18" charset="0"/>
+                        <a:ea typeface="Times New Roman"/>
+                        <a:cs typeface="Times New Roman" panose="02020603050405020304" pitchFamily="18" charset="0"/>
+                      </a:endParaRPr>
+                    </a:p>
+                  </a:txBody>
+                  <a:tcPr marL="62077" marR="62077" marT="0" marB="0" anchor="ctr"/>
+                </a:tc>
+                <a:tc>
+                  <a:txBody>
+                    <a:bodyPr/>
+                    <a:lstStyle/>
+                    <a:p>
+                      <a:pPr algn="ctr">
+                        <a:spcAft>
+                          <a:spcPts val="0"/>
+                        </a:spcAft>
+                      </a:pPr>
+                      <a:r>
+                        <a:rPr lang="ru-RU" sz="2800" b="1" dirty="0">
+                          <a:effectLst/>
+                          <a:latin typeface="Times New Roman" panose="02020603050405020304" pitchFamily="18" charset="0"/>
+                          <a:cs typeface="Times New Roman" panose="02020603050405020304" pitchFamily="18" charset="0"/>
+                        </a:rPr>
+                        <a:t>-</a:t>
+                      </a:r>
+                      <a:endParaRPr lang="ru-RU" sz="2800" b="1" dirty="0">
+                        <a:effectLst/>
+                        <a:latin typeface="Times New Roman" panose="02020603050405020304" pitchFamily="18" charset="0"/>
+                        <a:ea typeface="Times New Roman"/>
+                        <a:cs typeface="Times New Roman" panose="02020603050405020304" pitchFamily="18" charset="0"/>
+                      </a:endParaRPr>
+                    </a:p>
+                  </a:txBody>
+                  <a:tcPr marL="62077" marR="62077" marT="0" marB="0" anchor="ctr"/>
+                </a:tc>
+                <a:tc>
+                  <a:txBody>
+                    <a:bodyPr/>
+                    <a:lstStyle/>
+                    <a:p>
+                      <a:pPr algn="ctr">
+                        <a:spcAft>
+                          <a:spcPts val="0"/>
+                        </a:spcAft>
+                      </a:pPr>
+                      <a:r>
+                        <a:rPr lang="ru-RU" sz="2800" b="1">
+                          <a:effectLst/>
+                          <a:latin typeface="Times New Roman" panose="02020603050405020304" pitchFamily="18" charset="0"/>
+                          <a:cs typeface="Times New Roman" panose="02020603050405020304" pitchFamily="18" charset="0"/>
+                        </a:rPr>
+                        <a:t>-</a:t>
+                      </a:r>
+                      <a:endParaRPr lang="ru-RU" sz="2800" b="1">
+                        <a:effectLst/>
+                        <a:latin typeface="Times New Roman" panose="02020603050405020304" pitchFamily="18" charset="0"/>
+                        <a:ea typeface="Times New Roman"/>
+                        <a:cs typeface="Times New Roman" panose="02020603050405020304" pitchFamily="18" charset="0"/>
+                      </a:endParaRPr>
+                    </a:p>
+                  </a:txBody>
+                  <a:tcPr marL="62077" marR="62077" marT="0" marB="0" anchor="ctr"/>
+                </a:tc>
+              </a:tr>
+              <a:tr h="527839">
+                <a:tc>
+                  <a:txBody>
+                    <a:bodyPr/>
+                    <a:lstStyle/>
+                    <a:p>
+                      <a:pPr algn="l">
+                        <a:spcAft>
+                          <a:spcPts val="0"/>
+                        </a:spcAft>
+                      </a:pPr>
+                      <a:r>
+                        <a:rPr lang="ru-RU" sz="1400" dirty="0">
+                          <a:effectLst/>
+                          <a:latin typeface="Times New Roman" panose="02020603050405020304" pitchFamily="18" charset="0"/>
+                          <a:cs typeface="Times New Roman" panose="02020603050405020304" pitchFamily="18" charset="0"/>
+                        </a:rPr>
+                        <a:t>Интеграция с носимыми устройствами</a:t>
+                      </a:r>
+                      <a:endParaRPr lang="ru-RU" sz="1400" dirty="0">
+                        <a:effectLst/>
+                        <a:latin typeface="Times New Roman" panose="02020603050405020304" pitchFamily="18" charset="0"/>
+                        <a:ea typeface="Times New Roman"/>
+                        <a:cs typeface="Times New Roman" panose="02020603050405020304" pitchFamily="18" charset="0"/>
+                      </a:endParaRPr>
+                    </a:p>
+                  </a:txBody>
+                  <a:tcPr marL="62077" marR="62077" marT="0" marB="0"/>
+                </a:tc>
+                <a:tc>
+                  <a:txBody>
+                    <a:bodyPr/>
+                    <a:lstStyle/>
+                    <a:p>
+                      <a:pPr algn="ctr">
+                        <a:spcAft>
+                          <a:spcPts val="0"/>
+                        </a:spcAft>
+                      </a:pPr>
+                      <a:r>
+                        <a:rPr lang="ru-RU" sz="2800" b="1">
+                          <a:effectLst/>
+                          <a:latin typeface="Times New Roman" panose="02020603050405020304" pitchFamily="18" charset="0"/>
+                          <a:cs typeface="Times New Roman" panose="02020603050405020304" pitchFamily="18" charset="0"/>
+                        </a:rPr>
+                        <a:t>+</a:t>
+                      </a:r>
+                      <a:endParaRPr lang="ru-RU" sz="2800" b="1">
+                        <a:effectLst/>
+                        <a:latin typeface="Times New Roman" panose="02020603050405020304" pitchFamily="18" charset="0"/>
+                        <a:ea typeface="Times New Roman"/>
+                        <a:cs typeface="Times New Roman" panose="02020603050405020304" pitchFamily="18" charset="0"/>
+                      </a:endParaRPr>
+                    </a:p>
+                  </a:txBody>
+                  <a:tcPr marL="62077" marR="62077" marT="0" marB="0" anchor="ctr"/>
+                </a:tc>
+                <a:tc>
+                  <a:txBody>
+                    <a:bodyPr/>
+                    <a:lstStyle/>
+                    <a:p>
+                      <a:pPr algn="ctr">
+                        <a:spcAft>
+                          <a:spcPts val="0"/>
+                        </a:spcAft>
+                      </a:pPr>
+                      <a:r>
+                        <a:rPr lang="ru-RU" sz="2800" b="1">
+                          <a:effectLst/>
+                          <a:latin typeface="Times New Roman" panose="02020603050405020304" pitchFamily="18" charset="0"/>
+                          <a:cs typeface="Times New Roman" panose="02020603050405020304" pitchFamily="18" charset="0"/>
+                        </a:rPr>
+                        <a:t>+</a:t>
+                      </a:r>
+                      <a:endParaRPr lang="ru-RU" sz="2800" b="1">
+                        <a:effectLst/>
+                        <a:latin typeface="Times New Roman" panose="02020603050405020304" pitchFamily="18" charset="0"/>
+                        <a:ea typeface="Times New Roman"/>
+                        <a:cs typeface="Times New Roman" panose="02020603050405020304" pitchFamily="18" charset="0"/>
+                      </a:endParaRPr>
+                    </a:p>
+                  </a:txBody>
+                  <a:tcPr marL="62077" marR="62077" marT="0" marB="0" anchor="ctr"/>
+                </a:tc>
+                <a:tc>
+                  <a:txBody>
+                    <a:bodyPr/>
+                    <a:lstStyle/>
+                    <a:p>
+                      <a:pPr algn="ctr">
+                        <a:spcAft>
+                          <a:spcPts val="0"/>
+                        </a:spcAft>
+                      </a:pPr>
+                      <a:r>
+                        <a:rPr lang="ru-RU" sz="2800" b="1">
+                          <a:effectLst/>
+                          <a:latin typeface="Times New Roman" panose="02020603050405020304" pitchFamily="18" charset="0"/>
+                          <a:cs typeface="Times New Roman" panose="02020603050405020304" pitchFamily="18" charset="0"/>
+                        </a:rPr>
+                        <a:t>-</a:t>
+                      </a:r>
+                      <a:endParaRPr lang="ru-RU" sz="2800" b="1">
+                        <a:effectLst/>
+                        <a:latin typeface="Times New Roman" panose="02020603050405020304" pitchFamily="18" charset="0"/>
+                        <a:ea typeface="Times New Roman"/>
+                        <a:cs typeface="Times New Roman" panose="02020603050405020304" pitchFamily="18" charset="0"/>
+                      </a:endParaRPr>
+                    </a:p>
+                  </a:txBody>
+                  <a:tcPr marL="62077" marR="62077" marT="0" marB="0" anchor="ctr"/>
+                </a:tc>
+                <a:tc>
+                  <a:txBody>
+                    <a:bodyPr/>
+                    <a:lstStyle/>
+                    <a:p>
+                      <a:pPr algn="ctr">
+                        <a:spcAft>
+                          <a:spcPts val="0"/>
+                        </a:spcAft>
+                      </a:pPr>
+                      <a:r>
+                        <a:rPr lang="ru-RU" sz="2800" b="1" dirty="0">
+                          <a:effectLst/>
+                          <a:latin typeface="Times New Roman" panose="02020603050405020304" pitchFamily="18" charset="0"/>
+                          <a:cs typeface="Times New Roman" panose="02020603050405020304" pitchFamily="18" charset="0"/>
+                        </a:rPr>
+                        <a:t>+</a:t>
+                      </a:r>
+                      <a:endParaRPr lang="ru-RU" sz="2800" b="1" dirty="0">
+                        <a:effectLst/>
+                        <a:latin typeface="Times New Roman" panose="02020603050405020304" pitchFamily="18" charset="0"/>
+                        <a:ea typeface="Times New Roman"/>
+                        <a:cs typeface="Times New Roman" panose="02020603050405020304" pitchFamily="18" charset="0"/>
+                      </a:endParaRPr>
+                    </a:p>
+                  </a:txBody>
+                  <a:tcPr marL="62077" marR="62077" marT="0" marB="0" anchor="ctr"/>
+                </a:tc>
+                <a:tc>
+                  <a:txBody>
+                    <a:bodyPr/>
+                    <a:lstStyle/>
+                    <a:p>
+                      <a:pPr algn="ctr">
+                        <a:spcAft>
+                          <a:spcPts val="0"/>
+                        </a:spcAft>
+                      </a:pPr>
+                      <a:r>
+                        <a:rPr lang="ru-RU" sz="2800" b="1" dirty="0">
+                          <a:effectLst/>
+                          <a:latin typeface="Times New Roman" panose="02020603050405020304" pitchFamily="18" charset="0"/>
+                          <a:cs typeface="Times New Roman" panose="02020603050405020304" pitchFamily="18" charset="0"/>
+                        </a:rPr>
+                        <a:t>-</a:t>
+                      </a:r>
+                      <a:endParaRPr lang="ru-RU" sz="2800" b="1" dirty="0">
+                        <a:effectLst/>
+                        <a:latin typeface="Times New Roman" panose="02020603050405020304" pitchFamily="18" charset="0"/>
+                        <a:ea typeface="Times New Roman"/>
+                        <a:cs typeface="Times New Roman" panose="02020603050405020304" pitchFamily="18" charset="0"/>
+                      </a:endParaRPr>
+                    </a:p>
+                  </a:txBody>
+                  <a:tcPr marL="62077" marR="62077" marT="0" marB="0" anchor="ctr"/>
+                </a:tc>
+              </a:tr>
+              <a:tr h="409600">
+                <a:tc>
+                  <a:txBody>
+                    <a:bodyPr/>
+                    <a:lstStyle/>
+                    <a:p>
+                      <a:pPr algn="l">
+                        <a:spcAft>
+                          <a:spcPts val="0"/>
+                        </a:spcAft>
+                      </a:pPr>
+                      <a:r>
+                        <a:rPr lang="ru-RU" sz="1400" dirty="0">
+                          <a:effectLst/>
+                          <a:latin typeface="Times New Roman" panose="02020603050405020304" pitchFamily="18" charset="0"/>
+                          <a:cs typeface="Times New Roman" panose="02020603050405020304" pitchFamily="18" charset="0"/>
+                        </a:rPr>
+                        <a:t>Настройка визуальных уведомлений</a:t>
+                      </a:r>
+                      <a:endParaRPr lang="ru-RU" sz="1400" dirty="0">
+                        <a:effectLst/>
+                        <a:latin typeface="Times New Roman" panose="02020603050405020304" pitchFamily="18" charset="0"/>
+                        <a:ea typeface="Times New Roman"/>
+                        <a:cs typeface="Times New Roman" panose="02020603050405020304" pitchFamily="18" charset="0"/>
+                      </a:endParaRPr>
+                    </a:p>
+                  </a:txBody>
+                  <a:tcPr marL="62077" marR="62077" marT="0" marB="0"/>
+                </a:tc>
+                <a:tc>
+                  <a:txBody>
+                    <a:bodyPr/>
+                    <a:lstStyle/>
+                    <a:p>
+                      <a:pPr algn="ctr">
+                        <a:spcAft>
+                          <a:spcPts val="0"/>
+                        </a:spcAft>
+                      </a:pPr>
+                      <a:r>
+                        <a:rPr lang="ru-RU" sz="2800" b="1">
+                          <a:effectLst/>
+                          <a:latin typeface="Times New Roman" panose="02020603050405020304" pitchFamily="18" charset="0"/>
+                          <a:cs typeface="Times New Roman" panose="02020603050405020304" pitchFamily="18" charset="0"/>
+                        </a:rPr>
+                        <a:t>+</a:t>
+                      </a:r>
+                      <a:endParaRPr lang="ru-RU" sz="2800" b="1">
+                        <a:effectLst/>
+                        <a:latin typeface="Times New Roman" panose="02020603050405020304" pitchFamily="18" charset="0"/>
+                        <a:ea typeface="Times New Roman"/>
+                        <a:cs typeface="Times New Roman" panose="02020603050405020304" pitchFamily="18" charset="0"/>
+                      </a:endParaRPr>
+                    </a:p>
+                  </a:txBody>
+                  <a:tcPr marL="62077" marR="62077" marT="0" marB="0" anchor="ctr"/>
+                </a:tc>
+                <a:tc>
+                  <a:txBody>
+                    <a:bodyPr/>
+                    <a:lstStyle/>
+                    <a:p>
+                      <a:pPr algn="ctr">
+                        <a:spcAft>
+                          <a:spcPts val="0"/>
+                        </a:spcAft>
+                      </a:pPr>
+                      <a:r>
+                        <a:rPr lang="ru-RU" sz="2800" b="1">
+                          <a:effectLst/>
+                          <a:latin typeface="Times New Roman" panose="02020603050405020304" pitchFamily="18" charset="0"/>
+                          <a:cs typeface="Times New Roman" panose="02020603050405020304" pitchFamily="18" charset="0"/>
+                        </a:rPr>
+                        <a:t>-</a:t>
+                      </a:r>
+                      <a:endParaRPr lang="ru-RU" sz="2800" b="1">
+                        <a:effectLst/>
+                        <a:latin typeface="Times New Roman" panose="02020603050405020304" pitchFamily="18" charset="0"/>
+                        <a:ea typeface="Times New Roman"/>
+                        <a:cs typeface="Times New Roman" panose="02020603050405020304" pitchFamily="18" charset="0"/>
+                      </a:endParaRPr>
+                    </a:p>
+                  </a:txBody>
+                  <a:tcPr marL="62077" marR="62077" marT="0" marB="0" anchor="ctr"/>
+                </a:tc>
+                <a:tc>
+                  <a:txBody>
+                    <a:bodyPr/>
+                    <a:lstStyle/>
+                    <a:p>
+                      <a:pPr algn="ctr">
+                        <a:spcAft>
+                          <a:spcPts val="0"/>
+                        </a:spcAft>
+                      </a:pPr>
+                      <a:r>
+                        <a:rPr lang="ru-RU" sz="1400" b="1" dirty="0">
+                          <a:effectLst/>
+                          <a:latin typeface="Times New Roman" panose="02020603050405020304" pitchFamily="18" charset="0"/>
+                          <a:cs typeface="Times New Roman" panose="02020603050405020304" pitchFamily="18" charset="0"/>
+                        </a:rPr>
+                        <a:t>частично</a:t>
+                      </a:r>
+                      <a:endParaRPr lang="ru-RU" sz="1600" b="1" dirty="0">
+                        <a:effectLst/>
+                        <a:latin typeface="Times New Roman" panose="02020603050405020304" pitchFamily="18" charset="0"/>
+                        <a:ea typeface="Times New Roman"/>
+                        <a:cs typeface="Times New Roman" panose="02020603050405020304" pitchFamily="18" charset="0"/>
+                      </a:endParaRPr>
+                    </a:p>
+                  </a:txBody>
+                  <a:tcPr marL="62077" marR="62077" marT="0" marB="0" anchor="ctr"/>
+                </a:tc>
+                <a:tc>
+                  <a:txBody>
+                    <a:bodyPr/>
+                    <a:lstStyle/>
+                    <a:p>
+                      <a:pPr algn="ctr">
+                        <a:spcAft>
+                          <a:spcPts val="0"/>
+                        </a:spcAft>
+                      </a:pPr>
+                      <a:r>
+                        <a:rPr lang="ru-RU" sz="2800" b="1" dirty="0">
+                          <a:effectLst/>
+                          <a:latin typeface="Times New Roman" panose="02020603050405020304" pitchFamily="18" charset="0"/>
+                          <a:cs typeface="Times New Roman" panose="02020603050405020304" pitchFamily="18" charset="0"/>
+                        </a:rPr>
+                        <a:t>-</a:t>
+                      </a:r>
+                      <a:endParaRPr lang="ru-RU" sz="2800" b="1" dirty="0">
+                        <a:effectLst/>
+                        <a:latin typeface="Times New Roman" panose="02020603050405020304" pitchFamily="18" charset="0"/>
+                        <a:ea typeface="Times New Roman"/>
+                        <a:cs typeface="Times New Roman" panose="02020603050405020304" pitchFamily="18" charset="0"/>
+                      </a:endParaRPr>
+                    </a:p>
+                  </a:txBody>
+                  <a:tcPr marL="62077" marR="62077" marT="0" marB="0" anchor="ctr"/>
+                </a:tc>
+                <a:tc>
+                  <a:txBody>
+                    <a:bodyPr/>
+                    <a:lstStyle/>
+                    <a:p>
+                      <a:pPr algn="ctr">
+                        <a:spcAft>
+                          <a:spcPts val="0"/>
+                        </a:spcAft>
+                      </a:pPr>
+                      <a:r>
+                        <a:rPr lang="ru-RU" sz="2800" b="1" dirty="0">
+                          <a:effectLst/>
+                          <a:latin typeface="Times New Roman" panose="02020603050405020304" pitchFamily="18" charset="0"/>
+                          <a:cs typeface="Times New Roman" panose="02020603050405020304" pitchFamily="18" charset="0"/>
+                        </a:rPr>
+                        <a:t>-</a:t>
+                      </a:r>
+                      <a:endParaRPr lang="ru-RU" sz="2800" b="1" dirty="0">
+                        <a:effectLst/>
+                        <a:latin typeface="Times New Roman" panose="02020603050405020304" pitchFamily="18" charset="0"/>
+                        <a:ea typeface="Times New Roman"/>
+                        <a:cs typeface="Times New Roman" panose="02020603050405020304" pitchFamily="18" charset="0"/>
+                      </a:endParaRPr>
+                    </a:p>
+                  </a:txBody>
+                  <a:tcPr marL="62077" marR="62077" marT="0" marB="0" anchor="ctr"/>
+                </a:tc>
+              </a:tr>
+              <a:tr h="570658">
+                <a:tc>
+                  <a:txBody>
+                    <a:bodyPr/>
+                    <a:lstStyle/>
+                    <a:p>
+                      <a:pPr algn="l">
+                        <a:spcAft>
+                          <a:spcPts val="0"/>
+                        </a:spcAft>
+                      </a:pPr>
+                      <a:r>
+                        <a:rPr lang="ru-RU" sz="1400" dirty="0">
+                          <a:effectLst/>
+                          <a:latin typeface="Times New Roman" panose="02020603050405020304" pitchFamily="18" charset="0"/>
+                          <a:cs typeface="Times New Roman" panose="02020603050405020304" pitchFamily="18" charset="0"/>
+                        </a:rPr>
+                        <a:t>Поддержка русского жестового языка (РЖЯ)</a:t>
+                      </a:r>
+                      <a:endParaRPr lang="ru-RU" sz="1400" dirty="0">
+                        <a:effectLst/>
+                        <a:latin typeface="Times New Roman" panose="02020603050405020304" pitchFamily="18" charset="0"/>
+                        <a:ea typeface="Times New Roman"/>
+                        <a:cs typeface="Times New Roman" panose="02020603050405020304" pitchFamily="18" charset="0"/>
+                      </a:endParaRPr>
+                    </a:p>
+                  </a:txBody>
+                  <a:tcPr marL="62077" marR="62077" marT="0" marB="0"/>
+                </a:tc>
+                <a:tc>
+                  <a:txBody>
+                    <a:bodyPr/>
+                    <a:lstStyle/>
+                    <a:p>
+                      <a:pPr algn="ctr">
+                        <a:spcAft>
+                          <a:spcPts val="0"/>
+                        </a:spcAft>
+                      </a:pPr>
+                      <a:r>
+                        <a:rPr lang="ru-RU" sz="1400" b="1" dirty="0" smtClean="0">
+                          <a:effectLst/>
+                          <a:latin typeface="Times New Roman" panose="02020603050405020304" pitchFamily="18" charset="0"/>
+                          <a:cs typeface="Times New Roman" panose="02020603050405020304" pitchFamily="18" charset="0"/>
+                        </a:rPr>
+                        <a:t>планируется</a:t>
+                      </a:r>
+                      <a:endParaRPr lang="ru-RU" sz="1400" b="1" dirty="0">
+                        <a:effectLst/>
+                        <a:latin typeface="Times New Roman" panose="02020603050405020304" pitchFamily="18" charset="0"/>
+                        <a:ea typeface="Times New Roman"/>
+                        <a:cs typeface="Times New Roman" panose="02020603050405020304" pitchFamily="18" charset="0"/>
+                      </a:endParaRPr>
+                    </a:p>
+                  </a:txBody>
+                  <a:tcPr marL="62077" marR="62077" marT="0" marB="0" anchor="ctr"/>
+                </a:tc>
+                <a:tc>
+                  <a:txBody>
+                    <a:bodyPr/>
+                    <a:lstStyle/>
+                    <a:p>
+                      <a:pPr algn="ctr">
+                        <a:spcAft>
+                          <a:spcPts val="0"/>
+                        </a:spcAft>
+                      </a:pPr>
+                      <a:r>
+                        <a:rPr lang="ru-RU" sz="2800" b="1">
+                          <a:effectLst/>
+                          <a:latin typeface="Times New Roman" panose="02020603050405020304" pitchFamily="18" charset="0"/>
+                          <a:cs typeface="Times New Roman" panose="02020603050405020304" pitchFamily="18" charset="0"/>
+                        </a:rPr>
+                        <a:t>-</a:t>
+                      </a:r>
+                      <a:endParaRPr lang="ru-RU" sz="2800" b="1">
+                        <a:effectLst/>
+                        <a:latin typeface="Times New Roman" panose="02020603050405020304" pitchFamily="18" charset="0"/>
+                        <a:ea typeface="Times New Roman"/>
+                        <a:cs typeface="Times New Roman" panose="02020603050405020304" pitchFamily="18" charset="0"/>
+                      </a:endParaRPr>
+                    </a:p>
+                  </a:txBody>
+                  <a:tcPr marL="62077" marR="62077" marT="0" marB="0" anchor="ctr"/>
+                </a:tc>
+                <a:tc>
+                  <a:txBody>
+                    <a:bodyPr/>
+                    <a:lstStyle/>
+                    <a:p>
+                      <a:pPr algn="ctr">
+                        <a:spcAft>
+                          <a:spcPts val="0"/>
+                        </a:spcAft>
+                      </a:pPr>
+                      <a:r>
+                        <a:rPr lang="ru-RU" sz="2800" b="1">
+                          <a:effectLst/>
+                          <a:latin typeface="Times New Roman" panose="02020603050405020304" pitchFamily="18" charset="0"/>
+                          <a:cs typeface="Times New Roman" panose="02020603050405020304" pitchFamily="18" charset="0"/>
+                        </a:rPr>
+                        <a:t>-</a:t>
+                      </a:r>
+                      <a:endParaRPr lang="ru-RU" sz="2800" b="1">
+                        <a:effectLst/>
+                        <a:latin typeface="Times New Roman" panose="02020603050405020304" pitchFamily="18" charset="0"/>
+                        <a:ea typeface="Times New Roman"/>
+                        <a:cs typeface="Times New Roman" panose="02020603050405020304" pitchFamily="18" charset="0"/>
+                      </a:endParaRPr>
+                    </a:p>
+                  </a:txBody>
+                  <a:tcPr marL="62077" marR="62077" marT="0" marB="0" anchor="ctr"/>
+                </a:tc>
+                <a:tc>
+                  <a:txBody>
+                    <a:bodyPr/>
+                    <a:lstStyle/>
+                    <a:p>
+                      <a:pPr algn="ctr">
+                        <a:spcAft>
+                          <a:spcPts val="0"/>
+                        </a:spcAft>
+                      </a:pPr>
+                      <a:r>
+                        <a:rPr lang="ru-RU" sz="2800" b="1" dirty="0">
+                          <a:effectLst/>
+                          <a:latin typeface="Times New Roman" panose="02020603050405020304" pitchFamily="18" charset="0"/>
+                          <a:cs typeface="Times New Roman" panose="02020603050405020304" pitchFamily="18" charset="0"/>
+                        </a:rPr>
+                        <a:t>-</a:t>
+                      </a:r>
+                      <a:endParaRPr lang="ru-RU" sz="2800" b="1" dirty="0">
+                        <a:effectLst/>
+                        <a:latin typeface="Times New Roman" panose="02020603050405020304" pitchFamily="18" charset="0"/>
+                        <a:ea typeface="Times New Roman"/>
+                        <a:cs typeface="Times New Roman" panose="02020603050405020304" pitchFamily="18" charset="0"/>
+                      </a:endParaRPr>
+                    </a:p>
+                  </a:txBody>
+                  <a:tcPr marL="62077" marR="62077" marT="0" marB="0" anchor="ctr"/>
+                </a:tc>
+                <a:tc>
+                  <a:txBody>
+                    <a:bodyPr/>
+                    <a:lstStyle/>
+                    <a:p>
+                      <a:pPr algn="ctr">
+                        <a:spcAft>
+                          <a:spcPts val="0"/>
+                        </a:spcAft>
+                      </a:pPr>
+                      <a:r>
+                        <a:rPr lang="ru-RU" sz="2800" b="1" dirty="0">
+                          <a:effectLst/>
+                          <a:latin typeface="Times New Roman" panose="02020603050405020304" pitchFamily="18" charset="0"/>
+                          <a:cs typeface="Times New Roman" panose="02020603050405020304" pitchFamily="18" charset="0"/>
+                        </a:rPr>
+                        <a:t>-</a:t>
+                      </a:r>
+                      <a:endParaRPr lang="ru-RU" sz="2800" b="1" dirty="0">
+                        <a:effectLst/>
+                        <a:latin typeface="Times New Roman" panose="02020603050405020304" pitchFamily="18" charset="0"/>
+                        <a:ea typeface="Times New Roman"/>
+                        <a:cs typeface="Times New Roman" panose="02020603050405020304" pitchFamily="18" charset="0"/>
+                      </a:endParaRPr>
+                    </a:p>
+                  </a:txBody>
+                  <a:tcPr marL="62077" marR="62077" marT="0" marB="0" anchor="ctr"/>
+                </a:tc>
+              </a:tr>
+              <a:tr h="409600">
+                <a:tc>
+                  <a:txBody>
+                    <a:bodyPr/>
+                    <a:lstStyle/>
+                    <a:p>
+                      <a:pPr algn="l">
+                        <a:spcAft>
+                          <a:spcPts val="0"/>
+                        </a:spcAft>
+                      </a:pPr>
+                      <a:r>
+                        <a:rPr lang="ru-RU" sz="1400" dirty="0">
+                          <a:effectLst/>
+                          <a:latin typeface="Times New Roman" panose="02020603050405020304" pitchFamily="18" charset="0"/>
+                          <a:cs typeface="Times New Roman" panose="02020603050405020304" pitchFamily="18" charset="0"/>
+                        </a:rPr>
+                        <a:t>Персонализация интерфейса</a:t>
+                      </a:r>
+                      <a:endParaRPr lang="ru-RU" sz="1400" dirty="0">
+                        <a:effectLst/>
+                        <a:latin typeface="Times New Roman" panose="02020603050405020304" pitchFamily="18" charset="0"/>
+                        <a:ea typeface="Times New Roman"/>
+                        <a:cs typeface="Times New Roman" panose="02020603050405020304" pitchFamily="18" charset="0"/>
+                      </a:endParaRPr>
+                    </a:p>
+                  </a:txBody>
+                  <a:tcPr marL="62077" marR="62077" marT="0" marB="0"/>
+                </a:tc>
+                <a:tc>
+                  <a:txBody>
+                    <a:bodyPr/>
+                    <a:lstStyle/>
+                    <a:p>
+                      <a:pPr algn="ctr">
+                        <a:spcAft>
+                          <a:spcPts val="0"/>
+                        </a:spcAft>
+                      </a:pPr>
+                      <a:r>
+                        <a:rPr lang="ru-RU" sz="2800" b="1">
+                          <a:effectLst/>
+                          <a:latin typeface="Times New Roman" panose="02020603050405020304" pitchFamily="18" charset="0"/>
+                          <a:cs typeface="Times New Roman" panose="02020603050405020304" pitchFamily="18" charset="0"/>
+                        </a:rPr>
+                        <a:t>+</a:t>
+                      </a:r>
+                      <a:endParaRPr lang="ru-RU" sz="2800" b="1">
+                        <a:effectLst/>
+                        <a:latin typeface="Times New Roman" panose="02020603050405020304" pitchFamily="18" charset="0"/>
+                        <a:ea typeface="Times New Roman"/>
+                        <a:cs typeface="Times New Roman" panose="02020603050405020304" pitchFamily="18" charset="0"/>
+                      </a:endParaRPr>
+                    </a:p>
+                  </a:txBody>
+                  <a:tcPr marL="62077" marR="62077" marT="0" marB="0" anchor="ctr"/>
+                </a:tc>
+                <a:tc>
+                  <a:txBody>
+                    <a:bodyPr/>
+                    <a:lstStyle/>
+                    <a:p>
+                      <a:pPr algn="ctr">
+                        <a:spcAft>
+                          <a:spcPts val="0"/>
+                        </a:spcAft>
+                      </a:pPr>
+                      <a:r>
+                        <a:rPr lang="ru-RU" sz="2800" b="1" dirty="0">
+                          <a:effectLst/>
+                          <a:latin typeface="Times New Roman" panose="02020603050405020304" pitchFamily="18" charset="0"/>
+                          <a:cs typeface="Times New Roman" panose="02020603050405020304" pitchFamily="18" charset="0"/>
+                        </a:rPr>
+                        <a:t>-</a:t>
+                      </a:r>
+                      <a:endParaRPr lang="ru-RU" sz="2800" b="1" dirty="0">
+                        <a:effectLst/>
+                        <a:latin typeface="Times New Roman" panose="02020603050405020304" pitchFamily="18" charset="0"/>
+                        <a:ea typeface="Times New Roman"/>
+                        <a:cs typeface="Times New Roman" panose="02020603050405020304" pitchFamily="18" charset="0"/>
+                      </a:endParaRPr>
+                    </a:p>
+                  </a:txBody>
+                  <a:tcPr marL="62077" marR="62077" marT="0" marB="0" anchor="ctr"/>
+                </a:tc>
+                <a:tc>
+                  <a:txBody>
+                    <a:bodyPr/>
+                    <a:lstStyle/>
+                    <a:p>
+                      <a:pPr algn="ctr">
+                        <a:spcAft>
+                          <a:spcPts val="0"/>
+                        </a:spcAft>
+                      </a:pPr>
+                      <a:r>
+                        <a:rPr lang="ru-RU" sz="2800" b="1">
+                          <a:effectLst/>
+                          <a:latin typeface="Times New Roman" panose="02020603050405020304" pitchFamily="18" charset="0"/>
+                          <a:cs typeface="Times New Roman" panose="02020603050405020304" pitchFamily="18" charset="0"/>
+                        </a:rPr>
+                        <a:t>-</a:t>
+                      </a:r>
+                      <a:endParaRPr lang="ru-RU" sz="2800" b="1">
+                        <a:effectLst/>
+                        <a:latin typeface="Times New Roman" panose="02020603050405020304" pitchFamily="18" charset="0"/>
+                        <a:ea typeface="Times New Roman"/>
+                        <a:cs typeface="Times New Roman" panose="02020603050405020304" pitchFamily="18" charset="0"/>
+                      </a:endParaRPr>
+                    </a:p>
+                  </a:txBody>
+                  <a:tcPr marL="62077" marR="62077" marT="0" marB="0" anchor="ctr"/>
+                </a:tc>
+                <a:tc>
+                  <a:txBody>
+                    <a:bodyPr/>
+                    <a:lstStyle/>
+                    <a:p>
+                      <a:pPr algn="ctr">
+                        <a:spcAft>
+                          <a:spcPts val="0"/>
+                        </a:spcAft>
+                      </a:pPr>
+                      <a:r>
+                        <a:rPr lang="ru-RU" sz="2800" b="1">
+                          <a:effectLst/>
+                          <a:latin typeface="Times New Roman" panose="02020603050405020304" pitchFamily="18" charset="0"/>
+                          <a:cs typeface="Times New Roman" panose="02020603050405020304" pitchFamily="18" charset="0"/>
+                        </a:rPr>
+                        <a:t>-</a:t>
+                      </a:r>
+                      <a:endParaRPr lang="ru-RU" sz="2800" b="1">
+                        <a:effectLst/>
+                        <a:latin typeface="Times New Roman" panose="02020603050405020304" pitchFamily="18" charset="0"/>
+                        <a:ea typeface="Times New Roman"/>
+                        <a:cs typeface="Times New Roman" panose="02020603050405020304" pitchFamily="18" charset="0"/>
+                      </a:endParaRPr>
+                    </a:p>
+                  </a:txBody>
+                  <a:tcPr marL="62077" marR="62077" marT="0" marB="0" anchor="ctr"/>
+                </a:tc>
+                <a:tc>
+                  <a:txBody>
+                    <a:bodyPr/>
+                    <a:lstStyle/>
+                    <a:p>
+                      <a:pPr algn="ctr">
+                        <a:spcAft>
+                          <a:spcPts val="0"/>
+                        </a:spcAft>
+                      </a:pPr>
+                      <a:r>
+                        <a:rPr lang="ru-RU" sz="2800" b="1" dirty="0">
+                          <a:effectLst/>
+                          <a:latin typeface="Times New Roman" panose="02020603050405020304" pitchFamily="18" charset="0"/>
+                          <a:cs typeface="Times New Roman" panose="02020603050405020304" pitchFamily="18" charset="0"/>
+                        </a:rPr>
+                        <a:t>-</a:t>
+                      </a:r>
+                      <a:endParaRPr lang="ru-RU" sz="2800" b="1" dirty="0">
+                        <a:effectLst/>
+                        <a:latin typeface="Times New Roman" panose="02020603050405020304" pitchFamily="18" charset="0"/>
+                        <a:ea typeface="Times New Roman"/>
+                        <a:cs typeface="Times New Roman" panose="02020603050405020304" pitchFamily="18" charset="0"/>
+                      </a:endParaRPr>
+                    </a:p>
+                  </a:txBody>
+                  <a:tcPr marL="62077" marR="62077" marT="0" marB="0" anchor="ctr"/>
+                </a:tc>
+              </a:tr>
+            </a:tbl>
+          </a:graphicData>
+        </a:graphic>
+      </p:graphicFrame>
     </p:spTree>
     <p:extLst>
       <p:ext uri="{BB962C8B-B14F-4D97-AF65-F5344CB8AC3E}">
-        <p14:creationId xmlns:p14="http://schemas.microsoft.com/office/powerpoint/2010/main" val="1939407047"/>
+        <p14:creationId xmlns:p14="http://schemas.microsoft.com/office/powerpoint/2010/main" val="2536865007"/>
       </p:ext>
     </p:extLst>
   </p:cSld>

--- a/Моя документация/Презентация_Панова.pptx
+++ b/Моя документация/Презентация_Панова.pptx
@@ -5,26 +5,29 @@
     <p:sldMasterId id="2147483804" r:id="rId1"/>
   </p:sldMasterIdLst>
   <p:notesMasterIdLst>
-    <p:notesMasterId r:id="rId19"/>
+    <p:notesMasterId r:id="rId22"/>
   </p:notesMasterIdLst>
   <p:sldIdLst>
     <p:sldId id="256" r:id="rId2"/>
     <p:sldId id="257" r:id="rId3"/>
     <p:sldId id="266" r:id="rId4"/>
-    <p:sldId id="258" r:id="rId5"/>
-    <p:sldId id="260" r:id="rId6"/>
-    <p:sldId id="267" r:id="rId7"/>
-    <p:sldId id="259" r:id="rId8"/>
-    <p:sldId id="261" r:id="rId9"/>
+    <p:sldId id="260" r:id="rId5"/>
+    <p:sldId id="258" r:id="rId6"/>
+    <p:sldId id="259" r:id="rId7"/>
+    <p:sldId id="275" r:id="rId8"/>
+    <p:sldId id="264" r:id="rId9"/>
     <p:sldId id="262" r:id="rId10"/>
-    <p:sldId id="263" r:id="rId11"/>
-    <p:sldId id="264" r:id="rId12"/>
-    <p:sldId id="269" r:id="rId13"/>
-    <p:sldId id="268" r:id="rId14"/>
-    <p:sldId id="270" r:id="rId15"/>
-    <p:sldId id="271" r:id="rId16"/>
-    <p:sldId id="272" r:id="rId17"/>
-    <p:sldId id="265" r:id="rId18"/>
+    <p:sldId id="261" r:id="rId11"/>
+    <p:sldId id="269" r:id="rId12"/>
+    <p:sldId id="263" r:id="rId13"/>
+    <p:sldId id="274" r:id="rId14"/>
+    <p:sldId id="268" r:id="rId15"/>
+    <p:sldId id="270" r:id="rId16"/>
+    <p:sldId id="271" r:id="rId17"/>
+    <p:sldId id="272" r:id="rId18"/>
+    <p:sldId id="276" r:id="rId19"/>
+    <p:sldId id="273" r:id="rId20"/>
+    <p:sldId id="265" r:id="rId21"/>
   </p:sldIdLst>
   <p:sldSz cx="9144000" cy="6858000" type="screen4x3"/>
   <p:notesSz cx="6858000" cy="9144000"/>
@@ -208,7 +211,7 @@
           <a:p>
             <a:fld id="{97492AD3-C3F8-4419-8377-8AB6450BBD53}" type="datetimeFigureOut">
               <a:rPr lang="ru-RU" smtClean="0"/>
-              <a:t>09.06.2025</a:t>
+              <a:t>15.06.2025</a:t>
             </a:fld>
             <a:endParaRPr lang="ru-RU"/>
           </a:p>
@@ -625,7 +628,7 @@
           <a:p>
             <a:fld id="{30462639-AE41-4FCF-BB8D-2BD51F038F18}" type="slidenum">
               <a:rPr lang="ru-RU" smtClean="0"/>
-              <a:t>7</a:t>
+              <a:t>6</a:t>
             </a:fld>
             <a:endParaRPr lang="ru-RU"/>
           </a:p>
@@ -709,7 +712,7 @@
           <a:p>
             <a:fld id="{30462639-AE41-4FCF-BB8D-2BD51F038F18}" type="slidenum">
               <a:rPr lang="ru-RU" smtClean="0"/>
-              <a:t>17</a:t>
+              <a:t>20</a:t>
             </a:fld>
             <a:endParaRPr lang="ru-RU"/>
           </a:p>
@@ -922,7 +925,7 @@
           <a:p>
             <a:fld id="{996B0899-1335-4285-9C68-A535A6A0AB31}" type="datetime1">
               <a:rPr lang="ru-RU" smtClean="0"/>
-              <a:t>09.06.2025</a:t>
+              <a:t>15.06.2025</a:t>
             </a:fld>
             <a:endParaRPr lang="ru-RU"/>
           </a:p>
@@ -1087,7 +1090,7 @@
           <a:p>
             <a:fld id="{68F5DEDA-D5BF-4E01-9907-4DF9873E53FF}" type="datetime1">
               <a:rPr lang="ru-RU" smtClean="0"/>
-              <a:t>09.06.2025</a:t>
+              <a:t>15.06.2025</a:t>
             </a:fld>
             <a:endParaRPr lang="ru-RU"/>
           </a:p>
@@ -1262,7 +1265,7 @@
           <a:p>
             <a:fld id="{B64121E7-56A0-4150-BD66-D7C490E25544}" type="datetime1">
               <a:rPr lang="ru-RU" smtClean="0"/>
-              <a:t>09.06.2025</a:t>
+              <a:t>15.06.2025</a:t>
             </a:fld>
             <a:endParaRPr lang="ru-RU"/>
           </a:p>
@@ -1427,7 +1430,7 @@
           <a:p>
             <a:fld id="{E40EE295-5B94-4823-94B5-FE9F2F6A8A1B}" type="datetime1">
               <a:rPr lang="ru-RU" smtClean="0"/>
-              <a:t>09.06.2025</a:t>
+              <a:t>15.06.2025</a:t>
             </a:fld>
             <a:endParaRPr lang="ru-RU"/>
           </a:p>
@@ -1668,7 +1671,7 @@
           <a:p>
             <a:fld id="{FA5F6850-C165-4DB4-99FF-9E9F58477740}" type="datetime1">
               <a:rPr lang="ru-RU" smtClean="0"/>
-              <a:t>09.06.2025</a:t>
+              <a:t>15.06.2025</a:t>
             </a:fld>
             <a:endParaRPr lang="ru-RU"/>
           </a:p>
@@ -1951,7 +1954,7 @@
           <a:p>
             <a:fld id="{671645BE-2D5D-4A59-B9D9-A93CDA4B6247}" type="datetime1">
               <a:rPr lang="ru-RU" smtClean="0"/>
-              <a:t>09.06.2025</a:t>
+              <a:t>15.06.2025</a:t>
             </a:fld>
             <a:endParaRPr lang="ru-RU"/>
           </a:p>
@@ -2380,7 +2383,7 @@
           <a:p>
             <a:fld id="{2F167F26-66A6-4073-93DB-9231D7C2F2F2}" type="datetime1">
               <a:rPr lang="ru-RU" smtClean="0"/>
-              <a:t>09.06.2025</a:t>
+              <a:t>15.06.2025</a:t>
             </a:fld>
             <a:endParaRPr lang="ru-RU"/>
           </a:p>
@@ -2493,7 +2496,7 @@
           <a:p>
             <a:fld id="{6D23A73E-9C8A-42D2-ADCA-32CBE28F612B}" type="datetime1">
               <a:rPr lang="ru-RU" smtClean="0"/>
-              <a:t>09.06.2025</a:t>
+              <a:t>15.06.2025</a:t>
             </a:fld>
             <a:endParaRPr lang="ru-RU"/>
           </a:p>
@@ -2583,7 +2586,7 @@
           <a:p>
             <a:fld id="{0C93248B-780E-4599-99F7-37CA691140F9}" type="datetime1">
               <a:rPr lang="ru-RU" smtClean="0"/>
-              <a:t>09.06.2025</a:t>
+              <a:t>15.06.2025</a:t>
             </a:fld>
             <a:endParaRPr lang="ru-RU"/>
           </a:p>
@@ -2772,7 +2775,7 @@
           <a:p>
             <a:fld id="{30B70643-A9E0-4174-B314-0E2D128C357B}" type="datetime1">
               <a:rPr lang="ru-RU" smtClean="0"/>
-              <a:t>09.06.2025</a:t>
+              <a:t>15.06.2025</a:t>
             </a:fld>
             <a:endParaRPr lang="ru-RU"/>
           </a:p>
@@ -3090,7 +3093,7 @@
           <a:p>
             <a:fld id="{841480F6-40A1-4A2D-9FBA-CE3A87408C91}" type="datetime1">
               <a:rPr lang="ru-RU" smtClean="0"/>
-              <a:t>09.06.2025</a:t>
+              <a:t>15.06.2025</a:t>
             </a:fld>
             <a:endParaRPr lang="ru-RU"/>
           </a:p>
@@ -3469,7 +3472,7 @@
           <a:p>
             <a:fld id="{ECA43FD7-6D4F-4E74-B39B-7A81C2585FEA}" type="datetime1">
               <a:rPr lang="ru-RU" smtClean="0"/>
-              <a:t>09.06.2025</a:t>
+              <a:t>15.06.2025</a:t>
             </a:fld>
             <a:endParaRPr lang="ru-RU"/>
           </a:p>
@@ -4090,7 +4093,27 @@
                 <a:latin typeface="Times New Roman" panose="02020603050405020304" pitchFamily="18" charset="0"/>
                 <a:cs typeface="Times New Roman" panose="02020603050405020304" pitchFamily="18" charset="0"/>
               </a:rPr>
-              <a:t>Предлагаемое решение</a:t>
+              <a:t>Существующее решение и </a:t>
+            </a:r>
+            <a:r>
+              <a:rPr lang="ru-RU" sz="4000" dirty="0" smtClean="0">
+                <a:solidFill>
+                  <a:srgbClr val="000000"/>
+                </a:solidFill>
+                <a:latin typeface="Times New Roman" panose="02020603050405020304" pitchFamily="18" charset="0"/>
+                <a:cs typeface="Times New Roman" panose="02020603050405020304" pitchFamily="18" charset="0"/>
+              </a:rPr>
+              <a:t>процесс решения </a:t>
+            </a:r>
+            <a:r>
+              <a:rPr lang="ru-RU" sz="4000" dirty="0">
+                <a:solidFill>
+                  <a:srgbClr val="000000"/>
+                </a:solidFill>
+                <a:latin typeface="Times New Roman" panose="02020603050405020304" pitchFamily="18" charset="0"/>
+                <a:cs typeface="Times New Roman" panose="02020603050405020304" pitchFamily="18" charset="0"/>
+              </a:rPr>
+              <a:t>задачи</a:t>
             </a:r>
           </a:p>
         </p:txBody>
@@ -4103,8 +4126,8 @@
         </p:nvSpPr>
         <p:spPr>
           <a:xfrm>
-            <a:off x="467544" y="1916832"/>
-            <a:ext cx="7992888" cy="3477875"/>
+            <a:off x="539552" y="2060848"/>
+            <a:ext cx="7920880" cy="2631490"/>
           </a:xfrm>
           <a:prstGeom prst="rect">
             <a:avLst/>
@@ -4117,170 +4140,7 @@
           </a:bodyPr>
           <a:lstStyle/>
           <a:p>
-            <a:pPr>
-              <a:spcAft>
-                <a:spcPts val="600"/>
-              </a:spcAft>
-            </a:pPr>
-            <a:r>
-              <a:rPr lang="ru-RU" sz="2000" dirty="0" smtClean="0">
-                <a:solidFill>
-                  <a:srgbClr val="000000"/>
-                </a:solidFill>
-                <a:latin typeface="Times New Roman" panose="02020603050405020304" pitchFamily="18" charset="0"/>
-                <a:cs typeface="Times New Roman" panose="02020603050405020304" pitchFamily="18" charset="0"/>
-              </a:rPr>
-              <a:t>Направления</a:t>
-            </a:r>
-            <a:r>
-              <a:rPr lang="ru-RU" sz="2000" dirty="0">
-                <a:solidFill>
-                  <a:srgbClr val="000000"/>
-                </a:solidFill>
-                <a:latin typeface="Times New Roman" panose="02020603050405020304" pitchFamily="18" charset="0"/>
-                <a:cs typeface="Times New Roman" panose="02020603050405020304" pitchFamily="18" charset="0"/>
-              </a:rPr>
-              <a:t>, которые будет учитывать разрабатываемый прототип:</a:t>
-            </a:r>
-          </a:p>
-          <a:p>
-            <a:pPr marL="342900" indent="-342900">
-              <a:spcAft>
-                <a:spcPts val="600"/>
-              </a:spcAft>
-              <a:buFont typeface="+mj-lt"/>
-              <a:buAutoNum type="arabicPeriod"/>
-            </a:pPr>
-            <a:r>
-              <a:rPr lang="ru-RU" sz="2000" dirty="0" smtClean="0">
-                <a:solidFill>
-                  <a:srgbClr val="000000"/>
-                </a:solidFill>
-                <a:latin typeface="Times New Roman" panose="02020603050405020304" pitchFamily="18" charset="0"/>
-                <a:cs typeface="Times New Roman" panose="02020603050405020304" pitchFamily="18" charset="0"/>
-              </a:rPr>
-              <a:t>Повышение </a:t>
-            </a:r>
-            <a:r>
-              <a:rPr lang="ru-RU" sz="2000" dirty="0">
-                <a:solidFill>
-                  <a:srgbClr val="000000"/>
-                </a:solidFill>
-                <a:latin typeface="Times New Roman" panose="02020603050405020304" pitchFamily="18" charset="0"/>
-                <a:cs typeface="Times New Roman" panose="02020603050405020304" pitchFamily="18" charset="0"/>
-              </a:rPr>
-              <a:t>точности и скорости </a:t>
-            </a:r>
-            <a:r>
-              <a:rPr lang="ru-RU" sz="2000" dirty="0" smtClean="0">
-                <a:solidFill>
-                  <a:srgbClr val="000000"/>
-                </a:solidFill>
-                <a:latin typeface="Times New Roman" panose="02020603050405020304" pitchFamily="18" charset="0"/>
-                <a:cs typeface="Times New Roman" panose="02020603050405020304" pitchFamily="18" charset="0"/>
-              </a:rPr>
-              <a:t>перевода</a:t>
-            </a:r>
-          </a:p>
-          <a:p>
-            <a:pPr marL="342900" indent="-342900">
-              <a:spcAft>
-                <a:spcPts val="600"/>
-              </a:spcAft>
-              <a:buFont typeface="+mj-lt"/>
-              <a:buAutoNum type="arabicPeriod"/>
-            </a:pPr>
-            <a:r>
-              <a:rPr lang="ru-RU" sz="2000" dirty="0" smtClean="0">
-                <a:solidFill>
-                  <a:srgbClr val="000000"/>
-                </a:solidFill>
-                <a:latin typeface="Times New Roman" panose="02020603050405020304" pitchFamily="18" charset="0"/>
-                <a:cs typeface="Times New Roman" panose="02020603050405020304" pitchFamily="18" charset="0"/>
-              </a:rPr>
-              <a:t>Расширение </a:t>
-            </a:r>
-            <a:r>
-              <a:rPr lang="ru-RU" sz="2000" dirty="0">
-                <a:solidFill>
-                  <a:srgbClr val="000000"/>
-                </a:solidFill>
-                <a:latin typeface="Times New Roman" panose="02020603050405020304" pitchFamily="18" charset="0"/>
-                <a:cs typeface="Times New Roman" panose="02020603050405020304" pitchFamily="18" charset="0"/>
-              </a:rPr>
-              <a:t>поддержки языков и </a:t>
-            </a:r>
-            <a:r>
-              <a:rPr lang="ru-RU" sz="2000" dirty="0" smtClean="0">
-                <a:solidFill>
-                  <a:srgbClr val="000000"/>
-                </a:solidFill>
-                <a:latin typeface="Times New Roman" panose="02020603050405020304" pitchFamily="18" charset="0"/>
-                <a:cs typeface="Times New Roman" panose="02020603050405020304" pitchFamily="18" charset="0"/>
-              </a:rPr>
-              <a:t>диалектов</a:t>
-            </a:r>
-          </a:p>
-          <a:p>
-            <a:pPr marL="342900" indent="-342900">
-              <a:spcAft>
-                <a:spcPts val="600"/>
-              </a:spcAft>
-              <a:buFont typeface="+mj-lt"/>
-              <a:buAutoNum type="arabicPeriod"/>
-            </a:pPr>
-            <a:r>
-              <a:rPr lang="ru-RU" sz="2000" dirty="0" smtClean="0">
-                <a:solidFill>
-                  <a:srgbClr val="000000"/>
-                </a:solidFill>
-                <a:latin typeface="Times New Roman" panose="02020603050405020304" pitchFamily="18" charset="0"/>
-                <a:cs typeface="Times New Roman" panose="02020603050405020304" pitchFamily="18" charset="0"/>
-              </a:rPr>
-              <a:t>Снижение стоимости</a:t>
-            </a:r>
-          </a:p>
-          <a:p>
-            <a:pPr marL="342900" indent="-342900">
-              <a:spcAft>
-                <a:spcPts val="600"/>
-              </a:spcAft>
-              <a:buFont typeface="+mj-lt"/>
-              <a:buAutoNum type="arabicPeriod"/>
-            </a:pPr>
-            <a:r>
-              <a:rPr lang="ru-RU" sz="2000" dirty="0" smtClean="0">
-                <a:solidFill>
-                  <a:srgbClr val="000000"/>
-                </a:solidFill>
-                <a:latin typeface="Times New Roman" panose="02020603050405020304" pitchFamily="18" charset="0"/>
-                <a:cs typeface="Times New Roman" panose="02020603050405020304" pitchFamily="18" charset="0"/>
-              </a:rPr>
-              <a:t>Улучшение </a:t>
-            </a:r>
-            <a:r>
-              <a:rPr lang="ru-RU" sz="2000" dirty="0">
-                <a:solidFill>
-                  <a:srgbClr val="000000"/>
-                </a:solidFill>
-                <a:latin typeface="Times New Roman" panose="02020603050405020304" pitchFamily="18" charset="0"/>
-                <a:cs typeface="Times New Roman" panose="02020603050405020304" pitchFamily="18" charset="0"/>
-              </a:rPr>
-              <a:t>удобства </a:t>
-            </a:r>
-            <a:r>
-              <a:rPr lang="ru-RU" sz="2000" dirty="0" smtClean="0">
-                <a:solidFill>
-                  <a:srgbClr val="000000"/>
-                </a:solidFill>
-                <a:latin typeface="Times New Roman" panose="02020603050405020304" pitchFamily="18" charset="0"/>
-                <a:cs typeface="Times New Roman" panose="02020603050405020304" pitchFamily="18" charset="0"/>
-              </a:rPr>
-              <a:t>использования:</a:t>
-            </a:r>
-          </a:p>
-          <a:p>
-            <a:pPr marL="800100" lvl="1" indent="-342900">
+            <a:pPr marL="285750" lvl="0" indent="-285750">
               <a:spcAft>
                 <a:spcPts val="600"/>
               </a:spcAft>
@@ -4295,31 +4155,11 @@
                 <a:latin typeface="Times New Roman" panose="02020603050405020304" pitchFamily="18" charset="0"/>
                 <a:cs typeface="Times New Roman" panose="02020603050405020304" pitchFamily="18" charset="0"/>
               </a:rPr>
-              <a:t>Перевод видеозаписи </a:t>
-            </a:r>
-            <a:r>
-              <a:rPr lang="ru-RU" sz="2000" dirty="0">
-                <a:solidFill>
-                  <a:srgbClr val="000000"/>
-                </a:solidFill>
-                <a:latin typeface="Times New Roman" panose="02020603050405020304" pitchFamily="18" charset="0"/>
-                <a:cs typeface="Times New Roman" panose="02020603050405020304" pitchFamily="18" charset="0"/>
-              </a:rPr>
-              <a:t>с жестовым языком в </a:t>
-            </a:r>
-            <a:r>
-              <a:rPr lang="ru-RU" sz="2000" dirty="0" smtClean="0">
-                <a:solidFill>
-                  <a:srgbClr val="000000"/>
-                </a:solidFill>
-                <a:latin typeface="Times New Roman" panose="02020603050405020304" pitchFamily="18" charset="0"/>
-                <a:cs typeface="Times New Roman" panose="02020603050405020304" pitchFamily="18" charset="0"/>
-              </a:rPr>
-              <a:t>текст</a:t>
-            </a:r>
-          </a:p>
-          <a:p>
-            <a:pPr marL="800100" lvl="1" indent="-342900">
+              <a:t>Низкая точность и скорость перевода</a:t>
+            </a:r>
+          </a:p>
+          <a:p>
+            <a:pPr marL="285750" lvl="0" indent="-285750">
               <a:spcAft>
                 <a:spcPts val="600"/>
               </a:spcAft>
@@ -4327,24 +4167,90 @@
               <a:buChar char="•"/>
             </a:pPr>
             <a:r>
-              <a:rPr lang="ru-RU" sz="2000" dirty="0">
-                <a:solidFill>
-                  <a:srgbClr val="000000"/>
-                </a:solidFill>
-                <a:latin typeface="Times New Roman" panose="02020603050405020304" pitchFamily="18" charset="0"/>
-                <a:cs typeface="Times New Roman" panose="02020603050405020304" pitchFamily="18" charset="0"/>
-              </a:rPr>
-              <a:t>Автоматические субтитры для </a:t>
-            </a:r>
-            <a:r>
-              <a:rPr lang="ru-RU" sz="2000" dirty="0" err="1">
-                <a:solidFill>
-                  <a:srgbClr val="000000"/>
-                </a:solidFill>
-                <a:latin typeface="Times New Roman" panose="02020603050405020304" pitchFamily="18" charset="0"/>
-                <a:cs typeface="Times New Roman" panose="02020603050405020304" pitchFamily="18" charset="0"/>
-              </a:rPr>
-              <a:t>медиаконтента</a:t>
+              <a:rPr lang="ru-RU" sz="2000" dirty="0" smtClean="0">
+                <a:solidFill>
+                  <a:srgbClr val="000000"/>
+                </a:solidFill>
+                <a:latin typeface="Times New Roman" panose="02020603050405020304" pitchFamily="18" charset="0"/>
+                <a:cs typeface="Times New Roman" panose="02020603050405020304" pitchFamily="18" charset="0"/>
+              </a:rPr>
+              <a:t>Ограниченная поддержка языков и диалектов</a:t>
+            </a:r>
+          </a:p>
+          <a:p>
+            <a:pPr marL="285750" lvl="0" indent="-285750">
+              <a:spcAft>
+                <a:spcPts val="600"/>
+              </a:spcAft>
+              <a:buFont typeface="Arial" panose="020B0604020202020204" pitchFamily="34" charset="0"/>
+              <a:buChar char="•"/>
+            </a:pPr>
+            <a:r>
+              <a:rPr lang="ru-RU" sz="2000" dirty="0" smtClean="0">
+                <a:solidFill>
+                  <a:srgbClr val="000000"/>
+                </a:solidFill>
+                <a:latin typeface="Times New Roman" panose="02020603050405020304" pitchFamily="18" charset="0"/>
+                <a:cs typeface="Times New Roman" panose="02020603050405020304" pitchFamily="18" charset="0"/>
+              </a:rPr>
+              <a:t>Высокая стоимость</a:t>
+            </a:r>
+          </a:p>
+          <a:p>
+            <a:pPr marL="285750" lvl="0" indent="-285750">
+              <a:spcAft>
+                <a:spcPts val="600"/>
+              </a:spcAft>
+              <a:buFont typeface="Arial" panose="020B0604020202020204" pitchFamily="34" charset="0"/>
+              <a:buChar char="•"/>
+            </a:pPr>
+            <a:r>
+              <a:rPr lang="ru-RU" sz="2000" dirty="0" smtClean="0">
+                <a:solidFill>
+                  <a:srgbClr val="000000"/>
+                </a:solidFill>
+                <a:latin typeface="Times New Roman" panose="02020603050405020304" pitchFamily="18" charset="0"/>
+                <a:cs typeface="Times New Roman" panose="02020603050405020304" pitchFamily="18" charset="0"/>
+              </a:rPr>
+              <a:t>Зависимость от дополнительных устройств</a:t>
+            </a:r>
+          </a:p>
+          <a:p>
+            <a:pPr marL="285750" lvl="0" indent="-285750">
+              <a:spcAft>
+                <a:spcPts val="600"/>
+              </a:spcAft>
+              <a:buFont typeface="Arial" panose="020B0604020202020204" pitchFamily="34" charset="0"/>
+              <a:buChar char="•"/>
+            </a:pPr>
+            <a:r>
+              <a:rPr lang="ru-RU" sz="2000" dirty="0" smtClean="0">
+                <a:solidFill>
+                  <a:srgbClr val="000000"/>
+                </a:solidFill>
+                <a:latin typeface="Times New Roman" panose="02020603050405020304" pitchFamily="18" charset="0"/>
+                <a:cs typeface="Times New Roman" panose="02020603050405020304" pitchFamily="18" charset="0"/>
+              </a:rPr>
+              <a:t>Недостаточная интеграция с другими приложениями и устройствами</a:t>
+            </a:r>
+          </a:p>
+          <a:p>
+            <a:pPr marL="285750" lvl="0" indent="-285750">
+              <a:spcAft>
+                <a:spcPts val="600"/>
+              </a:spcAft>
+              <a:buFont typeface="Arial" panose="020B0604020202020204" pitchFamily="34" charset="0"/>
+              <a:buChar char="•"/>
+            </a:pPr>
+            <a:r>
+              <a:rPr lang="ru-RU" sz="2000" dirty="0" smtClean="0">
+                <a:solidFill>
+                  <a:srgbClr val="000000"/>
+                </a:solidFill>
+                <a:latin typeface="Times New Roman" panose="02020603050405020304" pitchFamily="18" charset="0"/>
+                <a:cs typeface="Times New Roman" panose="02020603050405020304" pitchFamily="18" charset="0"/>
+              </a:rPr>
+              <a:t>Недостаточное тестирование и оценка эффективности</a:t>
             </a:r>
             <a:endParaRPr lang="ru-RU" sz="2000" dirty="0">
               <a:solidFill>
@@ -4354,81 +4260,6 @@
               <a:cs typeface="Times New Roman" panose="02020603050405020304" pitchFamily="18" charset="0"/>
             </a:endParaRPr>
           </a:p>
-          <a:p>
-            <a:pPr marL="800100" lvl="1" indent="-342900">
-              <a:spcAft>
-                <a:spcPts val="600"/>
-              </a:spcAft>
-              <a:buFont typeface="Arial" panose="020B0604020202020204" pitchFamily="34" charset="0"/>
-              <a:buChar char="•"/>
-            </a:pPr>
-            <a:r>
-              <a:rPr lang="ru-RU" sz="2000" dirty="0" smtClean="0">
-                <a:solidFill>
-                  <a:srgbClr val="000000"/>
-                </a:solidFill>
-                <a:latin typeface="Times New Roman" panose="02020603050405020304" pitchFamily="18" charset="0"/>
-                <a:cs typeface="Times New Roman" panose="02020603050405020304" pitchFamily="18" charset="0"/>
-              </a:rPr>
-              <a:t>Настройка </a:t>
-            </a:r>
-            <a:r>
-              <a:rPr lang="ru-RU" sz="2000" dirty="0">
-                <a:solidFill>
-                  <a:srgbClr val="000000"/>
-                </a:solidFill>
-                <a:latin typeface="Times New Roman" panose="02020603050405020304" pitchFamily="18" charset="0"/>
-                <a:cs typeface="Times New Roman" panose="02020603050405020304" pitchFamily="18" charset="0"/>
-              </a:rPr>
-              <a:t>контраста, шрифтов, цветовых схем</a:t>
-            </a:r>
-          </a:p>
-          <a:p>
-            <a:pPr marL="342900" indent="-342900">
-              <a:spcAft>
-                <a:spcPts val="600"/>
-              </a:spcAft>
-              <a:buFont typeface="+mj-lt"/>
-              <a:buAutoNum type="arabicPeriod"/>
-            </a:pPr>
-            <a:r>
-              <a:rPr lang="ru-RU" sz="2000" dirty="0" smtClean="0">
-                <a:solidFill>
-                  <a:srgbClr val="000000"/>
-                </a:solidFill>
-                <a:latin typeface="Times New Roman" panose="02020603050405020304" pitchFamily="18" charset="0"/>
-                <a:cs typeface="Times New Roman" panose="02020603050405020304" pitchFamily="18" charset="0"/>
-              </a:rPr>
-              <a:t>Интеграция </a:t>
-            </a:r>
-            <a:r>
-              <a:rPr lang="ru-RU" sz="2000" dirty="0">
-                <a:solidFill>
-                  <a:srgbClr val="000000"/>
-                </a:solidFill>
-                <a:latin typeface="Times New Roman" panose="02020603050405020304" pitchFamily="18" charset="0"/>
-                <a:cs typeface="Times New Roman" panose="02020603050405020304" pitchFamily="18" charset="0"/>
-              </a:rPr>
-              <a:t>с другими приложениями и </a:t>
-            </a:r>
-            <a:r>
-              <a:rPr lang="ru-RU" sz="2000" dirty="0" smtClean="0">
-                <a:solidFill>
-                  <a:srgbClr val="000000"/>
-                </a:solidFill>
-                <a:latin typeface="Times New Roman" panose="02020603050405020304" pitchFamily="18" charset="0"/>
-                <a:cs typeface="Times New Roman" panose="02020603050405020304" pitchFamily="18" charset="0"/>
-              </a:rPr>
-              <a:t>устройствами</a:t>
-            </a:r>
-            <a:endParaRPr lang="ru-RU" sz="2000" dirty="0" smtClean="0">
-              <a:solidFill>
-                <a:srgbClr val="000000"/>
-              </a:solidFill>
-              <a:latin typeface="Times New Roman" panose="02020603050405020304" pitchFamily="18" charset="0"/>
-              <a:cs typeface="Times New Roman" panose="02020603050405020304" pitchFamily="18" charset="0"/>
-            </a:endParaRPr>
-          </a:p>
         </p:txBody>
       </p:sp>
       <p:sp>
@@ -4463,7 +4294,7 @@
     </p:spTree>
     <p:extLst>
       <p:ext uri="{BB962C8B-B14F-4D97-AF65-F5344CB8AC3E}">
-        <p14:creationId xmlns:p14="http://schemas.microsoft.com/office/powerpoint/2010/main" val="2950982690"/>
+        <p14:creationId xmlns:p14="http://schemas.microsoft.com/office/powerpoint/2010/main" val="3399840881"/>
       </p:ext>
     </p:extLst>
   </p:cSld>
@@ -4499,6 +4330,35 @@
       </p:grpSpPr>
       <p:sp>
         <p:nvSpPr>
+          <p:cNvPr id="3" name="Номер слайда 2"/>
+          <p:cNvSpPr>
+            <a:spLocks noGrp="1"/>
+          </p:cNvSpPr>
+          <p:nvPr>
+            <p:ph type="sldNum" sz="quarter" idx="12"/>
+          </p:nvPr>
+        </p:nvSpPr>
+        <p:spPr/>
+        <p:txBody>
+          <a:bodyPr/>
+          <a:lstStyle/>
+          <a:p>
+            <a:fld id="{1B61E6DC-7948-428B-BF0C-0B97AF471FA1}" type="slidenum">
+              <a:rPr lang="ru-RU" sz="2400" b="1" smtClean="0">
+                <a:latin typeface="Times New Roman" panose="02020603050405020304" pitchFamily="18" charset="0"/>
+                <a:cs typeface="Times New Roman" panose="02020603050405020304" pitchFamily="18" charset="0"/>
+              </a:rPr>
+              <a:t>11</a:t>
+            </a:fld>
+            <a:endParaRPr lang="ru-RU" sz="2400" b="1" dirty="0">
+              <a:latin typeface="Times New Roman" panose="02020603050405020304" pitchFamily="18" charset="0"/>
+              <a:cs typeface="Times New Roman" panose="02020603050405020304" pitchFamily="18" charset="0"/>
+            </a:endParaRPr>
+          </a:p>
+        </p:txBody>
+      </p:sp>
+      <p:sp>
+        <p:nvSpPr>
           <p:cNvPr id="2" name="Заголовок 1"/>
           <p:cNvSpPr>
             <a:spLocks noGrp="1"/>
@@ -4508,7 +4368,10 @@
           </p:nvPr>
         </p:nvSpPr>
         <p:spPr>
-          <a:noFill/>
+          <a:xfrm>
+            <a:off x="457200" y="274638"/>
+            <a:ext cx="8003232" cy="1143000"/>
+          </a:xfrm>
         </p:spPr>
         <p:txBody>
           <a:bodyPr/>
@@ -4517,343 +4380,76 @@
             <a:r>
               <a:rPr lang="ru-RU" sz="4000" dirty="0">
                 <a:solidFill>
-                  <a:schemeClr val="tx1"/>
-                </a:solidFill>
-                <a:latin typeface="Times New Roman" panose="02020603050405020304" pitchFamily="18" charset="0"/>
-                <a:cs typeface="Times New Roman" panose="02020603050405020304" pitchFamily="18" charset="0"/>
-              </a:rPr>
-              <a:t> Практическая значимость</a:t>
-            </a:r>
-          </a:p>
-        </p:txBody>
-      </p:sp>
-      <p:sp>
-        <p:nvSpPr>
-          <p:cNvPr id="3" name="TextBox 2"/>
-          <p:cNvSpPr txBox="1"/>
+                  <a:srgbClr val="000000"/>
+                </a:solidFill>
+                <a:latin typeface="Times New Roman" panose="02020603050405020304" pitchFamily="18" charset="0"/>
+                <a:cs typeface="Times New Roman" panose="02020603050405020304" pitchFamily="18" charset="0"/>
+              </a:rPr>
+              <a:t>Процесс решения </a:t>
+            </a:r>
+            <a:r>
+              <a:rPr lang="ru-RU" sz="4000" dirty="0" smtClean="0">
+                <a:solidFill>
+                  <a:srgbClr val="000000"/>
+                </a:solidFill>
+                <a:latin typeface="Times New Roman" panose="02020603050405020304" pitchFamily="18" charset="0"/>
+                <a:cs typeface="Times New Roman" panose="02020603050405020304" pitchFamily="18" charset="0"/>
+              </a:rPr>
+              <a:t>существующей задачи</a:t>
+            </a:r>
+            <a:endParaRPr lang="ru-RU" sz="4000" dirty="0">
+              <a:solidFill>
+                <a:srgbClr val="000000"/>
+              </a:solidFill>
+              <a:latin typeface="Times New Roman" panose="02020603050405020304" pitchFamily="18" charset="0"/>
+              <a:cs typeface="Times New Roman" panose="02020603050405020304" pitchFamily="18" charset="0"/>
+            </a:endParaRPr>
+          </a:p>
+        </p:txBody>
+      </p:sp>
+      <p:pic>
+        <p:nvPicPr>
+          <p:cNvPr id="5" name="Picture 2" descr="C:\Users\Admin\Downloads\IDEFO (as-is) диаграмма.png"/>
+          <p:cNvPicPr>
+            <a:picLocks noChangeAspect="1" noChangeArrowheads="1"/>
+          </p:cNvPicPr>
           <p:nvPr/>
-        </p:nvSpPr>
-        <p:spPr>
+        </p:nvPicPr>
+        <p:blipFill rotWithShape="1">
+          <a:blip r:embed="rId2">
+            <a:extLst>
+              <a:ext uri="{28A0092B-C50C-407E-A947-70E740481C1C}">
+                <a14:useLocalDpi xmlns:a14="http://schemas.microsoft.com/office/drawing/2010/main" val="0"/>
+              </a:ext>
+            </a:extLst>
+          </a:blip>
+          <a:srcRect l="52919" t="7916" r="7828" b="54279"/>
+          <a:stretch/>
+        </p:blipFill>
+        <p:spPr bwMode="auto">
           <a:xfrm>
-            <a:off x="467544" y="1772816"/>
-            <a:ext cx="7992888" cy="4862870"/>
+            <a:off x="899592" y="1639208"/>
+            <a:ext cx="7272808" cy="4953688"/>
           </a:xfrm>
           <a:prstGeom prst="rect">
             <a:avLst/>
           </a:prstGeom>
           <a:noFill/>
+          <a:extLst>
+            <a:ext uri="{909E8E84-426E-40DD-AFC4-6F175D3DCCD1}">
+              <a14:hiddenFill xmlns:a14="http://schemas.microsoft.com/office/drawing/2010/main">
+                <a:solidFill>
+                  <a:srgbClr val="FFFFFF"/>
+                </a:solidFill>
+              </a14:hiddenFill>
+            </a:ext>
+          </a:extLst>
         </p:spPr>
-        <p:txBody>
-          <a:bodyPr wrap="square" rtlCol="0">
-            <a:spAutoFit/>
-          </a:bodyPr>
-          <a:lstStyle/>
-          <a:p>
-            <a:pPr>
-              <a:spcAft>
-                <a:spcPts val="600"/>
-              </a:spcAft>
-            </a:pPr>
-            <a:r>
-              <a:rPr lang="ru-RU" sz="2000" dirty="0" smtClean="0">
-                <a:latin typeface="Times New Roman" panose="02020603050405020304" pitchFamily="18" charset="0"/>
-                <a:cs typeface="Times New Roman" panose="02020603050405020304" pitchFamily="18" charset="0"/>
-              </a:rPr>
-              <a:t>Для </a:t>
-            </a:r>
-            <a:r>
-              <a:rPr lang="ru-RU" sz="2000" dirty="0">
-                <a:latin typeface="Times New Roman" panose="02020603050405020304" pitchFamily="18" charset="0"/>
-                <a:cs typeface="Times New Roman" panose="02020603050405020304" pitchFamily="18" charset="0"/>
-              </a:rPr>
-              <a:t>пользователей:</a:t>
-            </a:r>
-          </a:p>
-          <a:p>
-            <a:pPr marL="342900" indent="-342900">
-              <a:spcAft>
-                <a:spcPts val="600"/>
-              </a:spcAft>
-              <a:buFont typeface="Arial" panose="020B0604020202020204" pitchFamily="34" charset="0"/>
-              <a:buChar char="•"/>
-            </a:pPr>
-            <a:r>
-              <a:rPr lang="ru-RU" sz="2000" dirty="0" smtClean="0">
-                <a:latin typeface="Times New Roman" panose="02020603050405020304" pitchFamily="18" charset="0"/>
-                <a:cs typeface="Times New Roman" panose="02020603050405020304" pitchFamily="18" charset="0"/>
-              </a:rPr>
-              <a:t>Упрощение </a:t>
-            </a:r>
-            <a:r>
-              <a:rPr lang="ru-RU" sz="2000" dirty="0">
-                <a:latin typeface="Times New Roman" panose="02020603050405020304" pitchFamily="18" charset="0"/>
-                <a:cs typeface="Times New Roman" panose="02020603050405020304" pitchFamily="18" charset="0"/>
-              </a:rPr>
-              <a:t>общения со слышащими через субтитры/транскрипцию</a:t>
-            </a:r>
-          </a:p>
-          <a:p>
-            <a:pPr marL="342900" indent="-342900">
-              <a:spcAft>
-                <a:spcPts val="600"/>
-              </a:spcAft>
-              <a:buFont typeface="Arial" panose="020B0604020202020204" pitchFamily="34" charset="0"/>
-              <a:buChar char="•"/>
-            </a:pPr>
-            <a:r>
-              <a:rPr lang="ru-RU" sz="2000" dirty="0" smtClean="0">
-                <a:latin typeface="Times New Roman" panose="02020603050405020304" pitchFamily="18" charset="0"/>
-                <a:cs typeface="Times New Roman" panose="02020603050405020304" pitchFamily="18" charset="0"/>
-              </a:rPr>
-              <a:t>Доступ </a:t>
-            </a:r>
-            <a:r>
-              <a:rPr lang="ru-RU" sz="2000" dirty="0">
-                <a:latin typeface="Times New Roman" panose="02020603050405020304" pitchFamily="18" charset="0"/>
-                <a:cs typeface="Times New Roman" panose="02020603050405020304" pitchFamily="18" charset="0"/>
-              </a:rPr>
-              <a:t>к сообществам, мероприятиям, образовательному контенту</a:t>
-            </a:r>
-          </a:p>
-          <a:p>
-            <a:pPr>
-              <a:spcAft>
-                <a:spcPts val="600"/>
-              </a:spcAft>
-            </a:pPr>
-            <a:endParaRPr lang="ru-RU" sz="2000" dirty="0">
-              <a:latin typeface="Times New Roman" panose="02020603050405020304" pitchFamily="18" charset="0"/>
-              <a:cs typeface="Times New Roman" panose="02020603050405020304" pitchFamily="18" charset="0"/>
-            </a:endParaRPr>
-          </a:p>
-          <a:p>
-            <a:pPr>
-              <a:spcAft>
-                <a:spcPts val="600"/>
-              </a:spcAft>
-            </a:pPr>
-            <a:r>
-              <a:rPr lang="ru-RU" sz="2000" dirty="0">
-                <a:latin typeface="Times New Roman" panose="02020603050405020304" pitchFamily="18" charset="0"/>
-                <a:cs typeface="Times New Roman" panose="02020603050405020304" pitchFamily="18" charset="0"/>
-              </a:rPr>
-              <a:t>Для общества</a:t>
-            </a:r>
-            <a:r>
-              <a:rPr lang="ru-RU" sz="2000" dirty="0" smtClean="0">
-                <a:latin typeface="Times New Roman" panose="02020603050405020304" pitchFamily="18" charset="0"/>
-                <a:cs typeface="Times New Roman" panose="02020603050405020304" pitchFamily="18" charset="0"/>
-              </a:rPr>
-              <a:t>:</a:t>
-            </a:r>
-            <a:endParaRPr lang="ru-RU" sz="2000" dirty="0">
-              <a:latin typeface="Times New Roman" panose="02020603050405020304" pitchFamily="18" charset="0"/>
-              <a:cs typeface="Times New Roman" panose="02020603050405020304" pitchFamily="18" charset="0"/>
-            </a:endParaRPr>
-          </a:p>
-          <a:p>
-            <a:pPr marL="342900" indent="-342900">
-              <a:spcAft>
-                <a:spcPts val="600"/>
-              </a:spcAft>
-              <a:buFont typeface="Arial" panose="020B0604020202020204" pitchFamily="34" charset="0"/>
-              <a:buChar char="•"/>
-            </a:pPr>
-            <a:r>
-              <a:rPr lang="ru-RU" sz="2000" dirty="0" smtClean="0">
-                <a:latin typeface="Times New Roman" panose="02020603050405020304" pitchFamily="18" charset="0"/>
-                <a:cs typeface="Times New Roman" panose="02020603050405020304" pitchFamily="18" charset="0"/>
-              </a:rPr>
-              <a:t>Снижение </a:t>
-            </a:r>
-            <a:r>
-              <a:rPr lang="ru-RU" sz="2000" dirty="0">
-                <a:latin typeface="Times New Roman" panose="02020603050405020304" pitchFamily="18" charset="0"/>
-                <a:cs typeface="Times New Roman" panose="02020603050405020304" pitchFamily="18" charset="0"/>
-              </a:rPr>
-              <a:t>коммуникационных барьеров в </a:t>
-            </a:r>
-            <a:r>
-              <a:rPr lang="ru-RU" sz="2000" dirty="0" smtClean="0">
-                <a:latin typeface="Times New Roman" panose="02020603050405020304" pitchFamily="18" charset="0"/>
-                <a:cs typeface="Times New Roman" panose="02020603050405020304" pitchFamily="18" charset="0"/>
-              </a:rPr>
-              <a:t>медицине/образовании/работе</a:t>
-            </a:r>
-            <a:endParaRPr lang="ru-RU" sz="2000" dirty="0">
-              <a:latin typeface="Times New Roman" panose="02020603050405020304" pitchFamily="18" charset="0"/>
-              <a:cs typeface="Times New Roman" panose="02020603050405020304" pitchFamily="18" charset="0"/>
-            </a:endParaRPr>
-          </a:p>
-          <a:p>
-            <a:pPr marL="342900" indent="-342900">
-              <a:spcAft>
-                <a:spcPts val="600"/>
-              </a:spcAft>
-              <a:buFont typeface="Arial" panose="020B0604020202020204" pitchFamily="34" charset="0"/>
-              <a:buChar char="•"/>
-            </a:pPr>
-            <a:r>
-              <a:rPr lang="ru-RU" sz="2000" dirty="0" smtClean="0">
-                <a:latin typeface="Times New Roman" panose="02020603050405020304" pitchFamily="18" charset="0"/>
-                <a:cs typeface="Times New Roman" panose="02020603050405020304" pitchFamily="18" charset="0"/>
-              </a:rPr>
-              <a:t>Сокращение </a:t>
-            </a:r>
-            <a:r>
-              <a:rPr lang="ru-RU" sz="2000" dirty="0">
-                <a:latin typeface="Times New Roman" panose="02020603050405020304" pitchFamily="18" charset="0"/>
-                <a:cs typeface="Times New Roman" panose="02020603050405020304" pitchFamily="18" charset="0"/>
-              </a:rPr>
-              <a:t>потребности в </a:t>
-            </a:r>
-            <a:r>
-              <a:rPr lang="ru-RU" sz="2000" dirty="0" err="1">
-                <a:latin typeface="Times New Roman" panose="02020603050405020304" pitchFamily="18" charset="0"/>
-                <a:cs typeface="Times New Roman" panose="02020603050405020304" pitchFamily="18" charset="0"/>
-              </a:rPr>
-              <a:t>сурдопереводчиках</a:t>
-            </a:r>
-            <a:r>
-              <a:rPr lang="ru-RU" sz="2000" dirty="0">
-                <a:latin typeface="Times New Roman" panose="02020603050405020304" pitchFamily="18" charset="0"/>
-                <a:cs typeface="Times New Roman" panose="02020603050405020304" pitchFamily="18" charset="0"/>
-              </a:rPr>
-              <a:t> для базовых задач</a:t>
-            </a:r>
-          </a:p>
-          <a:p>
-            <a:pPr>
-              <a:spcAft>
-                <a:spcPts val="600"/>
-              </a:spcAft>
-            </a:pPr>
-            <a:endParaRPr lang="ru-RU" sz="2000" dirty="0">
-              <a:latin typeface="Times New Roman" panose="02020603050405020304" pitchFamily="18" charset="0"/>
-              <a:cs typeface="Times New Roman" panose="02020603050405020304" pitchFamily="18" charset="0"/>
-            </a:endParaRPr>
-          </a:p>
-          <a:p>
-            <a:pPr>
-              <a:spcAft>
-                <a:spcPts val="600"/>
-              </a:spcAft>
-            </a:pPr>
-            <a:r>
-              <a:rPr lang="ru-RU" sz="2000" dirty="0">
-                <a:latin typeface="Times New Roman" panose="02020603050405020304" pitchFamily="18" charset="0"/>
-                <a:cs typeface="Times New Roman" panose="02020603050405020304" pitchFamily="18" charset="0"/>
-              </a:rPr>
-              <a:t>Для технологий</a:t>
-            </a:r>
-            <a:r>
-              <a:rPr lang="ru-RU" sz="2000" dirty="0" smtClean="0">
-                <a:latin typeface="Times New Roman" panose="02020603050405020304" pitchFamily="18" charset="0"/>
-                <a:cs typeface="Times New Roman" panose="02020603050405020304" pitchFamily="18" charset="0"/>
-              </a:rPr>
-              <a:t>:</a:t>
-            </a:r>
-            <a:endParaRPr lang="ru-RU" sz="2000" dirty="0">
-              <a:latin typeface="Times New Roman" panose="02020603050405020304" pitchFamily="18" charset="0"/>
-              <a:cs typeface="Times New Roman" panose="02020603050405020304" pitchFamily="18" charset="0"/>
-            </a:endParaRPr>
-          </a:p>
-          <a:p>
-            <a:pPr marL="342900" indent="-342900">
-              <a:spcAft>
-                <a:spcPts val="600"/>
-              </a:spcAft>
-              <a:buFont typeface="Arial" panose="020B0604020202020204" pitchFamily="34" charset="0"/>
-              <a:buChar char="•"/>
-            </a:pPr>
-            <a:r>
-              <a:rPr lang="ru-RU" sz="2000" dirty="0" smtClean="0">
-                <a:latin typeface="Times New Roman" panose="02020603050405020304" pitchFamily="18" charset="0"/>
-                <a:cs typeface="Times New Roman" panose="02020603050405020304" pitchFamily="18" charset="0"/>
-              </a:rPr>
-              <a:t>Готовый </a:t>
-            </a:r>
-            <a:r>
-              <a:rPr lang="ru-RU" sz="2000" dirty="0">
-                <a:latin typeface="Times New Roman" panose="02020603050405020304" pitchFamily="18" charset="0"/>
-                <a:cs typeface="Times New Roman" panose="02020603050405020304" pitchFamily="18" charset="0"/>
-              </a:rPr>
-              <a:t>дизайн-прототип для реализации </a:t>
-            </a:r>
-            <a:r>
-              <a:rPr lang="ru-RU" sz="2000" dirty="0" smtClean="0">
-                <a:latin typeface="Times New Roman" panose="02020603050405020304" pitchFamily="18" charset="0"/>
-                <a:cs typeface="Times New Roman" panose="02020603050405020304" pitchFamily="18" charset="0"/>
-              </a:rPr>
-              <a:t>приложения</a:t>
-            </a:r>
-            <a:endParaRPr lang="ru-RU" sz="2000" dirty="0">
-              <a:latin typeface="Times New Roman" panose="02020603050405020304" pitchFamily="18" charset="0"/>
-              <a:cs typeface="Times New Roman" panose="02020603050405020304" pitchFamily="18" charset="0"/>
-            </a:endParaRPr>
-          </a:p>
-          <a:p>
-            <a:pPr marL="342900" indent="-342900">
-              <a:spcAft>
-                <a:spcPts val="600"/>
-              </a:spcAft>
-              <a:buFont typeface="Arial" panose="020B0604020202020204" pitchFamily="34" charset="0"/>
-              <a:buChar char="•"/>
-            </a:pPr>
-            <a:r>
-              <a:rPr lang="ru-RU" sz="2000" dirty="0" smtClean="0">
-                <a:latin typeface="Times New Roman" panose="02020603050405020304" pitchFamily="18" charset="0"/>
-                <a:cs typeface="Times New Roman" panose="02020603050405020304" pitchFamily="18" charset="0"/>
-              </a:rPr>
-              <a:t>Методология </a:t>
-            </a:r>
-            <a:r>
-              <a:rPr lang="ru-RU" sz="2000" dirty="0">
-                <a:latin typeface="Times New Roman" panose="02020603050405020304" pitchFamily="18" charset="0"/>
-                <a:cs typeface="Times New Roman" panose="02020603050405020304" pitchFamily="18" charset="0"/>
-              </a:rPr>
-              <a:t>проектирования интерфейсов для людей с нарушениями слуха</a:t>
-            </a:r>
-            <a:endParaRPr lang="ru-RU" sz="2000" dirty="0">
-              <a:latin typeface="Times New Roman" panose="02020603050405020304" pitchFamily="18" charset="0"/>
-              <a:cs typeface="Times New Roman" panose="02020603050405020304" pitchFamily="18" charset="0"/>
-            </a:endParaRPr>
-          </a:p>
-        </p:txBody>
-      </p:sp>
-      <p:sp>
-        <p:nvSpPr>
-          <p:cNvPr id="4" name="Номер слайда 3"/>
-          <p:cNvSpPr>
-            <a:spLocks noGrp="1"/>
-          </p:cNvSpPr>
-          <p:nvPr>
-            <p:ph type="sldNum" sz="quarter" idx="12"/>
-          </p:nvPr>
-        </p:nvSpPr>
-        <p:spPr/>
-        <p:txBody>
-          <a:bodyPr/>
-          <a:lstStyle/>
-          <a:p>
-            <a:fld id="{1B61E6DC-7948-428B-BF0C-0B97AF471FA1}" type="slidenum">
-              <a:rPr lang="ru-RU" sz="2400" b="1" smtClean="0">
-                <a:latin typeface="Times New Roman" panose="02020603050405020304" pitchFamily="18" charset="0"/>
-                <a:cs typeface="Times New Roman" panose="02020603050405020304" pitchFamily="18" charset="0"/>
-              </a:rPr>
-              <a:t>11</a:t>
-            </a:fld>
-            <a:endParaRPr lang="ru-RU" sz="2400" b="1" dirty="0">
-              <a:latin typeface="Times New Roman" panose="02020603050405020304" pitchFamily="18" charset="0"/>
-              <a:cs typeface="Times New Roman" panose="02020603050405020304" pitchFamily="18" charset="0"/>
-            </a:endParaRPr>
-          </a:p>
-        </p:txBody>
-      </p:sp>
+      </p:pic>
     </p:spTree>
     <p:extLst>
       <p:ext uri="{BB962C8B-B14F-4D97-AF65-F5344CB8AC3E}">
-        <p14:creationId xmlns:p14="http://schemas.microsoft.com/office/powerpoint/2010/main" val="1939407047"/>
+        <p14:creationId xmlns:p14="http://schemas.microsoft.com/office/powerpoint/2010/main" val="2355464175"/>
       </p:ext>
     </p:extLst>
   </p:cSld>
@@ -4889,7 +4485,37 @@
       </p:grpSpPr>
       <p:sp>
         <p:nvSpPr>
-          <p:cNvPr id="3" name="Номер слайда 2"/>
+          <p:cNvPr id="2" name="Заголовок 1"/>
+          <p:cNvSpPr>
+            <a:spLocks noGrp="1"/>
+          </p:cNvSpPr>
+          <p:nvPr>
+            <p:ph type="title"/>
+          </p:nvPr>
+        </p:nvSpPr>
+        <p:spPr>
+          <a:noFill/>
+        </p:spPr>
+        <p:txBody>
+          <a:bodyPr/>
+          <a:lstStyle/>
+          <a:p>
+            <a:r>
+              <a:rPr lang="ru-RU" sz="4000" dirty="0">
+                <a:solidFill>
+                  <a:srgbClr val="000000"/>
+                </a:solidFill>
+                <a:latin typeface="Times New Roman" panose="02020603050405020304" pitchFamily="18" charset="0"/>
+                <a:cs typeface="Times New Roman" panose="02020603050405020304" pitchFamily="18" charset="0"/>
+              </a:rPr>
+              <a:t>Предлагаемое решение</a:t>
+            </a:r>
+          </a:p>
+        </p:txBody>
+      </p:sp>
+      <p:sp>
+        <p:nvSpPr>
+          <p:cNvPr id="4" name="Номер слайда 3"/>
           <p:cNvSpPr>
             <a:spLocks noGrp="1"/>
           </p:cNvSpPr>
@@ -4918,7 +4544,7 @@
       </p:sp>
       <p:pic>
         <p:nvPicPr>
-          <p:cNvPr id="4" name="Рисунок 3" descr="Unnamed File"/>
+          <p:cNvPr id="5" name="Рисунок 4" descr="Unnamed File"/>
           <p:cNvPicPr/>
           <p:nvPr/>
         </p:nvPicPr>
@@ -4949,50 +4575,10 @@
           </a:ln>
         </p:spPr>
       </p:pic>
-      <p:sp>
-        <p:nvSpPr>
-          <p:cNvPr id="2" name="Заголовок 1"/>
-          <p:cNvSpPr>
-            <a:spLocks noGrp="1"/>
-          </p:cNvSpPr>
-          <p:nvPr>
-            <p:ph type="title"/>
-          </p:nvPr>
-        </p:nvSpPr>
-        <p:spPr>
-          <a:xfrm>
-            <a:off x="457200" y="274638"/>
-            <a:ext cx="8003232" cy="1143000"/>
-          </a:xfrm>
-        </p:spPr>
-        <p:txBody>
-          <a:bodyPr/>
-          <a:lstStyle/>
-          <a:p>
-            <a:r>
-              <a:rPr lang="ru-RU" sz="4000" dirty="0" smtClean="0">
-                <a:solidFill>
-                  <a:srgbClr val="000000"/>
-                </a:solidFill>
-                <a:latin typeface="Times New Roman" panose="02020603050405020304" pitchFamily="18" charset="0"/>
-                <a:cs typeface="Times New Roman" panose="02020603050405020304" pitchFamily="18" charset="0"/>
-              </a:rPr>
-              <a:t>Диаграмма взаимодействия</a:t>
-            </a:r>
-            <a:endParaRPr lang="ru-RU" sz="4000" dirty="0">
-              <a:solidFill>
-                <a:srgbClr val="000000"/>
-              </a:solidFill>
-              <a:latin typeface="Times New Roman" panose="02020603050405020304" pitchFamily="18" charset="0"/>
-              <a:cs typeface="Times New Roman" panose="02020603050405020304" pitchFamily="18" charset="0"/>
-            </a:endParaRPr>
-          </a:p>
-        </p:txBody>
-      </p:sp>
     </p:spTree>
     <p:extLst>
       <p:ext uri="{BB962C8B-B14F-4D97-AF65-F5344CB8AC3E}">
-        <p14:creationId xmlns:p14="http://schemas.microsoft.com/office/powerpoint/2010/main" val="2355464175"/>
+        <p14:creationId xmlns:p14="http://schemas.microsoft.com/office/powerpoint/2010/main" val="2950982690"/>
       </p:ext>
     </p:extLst>
   </p:cSld>
@@ -5028,6 +4614,475 @@
       </p:grpSpPr>
       <p:sp>
         <p:nvSpPr>
+          <p:cNvPr id="2" name="Заголовок 1"/>
+          <p:cNvSpPr>
+            <a:spLocks noGrp="1"/>
+          </p:cNvSpPr>
+          <p:nvPr>
+            <p:ph type="title"/>
+          </p:nvPr>
+        </p:nvSpPr>
+        <p:spPr>
+          <a:noFill/>
+        </p:spPr>
+        <p:txBody>
+          <a:bodyPr/>
+          <a:lstStyle/>
+          <a:p>
+            <a:r>
+              <a:rPr lang="ru-RU" sz="4000" dirty="0">
+                <a:solidFill>
+                  <a:srgbClr val="000000"/>
+                </a:solidFill>
+                <a:latin typeface="Times New Roman" panose="02020603050405020304" pitchFamily="18" charset="0"/>
+                <a:cs typeface="Times New Roman" panose="02020603050405020304" pitchFamily="18" charset="0"/>
+              </a:rPr>
+              <a:t>Программные средства</a:t>
+            </a:r>
+          </a:p>
+        </p:txBody>
+      </p:sp>
+      <p:sp>
+        <p:nvSpPr>
+          <p:cNvPr id="3" name="TextBox 2"/>
+          <p:cNvSpPr txBox="1"/>
+          <p:nvPr/>
+        </p:nvSpPr>
+        <p:spPr>
+          <a:xfrm>
+            <a:off x="827584" y="2060848"/>
+            <a:ext cx="7632848" cy="3477875"/>
+          </a:xfrm>
+          <a:prstGeom prst="rect">
+            <a:avLst/>
+          </a:prstGeom>
+          <a:noFill/>
+        </p:spPr>
+        <p:txBody>
+          <a:bodyPr wrap="square" rtlCol="0">
+            <a:spAutoFit/>
+          </a:bodyPr>
+          <a:lstStyle/>
+          <a:p>
+            <a:pPr lvl="0">
+              <a:spcAft>
+                <a:spcPts val="600"/>
+              </a:spcAft>
+            </a:pPr>
+            <a:r>
+              <a:rPr lang="ru-RU" sz="2000" dirty="0" err="1">
+                <a:solidFill>
+                  <a:srgbClr val="000000"/>
+                </a:solidFill>
+                <a:latin typeface="Times New Roman" panose="02020603050405020304" pitchFamily="18" charset="0"/>
+                <a:cs typeface="Times New Roman" panose="02020603050405020304" pitchFamily="18" charset="0"/>
+              </a:rPr>
+              <a:t>Прототипирование</a:t>
+            </a:r>
+            <a:r>
+              <a:rPr lang="ru-RU" sz="2000" dirty="0">
+                <a:solidFill>
+                  <a:srgbClr val="000000"/>
+                </a:solidFill>
+                <a:latin typeface="Times New Roman" panose="02020603050405020304" pitchFamily="18" charset="0"/>
+                <a:cs typeface="Times New Roman" panose="02020603050405020304" pitchFamily="18" charset="0"/>
+              </a:rPr>
+              <a:t>: </a:t>
+            </a:r>
+            <a:endParaRPr lang="ru-RU" sz="2000" dirty="0" smtClean="0">
+              <a:solidFill>
+                <a:srgbClr val="000000"/>
+              </a:solidFill>
+              <a:latin typeface="Times New Roman" panose="02020603050405020304" pitchFamily="18" charset="0"/>
+              <a:cs typeface="Times New Roman" panose="02020603050405020304" pitchFamily="18" charset="0"/>
+            </a:endParaRPr>
+          </a:p>
+          <a:p>
+            <a:pPr marL="342900" lvl="0" indent="-342900">
+              <a:spcAft>
+                <a:spcPts val="600"/>
+              </a:spcAft>
+              <a:buFont typeface="Arial" panose="020B0604020202020204" pitchFamily="34" charset="0"/>
+              <a:buChar char="•"/>
+            </a:pPr>
+            <a:r>
+              <a:rPr lang="ru-RU" sz="2000" dirty="0" err="1" smtClean="0">
+                <a:solidFill>
+                  <a:srgbClr val="000000"/>
+                </a:solidFill>
+                <a:latin typeface="Times New Roman" panose="02020603050405020304" pitchFamily="18" charset="0"/>
+                <a:cs typeface="Times New Roman" panose="02020603050405020304" pitchFamily="18" charset="0"/>
+              </a:rPr>
+              <a:t>Figma</a:t>
+            </a:r>
+            <a:r>
+              <a:rPr lang="ru-RU" sz="2000" dirty="0" smtClean="0">
+                <a:solidFill>
+                  <a:srgbClr val="000000"/>
+                </a:solidFill>
+                <a:latin typeface="Times New Roman" panose="02020603050405020304" pitchFamily="18" charset="0"/>
+                <a:cs typeface="Times New Roman" panose="02020603050405020304" pitchFamily="18" charset="0"/>
+              </a:rPr>
+              <a:t> </a:t>
+            </a:r>
+            <a:r>
+              <a:rPr lang="ru-RU" sz="2000" dirty="0">
+                <a:solidFill>
+                  <a:srgbClr val="000000"/>
+                </a:solidFill>
+                <a:latin typeface="Times New Roman" panose="02020603050405020304" pitchFamily="18" charset="0"/>
+                <a:cs typeface="Times New Roman" panose="02020603050405020304" pitchFamily="18" charset="0"/>
+              </a:rPr>
+              <a:t>(облачный инструмент для интерактивных макетов).</a:t>
+            </a:r>
+          </a:p>
+          <a:p>
+            <a:pPr marL="285750" lvl="0" indent="-285750">
+              <a:spcAft>
+                <a:spcPts val="600"/>
+              </a:spcAft>
+              <a:buFont typeface="Arial" panose="020B0604020202020204" pitchFamily="34" charset="0"/>
+              <a:buChar char="•"/>
+            </a:pPr>
+            <a:endParaRPr lang="ru-RU" sz="2000" dirty="0">
+              <a:solidFill>
+                <a:srgbClr val="000000"/>
+              </a:solidFill>
+              <a:latin typeface="Times New Roman" panose="02020603050405020304" pitchFamily="18" charset="0"/>
+              <a:cs typeface="Times New Roman" panose="02020603050405020304" pitchFamily="18" charset="0"/>
+            </a:endParaRPr>
+          </a:p>
+          <a:p>
+            <a:pPr lvl="0">
+              <a:spcAft>
+                <a:spcPts val="600"/>
+              </a:spcAft>
+            </a:pPr>
+            <a:r>
+              <a:rPr lang="ru-RU" sz="2000" dirty="0">
+                <a:solidFill>
+                  <a:srgbClr val="000000"/>
+                </a:solidFill>
+                <a:latin typeface="Times New Roman" panose="02020603050405020304" pitchFamily="18" charset="0"/>
+                <a:cs typeface="Times New Roman" panose="02020603050405020304" pitchFamily="18" charset="0"/>
+              </a:rPr>
+              <a:t>Преимущества</a:t>
+            </a:r>
+            <a:r>
+              <a:rPr lang="ru-RU" sz="2000" dirty="0" smtClean="0">
+                <a:solidFill>
+                  <a:srgbClr val="000000"/>
+                </a:solidFill>
+                <a:latin typeface="Times New Roman" panose="02020603050405020304" pitchFamily="18" charset="0"/>
+                <a:cs typeface="Times New Roman" panose="02020603050405020304" pitchFamily="18" charset="0"/>
+              </a:rPr>
+              <a:t>:</a:t>
+            </a:r>
+            <a:endParaRPr lang="ru-RU" sz="2000" dirty="0">
+              <a:solidFill>
+                <a:srgbClr val="000000"/>
+              </a:solidFill>
+              <a:latin typeface="Times New Roman" panose="02020603050405020304" pitchFamily="18" charset="0"/>
+              <a:cs typeface="Times New Roman" panose="02020603050405020304" pitchFamily="18" charset="0"/>
+            </a:endParaRPr>
+          </a:p>
+          <a:p>
+            <a:pPr marL="342900" lvl="0" indent="-342900">
+              <a:spcAft>
+                <a:spcPts val="600"/>
+              </a:spcAft>
+              <a:buFont typeface="Arial" panose="020B0604020202020204" pitchFamily="34" charset="0"/>
+              <a:buChar char="•"/>
+            </a:pPr>
+            <a:r>
+              <a:rPr lang="ru-RU" sz="2000" dirty="0">
+                <a:solidFill>
+                  <a:srgbClr val="000000"/>
+                </a:solidFill>
+                <a:latin typeface="Times New Roman" panose="02020603050405020304" pitchFamily="18" charset="0"/>
+                <a:cs typeface="Times New Roman" panose="02020603050405020304" pitchFamily="18" charset="0"/>
+              </a:rPr>
+              <a:t>Интерактивность (</a:t>
+            </a:r>
+            <a:r>
+              <a:rPr lang="ru-RU" sz="2000" dirty="0" err="1">
+                <a:solidFill>
+                  <a:srgbClr val="000000"/>
+                </a:solidFill>
+                <a:latin typeface="Times New Roman" panose="02020603050405020304" pitchFamily="18" charset="0"/>
+                <a:cs typeface="Times New Roman" panose="02020603050405020304" pitchFamily="18" charset="0"/>
+              </a:rPr>
+              <a:t>кликабельные</a:t>
+            </a:r>
+            <a:r>
+              <a:rPr lang="ru-RU" sz="2000" dirty="0">
+                <a:solidFill>
+                  <a:srgbClr val="000000"/>
+                </a:solidFill>
+                <a:latin typeface="Times New Roman" panose="02020603050405020304" pitchFamily="18" charset="0"/>
+                <a:cs typeface="Times New Roman" panose="02020603050405020304" pitchFamily="18" charset="0"/>
+              </a:rPr>
+              <a:t> элементы</a:t>
+            </a:r>
+            <a:r>
+              <a:rPr lang="ru-RU" sz="2000" dirty="0" smtClean="0">
+                <a:solidFill>
+                  <a:srgbClr val="000000"/>
+                </a:solidFill>
+                <a:latin typeface="Times New Roman" panose="02020603050405020304" pitchFamily="18" charset="0"/>
+                <a:cs typeface="Times New Roman" panose="02020603050405020304" pitchFamily="18" charset="0"/>
+              </a:rPr>
+              <a:t>).</a:t>
+            </a:r>
+            <a:endParaRPr lang="ru-RU" sz="2000" dirty="0">
+              <a:solidFill>
+                <a:srgbClr val="000000"/>
+              </a:solidFill>
+              <a:latin typeface="Times New Roman" panose="02020603050405020304" pitchFamily="18" charset="0"/>
+              <a:cs typeface="Times New Roman" panose="02020603050405020304" pitchFamily="18" charset="0"/>
+            </a:endParaRPr>
+          </a:p>
+          <a:p>
+            <a:pPr marL="342900" lvl="0" indent="-342900">
+              <a:spcAft>
+                <a:spcPts val="600"/>
+              </a:spcAft>
+              <a:buFont typeface="Arial" panose="020B0604020202020204" pitchFamily="34" charset="0"/>
+              <a:buChar char="•"/>
+            </a:pPr>
+            <a:r>
+              <a:rPr lang="ru-RU" sz="2000" dirty="0">
+                <a:solidFill>
+                  <a:srgbClr val="000000"/>
+                </a:solidFill>
+                <a:latin typeface="Times New Roman" panose="02020603050405020304" pitchFamily="18" charset="0"/>
+                <a:cs typeface="Times New Roman" panose="02020603050405020304" pitchFamily="18" charset="0"/>
+              </a:rPr>
+              <a:t>Адаптация под визуальное восприятие (контраст, размеры).</a:t>
+            </a:r>
+          </a:p>
+          <a:p>
+            <a:pPr marL="285750" lvl="0" indent="-285750">
+              <a:spcAft>
+                <a:spcPts val="600"/>
+              </a:spcAft>
+              <a:buFont typeface="Arial" panose="020B0604020202020204" pitchFamily="34" charset="0"/>
+              <a:buChar char="•"/>
+            </a:pPr>
+            <a:endParaRPr lang="ru-RU" sz="2000" dirty="0">
+              <a:solidFill>
+                <a:srgbClr val="000000"/>
+              </a:solidFill>
+              <a:latin typeface="Times New Roman" panose="02020603050405020304" pitchFamily="18" charset="0"/>
+              <a:cs typeface="Times New Roman" panose="02020603050405020304" pitchFamily="18" charset="0"/>
+            </a:endParaRPr>
+          </a:p>
+          <a:p>
+            <a:pPr lvl="0">
+              <a:spcAft>
+                <a:spcPts val="600"/>
+              </a:spcAft>
+            </a:pPr>
+            <a:r>
+              <a:rPr lang="ru-RU" sz="2000" dirty="0">
+                <a:solidFill>
+                  <a:srgbClr val="000000"/>
+                </a:solidFill>
+                <a:latin typeface="Times New Roman" panose="02020603050405020304" pitchFamily="18" charset="0"/>
+                <a:cs typeface="Times New Roman" panose="02020603050405020304" pitchFamily="18" charset="0"/>
+              </a:rPr>
+              <a:t>Для реализации: </a:t>
+            </a:r>
+          </a:p>
+          <a:p>
+            <a:pPr marL="342900" lvl="0" indent="-342900">
+              <a:spcAft>
+                <a:spcPts val="600"/>
+              </a:spcAft>
+              <a:buFont typeface="Arial" panose="020B0604020202020204" pitchFamily="34" charset="0"/>
+              <a:buChar char="•"/>
+            </a:pPr>
+            <a:r>
+              <a:rPr lang="ru-RU" sz="2000" dirty="0" err="1" smtClean="0">
+                <a:solidFill>
+                  <a:srgbClr val="000000"/>
+                </a:solidFill>
+                <a:latin typeface="Times New Roman" panose="02020603050405020304" pitchFamily="18" charset="0"/>
+                <a:cs typeface="Times New Roman" panose="02020603050405020304" pitchFamily="18" charset="0"/>
+              </a:rPr>
+              <a:t>Flutter</a:t>
+            </a:r>
+            <a:r>
+              <a:rPr lang="ru-RU" sz="2000" dirty="0" smtClean="0">
+                <a:solidFill>
+                  <a:srgbClr val="000000"/>
+                </a:solidFill>
+                <a:latin typeface="Times New Roman" panose="02020603050405020304" pitchFamily="18" charset="0"/>
+                <a:cs typeface="Times New Roman" panose="02020603050405020304" pitchFamily="18" charset="0"/>
+              </a:rPr>
+              <a:t> </a:t>
+            </a:r>
+            <a:r>
+              <a:rPr lang="ru-RU" sz="2000" dirty="0">
+                <a:solidFill>
+                  <a:srgbClr val="000000"/>
+                </a:solidFill>
+                <a:latin typeface="Times New Roman" panose="02020603050405020304" pitchFamily="18" charset="0"/>
+                <a:cs typeface="Times New Roman" panose="02020603050405020304" pitchFamily="18" charset="0"/>
+              </a:rPr>
+              <a:t>(кроссплатформенная разработка).</a:t>
+            </a:r>
+          </a:p>
+        </p:txBody>
+      </p:sp>
+      <p:sp>
+        <p:nvSpPr>
+          <p:cNvPr id="4" name="Номер слайда 3"/>
+          <p:cNvSpPr>
+            <a:spLocks noGrp="1"/>
+          </p:cNvSpPr>
+          <p:nvPr>
+            <p:ph type="sldNum" sz="quarter" idx="12"/>
+          </p:nvPr>
+        </p:nvSpPr>
+        <p:spPr/>
+        <p:txBody>
+          <a:bodyPr/>
+          <a:lstStyle/>
+          <a:p>
+            <a:fld id="{1B61E6DC-7948-428B-BF0C-0B97AF471FA1}" type="slidenum">
+              <a:rPr lang="ru-RU" sz="2400" b="1" smtClean="0">
+                <a:latin typeface="Times New Roman" panose="02020603050405020304" pitchFamily="18" charset="0"/>
+                <a:cs typeface="Times New Roman" panose="02020603050405020304" pitchFamily="18" charset="0"/>
+              </a:rPr>
+              <a:t>13</a:t>
+            </a:fld>
+            <a:endParaRPr lang="ru-RU" sz="2400" b="1" dirty="0">
+              <a:latin typeface="Times New Roman" panose="02020603050405020304" pitchFamily="18" charset="0"/>
+              <a:cs typeface="Times New Roman" panose="02020603050405020304" pitchFamily="18" charset="0"/>
+            </a:endParaRPr>
+          </a:p>
+        </p:txBody>
+      </p:sp>
+      <p:pic>
+        <p:nvPicPr>
+          <p:cNvPr id="2050" name="Picture 2" descr="C:\Users\Admin\Downloads\Лого Flutter.png"/>
+          <p:cNvPicPr>
+            <a:picLocks noChangeAspect="1" noChangeArrowheads="1"/>
+          </p:cNvPicPr>
+          <p:nvPr/>
+        </p:nvPicPr>
+        <p:blipFill>
+          <a:blip r:embed="rId2" cstate="print">
+            <a:extLst>
+              <a:ext uri="{28A0092B-C50C-407E-A947-70E740481C1C}">
+                <a14:useLocalDpi xmlns:a14="http://schemas.microsoft.com/office/drawing/2010/main" val="0"/>
+              </a:ext>
+            </a:extLst>
+          </a:blip>
+          <a:srcRect/>
+          <a:stretch>
+            <a:fillRect/>
+          </a:stretch>
+        </p:blipFill>
+        <p:spPr bwMode="auto">
+          <a:xfrm>
+            <a:off x="147094" y="4836742"/>
+            <a:ext cx="608482" cy="608482"/>
+          </a:xfrm>
+          <a:prstGeom prst="rect">
+            <a:avLst/>
+          </a:prstGeom>
+          <a:noFill/>
+          <a:extLst>
+            <a:ext uri="{909E8E84-426E-40DD-AFC4-6F175D3DCCD1}">
+              <a14:hiddenFill xmlns:a14="http://schemas.microsoft.com/office/drawing/2010/main">
+                <a:solidFill>
+                  <a:srgbClr val="FFFFFF"/>
+                </a:solidFill>
+              </a14:hiddenFill>
+            </a:ext>
+          </a:extLst>
+        </p:spPr>
+      </p:pic>
+      <p:pic>
+        <p:nvPicPr>
+          <p:cNvPr id="2051" name="Picture 3" descr="C:\Users\Admin\Downloads\Лого Figma.png"/>
+          <p:cNvPicPr>
+            <a:picLocks noChangeAspect="1" noChangeArrowheads="1"/>
+          </p:cNvPicPr>
+          <p:nvPr/>
+        </p:nvPicPr>
+        <p:blipFill rotWithShape="1">
+          <a:blip r:embed="rId3" cstate="print">
+            <a:extLst>
+              <a:ext uri="{28A0092B-C50C-407E-A947-70E740481C1C}">
+                <a14:useLocalDpi xmlns:a14="http://schemas.microsoft.com/office/drawing/2010/main" val="0"/>
+              </a:ext>
+            </a:extLst>
+          </a:blip>
+          <a:srcRect l="31608" t="14183" r="31725" b="15214"/>
+          <a:stretch/>
+        </p:blipFill>
+        <p:spPr bwMode="auto">
+          <a:xfrm>
+            <a:off x="179512" y="2175283"/>
+            <a:ext cx="599109" cy="605645"/>
+          </a:xfrm>
+          <a:prstGeom prst="rect">
+            <a:avLst/>
+          </a:prstGeom>
+          <a:noFill/>
+          <a:extLst>
+            <a:ext uri="{909E8E84-426E-40DD-AFC4-6F175D3DCCD1}">
+              <a14:hiddenFill xmlns:a14="http://schemas.microsoft.com/office/drawing/2010/main">
+                <a:solidFill>
+                  <a:srgbClr val="FFFFFF"/>
+                </a:solidFill>
+              </a14:hiddenFill>
+            </a:ext>
+          </a:extLst>
+        </p:spPr>
+      </p:pic>
+    </p:spTree>
+    <p:extLst>
+      <p:ext uri="{BB962C8B-B14F-4D97-AF65-F5344CB8AC3E}">
+        <p14:creationId xmlns:p14="http://schemas.microsoft.com/office/powerpoint/2010/main" val="3421925685"/>
+      </p:ext>
+    </p:extLst>
+  </p:cSld>
+  <p:clrMapOvr>
+    <a:masterClrMapping/>
+  </p:clrMapOvr>
+  <p:timing>
+    <p:tnLst>
+      <p:par>
+        <p:cTn id="1" dur="indefinite" restart="never" nodeType="tmRoot"/>
+      </p:par>
+    </p:tnLst>
+  </p:timing>
+</p:sld>
+</file>
+
+<file path=ppt/slides/slide14.xml><?xml version="1.0" encoding="utf-8"?>
+<p:sld xmlns:a="http://schemas.openxmlformats.org/drawingml/2006/main" xmlns:r="http://schemas.openxmlformats.org/officeDocument/2006/relationships" xmlns:p="http://schemas.openxmlformats.org/presentationml/2006/main">
+  <p:cSld>
+    <p:spTree>
+      <p:nvGrpSpPr>
+        <p:cNvPr id="1" name=""/>
+        <p:cNvGrpSpPr/>
+        <p:nvPr/>
+      </p:nvGrpSpPr>
+      <p:grpSpPr>
+        <a:xfrm>
+          <a:off x="0" y="0"/>
+          <a:ext cx="0" cy="0"/>
+          <a:chOff x="0" y="0"/>
+          <a:chExt cx="0" cy="0"/>
+        </a:xfrm>
+      </p:grpSpPr>
+      <p:sp>
+        <p:nvSpPr>
           <p:cNvPr id="3" name="Номер слайда 2"/>
           <p:cNvSpPr>
             <a:spLocks noGrp="1"/>
@@ -5046,7 +5101,7 @@
                 <a:latin typeface="Times New Roman" panose="02020603050405020304" pitchFamily="18" charset="0"/>
                 <a:cs typeface="Times New Roman" panose="02020603050405020304" pitchFamily="18" charset="0"/>
               </a:rPr>
-              <a:t>13</a:t>
+              <a:t>14</a:t>
             </a:fld>
             <a:endParaRPr lang="ru-RU" sz="2400" b="1">
               <a:latin typeface="Times New Roman" panose="02020603050405020304" pitchFamily="18" charset="0"/>
@@ -5135,8 +5190,25 @@
                 <a:latin typeface="Times New Roman" panose="02020603050405020304" pitchFamily="18" charset="0"/>
                 <a:cs typeface="Times New Roman" panose="02020603050405020304" pitchFamily="18" charset="0"/>
               </a:rPr>
-              <a:t>Диаграмма вариантов использования</a:t>
-            </a:r>
+              <a:t>Функциональные </a:t>
+            </a:r>
+            <a:r>
+              <a:rPr lang="ru-RU" sz="4000" dirty="0" smtClean="0">
+                <a:solidFill>
+                  <a:srgbClr val="000000"/>
+                </a:solidFill>
+                <a:latin typeface="Times New Roman" panose="02020603050405020304" pitchFamily="18" charset="0"/>
+                <a:cs typeface="Times New Roman" panose="02020603050405020304" pitchFamily="18" charset="0"/>
+              </a:rPr>
+              <a:t>требования</a:t>
+            </a:r>
+            <a:endParaRPr lang="ru-RU" sz="4000" dirty="0">
+              <a:solidFill>
+                <a:srgbClr val="000000"/>
+              </a:solidFill>
+              <a:latin typeface="Times New Roman" panose="02020603050405020304" pitchFamily="18" charset="0"/>
+              <a:cs typeface="Times New Roman" panose="02020603050405020304" pitchFamily="18" charset="0"/>
+            </a:endParaRPr>
           </a:p>
         </p:txBody>
       </p:sp>
@@ -5160,7 +5232,7 @@
 </p:sld>
 </file>
 
-<file path=ppt/slides/slide14.xml><?xml version="1.0" encoding="utf-8"?>
+<file path=ppt/slides/slide15.xml><?xml version="1.0" encoding="utf-8"?>
 <p:sld xmlns:a="http://schemas.openxmlformats.org/drawingml/2006/main" xmlns:r="http://schemas.openxmlformats.org/officeDocument/2006/relationships" xmlns:p="http://schemas.openxmlformats.org/presentationml/2006/main">
   <p:cSld>
     <p:spTree>
@@ -5232,7 +5304,7 @@
                 <a:latin typeface="Times New Roman" panose="02020603050405020304" pitchFamily="18" charset="0"/>
                 <a:cs typeface="Times New Roman" panose="02020603050405020304" pitchFamily="18" charset="0"/>
               </a:rPr>
-              <a:t>14</a:t>
+              <a:t>15</a:t>
             </a:fld>
             <a:endParaRPr lang="ru-RU" sz="2400" b="1" dirty="0">
               <a:latin typeface="Times New Roman" panose="02020603050405020304" pitchFamily="18" charset="0"/>
@@ -5655,7 +5727,7 @@
 </p:sld>
 </file>
 
-<file path=ppt/slides/slide15.xml><?xml version="1.0" encoding="utf-8"?>
+<file path=ppt/slides/slide16.xml><?xml version="1.0" encoding="utf-8"?>
 <p:sld xmlns:a="http://schemas.openxmlformats.org/drawingml/2006/main" xmlns:r="http://schemas.openxmlformats.org/officeDocument/2006/relationships" xmlns:p="http://schemas.openxmlformats.org/presentationml/2006/main">
   <p:cSld>
     <p:spTree>
@@ -5692,7 +5764,7 @@
                 <a:latin typeface="Times New Roman" panose="02020603050405020304" pitchFamily="18" charset="0"/>
                 <a:cs typeface="Times New Roman" panose="02020603050405020304" pitchFamily="18" charset="0"/>
               </a:rPr>
-              <a:t>15</a:t>
+              <a:t>16</a:t>
             </a:fld>
             <a:endParaRPr lang="ru-RU" sz="2400" b="1">
               <a:latin typeface="Times New Roman" panose="02020603050405020304" pitchFamily="18" charset="0"/>
@@ -5884,7 +5956,7 @@
 </p:sld>
 </file>
 
-<file path=ppt/slides/slide16.xml><?xml version="1.0" encoding="utf-8"?>
+<file path=ppt/slides/slide17.xml><?xml version="1.0" encoding="utf-8"?>
 <p:sld xmlns:a="http://schemas.openxmlformats.org/drawingml/2006/main" xmlns:r="http://schemas.openxmlformats.org/officeDocument/2006/relationships" xmlns:p="http://schemas.openxmlformats.org/presentationml/2006/main">
   <p:cSld>
     <p:spTree>
@@ -5921,7 +5993,7 @@
                 <a:latin typeface="Times New Roman" panose="02020603050405020304" pitchFamily="18" charset="0"/>
                 <a:cs typeface="Times New Roman" panose="02020603050405020304" pitchFamily="18" charset="0"/>
               </a:rPr>
-              <a:t>16</a:t>
+              <a:t>17</a:t>
             </a:fld>
             <a:endParaRPr lang="ru-RU" sz="2400" b="1" dirty="0">
               <a:latin typeface="Times New Roman" panose="02020603050405020304" pitchFamily="18" charset="0"/>
@@ -6154,7 +6226,7 @@
 </p:sld>
 </file>
 
-<file path=ppt/slides/slide17.xml><?xml version="1.0" encoding="utf-8"?>
+<file path=ppt/slides/slide18.xml><?xml version="1.0" encoding="utf-8"?>
 <p:sld xmlns:a="http://schemas.openxmlformats.org/drawingml/2006/main" xmlns:r="http://schemas.openxmlformats.org/officeDocument/2006/relationships" xmlns:p="http://schemas.openxmlformats.org/presentationml/2006/main">
   <p:cSld>
     <p:spTree>
@@ -6182,39 +6254,402 @@
           </p:nvPr>
         </p:nvSpPr>
         <p:spPr>
-          <a:xfrm>
-            <a:off x="395536" y="1844824"/>
-            <a:ext cx="7620000" cy="1143000"/>
-          </a:xfrm>
+          <a:noFill/>
         </p:spPr>
         <p:txBody>
           <a:bodyPr/>
           <a:lstStyle/>
           <a:p>
-            <a:pPr algn="ctr"/>
-            <a:r>
-              <a:rPr lang="ru-RU" sz="4800" dirty="0" smtClean="0">
-                <a:solidFill>
-                  <a:schemeClr val="tx1"/>
-                </a:solidFill>
-                <a:latin typeface="Times New Roman" panose="02020603050405020304" pitchFamily="18" charset="0"/>
-                <a:cs typeface="Times New Roman" panose="02020603050405020304" pitchFamily="18" charset="0"/>
-              </a:rPr>
-              <a:t>Спасибо за внимание</a:t>
-            </a:r>
-            <a:endParaRPr lang="ru-RU" sz="4800" dirty="0">
+            <a:r>
+              <a:rPr lang="ru-RU" sz="4000" dirty="0">
+                <a:solidFill>
+                  <a:srgbClr val="000000"/>
+                </a:solidFill>
+                <a:latin typeface="Times New Roman" panose="02020603050405020304" pitchFamily="18" charset="0"/>
+                <a:cs typeface="Times New Roman" panose="02020603050405020304" pitchFamily="18" charset="0"/>
+              </a:rPr>
+              <a:t> Практическая значимость</a:t>
+            </a:r>
+          </a:p>
+        </p:txBody>
+      </p:sp>
+      <p:sp>
+        <p:nvSpPr>
+          <p:cNvPr id="3" name="TextBox 2"/>
+          <p:cNvSpPr txBox="1"/>
+          <p:nvPr/>
+        </p:nvSpPr>
+        <p:spPr>
+          <a:xfrm>
+            <a:off x="467544" y="1772816"/>
+            <a:ext cx="7992888" cy="4862870"/>
+          </a:xfrm>
+          <a:prstGeom prst="rect">
+            <a:avLst/>
+          </a:prstGeom>
+          <a:noFill/>
+        </p:spPr>
+        <p:txBody>
+          <a:bodyPr wrap="square" rtlCol="0">
+            <a:spAutoFit/>
+          </a:bodyPr>
+          <a:lstStyle/>
+          <a:p>
+            <a:pPr>
+              <a:spcAft>
+                <a:spcPts val="600"/>
+              </a:spcAft>
+            </a:pPr>
+            <a:r>
+              <a:rPr lang="ru-RU" sz="2000" dirty="0" smtClean="0">
+                <a:solidFill>
+                  <a:srgbClr val="000000"/>
+                </a:solidFill>
+                <a:latin typeface="Times New Roman" panose="02020603050405020304" pitchFamily="18" charset="0"/>
+                <a:cs typeface="Times New Roman" panose="02020603050405020304" pitchFamily="18" charset="0"/>
+              </a:rPr>
+              <a:t>Для </a:t>
+            </a:r>
+            <a:r>
+              <a:rPr lang="ru-RU" sz="2000" dirty="0">
+                <a:solidFill>
+                  <a:srgbClr val="000000"/>
+                </a:solidFill>
+                <a:latin typeface="Times New Roman" panose="02020603050405020304" pitchFamily="18" charset="0"/>
+                <a:cs typeface="Times New Roman" panose="02020603050405020304" pitchFamily="18" charset="0"/>
+              </a:rPr>
+              <a:t>пользователей:</a:t>
+            </a:r>
+          </a:p>
+          <a:p>
+            <a:pPr marL="342900" indent="-342900">
+              <a:spcAft>
+                <a:spcPts val="600"/>
+              </a:spcAft>
+              <a:buFont typeface="Arial" panose="020B0604020202020204" pitchFamily="34" charset="0"/>
+              <a:buChar char="•"/>
+            </a:pPr>
+            <a:r>
+              <a:rPr lang="ru-RU" sz="2000" dirty="0" smtClean="0">
+                <a:solidFill>
+                  <a:srgbClr val="000000"/>
+                </a:solidFill>
+                <a:latin typeface="Times New Roman" panose="02020603050405020304" pitchFamily="18" charset="0"/>
+                <a:cs typeface="Times New Roman" panose="02020603050405020304" pitchFamily="18" charset="0"/>
+              </a:rPr>
+              <a:t>Упрощение </a:t>
+            </a:r>
+            <a:r>
+              <a:rPr lang="ru-RU" sz="2000" dirty="0">
+                <a:solidFill>
+                  <a:srgbClr val="000000"/>
+                </a:solidFill>
+                <a:latin typeface="Times New Roman" panose="02020603050405020304" pitchFamily="18" charset="0"/>
+                <a:cs typeface="Times New Roman" panose="02020603050405020304" pitchFamily="18" charset="0"/>
+              </a:rPr>
+              <a:t>общения со слышащими через субтитры/транскрипцию</a:t>
+            </a:r>
+          </a:p>
+          <a:p>
+            <a:pPr marL="342900" indent="-342900">
+              <a:spcAft>
+                <a:spcPts val="600"/>
+              </a:spcAft>
+              <a:buFont typeface="Arial" panose="020B0604020202020204" pitchFamily="34" charset="0"/>
+              <a:buChar char="•"/>
+            </a:pPr>
+            <a:r>
+              <a:rPr lang="ru-RU" sz="2000" dirty="0" smtClean="0">
+                <a:solidFill>
+                  <a:srgbClr val="000000"/>
+                </a:solidFill>
+                <a:latin typeface="Times New Roman" panose="02020603050405020304" pitchFamily="18" charset="0"/>
+                <a:cs typeface="Times New Roman" panose="02020603050405020304" pitchFamily="18" charset="0"/>
+              </a:rPr>
+              <a:t>Доступ </a:t>
+            </a:r>
+            <a:r>
+              <a:rPr lang="ru-RU" sz="2000" dirty="0">
+                <a:solidFill>
+                  <a:srgbClr val="000000"/>
+                </a:solidFill>
+                <a:latin typeface="Times New Roman" panose="02020603050405020304" pitchFamily="18" charset="0"/>
+                <a:cs typeface="Times New Roman" panose="02020603050405020304" pitchFamily="18" charset="0"/>
+              </a:rPr>
+              <a:t>к сообществам, мероприятиям, образовательному контенту</a:t>
+            </a:r>
+          </a:p>
+          <a:p>
+            <a:pPr>
+              <a:spcAft>
+                <a:spcPts val="600"/>
+              </a:spcAft>
+            </a:pPr>
+            <a:endParaRPr lang="ru-RU" sz="2000" dirty="0">
               <a:solidFill>
-                <a:schemeClr val="tx1"/>
+                <a:srgbClr val="000000"/>
               </a:solidFill>
               <a:latin typeface="Times New Roman" panose="02020603050405020304" pitchFamily="18" charset="0"/>
               <a:cs typeface="Times New Roman" panose="02020603050405020304" pitchFamily="18" charset="0"/>
             </a:endParaRPr>
           </a:p>
-        </p:txBody>
-      </p:sp>
-      <p:sp>
-        <p:nvSpPr>
-          <p:cNvPr id="5" name="Номер слайда 4"/>
+          <a:p>
+            <a:pPr>
+              <a:spcAft>
+                <a:spcPts val="600"/>
+              </a:spcAft>
+            </a:pPr>
+            <a:r>
+              <a:rPr lang="ru-RU" sz="2000" dirty="0">
+                <a:solidFill>
+                  <a:srgbClr val="000000"/>
+                </a:solidFill>
+                <a:latin typeface="Times New Roman" panose="02020603050405020304" pitchFamily="18" charset="0"/>
+                <a:cs typeface="Times New Roman" panose="02020603050405020304" pitchFamily="18" charset="0"/>
+              </a:rPr>
+              <a:t>Для общества</a:t>
+            </a:r>
+            <a:r>
+              <a:rPr lang="ru-RU" sz="2000" dirty="0" smtClean="0">
+                <a:solidFill>
+                  <a:srgbClr val="000000"/>
+                </a:solidFill>
+                <a:latin typeface="Times New Roman" panose="02020603050405020304" pitchFamily="18" charset="0"/>
+                <a:cs typeface="Times New Roman" panose="02020603050405020304" pitchFamily="18" charset="0"/>
+              </a:rPr>
+              <a:t>:</a:t>
+            </a:r>
+            <a:endParaRPr lang="ru-RU" sz="2000" dirty="0">
+              <a:solidFill>
+                <a:srgbClr val="000000"/>
+              </a:solidFill>
+              <a:latin typeface="Times New Roman" panose="02020603050405020304" pitchFamily="18" charset="0"/>
+              <a:cs typeface="Times New Roman" panose="02020603050405020304" pitchFamily="18" charset="0"/>
+            </a:endParaRPr>
+          </a:p>
+          <a:p>
+            <a:pPr marL="342900" indent="-342900">
+              <a:spcAft>
+                <a:spcPts val="600"/>
+              </a:spcAft>
+              <a:buFont typeface="Arial" panose="020B0604020202020204" pitchFamily="34" charset="0"/>
+              <a:buChar char="•"/>
+            </a:pPr>
+            <a:r>
+              <a:rPr lang="ru-RU" sz="2000" dirty="0" smtClean="0">
+                <a:solidFill>
+                  <a:srgbClr val="000000"/>
+                </a:solidFill>
+                <a:latin typeface="Times New Roman" panose="02020603050405020304" pitchFamily="18" charset="0"/>
+                <a:cs typeface="Times New Roman" panose="02020603050405020304" pitchFamily="18" charset="0"/>
+              </a:rPr>
+              <a:t>Снижение </a:t>
+            </a:r>
+            <a:r>
+              <a:rPr lang="ru-RU" sz="2000" dirty="0">
+                <a:solidFill>
+                  <a:srgbClr val="000000"/>
+                </a:solidFill>
+                <a:latin typeface="Times New Roman" panose="02020603050405020304" pitchFamily="18" charset="0"/>
+                <a:cs typeface="Times New Roman" panose="02020603050405020304" pitchFamily="18" charset="0"/>
+              </a:rPr>
+              <a:t>коммуникационных барьеров в </a:t>
+            </a:r>
+            <a:r>
+              <a:rPr lang="ru-RU" sz="2000" dirty="0" smtClean="0">
+                <a:solidFill>
+                  <a:srgbClr val="000000"/>
+                </a:solidFill>
+                <a:latin typeface="Times New Roman" panose="02020603050405020304" pitchFamily="18" charset="0"/>
+                <a:cs typeface="Times New Roman" panose="02020603050405020304" pitchFamily="18" charset="0"/>
+              </a:rPr>
+              <a:t>медицине/образовании/работе</a:t>
+            </a:r>
+            <a:endParaRPr lang="ru-RU" sz="2000" dirty="0">
+              <a:solidFill>
+                <a:srgbClr val="000000"/>
+              </a:solidFill>
+              <a:latin typeface="Times New Roman" panose="02020603050405020304" pitchFamily="18" charset="0"/>
+              <a:cs typeface="Times New Roman" panose="02020603050405020304" pitchFamily="18" charset="0"/>
+            </a:endParaRPr>
+          </a:p>
+          <a:p>
+            <a:pPr marL="342900" indent="-342900">
+              <a:spcAft>
+                <a:spcPts val="600"/>
+              </a:spcAft>
+              <a:buFont typeface="Arial" panose="020B0604020202020204" pitchFamily="34" charset="0"/>
+              <a:buChar char="•"/>
+            </a:pPr>
+            <a:r>
+              <a:rPr lang="ru-RU" sz="2000" dirty="0" smtClean="0">
+                <a:solidFill>
+                  <a:srgbClr val="000000"/>
+                </a:solidFill>
+                <a:latin typeface="Times New Roman" panose="02020603050405020304" pitchFamily="18" charset="0"/>
+                <a:cs typeface="Times New Roman" panose="02020603050405020304" pitchFamily="18" charset="0"/>
+              </a:rPr>
+              <a:t>Сокращение </a:t>
+            </a:r>
+            <a:r>
+              <a:rPr lang="ru-RU" sz="2000" dirty="0">
+                <a:solidFill>
+                  <a:srgbClr val="000000"/>
+                </a:solidFill>
+                <a:latin typeface="Times New Roman" panose="02020603050405020304" pitchFamily="18" charset="0"/>
+                <a:cs typeface="Times New Roman" panose="02020603050405020304" pitchFamily="18" charset="0"/>
+              </a:rPr>
+              <a:t>потребности в </a:t>
+            </a:r>
+            <a:r>
+              <a:rPr lang="ru-RU" sz="2000" dirty="0" err="1">
+                <a:solidFill>
+                  <a:srgbClr val="000000"/>
+                </a:solidFill>
+                <a:latin typeface="Times New Roman" panose="02020603050405020304" pitchFamily="18" charset="0"/>
+                <a:cs typeface="Times New Roman" panose="02020603050405020304" pitchFamily="18" charset="0"/>
+              </a:rPr>
+              <a:t>сурдопереводчиках</a:t>
+            </a:r>
+            <a:r>
+              <a:rPr lang="ru-RU" sz="2000" dirty="0">
+                <a:solidFill>
+                  <a:srgbClr val="000000"/>
+                </a:solidFill>
+                <a:latin typeface="Times New Roman" panose="02020603050405020304" pitchFamily="18" charset="0"/>
+                <a:cs typeface="Times New Roman" panose="02020603050405020304" pitchFamily="18" charset="0"/>
+              </a:rPr>
+              <a:t> для базовых задач</a:t>
+            </a:r>
+          </a:p>
+          <a:p>
+            <a:pPr>
+              <a:spcAft>
+                <a:spcPts val="600"/>
+              </a:spcAft>
+            </a:pPr>
+            <a:endParaRPr lang="ru-RU" sz="2000" dirty="0">
+              <a:solidFill>
+                <a:srgbClr val="000000"/>
+              </a:solidFill>
+              <a:latin typeface="Times New Roman" panose="02020603050405020304" pitchFamily="18" charset="0"/>
+              <a:cs typeface="Times New Roman" panose="02020603050405020304" pitchFamily="18" charset="0"/>
+            </a:endParaRPr>
+          </a:p>
+          <a:p>
+            <a:pPr>
+              <a:spcAft>
+                <a:spcPts val="600"/>
+              </a:spcAft>
+            </a:pPr>
+            <a:r>
+              <a:rPr lang="ru-RU" sz="2000" dirty="0">
+                <a:solidFill>
+                  <a:srgbClr val="000000"/>
+                </a:solidFill>
+                <a:latin typeface="Times New Roman" panose="02020603050405020304" pitchFamily="18" charset="0"/>
+                <a:cs typeface="Times New Roman" panose="02020603050405020304" pitchFamily="18" charset="0"/>
+              </a:rPr>
+              <a:t>Для технологий</a:t>
+            </a:r>
+            <a:r>
+              <a:rPr lang="ru-RU" sz="2000" dirty="0" smtClean="0">
+                <a:solidFill>
+                  <a:srgbClr val="000000"/>
+                </a:solidFill>
+                <a:latin typeface="Times New Roman" panose="02020603050405020304" pitchFamily="18" charset="0"/>
+                <a:cs typeface="Times New Roman" panose="02020603050405020304" pitchFamily="18" charset="0"/>
+              </a:rPr>
+              <a:t>:</a:t>
+            </a:r>
+            <a:endParaRPr lang="ru-RU" sz="2000" dirty="0">
+              <a:solidFill>
+                <a:srgbClr val="000000"/>
+              </a:solidFill>
+              <a:latin typeface="Times New Roman" panose="02020603050405020304" pitchFamily="18" charset="0"/>
+              <a:cs typeface="Times New Roman" panose="02020603050405020304" pitchFamily="18" charset="0"/>
+            </a:endParaRPr>
+          </a:p>
+          <a:p>
+            <a:pPr marL="342900" indent="-342900">
+              <a:spcAft>
+                <a:spcPts val="600"/>
+              </a:spcAft>
+              <a:buFont typeface="Arial" panose="020B0604020202020204" pitchFamily="34" charset="0"/>
+              <a:buChar char="•"/>
+            </a:pPr>
+            <a:r>
+              <a:rPr lang="ru-RU" sz="2000" dirty="0" smtClean="0">
+                <a:solidFill>
+                  <a:srgbClr val="000000"/>
+                </a:solidFill>
+                <a:latin typeface="Times New Roman" panose="02020603050405020304" pitchFamily="18" charset="0"/>
+                <a:cs typeface="Times New Roman" panose="02020603050405020304" pitchFamily="18" charset="0"/>
+              </a:rPr>
+              <a:t>Готовый </a:t>
+            </a:r>
+            <a:r>
+              <a:rPr lang="ru-RU" sz="2000" dirty="0">
+                <a:solidFill>
+                  <a:srgbClr val="000000"/>
+                </a:solidFill>
+                <a:latin typeface="Times New Roman" panose="02020603050405020304" pitchFamily="18" charset="0"/>
+                <a:cs typeface="Times New Roman" panose="02020603050405020304" pitchFamily="18" charset="0"/>
+              </a:rPr>
+              <a:t>дизайн-прототип для реализации </a:t>
+            </a:r>
+            <a:r>
+              <a:rPr lang="ru-RU" sz="2000" dirty="0" smtClean="0">
+                <a:solidFill>
+                  <a:srgbClr val="000000"/>
+                </a:solidFill>
+                <a:latin typeface="Times New Roman" panose="02020603050405020304" pitchFamily="18" charset="0"/>
+                <a:cs typeface="Times New Roman" panose="02020603050405020304" pitchFamily="18" charset="0"/>
+              </a:rPr>
+              <a:t>приложения</a:t>
+            </a:r>
+            <a:endParaRPr lang="ru-RU" sz="2000" dirty="0">
+              <a:solidFill>
+                <a:srgbClr val="000000"/>
+              </a:solidFill>
+              <a:latin typeface="Times New Roman" panose="02020603050405020304" pitchFamily="18" charset="0"/>
+              <a:cs typeface="Times New Roman" panose="02020603050405020304" pitchFamily="18" charset="0"/>
+            </a:endParaRPr>
+          </a:p>
+          <a:p>
+            <a:pPr marL="342900" indent="-342900">
+              <a:spcAft>
+                <a:spcPts val="600"/>
+              </a:spcAft>
+              <a:buFont typeface="Arial" panose="020B0604020202020204" pitchFamily="34" charset="0"/>
+              <a:buChar char="•"/>
+            </a:pPr>
+            <a:r>
+              <a:rPr lang="ru-RU" sz="2000" dirty="0" smtClean="0">
+                <a:solidFill>
+                  <a:srgbClr val="000000"/>
+                </a:solidFill>
+                <a:latin typeface="Times New Roman" panose="02020603050405020304" pitchFamily="18" charset="0"/>
+                <a:cs typeface="Times New Roman" panose="02020603050405020304" pitchFamily="18" charset="0"/>
+              </a:rPr>
+              <a:t>Методология </a:t>
+            </a:r>
+            <a:r>
+              <a:rPr lang="ru-RU" sz="2000" dirty="0">
+                <a:solidFill>
+                  <a:srgbClr val="000000"/>
+                </a:solidFill>
+                <a:latin typeface="Times New Roman" panose="02020603050405020304" pitchFamily="18" charset="0"/>
+                <a:cs typeface="Times New Roman" panose="02020603050405020304" pitchFamily="18" charset="0"/>
+              </a:rPr>
+              <a:t>проектирования интерфейсов для людей с нарушениями слуха</a:t>
+            </a:r>
+          </a:p>
+        </p:txBody>
+      </p:sp>
+      <p:sp>
+        <p:nvSpPr>
+          <p:cNvPr id="4" name="Номер слайда 3"/>
           <p:cNvSpPr>
             <a:spLocks noGrp="1"/>
           </p:cNvSpPr>
@@ -6232,7 +6667,7 @@
                 <a:latin typeface="Times New Roman" panose="02020603050405020304" pitchFamily="18" charset="0"/>
                 <a:cs typeface="Times New Roman" panose="02020603050405020304" pitchFamily="18" charset="0"/>
               </a:rPr>
-              <a:t>17</a:t>
+              <a:t>18</a:t>
             </a:fld>
             <a:endParaRPr lang="ru-RU" sz="2400" b="1" dirty="0">
               <a:latin typeface="Times New Roman" panose="02020603050405020304" pitchFamily="18" charset="0"/>
@@ -6244,7 +6679,331 @@
     </p:spTree>
     <p:extLst>
       <p:ext uri="{BB962C8B-B14F-4D97-AF65-F5344CB8AC3E}">
-        <p14:creationId xmlns:p14="http://schemas.microsoft.com/office/powerpoint/2010/main" val="868850682"/>
+        <p14:creationId xmlns:p14="http://schemas.microsoft.com/office/powerpoint/2010/main" val="1358732267"/>
+      </p:ext>
+    </p:extLst>
+  </p:cSld>
+  <p:clrMapOvr>
+    <a:masterClrMapping/>
+  </p:clrMapOvr>
+  <p:timing>
+    <p:tnLst>
+      <p:par>
+        <p:cTn id="1" dur="indefinite" restart="never" nodeType="tmRoot"/>
+      </p:par>
+    </p:tnLst>
+  </p:timing>
+</p:sld>
+</file>
+
+<file path=ppt/slides/slide19.xml><?xml version="1.0" encoding="utf-8"?>
+<p:sld xmlns:a="http://schemas.openxmlformats.org/drawingml/2006/main" xmlns:r="http://schemas.openxmlformats.org/officeDocument/2006/relationships" xmlns:p="http://schemas.openxmlformats.org/presentationml/2006/main">
+  <p:cSld>
+    <p:spTree>
+      <p:nvGrpSpPr>
+        <p:cNvPr id="1" name=""/>
+        <p:cNvGrpSpPr/>
+        <p:nvPr/>
+      </p:nvGrpSpPr>
+      <p:grpSpPr>
+        <a:xfrm>
+          <a:off x="0" y="0"/>
+          <a:ext cx="0" cy="0"/>
+          <a:chOff x="0" y="0"/>
+          <a:chExt cx="0" cy="0"/>
+        </a:xfrm>
+      </p:grpSpPr>
+      <p:sp>
+        <p:nvSpPr>
+          <p:cNvPr id="2" name="Заголовок 1"/>
+          <p:cNvSpPr>
+            <a:spLocks noGrp="1"/>
+          </p:cNvSpPr>
+          <p:nvPr>
+            <p:ph type="title"/>
+          </p:nvPr>
+        </p:nvSpPr>
+        <p:spPr>
+          <a:noFill/>
+        </p:spPr>
+        <p:txBody>
+          <a:bodyPr/>
+          <a:lstStyle/>
+          <a:p>
+            <a:r>
+              <a:rPr lang="ru-RU" sz="4000" dirty="0">
+                <a:solidFill>
+                  <a:srgbClr val="000000"/>
+                </a:solidFill>
+                <a:latin typeface="Times New Roman" panose="02020603050405020304" pitchFamily="18" charset="0"/>
+                <a:cs typeface="Times New Roman" panose="02020603050405020304" pitchFamily="18" charset="0"/>
+              </a:rPr>
+              <a:t>Список публикаций</a:t>
+            </a:r>
+          </a:p>
+        </p:txBody>
+      </p:sp>
+      <p:sp>
+        <p:nvSpPr>
+          <p:cNvPr id="3" name="TextBox 2"/>
+          <p:cNvSpPr txBox="1"/>
+          <p:nvPr/>
+        </p:nvSpPr>
+        <p:spPr>
+          <a:xfrm>
+            <a:off x="107504" y="1340768"/>
+            <a:ext cx="8352928" cy="5386090"/>
+          </a:xfrm>
+          <a:prstGeom prst="rect">
+            <a:avLst/>
+          </a:prstGeom>
+          <a:noFill/>
+        </p:spPr>
+        <p:txBody>
+          <a:bodyPr wrap="square" rtlCol="0">
+            <a:spAutoFit/>
+          </a:bodyPr>
+          <a:lstStyle/>
+          <a:p>
+            <a:pPr marL="342900" indent="-342900">
+              <a:spcAft>
+                <a:spcPts val="600"/>
+              </a:spcAft>
+              <a:buFont typeface="+mj-lt"/>
+              <a:buAutoNum type="arabicPeriod"/>
+            </a:pPr>
+            <a:r>
+              <a:rPr lang="ru-RU" dirty="0" err="1" smtClean="0">
+                <a:solidFill>
+                  <a:srgbClr val="000000"/>
+                </a:solidFill>
+                <a:latin typeface="Times New Roman" panose="02020603050405020304" pitchFamily="18" charset="0"/>
+                <a:cs typeface="Times New Roman" panose="02020603050405020304" pitchFamily="18" charset="0"/>
+              </a:rPr>
+              <a:t>Жусова</a:t>
+            </a:r>
+            <a:r>
+              <a:rPr lang="ru-RU" dirty="0">
+                <a:solidFill>
+                  <a:srgbClr val="000000"/>
+                </a:solidFill>
+                <a:latin typeface="Times New Roman" panose="02020603050405020304" pitchFamily="18" charset="0"/>
+                <a:cs typeface="Times New Roman" panose="02020603050405020304" pitchFamily="18" charset="0"/>
+              </a:rPr>
+              <a:t>, М. С. Мобильное приложение «Мой диалог» как средство коммуникации глухих и слабослышащих детей / М. С. </a:t>
+            </a:r>
+            <a:r>
+              <a:rPr lang="ru-RU" dirty="0" err="1">
+                <a:solidFill>
+                  <a:srgbClr val="000000"/>
+                </a:solidFill>
+                <a:latin typeface="Times New Roman" panose="02020603050405020304" pitchFamily="18" charset="0"/>
+                <a:cs typeface="Times New Roman" panose="02020603050405020304" pitchFamily="18" charset="0"/>
+              </a:rPr>
+              <a:t>Жусова</a:t>
+            </a:r>
+            <a:r>
+              <a:rPr lang="ru-RU" dirty="0">
+                <a:solidFill>
+                  <a:srgbClr val="000000"/>
+                </a:solidFill>
+                <a:latin typeface="Times New Roman" panose="02020603050405020304" pitchFamily="18" charset="0"/>
+                <a:cs typeface="Times New Roman" panose="02020603050405020304" pitchFamily="18" charset="0"/>
+              </a:rPr>
+              <a:t>, Г. Н. Кобякова // Дефектология. – 2023. – № 3. – С. 284–291.</a:t>
+            </a:r>
+          </a:p>
+          <a:p>
+            <a:pPr marL="342900" indent="-342900">
+              <a:spcAft>
+                <a:spcPts val="600"/>
+              </a:spcAft>
+              <a:buFont typeface="+mj-lt"/>
+              <a:buAutoNum type="arabicPeriod"/>
+            </a:pPr>
+            <a:r>
+              <a:rPr lang="fr-FR" dirty="0" smtClean="0">
+                <a:solidFill>
+                  <a:srgbClr val="000000"/>
+                </a:solidFill>
+                <a:latin typeface="Times New Roman" panose="02020603050405020304" pitchFamily="18" charset="0"/>
+                <a:cs typeface="Times New Roman" panose="02020603050405020304" pitchFamily="18" charset="0"/>
+              </a:rPr>
+              <a:t>Schefer</a:t>
+            </a:r>
+            <a:r>
+              <a:rPr lang="fr-FR" dirty="0">
+                <a:solidFill>
+                  <a:srgbClr val="000000"/>
+                </a:solidFill>
+                <a:latin typeface="Times New Roman" panose="02020603050405020304" pitchFamily="18" charset="0"/>
+                <a:cs typeface="Times New Roman" panose="02020603050405020304" pitchFamily="18" charset="0"/>
+              </a:rPr>
+              <a:t>, R. Guidelines for Developing Social Networking Mobile Apps to Deaf Audience: a Proposal Based on User Experience and Technical Issues / Schefer R., Silva Areão A., Zaina L. // ACM Digital Library. – 2018. – URL: https://dl.acm.org/doi/10.1145/3274192.3274218 (</a:t>
+            </a:r>
+            <a:r>
+              <a:rPr lang="ru-RU" dirty="0">
+                <a:solidFill>
+                  <a:srgbClr val="000000"/>
+                </a:solidFill>
+                <a:latin typeface="Times New Roman" panose="02020603050405020304" pitchFamily="18" charset="0"/>
+                <a:cs typeface="Times New Roman" panose="02020603050405020304" pitchFamily="18" charset="0"/>
+              </a:rPr>
+              <a:t>дата обращения: 04.05.2025).</a:t>
+            </a:r>
+          </a:p>
+          <a:p>
+            <a:pPr marL="342900" indent="-342900">
+              <a:spcAft>
+                <a:spcPts val="600"/>
+              </a:spcAft>
+              <a:buFont typeface="+mj-lt"/>
+              <a:buAutoNum type="arabicPeriod"/>
+            </a:pPr>
+            <a:r>
+              <a:rPr lang="fr-FR" dirty="0" smtClean="0">
+                <a:solidFill>
+                  <a:srgbClr val="000000"/>
+                </a:solidFill>
+                <a:latin typeface="Times New Roman" panose="02020603050405020304" pitchFamily="18" charset="0"/>
+                <a:cs typeface="Times New Roman" panose="02020603050405020304" pitchFamily="18" charset="0"/>
+              </a:rPr>
+              <a:t>Alnefaie</a:t>
+            </a:r>
+            <a:r>
+              <a:rPr lang="fr-FR" dirty="0">
+                <a:solidFill>
+                  <a:srgbClr val="000000"/>
+                </a:solidFill>
+                <a:latin typeface="Times New Roman" panose="02020603050405020304" pitchFamily="18" charset="0"/>
+                <a:cs typeface="Times New Roman" panose="02020603050405020304" pitchFamily="18" charset="0"/>
+              </a:rPr>
+              <a:t>, M. Social and Communication Apps for the Deaf and Hearing Impaired / Alnefaie M., Sampali S. // 2017 International Conference on Computer and Applications (ICCA). – 2017. – P. 120–126. – URL: https://www.researchgate.net/publication/329590286 (</a:t>
+            </a:r>
+            <a:r>
+              <a:rPr lang="ru-RU" dirty="0">
+                <a:solidFill>
+                  <a:srgbClr val="000000"/>
+                </a:solidFill>
+                <a:latin typeface="Times New Roman" panose="02020603050405020304" pitchFamily="18" charset="0"/>
+                <a:cs typeface="Times New Roman" panose="02020603050405020304" pitchFamily="18" charset="0"/>
+              </a:rPr>
+              <a:t>дата обращения: 04.05.2025).</a:t>
+            </a:r>
+          </a:p>
+          <a:p>
+            <a:pPr marL="342900" indent="-342900">
+              <a:spcAft>
+                <a:spcPts val="600"/>
+              </a:spcAft>
+              <a:buFont typeface="+mj-lt"/>
+              <a:buAutoNum type="arabicPeriod"/>
+            </a:pPr>
+            <a:r>
+              <a:rPr lang="fr-FR" dirty="0" smtClean="0">
+                <a:solidFill>
+                  <a:srgbClr val="000000"/>
+                </a:solidFill>
+                <a:latin typeface="Times New Roman" panose="02020603050405020304" pitchFamily="18" charset="0"/>
+                <a:cs typeface="Times New Roman" panose="02020603050405020304" pitchFamily="18" charset="0"/>
+              </a:rPr>
+              <a:t>Social </a:t>
+            </a:r>
+            <a:r>
+              <a:rPr lang="fr-FR" dirty="0">
+                <a:solidFill>
+                  <a:srgbClr val="000000"/>
+                </a:solidFill>
+                <a:latin typeface="Times New Roman" panose="02020603050405020304" pitchFamily="18" charset="0"/>
+                <a:cs typeface="Times New Roman" panose="02020603050405020304" pitchFamily="18" charset="0"/>
+              </a:rPr>
+              <a:t>App Accessibility for Deaf Signers / Mack K., Bragg D., Morris M.R. [et al.] // Proceedings of the ACM on Human-Computer Interaction. – 2020. – Vol. 4, CSCW2. – Article 125. – 31 p. – URL: https://dl.acm.org/doi/10.1145/3415196 (</a:t>
+            </a:r>
+            <a:r>
+              <a:rPr lang="ru-RU" dirty="0">
+                <a:solidFill>
+                  <a:srgbClr val="000000"/>
+                </a:solidFill>
+                <a:latin typeface="Times New Roman" panose="02020603050405020304" pitchFamily="18" charset="0"/>
+                <a:cs typeface="Times New Roman" panose="02020603050405020304" pitchFamily="18" charset="0"/>
+              </a:rPr>
+              <a:t>дата обращения: 09.03.2025</a:t>
+            </a:r>
+            <a:r>
+              <a:rPr lang="ru-RU" dirty="0" smtClean="0">
+                <a:solidFill>
+                  <a:srgbClr val="000000"/>
+                </a:solidFill>
+                <a:latin typeface="Times New Roman" panose="02020603050405020304" pitchFamily="18" charset="0"/>
+                <a:cs typeface="Times New Roman" panose="02020603050405020304" pitchFamily="18" charset="0"/>
+              </a:rPr>
+              <a:t>).</a:t>
+            </a:r>
+          </a:p>
+          <a:p>
+            <a:pPr marL="342900" indent="-342900">
+              <a:spcAft>
+                <a:spcPts val="600"/>
+              </a:spcAft>
+              <a:buFont typeface="+mj-lt"/>
+              <a:buAutoNum type="arabicPeriod"/>
+            </a:pPr>
+            <a:r>
+              <a:rPr lang="fr-FR" dirty="0" smtClean="0">
+                <a:solidFill>
+                  <a:srgbClr val="000000"/>
+                </a:solidFill>
+                <a:latin typeface="Times New Roman" panose="02020603050405020304" pitchFamily="18" charset="0"/>
+                <a:cs typeface="Times New Roman" panose="02020603050405020304" pitchFamily="18" charset="0"/>
+              </a:rPr>
+              <a:t>Chiu</a:t>
+            </a:r>
+            <a:r>
+              <a:rPr lang="fr-FR" dirty="0">
+                <a:solidFill>
+                  <a:srgbClr val="000000"/>
+                </a:solidFill>
+                <a:latin typeface="Times New Roman" panose="02020603050405020304" pitchFamily="18" charset="0"/>
+                <a:cs typeface="Times New Roman" panose="02020603050405020304" pitchFamily="18" charset="0"/>
+              </a:rPr>
+              <a:t>, H.-P. Essential Needs and Requirements of Mobile Phones for the Deaf / Chiu H.-P., Liu C.-H., Hsieh C.-L. // Assistive Technology: The Official Journal of RESNA. – 2010. – Vol. 22, No. 3. – P. 172–185.</a:t>
+            </a:r>
+          </a:p>
+        </p:txBody>
+      </p:sp>
+      <p:sp>
+        <p:nvSpPr>
+          <p:cNvPr id="4" name="Номер слайда 3"/>
+          <p:cNvSpPr>
+            <a:spLocks noGrp="1"/>
+          </p:cNvSpPr>
+          <p:nvPr>
+            <p:ph type="sldNum" sz="quarter" idx="12"/>
+          </p:nvPr>
+        </p:nvSpPr>
+        <p:spPr/>
+        <p:txBody>
+          <a:bodyPr/>
+          <a:lstStyle/>
+          <a:p>
+            <a:fld id="{1B61E6DC-7948-428B-BF0C-0B97AF471FA1}" type="slidenum">
+              <a:rPr lang="ru-RU" sz="2400" b="1" smtClean="0">
+                <a:latin typeface="Times New Roman" panose="02020603050405020304" pitchFamily="18" charset="0"/>
+                <a:cs typeface="Times New Roman" panose="02020603050405020304" pitchFamily="18" charset="0"/>
+              </a:rPr>
+              <a:t>19</a:t>
+            </a:fld>
+            <a:endParaRPr lang="ru-RU" sz="2400" b="1" dirty="0">
+              <a:latin typeface="Times New Roman" panose="02020603050405020304" pitchFamily="18" charset="0"/>
+              <a:cs typeface="Times New Roman" panose="02020603050405020304" pitchFamily="18" charset="0"/>
+            </a:endParaRPr>
+          </a:p>
+        </p:txBody>
+      </p:sp>
+    </p:spTree>
+    <p:extLst>
+      <p:ext uri="{BB962C8B-B14F-4D97-AF65-F5344CB8AC3E}">
+        <p14:creationId xmlns:p14="http://schemas.microsoft.com/office/powerpoint/2010/main" val="1892042488"/>
       </p:ext>
     </p:extLst>
   </p:cSld>
@@ -6625,6 +7384,113 @@
 </p:sld>
 </file>
 
+<file path=ppt/slides/slide20.xml><?xml version="1.0" encoding="utf-8"?>
+<p:sld xmlns:a="http://schemas.openxmlformats.org/drawingml/2006/main" xmlns:r="http://schemas.openxmlformats.org/officeDocument/2006/relationships" xmlns:p="http://schemas.openxmlformats.org/presentationml/2006/main">
+  <p:cSld>
+    <p:spTree>
+      <p:nvGrpSpPr>
+        <p:cNvPr id="1" name=""/>
+        <p:cNvGrpSpPr/>
+        <p:nvPr/>
+      </p:nvGrpSpPr>
+      <p:grpSpPr>
+        <a:xfrm>
+          <a:off x="0" y="0"/>
+          <a:ext cx="0" cy="0"/>
+          <a:chOff x="0" y="0"/>
+          <a:chExt cx="0" cy="0"/>
+        </a:xfrm>
+      </p:grpSpPr>
+      <p:sp>
+        <p:nvSpPr>
+          <p:cNvPr id="2" name="Заголовок 1"/>
+          <p:cNvSpPr>
+            <a:spLocks noGrp="1"/>
+          </p:cNvSpPr>
+          <p:nvPr>
+            <p:ph type="title"/>
+          </p:nvPr>
+        </p:nvSpPr>
+        <p:spPr>
+          <a:xfrm>
+            <a:off x="395536" y="1844824"/>
+            <a:ext cx="7620000" cy="1143000"/>
+          </a:xfrm>
+        </p:spPr>
+        <p:txBody>
+          <a:bodyPr/>
+          <a:lstStyle/>
+          <a:p>
+            <a:pPr algn="ctr"/>
+            <a:r>
+              <a:rPr lang="ru-RU" sz="4800" dirty="0" smtClean="0">
+                <a:solidFill>
+                  <a:srgbClr val="000000"/>
+                </a:solidFill>
+                <a:latin typeface="Times New Roman" panose="02020603050405020304" pitchFamily="18" charset="0"/>
+                <a:cs typeface="Times New Roman" panose="02020603050405020304" pitchFamily="18" charset="0"/>
+              </a:rPr>
+              <a:t>Спасибо за внимание</a:t>
+            </a:r>
+            <a:endParaRPr lang="ru-RU" sz="4800" dirty="0">
+              <a:solidFill>
+                <a:srgbClr val="000000"/>
+              </a:solidFill>
+              <a:latin typeface="Times New Roman" panose="02020603050405020304" pitchFamily="18" charset="0"/>
+              <a:cs typeface="Times New Roman" panose="02020603050405020304" pitchFamily="18" charset="0"/>
+            </a:endParaRPr>
+          </a:p>
+        </p:txBody>
+      </p:sp>
+      <p:sp>
+        <p:nvSpPr>
+          <p:cNvPr id="5" name="Номер слайда 4"/>
+          <p:cNvSpPr>
+            <a:spLocks noGrp="1"/>
+          </p:cNvSpPr>
+          <p:nvPr>
+            <p:ph type="sldNum" sz="quarter" idx="12"/>
+          </p:nvPr>
+        </p:nvSpPr>
+        <p:spPr/>
+        <p:txBody>
+          <a:bodyPr/>
+          <a:lstStyle/>
+          <a:p>
+            <a:fld id="{1B61E6DC-7948-428B-BF0C-0B97AF471FA1}" type="slidenum">
+              <a:rPr lang="ru-RU" sz="2400" b="1" smtClean="0">
+                <a:latin typeface="Times New Roman" panose="02020603050405020304" pitchFamily="18" charset="0"/>
+                <a:cs typeface="Times New Roman" panose="02020603050405020304" pitchFamily="18" charset="0"/>
+              </a:rPr>
+              <a:t>20</a:t>
+            </a:fld>
+            <a:endParaRPr lang="ru-RU" sz="2400" b="1" dirty="0">
+              <a:latin typeface="Times New Roman" panose="02020603050405020304" pitchFamily="18" charset="0"/>
+              <a:cs typeface="Times New Roman" panose="02020603050405020304" pitchFamily="18" charset="0"/>
+            </a:endParaRPr>
+          </a:p>
+        </p:txBody>
+      </p:sp>
+    </p:spTree>
+    <p:extLst>
+      <p:ext uri="{BB962C8B-B14F-4D97-AF65-F5344CB8AC3E}">
+        <p14:creationId xmlns:p14="http://schemas.microsoft.com/office/powerpoint/2010/main" val="868850682"/>
+      </p:ext>
+    </p:extLst>
+  </p:cSld>
+  <p:clrMapOvr>
+    <a:masterClrMapping/>
+  </p:clrMapOvr>
+  <p:timing>
+    <p:tnLst>
+      <p:par>
+        <p:cTn id="1" dur="indefinite" restart="never" nodeType="tmRoot"/>
+      </p:par>
+    </p:tnLst>
+  </p:timing>
+</p:sld>
+</file>
+
 <file path=ppt/slides/slide3.xml><?xml version="1.0" encoding="utf-8"?>
 <p:sld xmlns:a="http://schemas.openxmlformats.org/drawingml/2006/main" xmlns:r="http://schemas.openxmlformats.org/officeDocument/2006/relationships" xmlns:p="http://schemas.openxmlformats.org/presentationml/2006/main">
   <p:cSld>
@@ -6653,9 +7519,7 @@
           </p:nvPr>
         </p:nvSpPr>
         <p:spPr>
-          <a:solidFill>
-            <a:srgbClr val="C00000"/>
-          </a:solidFill>
+          <a:noFill/>
         </p:spPr>
         <p:txBody>
           <a:bodyPr/>
@@ -6999,170 +7863,80 @@
                 <a:latin typeface="Times New Roman" panose="02020603050405020304" pitchFamily="18" charset="0"/>
                 <a:cs typeface="Times New Roman" panose="02020603050405020304" pitchFamily="18" charset="0"/>
               </a:rPr>
-              <a:t>Описание существующей проблемы</a:t>
-            </a:r>
-          </a:p>
-        </p:txBody>
-      </p:sp>
-      <p:sp>
-        <p:nvSpPr>
-          <p:cNvPr id="3" name="TextBox 2"/>
-          <p:cNvSpPr txBox="1"/>
-          <p:nvPr/>
+              <a:t>Объект и предмет исследования</a:t>
+            </a:r>
+          </a:p>
+        </p:txBody>
+      </p:sp>
+      <p:sp>
+        <p:nvSpPr>
+          <p:cNvPr id="11" name="Объект 10"/>
+          <p:cNvSpPr>
+            <a:spLocks noGrp="1"/>
+          </p:cNvSpPr>
+          <p:nvPr>
+            <p:ph sz="half" idx="1"/>
+          </p:nvPr>
         </p:nvSpPr>
         <p:spPr>
           <a:xfrm>
-            <a:off x="395536" y="1700808"/>
-            <a:ext cx="8064896" cy="4708981"/>
+            <a:off x="457200" y="1719032"/>
+            <a:ext cx="3538736" cy="4590288"/>
           </a:xfrm>
-          <a:prstGeom prst="rect">
-            <a:avLst/>
-          </a:prstGeom>
-          <a:noFill/>
         </p:spPr>
         <p:txBody>
-          <a:bodyPr wrap="square" rtlCol="0">
-            <a:spAutoFit/>
+          <a:bodyPr>
+            <a:normAutofit/>
           </a:bodyPr>
           <a:lstStyle/>
           <a:p>
-            <a:pPr lvl="0">
+            <a:pPr marL="114300" indent="0">
               <a:spcAft>
                 <a:spcPts val="600"/>
               </a:spcAft>
+              <a:buNone/>
             </a:pPr>
             <a:r>
-              <a:rPr lang="ru-RU" dirty="0" smtClean="0">
-                <a:solidFill>
-                  <a:srgbClr val="000000"/>
-                </a:solidFill>
-                <a:latin typeface="Times New Roman" panose="02020603050405020304" pitchFamily="18" charset="0"/>
-                <a:cs typeface="Times New Roman" panose="02020603050405020304" pitchFamily="18" charset="0"/>
-              </a:rPr>
-              <a:t>Коммуникационные барьеры:</a:t>
-            </a:r>
-          </a:p>
-          <a:p>
-            <a:pPr lvl="0">
+              <a:rPr lang="ru-RU" sz="2400" b="1" i="1" dirty="0">
+                <a:solidFill>
+                  <a:srgbClr val="000000"/>
+                </a:solidFill>
+                <a:latin typeface="Times New Roman" panose="02020603050405020304" pitchFamily="18" charset="0"/>
+                <a:cs typeface="Times New Roman" panose="02020603050405020304" pitchFamily="18" charset="0"/>
+              </a:rPr>
+              <a:t>Объект исследования</a:t>
+            </a:r>
+            <a:r>
+              <a:rPr lang="ru-RU" sz="2400" dirty="0">
+                <a:solidFill>
+                  <a:srgbClr val="000000"/>
+                </a:solidFill>
+                <a:latin typeface="Times New Roman" panose="02020603050405020304" pitchFamily="18" charset="0"/>
+                <a:cs typeface="Times New Roman" panose="02020603050405020304" pitchFamily="18" charset="0"/>
+              </a:rPr>
+              <a:t>: </a:t>
+            </a:r>
+          </a:p>
+          <a:p>
+            <a:pPr marL="114300" indent="0">
               <a:spcAft>
                 <a:spcPts val="600"/>
               </a:spcAft>
+              <a:buNone/>
             </a:pPr>
             <a:r>
-              <a:rPr lang="ru-RU" dirty="0" smtClean="0">
-                <a:solidFill>
-                  <a:srgbClr val="000000"/>
-                </a:solidFill>
-                <a:latin typeface="Times New Roman" panose="02020603050405020304" pitchFamily="18" charset="0"/>
-                <a:cs typeface="Times New Roman" panose="02020603050405020304" pitchFamily="18" charset="0"/>
-              </a:rPr>
-              <a:t>Глухие люди не всегда имеют </a:t>
-            </a:r>
-            <a:r>
-              <a:rPr lang="ru-RU" b="1" i="1" dirty="0" smtClean="0">
-                <a:solidFill>
-                  <a:srgbClr val="000000"/>
-                </a:solidFill>
-                <a:latin typeface="Times New Roman" panose="02020603050405020304" pitchFamily="18" charset="0"/>
-                <a:cs typeface="Times New Roman" panose="02020603050405020304" pitchFamily="18" charset="0"/>
-              </a:rPr>
-              <a:t>доступ к информации</a:t>
-            </a:r>
-            <a:r>
-              <a:rPr lang="ru-RU" dirty="0" smtClean="0">
-                <a:solidFill>
-                  <a:srgbClr val="000000"/>
-                </a:solidFill>
-                <a:latin typeface="Times New Roman" panose="02020603050405020304" pitchFamily="18" charset="0"/>
-                <a:cs typeface="Times New Roman" panose="02020603050405020304" pitchFamily="18" charset="0"/>
-              </a:rPr>
-              <a:t>, представленной на слух (новости, объявления, лекции), испытывают </a:t>
-            </a:r>
-            <a:r>
-              <a:rPr lang="ru-RU" b="1" i="1" dirty="0" smtClean="0">
-                <a:solidFill>
-                  <a:srgbClr val="000000"/>
-                </a:solidFill>
-                <a:latin typeface="Times New Roman" panose="02020603050405020304" pitchFamily="18" charset="0"/>
-                <a:cs typeface="Times New Roman" panose="02020603050405020304" pitchFamily="18" charset="0"/>
-              </a:rPr>
-              <a:t>трудности в общении </a:t>
-            </a:r>
-            <a:r>
-              <a:rPr lang="ru-RU" dirty="0" smtClean="0">
-                <a:solidFill>
-                  <a:srgbClr val="000000"/>
-                </a:solidFill>
-                <a:latin typeface="Times New Roman" panose="02020603050405020304" pitchFamily="18" charset="0"/>
-                <a:cs typeface="Times New Roman" panose="02020603050405020304" pitchFamily="18" charset="0"/>
-              </a:rPr>
-              <a:t>со слышащими людьми, когда нет возможности использовать жестовый язык или письменный текст. </a:t>
-            </a:r>
-          </a:p>
-          <a:p>
-            <a:pPr lvl="0">
-              <a:spcAft>
-                <a:spcPts val="600"/>
-              </a:spcAft>
-            </a:pPr>
-            <a:r>
-              <a:rPr lang="ru-RU" dirty="0" smtClean="0">
-                <a:solidFill>
-                  <a:srgbClr val="000000"/>
-                </a:solidFill>
-                <a:latin typeface="Times New Roman" panose="02020603050405020304" pitchFamily="18" charset="0"/>
-                <a:cs typeface="Times New Roman" panose="02020603050405020304" pitchFamily="18" charset="0"/>
-              </a:rPr>
-              <a:t>Поэтому возникают </a:t>
-            </a:r>
-            <a:r>
-              <a:rPr lang="ru-RU" b="1" i="1" dirty="0" smtClean="0">
-                <a:solidFill>
-                  <a:srgbClr val="000000"/>
-                </a:solidFill>
-                <a:latin typeface="Times New Roman" panose="02020603050405020304" pitchFamily="18" charset="0"/>
-                <a:cs typeface="Times New Roman" panose="02020603050405020304" pitchFamily="18" charset="0"/>
-              </a:rPr>
-              <a:t>проблемы с профессиональным общением</a:t>
-            </a:r>
-            <a:r>
-              <a:rPr lang="ru-RU" dirty="0" smtClean="0">
-                <a:solidFill>
-                  <a:srgbClr val="000000"/>
-                </a:solidFill>
-                <a:latin typeface="Times New Roman" panose="02020603050405020304" pitchFamily="18" charset="0"/>
-                <a:cs typeface="Times New Roman" panose="02020603050405020304" pitchFamily="18" charset="0"/>
-              </a:rPr>
-              <a:t>, когда</a:t>
-            </a:r>
-            <a:r>
-              <a:rPr lang="ru-RU" b="1" dirty="0">
-                <a:solidFill>
-                  <a:srgbClr val="000000"/>
-                </a:solidFill>
-                <a:latin typeface="Times New Roman" panose="02020603050405020304" pitchFamily="18" charset="0"/>
-                <a:cs typeface="Times New Roman" panose="02020603050405020304" pitchFamily="18" charset="0"/>
-              </a:rPr>
-              <a:t> </a:t>
-            </a:r>
-            <a:r>
-              <a:rPr lang="ru-RU" dirty="0" smtClean="0">
-                <a:solidFill>
-                  <a:srgbClr val="000000"/>
-                </a:solidFill>
-                <a:latin typeface="Times New Roman" panose="02020603050405020304" pitchFamily="18" charset="0"/>
-                <a:cs typeface="Times New Roman" panose="02020603050405020304" pitchFamily="18" charset="0"/>
-              </a:rPr>
-              <a:t>сталкиваются с трудностями в получении профессиональной подготовки и карьерном росте из-за недостатка коммуникации с коллегами и руководством.</a:t>
-            </a:r>
-          </a:p>
-          <a:p>
-            <a:pPr lvl="0">
-              <a:spcAft>
-                <a:spcPts val="600"/>
-              </a:spcAft>
-            </a:pPr>
-            <a:endParaRPr lang="ru-RU" dirty="0" smtClean="0">
+              <a:rPr lang="ru-RU" sz="2400" dirty="0">
+                <a:solidFill>
+                  <a:srgbClr val="000000"/>
+                </a:solidFill>
+                <a:latin typeface="Times New Roman" panose="02020603050405020304" pitchFamily="18" charset="0"/>
+                <a:cs typeface="Times New Roman" panose="02020603050405020304" pitchFamily="18" charset="0"/>
+              </a:rPr>
+              <a:t>Социальная интеграция глухих людей с помощью мобильных приложений.</a:t>
+            </a:r>
+          </a:p>
+          <a:p>
+            <a:endParaRPr lang="ru-RU" sz="2400" dirty="0">
               <a:solidFill>
                 <a:srgbClr val="000000"/>
               </a:solidFill>
@@ -7170,156 +7944,106 @@
               <a:cs typeface="Times New Roman" panose="02020603050405020304" pitchFamily="18" charset="0"/>
             </a:endParaRPr>
           </a:p>
-          <a:p>
-            <a:pPr lvl="0">
+        </p:txBody>
+      </p:sp>
+      <p:sp>
+        <p:nvSpPr>
+          <p:cNvPr id="12" name="Объект 11"/>
+          <p:cNvSpPr>
+            <a:spLocks noGrp="1"/>
+          </p:cNvSpPr>
+          <p:nvPr>
+            <p:ph sz="half" idx="2"/>
+          </p:nvPr>
+        </p:nvSpPr>
+        <p:spPr>
+          <a:xfrm>
+            <a:off x="4139952" y="1719032"/>
+            <a:ext cx="4176464" cy="4590288"/>
+          </a:xfrm>
+        </p:spPr>
+        <p:txBody>
+          <a:bodyPr>
+            <a:normAutofit/>
+          </a:bodyPr>
+          <a:lstStyle/>
+          <a:p>
+            <a:pPr marL="114300" indent="0">
               <a:spcAft>
                 <a:spcPts val="600"/>
               </a:spcAft>
+              <a:buNone/>
             </a:pPr>
             <a:r>
-              <a:rPr lang="ru-RU" dirty="0" smtClean="0">
-                <a:solidFill>
-                  <a:srgbClr val="000000"/>
-                </a:solidFill>
-                <a:latin typeface="Times New Roman" panose="02020603050405020304" pitchFamily="18" charset="0"/>
-                <a:cs typeface="Times New Roman" panose="02020603050405020304" pitchFamily="18" charset="0"/>
-              </a:rPr>
-              <a:t>Недостаток </a:t>
-            </a:r>
-            <a:r>
-              <a:rPr lang="ru-RU" dirty="0">
-                <a:solidFill>
-                  <a:srgbClr val="000000"/>
-                </a:solidFill>
-                <a:latin typeface="Times New Roman" panose="02020603050405020304" pitchFamily="18" charset="0"/>
-                <a:cs typeface="Times New Roman" panose="02020603050405020304" pitchFamily="18" charset="0"/>
-              </a:rPr>
-              <a:t>доступа к </a:t>
-            </a:r>
-            <a:r>
-              <a:rPr lang="ru-RU" dirty="0" smtClean="0">
-                <a:solidFill>
-                  <a:srgbClr val="000000"/>
-                </a:solidFill>
-                <a:latin typeface="Times New Roman" panose="02020603050405020304" pitchFamily="18" charset="0"/>
-                <a:cs typeface="Times New Roman" panose="02020603050405020304" pitchFamily="18" charset="0"/>
-              </a:rPr>
-              <a:t>услугам:</a:t>
-            </a:r>
-          </a:p>
-          <a:p>
-            <a:pPr>
+              <a:rPr lang="ru-RU" sz="2400" b="1" i="1" dirty="0">
+                <a:solidFill>
+                  <a:srgbClr val="000000"/>
+                </a:solidFill>
+                <a:latin typeface="Times New Roman" panose="02020603050405020304" pitchFamily="18" charset="0"/>
+                <a:cs typeface="Times New Roman" panose="02020603050405020304" pitchFamily="18" charset="0"/>
+              </a:rPr>
+              <a:t>Предмет исследования</a:t>
+            </a:r>
+            <a:r>
+              <a:rPr lang="ru-RU" sz="2400" dirty="0">
+                <a:solidFill>
+                  <a:srgbClr val="000000"/>
+                </a:solidFill>
+                <a:latin typeface="Times New Roman" panose="02020603050405020304" pitchFamily="18" charset="0"/>
+                <a:cs typeface="Times New Roman" panose="02020603050405020304" pitchFamily="18" charset="0"/>
+              </a:rPr>
+              <a:t>:</a:t>
+            </a:r>
+          </a:p>
+          <a:p>
+            <a:pPr marL="114300" indent="0">
               <a:spcAft>
                 <a:spcPts val="600"/>
               </a:spcAft>
+              <a:buNone/>
             </a:pPr>
             <a:r>
-              <a:rPr lang="ru-RU" dirty="0" smtClean="0">
-                <a:solidFill>
-                  <a:srgbClr val="000000"/>
-                </a:solidFill>
-                <a:latin typeface="Times New Roman" panose="02020603050405020304" pitchFamily="18" charset="0"/>
-                <a:cs typeface="Times New Roman" panose="02020603050405020304" pitchFamily="18" charset="0"/>
-              </a:rPr>
-              <a:t>Глухие люди могут испытывать трудности в получении </a:t>
-            </a:r>
-            <a:r>
-              <a:rPr lang="ru-RU" b="1" i="1" dirty="0" smtClean="0">
-                <a:solidFill>
-                  <a:srgbClr val="000000"/>
-                </a:solidFill>
-                <a:latin typeface="Times New Roman" panose="02020603050405020304" pitchFamily="18" charset="0"/>
-                <a:cs typeface="Times New Roman" panose="02020603050405020304" pitchFamily="18" charset="0"/>
-              </a:rPr>
-              <a:t>медицинской помощи </a:t>
-            </a:r>
-            <a:r>
-              <a:rPr lang="ru-RU" dirty="0" smtClean="0">
-                <a:solidFill>
-                  <a:srgbClr val="000000"/>
-                </a:solidFill>
-                <a:latin typeface="Times New Roman" panose="02020603050405020304" pitchFamily="18" charset="0"/>
-                <a:cs typeface="Times New Roman" panose="02020603050405020304" pitchFamily="18" charset="0"/>
-              </a:rPr>
-              <a:t>из-за недостатка информации и коммуникации с врачами, также могут не иметь доступа к </a:t>
-            </a:r>
-            <a:r>
-              <a:rPr lang="ru-RU" b="1" i="1" dirty="0" smtClean="0">
-                <a:solidFill>
-                  <a:srgbClr val="000000"/>
-                </a:solidFill>
-                <a:latin typeface="Times New Roman" panose="02020603050405020304" pitchFamily="18" charset="0"/>
-                <a:cs typeface="Times New Roman" panose="02020603050405020304" pitchFamily="18" charset="0"/>
-              </a:rPr>
-              <a:t>социальным услугам</a:t>
-            </a:r>
-            <a:r>
-              <a:rPr lang="ru-RU" dirty="0" smtClean="0">
-                <a:solidFill>
-                  <a:srgbClr val="000000"/>
-                </a:solidFill>
-                <a:latin typeface="Times New Roman" panose="02020603050405020304" pitchFamily="18" charset="0"/>
-                <a:cs typeface="Times New Roman" panose="02020603050405020304" pitchFamily="18" charset="0"/>
-              </a:rPr>
-              <a:t>, адаптированным к их потребностям.</a:t>
-            </a:r>
-          </a:p>
-          <a:p>
-            <a:pPr>
-              <a:spcAft>
-                <a:spcPts val="600"/>
-              </a:spcAft>
+              <a:rPr lang="ru-RU" sz="2400" dirty="0">
+                <a:solidFill>
+                  <a:srgbClr val="000000"/>
+                </a:solidFill>
+                <a:latin typeface="Times New Roman" panose="02020603050405020304" pitchFamily="18" charset="0"/>
+                <a:cs typeface="Times New Roman" panose="02020603050405020304" pitchFamily="18" charset="0"/>
+              </a:rPr>
+              <a:t>Функции и </a:t>
+            </a:r>
+            <a:r>
+              <a:rPr lang="ru-RU" sz="2400" dirty="0" smtClean="0">
+                <a:solidFill>
+                  <a:srgbClr val="000000"/>
+                </a:solidFill>
+                <a:latin typeface="Times New Roman" panose="02020603050405020304" pitchFamily="18" charset="0"/>
+                <a:cs typeface="Times New Roman" panose="02020603050405020304" pitchFamily="18" charset="0"/>
+              </a:rPr>
+              <a:t>механизмы прототипа </a:t>
+            </a:r>
+            <a:r>
+              <a:rPr lang="ru-RU" sz="2400" dirty="0">
+                <a:solidFill>
+                  <a:srgbClr val="000000"/>
+                </a:solidFill>
+                <a:latin typeface="Times New Roman" panose="02020603050405020304" pitchFamily="18" charset="0"/>
+                <a:cs typeface="Times New Roman" panose="02020603050405020304" pitchFamily="18" charset="0"/>
+              </a:rPr>
+              <a:t>мобильных приложений, способствующие улучшению социальной интеграции и коммуникации для глухих пользователей.</a:t>
+            </a:r>
+          </a:p>
+          <a:p>
+            <a:pPr marL="114300" indent="0">
+              <a:buNone/>
             </a:pPr>
-            <a:r>
-              <a:rPr lang="ru-RU" dirty="0" smtClean="0">
-                <a:solidFill>
-                  <a:srgbClr val="000000"/>
-                </a:solidFill>
-                <a:latin typeface="Times New Roman" panose="02020603050405020304" pitchFamily="18" charset="0"/>
-                <a:cs typeface="Times New Roman" panose="02020603050405020304" pitchFamily="18" charset="0"/>
-              </a:rPr>
-              <a:t>Глухие </a:t>
-            </a:r>
-            <a:r>
-              <a:rPr lang="ru-RU" dirty="0">
-                <a:solidFill>
-                  <a:srgbClr val="000000"/>
-                </a:solidFill>
-                <a:latin typeface="Times New Roman" panose="02020603050405020304" pitchFamily="18" charset="0"/>
-                <a:cs typeface="Times New Roman" panose="02020603050405020304" pitchFamily="18" charset="0"/>
-              </a:rPr>
-              <a:t>дети часто не имеют доступа к качественному </a:t>
-            </a:r>
-            <a:r>
-              <a:rPr lang="ru-RU" b="1" i="1" dirty="0">
-                <a:solidFill>
-                  <a:srgbClr val="000000"/>
-                </a:solidFill>
-                <a:latin typeface="Times New Roman" panose="02020603050405020304" pitchFamily="18" charset="0"/>
-                <a:cs typeface="Times New Roman" panose="02020603050405020304" pitchFamily="18" charset="0"/>
-              </a:rPr>
-              <a:t>образованию</a:t>
-            </a:r>
-            <a:r>
-              <a:rPr lang="ru-RU" dirty="0">
-                <a:solidFill>
-                  <a:srgbClr val="000000"/>
-                </a:solidFill>
-                <a:latin typeface="Times New Roman" panose="02020603050405020304" pitchFamily="18" charset="0"/>
-                <a:cs typeface="Times New Roman" panose="02020603050405020304" pitchFamily="18" charset="0"/>
-              </a:rPr>
-              <a:t>, адаптированному к их </a:t>
-            </a:r>
-            <a:r>
-              <a:rPr lang="ru-RU" dirty="0" smtClean="0">
-                <a:solidFill>
-                  <a:srgbClr val="000000"/>
-                </a:solidFill>
-                <a:latin typeface="Times New Roman" panose="02020603050405020304" pitchFamily="18" charset="0"/>
-                <a:cs typeface="Times New Roman" panose="02020603050405020304" pitchFamily="18" charset="0"/>
-              </a:rPr>
-              <a:t>потребностям.</a:t>
-            </a:r>
+            <a:endParaRPr lang="ru-RU" sz="2400" dirty="0">
+              <a:solidFill>
+                <a:srgbClr val="000000"/>
+              </a:solidFill>
+              <a:latin typeface="Times New Roman" panose="02020603050405020304" pitchFamily="18" charset="0"/>
+              <a:cs typeface="Times New Roman" panose="02020603050405020304" pitchFamily="18" charset="0"/>
+            </a:endParaRPr>
           </a:p>
         </p:txBody>
       </p:sp>
@@ -7355,7 +8079,7 @@
     </p:spTree>
     <p:extLst>
       <p:ext uri="{BB962C8B-B14F-4D97-AF65-F5344CB8AC3E}">
-        <p14:creationId xmlns:p14="http://schemas.microsoft.com/office/powerpoint/2010/main" val="2855164495"/>
+        <p14:creationId xmlns:p14="http://schemas.microsoft.com/office/powerpoint/2010/main" val="1150979816"/>
       </p:ext>
     </p:extLst>
   </p:cSld>
@@ -7414,80 +8138,19 @@
                 <a:latin typeface="Times New Roman" panose="02020603050405020304" pitchFamily="18" charset="0"/>
                 <a:cs typeface="Times New Roman" panose="02020603050405020304" pitchFamily="18" charset="0"/>
               </a:rPr>
-              <a:t>Объект и предмет исследования</a:t>
-            </a:r>
-          </a:p>
-        </p:txBody>
-      </p:sp>
-      <p:sp>
-        <p:nvSpPr>
-          <p:cNvPr id="11" name="Объект 10"/>
-          <p:cNvSpPr>
-            <a:spLocks noGrp="1"/>
-          </p:cNvSpPr>
-          <p:nvPr>
-            <p:ph sz="half" idx="1"/>
-          </p:nvPr>
-        </p:nvSpPr>
-        <p:spPr>
-          <a:xfrm>
-            <a:off x="457200" y="1719032"/>
-            <a:ext cx="3538736" cy="4590288"/>
-          </a:xfrm>
-        </p:spPr>
-        <p:txBody>
-          <a:bodyPr>
-            <a:normAutofit/>
-          </a:bodyPr>
-          <a:lstStyle/>
-          <a:p>
-            <a:pPr marL="114300" indent="0">
-              <a:spcAft>
-                <a:spcPts val="600"/>
-              </a:spcAft>
-              <a:buNone/>
-            </a:pPr>
-            <a:r>
-              <a:rPr lang="ru-RU" sz="2400" b="1" i="1" dirty="0">
-                <a:solidFill>
-                  <a:srgbClr val="000000"/>
-                </a:solidFill>
-                <a:latin typeface="Times New Roman" panose="02020603050405020304" pitchFamily="18" charset="0"/>
-                <a:cs typeface="Times New Roman" panose="02020603050405020304" pitchFamily="18" charset="0"/>
-              </a:rPr>
-              <a:t>Объект исследования</a:t>
-            </a:r>
-            <a:r>
-              <a:rPr lang="ru-RU" sz="2400" dirty="0">
-                <a:solidFill>
-                  <a:srgbClr val="000000"/>
-                </a:solidFill>
-                <a:latin typeface="Times New Roman" panose="02020603050405020304" pitchFamily="18" charset="0"/>
-                <a:cs typeface="Times New Roman" panose="02020603050405020304" pitchFamily="18" charset="0"/>
-              </a:rPr>
-              <a:t>: </a:t>
-            </a:r>
-          </a:p>
-          <a:p>
-            <a:pPr marL="114300" indent="0">
-              <a:spcAft>
-                <a:spcPts val="600"/>
-              </a:spcAft>
-              <a:buNone/>
-            </a:pPr>
-            <a:r>
-              <a:rPr lang="ru-RU" sz="2400" dirty="0">
-                <a:solidFill>
-                  <a:srgbClr val="000000"/>
-                </a:solidFill>
-                <a:latin typeface="Times New Roman" panose="02020603050405020304" pitchFamily="18" charset="0"/>
-                <a:cs typeface="Times New Roman" panose="02020603050405020304" pitchFamily="18" charset="0"/>
-              </a:rPr>
-              <a:t>Социальная интеграция глухих людей с помощью мобильных приложений.</a:t>
-            </a:r>
-          </a:p>
-          <a:p>
-            <a:endParaRPr lang="ru-RU" sz="2400" dirty="0">
+              <a:t>Описание </a:t>
+            </a:r>
+            <a:r>
+              <a:rPr lang="ru-RU" sz="4000" dirty="0" smtClean="0">
+                <a:solidFill>
+                  <a:srgbClr val="000000"/>
+                </a:solidFill>
+                <a:latin typeface="Times New Roman" panose="02020603050405020304" pitchFamily="18" charset="0"/>
+                <a:cs typeface="Times New Roman" panose="02020603050405020304" pitchFamily="18" charset="0"/>
+              </a:rPr>
+              <a:t>существующей проблемы</a:t>
+            </a:r>
+            <a:endParaRPr lang="ru-RU" sz="4000" dirty="0">
               <a:solidFill>
                 <a:srgbClr val="000000"/>
               </a:solidFill>
@@ -7499,82 +8162,137 @@
       </p:sp>
       <p:sp>
         <p:nvSpPr>
-          <p:cNvPr id="12" name="Объект 11"/>
-          <p:cNvSpPr>
-            <a:spLocks noGrp="1"/>
-          </p:cNvSpPr>
-          <p:nvPr>
-            <p:ph sz="half" idx="2"/>
-          </p:nvPr>
+          <p:cNvPr id="3" name="TextBox 2"/>
+          <p:cNvSpPr txBox="1"/>
+          <p:nvPr/>
         </p:nvSpPr>
         <p:spPr>
           <a:xfrm>
-            <a:off x="4139952" y="1719032"/>
-            <a:ext cx="4176464" cy="4590288"/>
+            <a:off x="395536" y="1700808"/>
+            <a:ext cx="8064896" cy="4708981"/>
           </a:xfrm>
+          <a:prstGeom prst="rect">
+            <a:avLst/>
+          </a:prstGeom>
+          <a:noFill/>
         </p:spPr>
         <p:txBody>
-          <a:bodyPr>
-            <a:normAutofit/>
+          <a:bodyPr wrap="square" rtlCol="0">
+            <a:spAutoFit/>
           </a:bodyPr>
           <a:lstStyle/>
           <a:p>
-            <a:pPr marL="114300" indent="0">
+            <a:pPr lvl="0">
               <a:spcAft>
                 <a:spcPts val="600"/>
               </a:spcAft>
-              <a:buNone/>
             </a:pPr>
             <a:r>
-              <a:rPr lang="ru-RU" sz="2400" b="1" i="1" dirty="0">
-                <a:solidFill>
-                  <a:srgbClr val="000000"/>
-                </a:solidFill>
-                <a:latin typeface="Times New Roman" panose="02020603050405020304" pitchFamily="18" charset="0"/>
-                <a:cs typeface="Times New Roman" panose="02020603050405020304" pitchFamily="18" charset="0"/>
-              </a:rPr>
-              <a:t>Предмет исследования</a:t>
-            </a:r>
-            <a:r>
-              <a:rPr lang="ru-RU" sz="2400" dirty="0">
-                <a:solidFill>
-                  <a:srgbClr val="000000"/>
-                </a:solidFill>
-                <a:latin typeface="Times New Roman" panose="02020603050405020304" pitchFamily="18" charset="0"/>
-                <a:cs typeface="Times New Roman" panose="02020603050405020304" pitchFamily="18" charset="0"/>
-              </a:rPr>
-              <a:t>:</a:t>
-            </a:r>
-          </a:p>
-          <a:p>
-            <a:pPr marL="114300" indent="0">
+              <a:rPr lang="ru-RU" dirty="0" smtClean="0">
+                <a:solidFill>
+                  <a:srgbClr val="000000"/>
+                </a:solidFill>
+                <a:latin typeface="Times New Roman" panose="02020603050405020304" pitchFamily="18" charset="0"/>
+                <a:cs typeface="Times New Roman" panose="02020603050405020304" pitchFamily="18" charset="0"/>
+              </a:rPr>
+              <a:t>Коммуникационные барьеры:</a:t>
+            </a:r>
+          </a:p>
+          <a:p>
+            <a:pPr lvl="0">
               <a:spcAft>
                 <a:spcPts val="600"/>
               </a:spcAft>
-              <a:buNone/>
             </a:pPr>
             <a:r>
-              <a:rPr lang="ru-RU" sz="2400" dirty="0">
-                <a:solidFill>
-                  <a:srgbClr val="000000"/>
-                </a:solidFill>
-                <a:latin typeface="Times New Roman" panose="02020603050405020304" pitchFamily="18" charset="0"/>
-                <a:cs typeface="Times New Roman" panose="02020603050405020304" pitchFamily="18" charset="0"/>
-              </a:rPr>
-              <a:t>Функции и </a:t>
-            </a:r>
-            <a:r>
-              <a:rPr lang="ru-RU" sz="2400" dirty="0" smtClean="0">
-                <a:solidFill>
-                  <a:srgbClr val="000000"/>
-                </a:solidFill>
-                <a:latin typeface="Times New Roman" panose="02020603050405020304" pitchFamily="18" charset="0"/>
-                <a:cs typeface="Times New Roman" panose="02020603050405020304" pitchFamily="18" charset="0"/>
-              </a:rPr>
-              <a:t>механизмы прототипа</a:t>
-            </a:r>
-            <a:r>
-              <a:rPr lang="ru-RU" sz="2400" dirty="0" smtClean="0">
+              <a:rPr lang="ru-RU" dirty="0" smtClean="0">
+                <a:solidFill>
+                  <a:srgbClr val="000000"/>
+                </a:solidFill>
+                <a:latin typeface="Times New Roman" panose="02020603050405020304" pitchFamily="18" charset="0"/>
+                <a:cs typeface="Times New Roman" panose="02020603050405020304" pitchFamily="18" charset="0"/>
+              </a:rPr>
+              <a:t>Глухие люди не всегда имеют </a:t>
+            </a:r>
+            <a:r>
+              <a:rPr lang="ru-RU" b="1" i="1" dirty="0" smtClean="0">
+                <a:solidFill>
+                  <a:srgbClr val="000000"/>
+                </a:solidFill>
+                <a:latin typeface="Times New Roman" panose="02020603050405020304" pitchFamily="18" charset="0"/>
+                <a:cs typeface="Times New Roman" panose="02020603050405020304" pitchFamily="18" charset="0"/>
+              </a:rPr>
+              <a:t>доступ к информации</a:t>
+            </a:r>
+            <a:r>
+              <a:rPr lang="ru-RU" dirty="0" smtClean="0">
+                <a:solidFill>
+                  <a:srgbClr val="000000"/>
+                </a:solidFill>
+                <a:latin typeface="Times New Roman" panose="02020603050405020304" pitchFamily="18" charset="0"/>
+                <a:cs typeface="Times New Roman" panose="02020603050405020304" pitchFamily="18" charset="0"/>
+              </a:rPr>
+              <a:t>, представленной на слух (новости, объявления, лекции), испытывают </a:t>
+            </a:r>
+            <a:r>
+              <a:rPr lang="ru-RU" b="1" i="1" dirty="0" smtClean="0">
+                <a:solidFill>
+                  <a:srgbClr val="000000"/>
+                </a:solidFill>
+                <a:latin typeface="Times New Roman" panose="02020603050405020304" pitchFamily="18" charset="0"/>
+                <a:cs typeface="Times New Roman" panose="02020603050405020304" pitchFamily="18" charset="0"/>
+              </a:rPr>
+              <a:t>трудности в общении </a:t>
+            </a:r>
+            <a:r>
+              <a:rPr lang="ru-RU" dirty="0" smtClean="0">
+                <a:solidFill>
+                  <a:srgbClr val="000000"/>
+                </a:solidFill>
+                <a:latin typeface="Times New Roman" panose="02020603050405020304" pitchFamily="18" charset="0"/>
+                <a:cs typeface="Times New Roman" panose="02020603050405020304" pitchFamily="18" charset="0"/>
+              </a:rPr>
+              <a:t>со слышащими людьми, когда нет возможности использовать жестовый язык или письменный текст. </a:t>
+            </a:r>
+          </a:p>
+          <a:p>
+            <a:pPr lvl="0">
+              <a:spcAft>
+                <a:spcPts val="600"/>
+              </a:spcAft>
+            </a:pPr>
+            <a:r>
+              <a:rPr lang="ru-RU" dirty="0" smtClean="0">
+                <a:solidFill>
+                  <a:srgbClr val="000000"/>
+                </a:solidFill>
+                <a:latin typeface="Times New Roman" panose="02020603050405020304" pitchFamily="18" charset="0"/>
+                <a:cs typeface="Times New Roman" panose="02020603050405020304" pitchFamily="18" charset="0"/>
+              </a:rPr>
+              <a:t>Поэтому возникают </a:t>
+            </a:r>
+            <a:r>
+              <a:rPr lang="ru-RU" b="1" i="1" dirty="0" smtClean="0">
+                <a:solidFill>
+                  <a:srgbClr val="000000"/>
+                </a:solidFill>
+                <a:latin typeface="Times New Roman" panose="02020603050405020304" pitchFamily="18" charset="0"/>
+                <a:cs typeface="Times New Roman" panose="02020603050405020304" pitchFamily="18" charset="0"/>
+              </a:rPr>
+              <a:t>проблемы с профессиональным общением</a:t>
+            </a:r>
+            <a:r>
+              <a:rPr lang="ru-RU" dirty="0" smtClean="0">
+                <a:solidFill>
+                  <a:srgbClr val="000000"/>
+                </a:solidFill>
+                <a:latin typeface="Times New Roman" panose="02020603050405020304" pitchFamily="18" charset="0"/>
+                <a:cs typeface="Times New Roman" panose="02020603050405020304" pitchFamily="18" charset="0"/>
+              </a:rPr>
+              <a:t>, когда</a:t>
+            </a:r>
+            <a:r>
+              <a:rPr lang="ru-RU" b="1" dirty="0">
                 <a:solidFill>
                   <a:srgbClr val="000000"/>
                 </a:solidFill>
@@ -7584,27 +8302,180 @@
               <a:t> </a:t>
             </a:r>
             <a:r>
-              <a:rPr lang="ru-RU" sz="2400" dirty="0">
-                <a:solidFill>
-                  <a:srgbClr val="000000"/>
-                </a:solidFill>
-                <a:latin typeface="Times New Roman" panose="02020603050405020304" pitchFamily="18" charset="0"/>
-                <a:cs typeface="Times New Roman" panose="02020603050405020304" pitchFamily="18" charset="0"/>
-              </a:rPr>
-              <a:t>мобильных приложений, способствующие улучшению социальной интеграции и коммуникации для глухих пользователей.</a:t>
-            </a:r>
-          </a:p>
-          <a:p>
-            <a:pPr marL="114300" indent="0">
-              <a:buNone/>
+              <a:rPr lang="ru-RU" dirty="0" smtClean="0">
+                <a:solidFill>
+                  <a:srgbClr val="000000"/>
+                </a:solidFill>
+                <a:latin typeface="Times New Roman" panose="02020603050405020304" pitchFamily="18" charset="0"/>
+                <a:cs typeface="Times New Roman" panose="02020603050405020304" pitchFamily="18" charset="0"/>
+              </a:rPr>
+              <a:t>сталкиваются с трудностями в получении профессиональной подготовки и карьерном росте из-за недостатка коммуникации с коллегами и руководством.</a:t>
+            </a:r>
+          </a:p>
+          <a:p>
+            <a:pPr lvl="0">
+              <a:spcAft>
+                <a:spcPts val="600"/>
+              </a:spcAft>
             </a:pPr>
-            <a:endParaRPr lang="ru-RU" sz="2400" dirty="0">
+            <a:endParaRPr lang="ru-RU" dirty="0" smtClean="0">
               <a:solidFill>
                 <a:srgbClr val="000000"/>
               </a:solidFill>
               <a:latin typeface="Times New Roman" panose="02020603050405020304" pitchFamily="18" charset="0"/>
               <a:cs typeface="Times New Roman" panose="02020603050405020304" pitchFamily="18" charset="0"/>
             </a:endParaRPr>
+          </a:p>
+          <a:p>
+            <a:pPr lvl="0">
+              <a:spcAft>
+                <a:spcPts val="600"/>
+              </a:spcAft>
+            </a:pPr>
+            <a:r>
+              <a:rPr lang="ru-RU" dirty="0" smtClean="0">
+                <a:solidFill>
+                  <a:srgbClr val="000000"/>
+                </a:solidFill>
+                <a:latin typeface="Times New Roman" panose="02020603050405020304" pitchFamily="18" charset="0"/>
+                <a:cs typeface="Times New Roman" panose="02020603050405020304" pitchFamily="18" charset="0"/>
+              </a:rPr>
+              <a:t>Недостаток </a:t>
+            </a:r>
+            <a:r>
+              <a:rPr lang="ru-RU" dirty="0">
+                <a:solidFill>
+                  <a:srgbClr val="000000"/>
+                </a:solidFill>
+                <a:latin typeface="Times New Roman" panose="02020603050405020304" pitchFamily="18" charset="0"/>
+                <a:cs typeface="Times New Roman" panose="02020603050405020304" pitchFamily="18" charset="0"/>
+              </a:rPr>
+              <a:t>доступа к </a:t>
+            </a:r>
+            <a:r>
+              <a:rPr lang="ru-RU" dirty="0" smtClean="0">
+                <a:solidFill>
+                  <a:srgbClr val="000000"/>
+                </a:solidFill>
+                <a:latin typeface="Times New Roman" panose="02020603050405020304" pitchFamily="18" charset="0"/>
+                <a:cs typeface="Times New Roman" panose="02020603050405020304" pitchFamily="18" charset="0"/>
+              </a:rPr>
+              <a:t>услугам:</a:t>
+            </a:r>
+          </a:p>
+          <a:p>
+            <a:pPr>
+              <a:spcAft>
+                <a:spcPts val="600"/>
+              </a:spcAft>
+            </a:pPr>
+            <a:r>
+              <a:rPr lang="ru-RU" dirty="0" smtClean="0">
+                <a:solidFill>
+                  <a:srgbClr val="000000"/>
+                </a:solidFill>
+                <a:latin typeface="Times New Roman" panose="02020603050405020304" pitchFamily="18" charset="0"/>
+                <a:cs typeface="Times New Roman" panose="02020603050405020304" pitchFamily="18" charset="0"/>
+              </a:rPr>
+              <a:t>Глухие люди могут испытывать трудности в получении </a:t>
+            </a:r>
+            <a:r>
+              <a:rPr lang="ru-RU" b="1" i="1" dirty="0" smtClean="0">
+                <a:solidFill>
+                  <a:srgbClr val="000000"/>
+                </a:solidFill>
+                <a:latin typeface="Times New Roman" panose="02020603050405020304" pitchFamily="18" charset="0"/>
+                <a:cs typeface="Times New Roman" panose="02020603050405020304" pitchFamily="18" charset="0"/>
+              </a:rPr>
+              <a:t>медицинской помощи </a:t>
+            </a:r>
+            <a:r>
+              <a:rPr lang="ru-RU" dirty="0" smtClean="0">
+                <a:solidFill>
+                  <a:srgbClr val="000000"/>
+                </a:solidFill>
+                <a:latin typeface="Times New Roman" panose="02020603050405020304" pitchFamily="18" charset="0"/>
+                <a:cs typeface="Times New Roman" panose="02020603050405020304" pitchFamily="18" charset="0"/>
+              </a:rPr>
+              <a:t>из-за недостатка информации и коммуникации с врачами, также могут не иметь доступа к </a:t>
+            </a:r>
+            <a:r>
+              <a:rPr lang="ru-RU" b="1" i="1" dirty="0" smtClean="0">
+                <a:solidFill>
+                  <a:srgbClr val="000000"/>
+                </a:solidFill>
+                <a:latin typeface="Times New Roman" panose="02020603050405020304" pitchFamily="18" charset="0"/>
+                <a:cs typeface="Times New Roman" panose="02020603050405020304" pitchFamily="18" charset="0"/>
+              </a:rPr>
+              <a:t>социальным услугам</a:t>
+            </a:r>
+            <a:r>
+              <a:rPr lang="ru-RU" dirty="0" smtClean="0">
+                <a:solidFill>
+                  <a:srgbClr val="000000"/>
+                </a:solidFill>
+                <a:latin typeface="Times New Roman" panose="02020603050405020304" pitchFamily="18" charset="0"/>
+                <a:cs typeface="Times New Roman" panose="02020603050405020304" pitchFamily="18" charset="0"/>
+              </a:rPr>
+              <a:t>, адаптированным к их потребностям.</a:t>
+            </a:r>
+          </a:p>
+          <a:p>
+            <a:pPr>
+              <a:spcAft>
+                <a:spcPts val="600"/>
+              </a:spcAft>
+            </a:pPr>
+            <a:r>
+              <a:rPr lang="ru-RU" dirty="0" smtClean="0">
+                <a:solidFill>
+                  <a:srgbClr val="000000"/>
+                </a:solidFill>
+                <a:latin typeface="Times New Roman" panose="02020603050405020304" pitchFamily="18" charset="0"/>
+                <a:cs typeface="Times New Roman" panose="02020603050405020304" pitchFamily="18" charset="0"/>
+              </a:rPr>
+              <a:t>Глухие </a:t>
+            </a:r>
+            <a:r>
+              <a:rPr lang="ru-RU" dirty="0">
+                <a:solidFill>
+                  <a:srgbClr val="000000"/>
+                </a:solidFill>
+                <a:latin typeface="Times New Roman" panose="02020603050405020304" pitchFamily="18" charset="0"/>
+                <a:cs typeface="Times New Roman" panose="02020603050405020304" pitchFamily="18" charset="0"/>
+              </a:rPr>
+              <a:t>дети часто не имеют доступа к качественному </a:t>
+            </a:r>
+            <a:r>
+              <a:rPr lang="ru-RU" b="1" i="1" dirty="0">
+                <a:solidFill>
+                  <a:srgbClr val="000000"/>
+                </a:solidFill>
+                <a:latin typeface="Times New Roman" panose="02020603050405020304" pitchFamily="18" charset="0"/>
+                <a:cs typeface="Times New Roman" panose="02020603050405020304" pitchFamily="18" charset="0"/>
+              </a:rPr>
+              <a:t>образованию</a:t>
+            </a:r>
+            <a:r>
+              <a:rPr lang="ru-RU" dirty="0">
+                <a:solidFill>
+                  <a:srgbClr val="000000"/>
+                </a:solidFill>
+                <a:latin typeface="Times New Roman" panose="02020603050405020304" pitchFamily="18" charset="0"/>
+                <a:cs typeface="Times New Roman" panose="02020603050405020304" pitchFamily="18" charset="0"/>
+              </a:rPr>
+              <a:t>, адаптированному к их </a:t>
+            </a:r>
+            <a:r>
+              <a:rPr lang="ru-RU" dirty="0" smtClean="0">
+                <a:solidFill>
+                  <a:srgbClr val="000000"/>
+                </a:solidFill>
+                <a:latin typeface="Times New Roman" panose="02020603050405020304" pitchFamily="18" charset="0"/>
+                <a:cs typeface="Times New Roman" panose="02020603050405020304" pitchFamily="18" charset="0"/>
+              </a:rPr>
+              <a:t>потребностям.</a:t>
+            </a:r>
           </a:p>
         </p:txBody>
       </p:sp>
@@ -7640,7 +8511,7 @@
     </p:spTree>
     <p:extLst>
       <p:ext uri="{BB962C8B-B14F-4D97-AF65-F5344CB8AC3E}">
-        <p14:creationId xmlns:p14="http://schemas.microsoft.com/office/powerpoint/2010/main" val="1150979816"/>
+        <p14:creationId xmlns:p14="http://schemas.microsoft.com/office/powerpoint/2010/main" val="2855164495"/>
       </p:ext>
     </p:extLst>
   </p:cSld>
@@ -7685,9 +8556,7 @@
           </p:nvPr>
         </p:nvSpPr>
         <p:spPr>
-          <a:solidFill>
-            <a:srgbClr val="C00000"/>
-          </a:solidFill>
+          <a:noFill/>
         </p:spPr>
         <p:txBody>
           <a:bodyPr/>
@@ -7698,28 +8567,312 @@
                 <a:solidFill>
                   <a:srgbClr val="000000"/>
                 </a:solidFill>
-              </a:rPr>
-              <a:t>Научная </a:t>
-            </a:r>
-            <a:r>
-              <a:rPr lang="ru-RU" sz="4000" dirty="0" smtClean="0">
-                <a:solidFill>
-                  <a:srgbClr val="000000"/>
-                </a:solidFill>
-              </a:rPr>
-              <a:t>новизна</a:t>
-            </a:r>
-            <a:endParaRPr lang="ru-RU" sz="4000" dirty="0">
+                <a:latin typeface="Times New Roman" panose="02020603050405020304" pitchFamily="18" charset="0"/>
+                <a:cs typeface="Times New Roman" panose="02020603050405020304" pitchFamily="18" charset="0"/>
+              </a:rPr>
+              <a:t>Цель и задачи исследования</a:t>
+            </a:r>
+          </a:p>
+        </p:txBody>
+      </p:sp>
+      <p:sp>
+        <p:nvSpPr>
+          <p:cNvPr id="3" name="TextBox 2"/>
+          <p:cNvSpPr txBox="1"/>
+          <p:nvPr/>
+        </p:nvSpPr>
+        <p:spPr>
+          <a:xfrm>
+            <a:off x="467544" y="1844824"/>
+            <a:ext cx="7992888" cy="3785652"/>
+          </a:xfrm>
+          <a:prstGeom prst="rect">
+            <a:avLst/>
+          </a:prstGeom>
+          <a:noFill/>
+        </p:spPr>
+        <p:txBody>
+          <a:bodyPr wrap="square" rtlCol="0">
+            <a:spAutoFit/>
+          </a:bodyPr>
+          <a:lstStyle/>
+          <a:p>
+            <a:pPr>
+              <a:spcAft>
+                <a:spcPts val="600"/>
+              </a:spcAft>
+            </a:pPr>
+            <a:r>
+              <a:rPr lang="ru-RU" sz="2000" b="1" dirty="0" smtClean="0">
+                <a:solidFill>
+                  <a:srgbClr val="000000"/>
+                </a:solidFill>
+                <a:latin typeface="Times New Roman" panose="02020603050405020304" pitchFamily="18" charset="0"/>
+                <a:cs typeface="Times New Roman" panose="02020603050405020304" pitchFamily="18" charset="0"/>
+              </a:rPr>
+              <a:t>Цель работы</a:t>
+            </a:r>
+            <a:r>
+              <a:rPr lang="ru-RU" sz="2000" dirty="0" smtClean="0">
+                <a:solidFill>
+                  <a:srgbClr val="000000"/>
+                </a:solidFill>
+                <a:latin typeface="Times New Roman" panose="02020603050405020304" pitchFamily="18" charset="0"/>
+                <a:cs typeface="Times New Roman" panose="02020603050405020304" pitchFamily="18" charset="0"/>
+              </a:rPr>
+              <a:t>: </a:t>
+            </a:r>
+            <a:r>
+              <a:rPr lang="ru-RU" sz="2000" dirty="0">
+                <a:solidFill>
+                  <a:srgbClr val="000000"/>
+                </a:solidFill>
+                <a:latin typeface="Times New Roman" panose="02020603050405020304" pitchFamily="18" charset="0"/>
+                <a:cs typeface="Times New Roman" panose="02020603050405020304" pitchFamily="18" charset="0"/>
+              </a:rPr>
+              <a:t>Разработка прототипа приложения для поддержки коммуникации и социальной интеграции глухих.</a:t>
+            </a:r>
+            <a:endParaRPr lang="ru-RU" sz="2000" dirty="0" smtClean="0">
               <a:solidFill>
                 <a:srgbClr val="000000"/>
               </a:solidFill>
+              <a:latin typeface="Times New Roman" panose="02020603050405020304" pitchFamily="18" charset="0"/>
+              <a:cs typeface="Times New Roman" panose="02020603050405020304" pitchFamily="18" charset="0"/>
             </a:endParaRPr>
           </a:p>
-        </p:txBody>
-      </p:sp>
-      <p:sp>
-        <p:nvSpPr>
-          <p:cNvPr id="3" name="Номер слайда 2"/>
+          <a:p>
+            <a:pPr>
+              <a:spcAft>
+                <a:spcPts val="600"/>
+              </a:spcAft>
+            </a:pPr>
+            <a:endParaRPr lang="ru-RU" sz="2000" dirty="0">
+              <a:solidFill>
+                <a:srgbClr val="000000"/>
+              </a:solidFill>
+              <a:latin typeface="Times New Roman" panose="02020603050405020304" pitchFamily="18" charset="0"/>
+              <a:cs typeface="Times New Roman" panose="02020603050405020304" pitchFamily="18" charset="0"/>
+            </a:endParaRPr>
+          </a:p>
+          <a:p>
+            <a:pPr>
+              <a:spcAft>
+                <a:spcPts val="600"/>
+              </a:spcAft>
+            </a:pPr>
+            <a:r>
+              <a:rPr lang="ru-RU" sz="2000" b="1" dirty="0">
+                <a:solidFill>
+                  <a:srgbClr val="000000"/>
+                </a:solidFill>
+                <a:latin typeface="Times New Roman" panose="02020603050405020304" pitchFamily="18" charset="0"/>
+                <a:cs typeface="Times New Roman" panose="02020603050405020304" pitchFamily="18" charset="0"/>
+              </a:rPr>
+              <a:t>Задачи</a:t>
+            </a:r>
+            <a:r>
+              <a:rPr lang="ru-RU" sz="2000" dirty="0">
+                <a:solidFill>
+                  <a:srgbClr val="000000"/>
+                </a:solidFill>
+                <a:latin typeface="Times New Roman" panose="02020603050405020304" pitchFamily="18" charset="0"/>
+                <a:cs typeface="Times New Roman" panose="02020603050405020304" pitchFamily="18" charset="0"/>
+              </a:rPr>
+              <a:t>:</a:t>
+            </a:r>
+          </a:p>
+          <a:p>
+            <a:pPr marL="342900" indent="-342900">
+              <a:spcAft>
+                <a:spcPts val="600"/>
+              </a:spcAft>
+              <a:buFont typeface="Arial" panose="020B0604020202020204" pitchFamily="34" charset="0"/>
+              <a:buChar char="•"/>
+            </a:pPr>
+            <a:r>
+              <a:rPr lang="ru-RU" sz="2000" dirty="0">
+                <a:solidFill>
+                  <a:srgbClr val="000000"/>
+                </a:solidFill>
+                <a:latin typeface="Times New Roman" panose="02020603050405020304" pitchFamily="18" charset="0"/>
+                <a:cs typeface="Times New Roman" panose="02020603050405020304" pitchFamily="18" charset="0"/>
+              </a:rPr>
+              <a:t>Анализ потребностей целевой аудитории</a:t>
+            </a:r>
+            <a:r>
+              <a:rPr lang="ru-RU" sz="2000" dirty="0" smtClean="0">
+                <a:solidFill>
+                  <a:srgbClr val="000000"/>
+                </a:solidFill>
+                <a:latin typeface="Times New Roman" panose="02020603050405020304" pitchFamily="18" charset="0"/>
+                <a:cs typeface="Times New Roman" panose="02020603050405020304" pitchFamily="18" charset="0"/>
+              </a:rPr>
+              <a:t>.</a:t>
+            </a:r>
+            <a:endParaRPr lang="ru-RU" sz="2000" dirty="0">
+              <a:solidFill>
+                <a:srgbClr val="000000"/>
+              </a:solidFill>
+              <a:latin typeface="Times New Roman" panose="02020603050405020304" pitchFamily="18" charset="0"/>
+              <a:cs typeface="Times New Roman" panose="02020603050405020304" pitchFamily="18" charset="0"/>
+            </a:endParaRPr>
+          </a:p>
+          <a:p>
+            <a:pPr marL="342900" indent="-342900">
+              <a:spcAft>
+                <a:spcPts val="600"/>
+              </a:spcAft>
+              <a:buFont typeface="Arial" panose="020B0604020202020204" pitchFamily="34" charset="0"/>
+              <a:buChar char="•"/>
+            </a:pPr>
+            <a:r>
+              <a:rPr lang="ru-RU" sz="2000" dirty="0">
+                <a:solidFill>
+                  <a:srgbClr val="000000"/>
+                </a:solidFill>
+                <a:latin typeface="Times New Roman" panose="02020603050405020304" pitchFamily="18" charset="0"/>
+                <a:cs typeface="Times New Roman" panose="02020603050405020304" pitchFamily="18" charset="0"/>
+              </a:rPr>
+              <a:t>Исследование существующих приложений и технологий</a:t>
+            </a:r>
+            <a:r>
+              <a:rPr lang="ru-RU" sz="2000" dirty="0" smtClean="0">
+                <a:solidFill>
+                  <a:srgbClr val="000000"/>
+                </a:solidFill>
+                <a:latin typeface="Times New Roman" panose="02020603050405020304" pitchFamily="18" charset="0"/>
+                <a:cs typeface="Times New Roman" panose="02020603050405020304" pitchFamily="18" charset="0"/>
+              </a:rPr>
+              <a:t>.</a:t>
+            </a:r>
+            <a:endParaRPr lang="ru-RU" sz="2000" dirty="0">
+              <a:solidFill>
+                <a:srgbClr val="000000"/>
+              </a:solidFill>
+              <a:latin typeface="Times New Roman" panose="02020603050405020304" pitchFamily="18" charset="0"/>
+              <a:cs typeface="Times New Roman" panose="02020603050405020304" pitchFamily="18" charset="0"/>
+            </a:endParaRPr>
+          </a:p>
+          <a:p>
+            <a:pPr marL="342900" indent="-342900">
+              <a:spcAft>
+                <a:spcPts val="600"/>
+              </a:spcAft>
+              <a:buFont typeface="Arial" panose="020B0604020202020204" pitchFamily="34" charset="0"/>
+              <a:buChar char="•"/>
+            </a:pPr>
+            <a:r>
+              <a:rPr lang="ru-RU" sz="2000" dirty="0">
+                <a:solidFill>
+                  <a:srgbClr val="000000"/>
+                </a:solidFill>
+                <a:latin typeface="Times New Roman" panose="02020603050405020304" pitchFamily="18" charset="0"/>
+                <a:cs typeface="Times New Roman" panose="02020603050405020304" pitchFamily="18" charset="0"/>
+              </a:rPr>
+              <a:t>Формулирование функциональных требований</a:t>
+            </a:r>
+            <a:r>
+              <a:rPr lang="ru-RU" sz="2000" dirty="0" smtClean="0">
+                <a:solidFill>
+                  <a:srgbClr val="000000"/>
+                </a:solidFill>
+                <a:latin typeface="Times New Roman" panose="02020603050405020304" pitchFamily="18" charset="0"/>
+                <a:cs typeface="Times New Roman" panose="02020603050405020304" pitchFamily="18" charset="0"/>
+              </a:rPr>
+              <a:t>.</a:t>
+            </a:r>
+            <a:endParaRPr lang="ru-RU" sz="2000" dirty="0">
+              <a:solidFill>
+                <a:srgbClr val="000000"/>
+              </a:solidFill>
+              <a:latin typeface="Times New Roman" panose="02020603050405020304" pitchFamily="18" charset="0"/>
+              <a:cs typeface="Times New Roman" panose="02020603050405020304" pitchFamily="18" charset="0"/>
+            </a:endParaRPr>
+          </a:p>
+          <a:p>
+            <a:pPr marL="342900" indent="-342900">
+              <a:spcAft>
+                <a:spcPts val="600"/>
+              </a:spcAft>
+              <a:buFont typeface="Arial" panose="020B0604020202020204" pitchFamily="34" charset="0"/>
+              <a:buChar char="•"/>
+            </a:pPr>
+            <a:r>
+              <a:rPr lang="ru-RU" sz="2000" dirty="0">
+                <a:solidFill>
+                  <a:srgbClr val="000000"/>
+                </a:solidFill>
+                <a:latin typeface="Times New Roman" panose="02020603050405020304" pitchFamily="18" charset="0"/>
+                <a:cs typeface="Times New Roman" panose="02020603050405020304" pitchFamily="18" charset="0"/>
+              </a:rPr>
+              <a:t>Проектирование интерфейса и создание прототипа в </a:t>
+            </a:r>
+            <a:r>
+              <a:rPr lang="ru-RU" sz="2000" dirty="0" err="1">
+                <a:solidFill>
+                  <a:srgbClr val="000000"/>
+                </a:solidFill>
+                <a:latin typeface="Times New Roman" panose="02020603050405020304" pitchFamily="18" charset="0"/>
+                <a:cs typeface="Times New Roman" panose="02020603050405020304" pitchFamily="18" charset="0"/>
+              </a:rPr>
+              <a:t>Figma</a:t>
+            </a:r>
+            <a:r>
+              <a:rPr lang="ru-RU" sz="2000" dirty="0" smtClean="0">
+                <a:solidFill>
+                  <a:srgbClr val="000000"/>
+                </a:solidFill>
+                <a:latin typeface="Times New Roman" panose="02020603050405020304" pitchFamily="18" charset="0"/>
+                <a:cs typeface="Times New Roman" panose="02020603050405020304" pitchFamily="18" charset="0"/>
+              </a:rPr>
+              <a:t>.</a:t>
+            </a:r>
+            <a:endParaRPr lang="ru-RU" sz="2000" dirty="0">
+              <a:solidFill>
+                <a:srgbClr val="000000"/>
+              </a:solidFill>
+              <a:latin typeface="Times New Roman" panose="02020603050405020304" pitchFamily="18" charset="0"/>
+              <a:cs typeface="Times New Roman" panose="02020603050405020304" pitchFamily="18" charset="0"/>
+            </a:endParaRPr>
+          </a:p>
+          <a:p>
+            <a:pPr marL="342900" indent="-342900">
+              <a:spcAft>
+                <a:spcPts val="600"/>
+              </a:spcAft>
+              <a:buFont typeface="Arial" panose="020B0604020202020204" pitchFamily="34" charset="0"/>
+              <a:buChar char="•"/>
+            </a:pPr>
+            <a:r>
+              <a:rPr lang="ru-RU" sz="2000" dirty="0">
+                <a:solidFill>
+                  <a:srgbClr val="000000"/>
+                </a:solidFill>
+                <a:latin typeface="Times New Roman" panose="02020603050405020304" pitchFamily="18" charset="0"/>
+                <a:cs typeface="Times New Roman" panose="02020603050405020304" pitchFamily="18" charset="0"/>
+              </a:rPr>
+              <a:t>Оценка эффективности решения.</a:t>
+            </a:r>
+          </a:p>
+          <a:p>
+            <a:pPr>
+              <a:spcAft>
+                <a:spcPts val="600"/>
+              </a:spcAft>
+            </a:pPr>
+            <a:endParaRPr lang="ru-RU" sz="2000" dirty="0">
+              <a:solidFill>
+                <a:srgbClr val="000000"/>
+              </a:solidFill>
+              <a:latin typeface="Times New Roman" panose="02020603050405020304" pitchFamily="18" charset="0"/>
+              <a:cs typeface="Times New Roman" panose="02020603050405020304" pitchFamily="18" charset="0"/>
+            </a:endParaRPr>
+          </a:p>
+        </p:txBody>
+      </p:sp>
+      <p:sp>
+        <p:nvSpPr>
+          <p:cNvPr id="4" name="Номер слайда 3"/>
           <p:cNvSpPr>
             <a:spLocks noGrp="1"/>
           </p:cNvSpPr>
@@ -7746,270 +8899,10 @@
           </a:p>
         </p:txBody>
       </p:sp>
-      <p:sp>
-        <p:nvSpPr>
-          <p:cNvPr id="4" name="TextBox 3"/>
-          <p:cNvSpPr txBox="1"/>
-          <p:nvPr/>
-        </p:nvSpPr>
-        <p:spPr>
-          <a:xfrm>
-            <a:off x="395536" y="1700808"/>
-            <a:ext cx="8064896" cy="3508653"/>
-          </a:xfrm>
-          <a:prstGeom prst="rect">
-            <a:avLst/>
-          </a:prstGeom>
-          <a:noFill/>
-        </p:spPr>
-        <p:txBody>
-          <a:bodyPr wrap="square" rtlCol="0">
-            <a:spAutoFit/>
-          </a:bodyPr>
-          <a:lstStyle/>
-          <a:p>
-            <a:pPr lvl="0">
-              <a:spcAft>
-                <a:spcPts val="600"/>
-              </a:spcAft>
-            </a:pPr>
-            <a:r>
-              <a:rPr lang="ru-RU" sz="2400" dirty="0" smtClean="0">
-                <a:solidFill>
-                  <a:srgbClr val="000000"/>
-                </a:solidFill>
-                <a:latin typeface="Times New Roman" panose="02020603050405020304" pitchFamily="18" charset="0"/>
-                <a:cs typeface="Times New Roman" panose="02020603050405020304" pitchFamily="18" charset="0"/>
-              </a:rPr>
-              <a:t>Объединение </a:t>
-            </a:r>
-            <a:r>
-              <a:rPr lang="ru-RU" sz="2400" dirty="0">
-                <a:solidFill>
-                  <a:srgbClr val="000000"/>
-                </a:solidFill>
-                <a:latin typeface="Times New Roman" panose="02020603050405020304" pitchFamily="18" charset="0"/>
-                <a:cs typeface="Times New Roman" panose="02020603050405020304" pitchFamily="18" charset="0"/>
-              </a:rPr>
-              <a:t>в одном приложении</a:t>
-            </a:r>
-            <a:r>
-              <a:rPr lang="ru-RU" sz="2400" dirty="0" smtClean="0">
-                <a:solidFill>
-                  <a:srgbClr val="000000"/>
-                </a:solidFill>
-                <a:latin typeface="Times New Roman" panose="02020603050405020304" pitchFamily="18" charset="0"/>
-                <a:cs typeface="Times New Roman" panose="02020603050405020304" pitchFamily="18" charset="0"/>
-              </a:rPr>
-              <a:t>:</a:t>
-            </a:r>
-            <a:endParaRPr lang="ru-RU" sz="2400" dirty="0">
-              <a:solidFill>
-                <a:srgbClr val="000000"/>
-              </a:solidFill>
-              <a:latin typeface="Times New Roman" panose="02020603050405020304" pitchFamily="18" charset="0"/>
-              <a:cs typeface="Times New Roman" panose="02020603050405020304" pitchFamily="18" charset="0"/>
-            </a:endParaRPr>
-          </a:p>
-          <a:p>
-            <a:pPr marL="342900" lvl="0" indent="-342900">
-              <a:spcAft>
-                <a:spcPts val="600"/>
-              </a:spcAft>
-              <a:buFont typeface="Arial" panose="020B0604020202020204" pitchFamily="34" charset="0"/>
-              <a:buChar char="•"/>
-            </a:pPr>
-            <a:r>
-              <a:rPr lang="ru-RU" sz="2400" dirty="0">
-                <a:solidFill>
-                  <a:srgbClr val="000000"/>
-                </a:solidFill>
-                <a:latin typeface="Times New Roman" panose="02020603050405020304" pitchFamily="18" charset="0"/>
-                <a:cs typeface="Times New Roman" panose="02020603050405020304" pitchFamily="18" charset="0"/>
-              </a:rPr>
-              <a:t>Текстового/видео-чата</a:t>
-            </a:r>
-            <a:r>
-              <a:rPr lang="ru-RU" sz="2400" dirty="0" smtClean="0">
-                <a:solidFill>
-                  <a:srgbClr val="000000"/>
-                </a:solidFill>
-                <a:latin typeface="Times New Roman" panose="02020603050405020304" pitchFamily="18" charset="0"/>
-                <a:cs typeface="Times New Roman" panose="02020603050405020304" pitchFamily="18" charset="0"/>
-              </a:rPr>
-              <a:t>.</a:t>
-            </a:r>
-            <a:endParaRPr lang="ru-RU" sz="2400" dirty="0">
-              <a:solidFill>
-                <a:srgbClr val="000000"/>
-              </a:solidFill>
-              <a:latin typeface="Times New Roman" panose="02020603050405020304" pitchFamily="18" charset="0"/>
-              <a:cs typeface="Times New Roman" panose="02020603050405020304" pitchFamily="18" charset="0"/>
-            </a:endParaRPr>
-          </a:p>
-          <a:p>
-            <a:pPr marL="342900" lvl="0" indent="-342900">
-              <a:spcAft>
-                <a:spcPts val="600"/>
-              </a:spcAft>
-              <a:buFont typeface="Arial" panose="020B0604020202020204" pitchFamily="34" charset="0"/>
-              <a:buChar char="•"/>
-            </a:pPr>
-            <a:r>
-              <a:rPr lang="ru-RU" sz="2400" dirty="0">
-                <a:solidFill>
-                  <a:srgbClr val="000000"/>
-                </a:solidFill>
-                <a:latin typeface="Times New Roman" panose="02020603050405020304" pitchFamily="18" charset="0"/>
-                <a:cs typeface="Times New Roman" panose="02020603050405020304" pitchFamily="18" charset="0"/>
-              </a:rPr>
-              <a:t>Распознавания речи и субтитров</a:t>
-            </a:r>
-            <a:r>
-              <a:rPr lang="ru-RU" sz="2400" dirty="0" smtClean="0">
-                <a:solidFill>
-                  <a:srgbClr val="000000"/>
-                </a:solidFill>
-                <a:latin typeface="Times New Roman" panose="02020603050405020304" pitchFamily="18" charset="0"/>
-                <a:cs typeface="Times New Roman" panose="02020603050405020304" pitchFamily="18" charset="0"/>
-              </a:rPr>
-              <a:t>.</a:t>
-            </a:r>
-            <a:endParaRPr lang="ru-RU" sz="2400" dirty="0">
-              <a:solidFill>
-                <a:srgbClr val="000000"/>
-              </a:solidFill>
-              <a:latin typeface="Times New Roman" panose="02020603050405020304" pitchFamily="18" charset="0"/>
-              <a:cs typeface="Times New Roman" panose="02020603050405020304" pitchFamily="18" charset="0"/>
-            </a:endParaRPr>
-          </a:p>
-          <a:p>
-            <a:pPr marL="342900" lvl="0" indent="-342900">
-              <a:spcAft>
-                <a:spcPts val="600"/>
-              </a:spcAft>
-              <a:buFont typeface="Arial" panose="020B0604020202020204" pitchFamily="34" charset="0"/>
-              <a:buChar char="•"/>
-            </a:pPr>
-            <a:r>
-              <a:rPr lang="ru-RU" sz="2400" dirty="0">
-                <a:solidFill>
-                  <a:srgbClr val="000000"/>
-                </a:solidFill>
-                <a:latin typeface="Times New Roman" panose="02020603050405020304" pitchFamily="18" charset="0"/>
-                <a:cs typeface="Times New Roman" panose="02020603050405020304" pitchFamily="18" charset="0"/>
-              </a:rPr>
-              <a:t>Персонализации интерфейса</a:t>
-            </a:r>
-            <a:r>
-              <a:rPr lang="ru-RU" sz="2400" dirty="0" smtClean="0">
-                <a:solidFill>
-                  <a:srgbClr val="000000"/>
-                </a:solidFill>
-                <a:latin typeface="Times New Roman" panose="02020603050405020304" pitchFamily="18" charset="0"/>
-                <a:cs typeface="Times New Roman" panose="02020603050405020304" pitchFamily="18" charset="0"/>
-              </a:rPr>
-              <a:t>.</a:t>
-            </a:r>
-          </a:p>
-          <a:p>
-            <a:pPr lvl="0">
-              <a:spcAft>
-                <a:spcPts val="600"/>
-              </a:spcAft>
-            </a:pPr>
-            <a:endParaRPr lang="ru-RU" sz="2400" dirty="0">
-              <a:solidFill>
-                <a:srgbClr val="000000"/>
-              </a:solidFill>
-              <a:latin typeface="Times New Roman" panose="02020603050405020304" pitchFamily="18" charset="0"/>
-              <a:cs typeface="Times New Roman" panose="02020603050405020304" pitchFamily="18" charset="0"/>
-            </a:endParaRPr>
-          </a:p>
-          <a:p>
-            <a:pPr lvl="0">
-              <a:spcAft>
-                <a:spcPts val="600"/>
-              </a:spcAft>
-            </a:pPr>
-            <a:r>
-              <a:rPr lang="ru-RU" sz="2400" dirty="0">
-                <a:solidFill>
-                  <a:srgbClr val="000000"/>
-                </a:solidFill>
-                <a:latin typeface="Times New Roman" panose="02020603050405020304" pitchFamily="18" charset="0"/>
-                <a:cs typeface="Times New Roman" panose="02020603050405020304" pitchFamily="18" charset="0"/>
-              </a:rPr>
-              <a:t>Адаптация под РЖЯ: </a:t>
-            </a:r>
-            <a:endParaRPr lang="ru-RU" sz="2400" dirty="0" smtClean="0">
-              <a:solidFill>
-                <a:srgbClr val="000000"/>
-              </a:solidFill>
-              <a:latin typeface="Times New Roman" panose="02020603050405020304" pitchFamily="18" charset="0"/>
-              <a:cs typeface="Times New Roman" panose="02020603050405020304" pitchFamily="18" charset="0"/>
-            </a:endParaRPr>
-          </a:p>
-          <a:p>
-            <a:pPr lvl="0">
-              <a:spcAft>
-                <a:spcPts val="600"/>
-              </a:spcAft>
-            </a:pPr>
-            <a:r>
-              <a:rPr lang="ru-RU" sz="2400" dirty="0" smtClean="0">
-                <a:solidFill>
-                  <a:srgbClr val="000000"/>
-                </a:solidFill>
-                <a:latin typeface="Times New Roman" panose="02020603050405020304" pitchFamily="18" charset="0"/>
-                <a:cs typeface="Times New Roman" panose="02020603050405020304" pitchFamily="18" charset="0"/>
-              </a:rPr>
-              <a:t>Учет </a:t>
-            </a:r>
-            <a:r>
-              <a:rPr lang="ru-RU" sz="2400" dirty="0">
-                <a:solidFill>
-                  <a:srgbClr val="000000"/>
-                </a:solidFill>
-                <a:latin typeface="Times New Roman" panose="02020603050405020304" pitchFamily="18" charset="0"/>
-                <a:cs typeface="Times New Roman" panose="02020603050405020304" pitchFamily="18" charset="0"/>
-              </a:rPr>
-              <a:t>особенностей русского жестового языка </a:t>
-            </a:r>
-            <a:r>
-              <a:rPr lang="ru-RU" sz="2400" dirty="0" smtClean="0">
-                <a:solidFill>
-                  <a:srgbClr val="000000"/>
-                </a:solidFill>
-                <a:latin typeface="Times New Roman" panose="02020603050405020304" pitchFamily="18" charset="0"/>
-                <a:cs typeface="Times New Roman" panose="02020603050405020304" pitchFamily="18" charset="0"/>
-              </a:rPr>
-              <a:t>в проектировании</a:t>
-            </a:r>
-            <a:r>
-              <a:rPr lang="ru-RU" sz="2400" dirty="0">
-                <a:solidFill>
-                  <a:srgbClr val="000000"/>
-                </a:solidFill>
-                <a:latin typeface="Times New Roman" panose="02020603050405020304" pitchFamily="18" charset="0"/>
-                <a:cs typeface="Times New Roman" panose="02020603050405020304" pitchFamily="18" charset="0"/>
-              </a:rPr>
-              <a:t>.</a:t>
-            </a:r>
-            <a:endParaRPr lang="ru-RU" sz="2400" dirty="0" smtClean="0">
-              <a:solidFill>
-                <a:srgbClr val="000000"/>
-              </a:solidFill>
-              <a:latin typeface="Times New Roman" panose="02020603050405020304" pitchFamily="18" charset="0"/>
-              <a:cs typeface="Times New Roman" panose="02020603050405020304" pitchFamily="18" charset="0"/>
-            </a:endParaRPr>
-          </a:p>
-        </p:txBody>
-      </p:sp>
     </p:spTree>
     <p:extLst>
       <p:ext uri="{BB962C8B-B14F-4D97-AF65-F5344CB8AC3E}">
-        <p14:creationId xmlns:p14="http://schemas.microsoft.com/office/powerpoint/2010/main" val="3899771178"/>
+        <p14:creationId xmlns:p14="http://schemas.microsoft.com/office/powerpoint/2010/main" val="480582083"/>
       </p:ext>
     </p:extLst>
   </p:cSld>
@@ -8068,7 +8961,7 @@
                 <a:latin typeface="Times New Roman" panose="02020603050405020304" pitchFamily="18" charset="0"/>
                 <a:cs typeface="Times New Roman" panose="02020603050405020304" pitchFamily="18" charset="0"/>
               </a:rPr>
-              <a:t>Цель и задачи исследования</a:t>
+              <a:t>Анализ предметной области</a:t>
             </a:r>
           </a:p>
         </p:txBody>
@@ -8081,8 +8974,8 @@
         </p:nvSpPr>
         <p:spPr>
           <a:xfrm>
-            <a:off x="467544" y="1844824"/>
-            <a:ext cx="7992888" cy="3785652"/>
+            <a:off x="467544" y="1196752"/>
+            <a:ext cx="7992888" cy="5632311"/>
           </a:xfrm>
           <a:prstGeom prst="rect">
             <a:avLst/>
@@ -8101,6 +8994,16 @@
               </a:spcAft>
             </a:pPr>
             <a:r>
+              <a:rPr lang="ru-RU" sz="2000" b="1" dirty="0">
+                <a:solidFill>
+                  <a:srgbClr val="000000"/>
+                </a:solidFill>
+                <a:latin typeface="Times New Roman" panose="02020603050405020304" pitchFamily="18" charset="0"/>
+                <a:cs typeface="Times New Roman" panose="02020603050405020304" pitchFamily="18" charset="0"/>
+              </a:rPr>
+              <a:t>Выводы из научных исследований</a:t>
+            </a:r>
+            <a:r>
               <a:rPr lang="ru-RU" sz="2000" b="1" dirty="0" smtClean="0">
                 <a:solidFill>
                   <a:srgbClr val="000000"/>
@@ -8108,29 +9011,9 @@
                 <a:latin typeface="Times New Roman" panose="02020603050405020304" pitchFamily="18" charset="0"/>
                 <a:cs typeface="Times New Roman" panose="02020603050405020304" pitchFamily="18" charset="0"/>
               </a:rPr>
-              <a:t>Цель работы</a:t>
-            </a:r>
-            <a:r>
-              <a:rPr lang="ru-RU" sz="2000" dirty="0" smtClean="0">
-                <a:solidFill>
-                  <a:srgbClr val="000000"/>
-                </a:solidFill>
-                <a:latin typeface="Times New Roman" panose="02020603050405020304" pitchFamily="18" charset="0"/>
-                <a:cs typeface="Times New Roman" panose="02020603050405020304" pitchFamily="18" charset="0"/>
-              </a:rPr>
-              <a:t>: </a:t>
-            </a:r>
-            <a:r>
-              <a:rPr lang="ru-RU" sz="2000" dirty="0">
-                <a:solidFill>
-                  <a:srgbClr val="000000"/>
-                </a:solidFill>
-                <a:latin typeface="Times New Roman" panose="02020603050405020304" pitchFamily="18" charset="0"/>
-                <a:cs typeface="Times New Roman" panose="02020603050405020304" pitchFamily="18" charset="0"/>
-              </a:rPr>
-              <a:t>Разработка прототипа приложения для поддержки коммуникации и социальной интеграции глухих.</a:t>
-            </a:r>
-            <a:endParaRPr lang="ru-RU" sz="2000" dirty="0" smtClean="0">
+              <a:t>:</a:t>
+            </a:r>
+            <a:endParaRPr lang="ru-RU" sz="2000" b="1" dirty="0">
               <a:solidFill>
                 <a:srgbClr val="000000"/>
               </a:solidFill>
@@ -8139,10 +9022,171 @@
             </a:endParaRPr>
           </a:p>
           <a:p>
-            <a:pPr>
+            <a:pPr marL="342900" indent="-342900">
               <a:spcAft>
                 <a:spcPts val="600"/>
               </a:spcAft>
+              <a:buFont typeface="Arial" panose="020B0604020202020204" pitchFamily="34" charset="0"/>
+              <a:buChar char="•"/>
+            </a:pPr>
+            <a:r>
+              <a:rPr lang="ru-RU" sz="2000" dirty="0">
+                <a:solidFill>
+                  <a:srgbClr val="000000"/>
+                </a:solidFill>
+                <a:latin typeface="Times New Roman" panose="02020603050405020304" pitchFamily="18" charset="0"/>
+                <a:cs typeface="Times New Roman" panose="02020603050405020304" pitchFamily="18" charset="0"/>
+              </a:rPr>
+              <a:t>Приложения должны быть </a:t>
+            </a:r>
+            <a:r>
+              <a:rPr lang="ru-RU" sz="2000" dirty="0" err="1">
+                <a:solidFill>
+                  <a:srgbClr val="000000"/>
+                </a:solidFill>
+                <a:latin typeface="Times New Roman" panose="02020603050405020304" pitchFamily="18" charset="0"/>
+                <a:cs typeface="Times New Roman" panose="02020603050405020304" pitchFamily="18" charset="0"/>
+              </a:rPr>
+              <a:t>мультимодальными</a:t>
+            </a:r>
+            <a:r>
+              <a:rPr lang="ru-RU" sz="2000" dirty="0">
+                <a:solidFill>
+                  <a:srgbClr val="000000"/>
+                </a:solidFill>
+                <a:latin typeface="Times New Roman" panose="02020603050405020304" pitchFamily="18" charset="0"/>
+                <a:cs typeface="Times New Roman" panose="02020603050405020304" pitchFamily="18" charset="0"/>
+              </a:rPr>
+              <a:t> (текст, видео, визуальные сигналы</a:t>
+            </a:r>
+            <a:r>
+              <a:rPr lang="ru-RU" sz="2000" dirty="0" smtClean="0">
+                <a:solidFill>
+                  <a:srgbClr val="000000"/>
+                </a:solidFill>
+                <a:latin typeface="Times New Roman" panose="02020603050405020304" pitchFamily="18" charset="0"/>
+                <a:cs typeface="Times New Roman" panose="02020603050405020304" pitchFamily="18" charset="0"/>
+              </a:rPr>
+              <a:t>).</a:t>
+            </a:r>
+            <a:endParaRPr lang="ru-RU" sz="2000" dirty="0">
+              <a:solidFill>
+                <a:srgbClr val="000000"/>
+              </a:solidFill>
+              <a:latin typeface="Times New Roman" panose="02020603050405020304" pitchFamily="18" charset="0"/>
+              <a:cs typeface="Times New Roman" panose="02020603050405020304" pitchFamily="18" charset="0"/>
+            </a:endParaRPr>
+          </a:p>
+          <a:p>
+            <a:pPr marL="342900" indent="-342900">
+              <a:spcAft>
+                <a:spcPts val="600"/>
+              </a:spcAft>
+              <a:buFont typeface="Arial" panose="020B0604020202020204" pitchFamily="34" charset="0"/>
+              <a:buChar char="•"/>
+            </a:pPr>
+            <a:r>
+              <a:rPr lang="ru-RU" sz="2000" dirty="0">
+                <a:solidFill>
+                  <a:srgbClr val="000000"/>
+                </a:solidFill>
+                <a:latin typeface="Times New Roman" panose="02020603050405020304" pitchFamily="18" charset="0"/>
+                <a:cs typeface="Times New Roman" panose="02020603050405020304" pitchFamily="18" charset="0"/>
+              </a:rPr>
+              <a:t>Критична простота навигации и персонализация</a:t>
+            </a:r>
+            <a:r>
+              <a:rPr lang="ru-RU" sz="2000" dirty="0" smtClean="0">
+                <a:solidFill>
+                  <a:srgbClr val="000000"/>
+                </a:solidFill>
+                <a:latin typeface="Times New Roman" panose="02020603050405020304" pitchFamily="18" charset="0"/>
+                <a:cs typeface="Times New Roman" panose="02020603050405020304" pitchFamily="18" charset="0"/>
+              </a:rPr>
+              <a:t>.</a:t>
+            </a:r>
+            <a:endParaRPr lang="ru-RU" sz="2000" dirty="0">
+              <a:solidFill>
+                <a:srgbClr val="000000"/>
+              </a:solidFill>
+              <a:latin typeface="Times New Roman" panose="02020603050405020304" pitchFamily="18" charset="0"/>
+              <a:cs typeface="Times New Roman" panose="02020603050405020304" pitchFamily="18" charset="0"/>
+            </a:endParaRPr>
+          </a:p>
+          <a:p>
+            <a:pPr marL="342900" indent="-342900">
+              <a:spcAft>
+                <a:spcPts val="600"/>
+              </a:spcAft>
+              <a:buFont typeface="Arial" panose="020B0604020202020204" pitchFamily="34" charset="0"/>
+              <a:buChar char="•"/>
+            </a:pPr>
+            <a:r>
+              <a:rPr lang="ru-RU" sz="2000" dirty="0">
+                <a:solidFill>
+                  <a:srgbClr val="000000"/>
+                </a:solidFill>
+                <a:latin typeface="Times New Roman" panose="02020603050405020304" pitchFamily="18" charset="0"/>
+                <a:cs typeface="Times New Roman" panose="02020603050405020304" pitchFamily="18" charset="0"/>
+              </a:rPr>
+              <a:t>Необходимо вовлекать глухих пользователей в разработку</a:t>
+            </a:r>
+            <a:r>
+              <a:rPr lang="ru-RU" sz="2000" dirty="0" smtClean="0">
+                <a:solidFill>
+                  <a:srgbClr val="000000"/>
+                </a:solidFill>
+                <a:latin typeface="Times New Roman" panose="02020603050405020304" pitchFamily="18" charset="0"/>
+                <a:cs typeface="Times New Roman" panose="02020603050405020304" pitchFamily="18" charset="0"/>
+              </a:rPr>
+              <a:t>.</a:t>
+            </a:r>
+          </a:p>
+          <a:p>
+            <a:pPr marL="342900" indent="-342900">
+              <a:spcAft>
+                <a:spcPts val="600"/>
+              </a:spcAft>
+              <a:buFont typeface="Arial" panose="020B0604020202020204" pitchFamily="34" charset="0"/>
+              <a:buChar char="•"/>
+            </a:pPr>
+            <a:r>
+              <a:rPr lang="ru-RU" sz="2000" dirty="0" smtClean="0">
+                <a:solidFill>
+                  <a:srgbClr val="000000"/>
+                </a:solidFill>
+                <a:latin typeface="Times New Roman" panose="02020603050405020304" pitchFamily="18" charset="0"/>
+                <a:cs typeface="Times New Roman" panose="02020603050405020304" pitchFamily="18" charset="0"/>
+              </a:rPr>
+              <a:t>Распознавания речи должны быть точны.</a:t>
+            </a:r>
+          </a:p>
+          <a:p>
+            <a:pPr marL="342900" indent="-342900">
+              <a:spcAft>
+                <a:spcPts val="600"/>
+              </a:spcAft>
+              <a:buFont typeface="Arial" panose="020B0604020202020204" pitchFamily="34" charset="0"/>
+              <a:buChar char="•"/>
+            </a:pPr>
+            <a:r>
+              <a:rPr lang="ru-RU" sz="2000" dirty="0" smtClean="0">
+                <a:solidFill>
+                  <a:srgbClr val="000000"/>
+                </a:solidFill>
+                <a:latin typeface="Times New Roman" panose="02020603050405020304" pitchFamily="18" charset="0"/>
+                <a:cs typeface="Times New Roman" panose="02020603050405020304" pitchFamily="18" charset="0"/>
+              </a:rPr>
+              <a:t>Поддержка жестовых языков.</a:t>
+            </a:r>
+          </a:p>
+          <a:p>
+            <a:pPr marL="342900" indent="-342900">
+              <a:spcAft>
+                <a:spcPts val="600"/>
+              </a:spcAft>
+              <a:buFont typeface="Arial" panose="020B0604020202020204" pitchFamily="34" charset="0"/>
+              <a:buChar char="•"/>
             </a:pPr>
             <a:endParaRPr lang="ru-RU" sz="2000" dirty="0">
               <a:solidFill>
@@ -8159,24 +9203,14 @@
               </a:spcAft>
             </a:pPr>
             <a:r>
-              <a:rPr lang="ru-RU" sz="2000" b="1" dirty="0">
-                <a:solidFill>
-                  <a:srgbClr val="000000"/>
-                </a:solidFill>
-                <a:latin typeface="Times New Roman" panose="02020603050405020304" pitchFamily="18" charset="0"/>
-                <a:cs typeface="Times New Roman" panose="02020603050405020304" pitchFamily="18" charset="0"/>
-              </a:rPr>
-              <a:t>Задачи</a:t>
-            </a:r>
-            <a:r>
-              <a:rPr lang="ru-RU" sz="2000" dirty="0">
-                <a:solidFill>
-                  <a:srgbClr val="000000"/>
-                </a:solidFill>
-                <a:latin typeface="Times New Roman" panose="02020603050405020304" pitchFamily="18" charset="0"/>
-                <a:cs typeface="Times New Roman" panose="02020603050405020304" pitchFamily="18" charset="0"/>
-              </a:rPr>
-              <a:t>:</a:t>
+              <a:rPr lang="ru-RU" sz="2000" b="1" dirty="0" smtClean="0">
+                <a:solidFill>
+                  <a:srgbClr val="000000"/>
+                </a:solidFill>
+                <a:latin typeface="Times New Roman" panose="02020603050405020304" pitchFamily="18" charset="0"/>
+                <a:cs typeface="Times New Roman" panose="02020603050405020304" pitchFamily="18" charset="0"/>
+              </a:rPr>
+              <a:t>Рекомендации по визуальному оформлению:</a:t>
             </a:r>
           </a:p>
           <a:p>
@@ -8188,6 +9222,16 @@
               <a:buChar char="•"/>
             </a:pPr>
             <a:r>
+              <a:rPr lang="ru-RU" sz="2000" dirty="0" smtClean="0">
+                <a:solidFill>
+                  <a:srgbClr val="000000"/>
+                </a:solidFill>
+                <a:latin typeface="Times New Roman" panose="02020603050405020304" pitchFamily="18" charset="0"/>
+                <a:cs typeface="Times New Roman" panose="02020603050405020304" pitchFamily="18" charset="0"/>
+              </a:rPr>
+              <a:t>Добавление субтитры </a:t>
+            </a:r>
+            <a:r>
               <a:rPr lang="ru-RU" sz="2000" dirty="0">
                 <a:solidFill>
                   <a:srgbClr val="000000"/>
@@ -8195,7 +9239,7 @@
                 <a:latin typeface="Times New Roman" panose="02020603050405020304" pitchFamily="18" charset="0"/>
                 <a:cs typeface="Times New Roman" panose="02020603050405020304" pitchFamily="18" charset="0"/>
               </a:rPr>
-              <a:t>Анализ потребностей целевой аудитории</a:t>
+              <a:t>к видео с языком </a:t>
             </a:r>
             <a:r>
               <a:rPr lang="ru-RU" sz="2000" dirty="0" smtClean="0">
@@ -8205,7 +9249,173 @@
                 <a:latin typeface="Times New Roman" panose="02020603050405020304" pitchFamily="18" charset="0"/>
                 <a:cs typeface="Times New Roman" panose="02020603050405020304" pitchFamily="18" charset="0"/>
               </a:rPr>
-              <a:t>.</a:t>
+              <a:t>жестов.</a:t>
+            </a:r>
+          </a:p>
+          <a:p>
+            <a:pPr marL="342900" indent="-342900">
+              <a:spcAft>
+                <a:spcPts val="600"/>
+              </a:spcAft>
+              <a:buFont typeface="Arial" panose="020B0604020202020204" pitchFamily="34" charset="0"/>
+              <a:buChar char="•"/>
+            </a:pPr>
+            <a:r>
+              <a:rPr lang="ru-RU" sz="2000" dirty="0" smtClean="0">
+                <a:solidFill>
+                  <a:srgbClr val="000000"/>
+                </a:solidFill>
+                <a:latin typeface="Times New Roman" panose="02020603050405020304" pitchFamily="18" charset="0"/>
+                <a:cs typeface="Times New Roman" panose="02020603050405020304" pitchFamily="18" charset="0"/>
+              </a:rPr>
+              <a:t>Удобное пользование жесты </a:t>
+            </a:r>
+            <a:r>
+              <a:rPr lang="ru-RU" sz="2000" dirty="0">
+                <a:solidFill>
+                  <a:srgbClr val="000000"/>
+                </a:solidFill>
+                <a:latin typeface="Times New Roman" panose="02020603050405020304" pitchFamily="18" charset="0"/>
+                <a:cs typeface="Times New Roman" panose="02020603050405020304" pitchFamily="18" charset="0"/>
+              </a:rPr>
+              <a:t>в камеру </a:t>
+            </a:r>
+            <a:r>
+              <a:rPr lang="ru-RU" sz="2000" dirty="0" smtClean="0">
+                <a:solidFill>
+                  <a:srgbClr val="000000"/>
+                </a:solidFill>
+                <a:latin typeface="Times New Roman" panose="02020603050405020304" pitchFamily="18" charset="0"/>
+                <a:cs typeface="Times New Roman" panose="02020603050405020304" pitchFamily="18" charset="0"/>
+              </a:rPr>
+              <a:t>телефона.</a:t>
+            </a:r>
+          </a:p>
+          <a:p>
+            <a:pPr marL="342900" indent="-342900">
+              <a:spcAft>
+                <a:spcPts val="600"/>
+              </a:spcAft>
+              <a:buFont typeface="Arial" panose="020B0604020202020204" pitchFamily="34" charset="0"/>
+              <a:buChar char="•"/>
+            </a:pPr>
+            <a:r>
+              <a:rPr lang="ru-RU" sz="2000" dirty="0">
+                <a:solidFill>
+                  <a:srgbClr val="000000"/>
+                </a:solidFill>
+                <a:latin typeface="Times New Roman" panose="02020603050405020304" pitchFamily="18" charset="0"/>
+                <a:cs typeface="Times New Roman" panose="02020603050405020304" pitchFamily="18" charset="0"/>
+              </a:rPr>
+              <a:t>Способность </a:t>
+            </a:r>
+            <a:r>
+              <a:rPr lang="ru-RU" sz="2000" dirty="0" smtClean="0">
+                <a:solidFill>
+                  <a:srgbClr val="000000"/>
+                </a:solidFill>
+                <a:latin typeface="Times New Roman" panose="02020603050405020304" pitchFamily="18" charset="0"/>
+                <a:cs typeface="Times New Roman" panose="02020603050405020304" pitchFamily="18" charset="0"/>
+              </a:rPr>
+              <a:t>звонить напрямую в службу безопасности.</a:t>
+            </a:r>
+          </a:p>
+          <a:p>
+            <a:pPr marL="342900" indent="-342900">
+              <a:spcAft>
+                <a:spcPts val="600"/>
+              </a:spcAft>
+              <a:buFont typeface="Arial" panose="020B0604020202020204" pitchFamily="34" charset="0"/>
+              <a:buChar char="•"/>
+            </a:pPr>
+            <a:r>
+              <a:rPr lang="ru-RU" sz="2000" dirty="0" smtClean="0">
+                <a:solidFill>
+                  <a:srgbClr val="000000"/>
+                </a:solidFill>
+                <a:latin typeface="Times New Roman" panose="02020603050405020304" pitchFamily="18" charset="0"/>
+                <a:cs typeface="Times New Roman" panose="02020603050405020304" pitchFamily="18" charset="0"/>
+              </a:rPr>
+              <a:t>Восприимчивость важные </a:t>
+            </a:r>
+            <a:r>
+              <a:rPr lang="ru-RU" sz="2000" dirty="0">
+                <a:solidFill>
+                  <a:srgbClr val="000000"/>
+                </a:solidFill>
+                <a:latin typeface="Times New Roman" panose="02020603050405020304" pitchFamily="18" charset="0"/>
+                <a:cs typeface="Times New Roman" panose="02020603050405020304" pitchFamily="18" charset="0"/>
+              </a:rPr>
+              <a:t>звуки окружающей </a:t>
+            </a:r>
+            <a:r>
+              <a:rPr lang="ru-RU" sz="2000" dirty="0" smtClean="0">
+                <a:solidFill>
+                  <a:srgbClr val="000000"/>
+                </a:solidFill>
+                <a:latin typeface="Times New Roman" panose="02020603050405020304" pitchFamily="18" charset="0"/>
+                <a:cs typeface="Times New Roman" panose="02020603050405020304" pitchFamily="18" charset="0"/>
+              </a:rPr>
+              <a:t>среды</a:t>
+            </a:r>
+            <a:r>
+              <a:rPr lang="ru-RU" sz="2000" dirty="0">
+                <a:solidFill>
+                  <a:srgbClr val="000000"/>
+                </a:solidFill>
+                <a:latin typeface="Times New Roman" panose="02020603050405020304" pitchFamily="18" charset="0"/>
+                <a:cs typeface="Times New Roman" panose="02020603050405020304" pitchFamily="18" charset="0"/>
+              </a:rPr>
+              <a:t> </a:t>
+            </a:r>
+            <a:r>
+              <a:rPr lang="ru-RU" sz="2000" dirty="0" smtClean="0">
+                <a:solidFill>
+                  <a:srgbClr val="000000"/>
+                </a:solidFill>
+                <a:latin typeface="Times New Roman" panose="02020603050405020304" pitchFamily="18" charset="0"/>
+                <a:cs typeface="Times New Roman" panose="02020603050405020304" pitchFamily="18" charset="0"/>
+              </a:rPr>
+              <a:t/>
+            </a:r>
+            <a:br>
+              <a:rPr lang="ru-RU" sz="2000" dirty="0" smtClean="0">
+                <a:solidFill>
+                  <a:srgbClr val="000000"/>
+                </a:solidFill>
+                <a:latin typeface="Times New Roman" panose="02020603050405020304" pitchFamily="18" charset="0"/>
+                <a:cs typeface="Times New Roman" panose="02020603050405020304" pitchFamily="18" charset="0"/>
+              </a:rPr>
+            </a:br>
+            <a:r>
+              <a:rPr lang="ru-RU" sz="2000" dirty="0" smtClean="0">
+                <a:solidFill>
+                  <a:srgbClr val="000000"/>
+                </a:solidFill>
+                <a:latin typeface="Times New Roman" panose="02020603050405020304" pitchFamily="18" charset="0"/>
+                <a:cs typeface="Times New Roman" panose="02020603050405020304" pitchFamily="18" charset="0"/>
+              </a:rPr>
+              <a:t>и вывод информации по </a:t>
+            </a:r>
+            <a:r>
+              <a:rPr lang="ru-RU" sz="2000" dirty="0">
+                <a:solidFill>
+                  <a:srgbClr val="000000"/>
+                </a:solidFill>
+                <a:latin typeface="Times New Roman" panose="02020603050405020304" pitchFamily="18" charset="0"/>
+                <a:cs typeface="Times New Roman" panose="02020603050405020304" pitchFamily="18" charset="0"/>
+              </a:rPr>
+              <a:t>незвуковому </a:t>
+            </a:r>
+            <a:r>
+              <a:rPr lang="ru-RU" sz="2000" dirty="0" smtClean="0">
+                <a:solidFill>
+                  <a:srgbClr val="000000"/>
+                </a:solidFill>
+                <a:latin typeface="Times New Roman" panose="02020603050405020304" pitchFamily="18" charset="0"/>
+                <a:cs typeface="Times New Roman" panose="02020603050405020304" pitchFamily="18" charset="0"/>
+              </a:rPr>
+              <a:t>каналу.</a:t>
             </a:r>
             <a:endParaRPr lang="ru-RU" sz="2000" dirty="0">
               <a:solidFill>
@@ -8223,142 +9433,7 @@
               <a:buFont typeface="Arial" panose="020B0604020202020204" pitchFamily="34" charset="0"/>
               <a:buChar char="•"/>
             </a:pPr>
-            <a:r>
-              <a:rPr lang="ru-RU" sz="2000" dirty="0">
-                <a:solidFill>
-                  <a:srgbClr val="000000"/>
-                </a:solidFill>
-                <a:latin typeface="Times New Roman" panose="02020603050405020304" pitchFamily="18" charset="0"/>
-                <a:cs typeface="Times New Roman" panose="02020603050405020304" pitchFamily="18" charset="0"/>
-              </a:rPr>
-              <a:t>Исследование существующих приложений и технологий</a:t>
-            </a:r>
-            <a:r>
-              <a:rPr lang="ru-RU" sz="2000" dirty="0" smtClean="0">
-                <a:solidFill>
-                  <a:srgbClr val="000000"/>
-                </a:solidFill>
-                <a:latin typeface="Times New Roman" panose="02020603050405020304" pitchFamily="18" charset="0"/>
-                <a:cs typeface="Times New Roman" panose="02020603050405020304" pitchFamily="18" charset="0"/>
-              </a:rPr>
-              <a:t>.</a:t>
-            </a:r>
-            <a:endParaRPr lang="ru-RU" sz="2000" dirty="0">
-              <a:solidFill>
-                <a:srgbClr val="000000"/>
-              </a:solidFill>
-              <a:latin typeface="Times New Roman" panose="02020603050405020304" pitchFamily="18" charset="0"/>
-              <a:cs typeface="Times New Roman" panose="02020603050405020304" pitchFamily="18" charset="0"/>
-            </a:endParaRPr>
-          </a:p>
-          <a:p>
-            <a:pPr marL="342900" indent="-342900">
-              <a:spcAft>
-                <a:spcPts val="600"/>
-              </a:spcAft>
-              <a:buFont typeface="Arial" panose="020B0604020202020204" pitchFamily="34" charset="0"/>
-              <a:buChar char="•"/>
-            </a:pPr>
-            <a:r>
-              <a:rPr lang="ru-RU" sz="2000" dirty="0">
-                <a:solidFill>
-                  <a:srgbClr val="000000"/>
-                </a:solidFill>
-                <a:latin typeface="Times New Roman" panose="02020603050405020304" pitchFamily="18" charset="0"/>
-                <a:cs typeface="Times New Roman" panose="02020603050405020304" pitchFamily="18" charset="0"/>
-              </a:rPr>
-              <a:t>Формулирование функциональных требований</a:t>
-            </a:r>
-            <a:r>
-              <a:rPr lang="ru-RU" sz="2000" dirty="0" smtClean="0">
-                <a:solidFill>
-                  <a:srgbClr val="000000"/>
-                </a:solidFill>
-                <a:latin typeface="Times New Roman" panose="02020603050405020304" pitchFamily="18" charset="0"/>
-                <a:cs typeface="Times New Roman" panose="02020603050405020304" pitchFamily="18" charset="0"/>
-              </a:rPr>
-              <a:t>.</a:t>
-            </a:r>
-            <a:endParaRPr lang="ru-RU" sz="2000" dirty="0">
-              <a:solidFill>
-                <a:srgbClr val="000000"/>
-              </a:solidFill>
-              <a:latin typeface="Times New Roman" panose="02020603050405020304" pitchFamily="18" charset="0"/>
-              <a:cs typeface="Times New Roman" panose="02020603050405020304" pitchFamily="18" charset="0"/>
-            </a:endParaRPr>
-          </a:p>
-          <a:p>
-            <a:pPr marL="342900" indent="-342900">
-              <a:spcAft>
-                <a:spcPts val="600"/>
-              </a:spcAft>
-              <a:buFont typeface="Arial" panose="020B0604020202020204" pitchFamily="34" charset="0"/>
-              <a:buChar char="•"/>
-            </a:pPr>
-            <a:r>
-              <a:rPr lang="ru-RU" sz="2000" dirty="0">
-                <a:solidFill>
-                  <a:srgbClr val="000000"/>
-                </a:solidFill>
-                <a:latin typeface="Times New Roman" panose="02020603050405020304" pitchFamily="18" charset="0"/>
-                <a:cs typeface="Times New Roman" panose="02020603050405020304" pitchFamily="18" charset="0"/>
-              </a:rPr>
-              <a:t>Проектирование интерфейса и создание прототипа в </a:t>
-            </a:r>
-            <a:r>
-              <a:rPr lang="ru-RU" sz="2000" dirty="0" err="1">
-                <a:solidFill>
-                  <a:srgbClr val="000000"/>
-                </a:solidFill>
-                <a:latin typeface="Times New Roman" panose="02020603050405020304" pitchFamily="18" charset="0"/>
-                <a:cs typeface="Times New Roman" panose="02020603050405020304" pitchFamily="18" charset="0"/>
-              </a:rPr>
-              <a:t>Figma</a:t>
-            </a:r>
-            <a:r>
-              <a:rPr lang="ru-RU" sz="2000" dirty="0" smtClean="0">
-                <a:solidFill>
-                  <a:srgbClr val="000000"/>
-                </a:solidFill>
-                <a:latin typeface="Times New Roman" panose="02020603050405020304" pitchFamily="18" charset="0"/>
-                <a:cs typeface="Times New Roman" panose="02020603050405020304" pitchFamily="18" charset="0"/>
-              </a:rPr>
-              <a:t>.</a:t>
-            </a:r>
-            <a:endParaRPr lang="ru-RU" sz="2000" dirty="0">
-              <a:solidFill>
-                <a:srgbClr val="000000"/>
-              </a:solidFill>
-              <a:latin typeface="Times New Roman" panose="02020603050405020304" pitchFamily="18" charset="0"/>
-              <a:cs typeface="Times New Roman" panose="02020603050405020304" pitchFamily="18" charset="0"/>
-            </a:endParaRPr>
-          </a:p>
-          <a:p>
-            <a:pPr marL="342900" indent="-342900">
-              <a:spcAft>
-                <a:spcPts val="600"/>
-              </a:spcAft>
-              <a:buFont typeface="Arial" panose="020B0604020202020204" pitchFamily="34" charset="0"/>
-              <a:buChar char="•"/>
-            </a:pPr>
-            <a:r>
-              <a:rPr lang="ru-RU" sz="2000" dirty="0">
-                <a:solidFill>
-                  <a:srgbClr val="000000"/>
-                </a:solidFill>
-                <a:latin typeface="Times New Roman" panose="02020603050405020304" pitchFamily="18" charset="0"/>
-                <a:cs typeface="Times New Roman" panose="02020603050405020304" pitchFamily="18" charset="0"/>
-              </a:rPr>
-              <a:t>Оценка эффективности решения.</a:t>
-            </a:r>
-          </a:p>
-          <a:p>
-            <a:pPr>
-              <a:spcAft>
-                <a:spcPts val="600"/>
-              </a:spcAft>
-            </a:pPr>
-            <a:endParaRPr lang="ru-RU" sz="2000" dirty="0">
+            <a:endParaRPr lang="ru-RU" sz="2000" dirty="0" smtClean="0">
               <a:solidFill>
                 <a:srgbClr val="000000"/>
               </a:solidFill>
@@ -8400,7 +9475,7 @@
     </p:spTree>
     <p:extLst>
       <p:ext uri="{BB962C8B-B14F-4D97-AF65-F5344CB8AC3E}">
-        <p14:creationId xmlns:p14="http://schemas.microsoft.com/office/powerpoint/2010/main" val="480582083"/>
+        <p14:creationId xmlns:p14="http://schemas.microsoft.com/office/powerpoint/2010/main" val="1607297708"/>
       </p:ext>
     </p:extLst>
   </p:cSld>
@@ -8459,8 +9534,15 @@
                 <a:latin typeface="Times New Roman" panose="02020603050405020304" pitchFamily="18" charset="0"/>
                 <a:cs typeface="Times New Roman" panose="02020603050405020304" pitchFamily="18" charset="0"/>
               </a:rPr>
-              <a:t>Существующее решение и процесс решения задачи</a:t>
-            </a:r>
+              <a:t>Анкетирование из научных исследований</a:t>
+            </a:r>
+            <a:endParaRPr lang="ru-RU" sz="4000" dirty="0">
+              <a:solidFill>
+                <a:srgbClr val="000000"/>
+              </a:solidFill>
+              <a:latin typeface="Times New Roman" panose="02020603050405020304" pitchFamily="18" charset="0"/>
+              <a:cs typeface="Times New Roman" panose="02020603050405020304" pitchFamily="18" charset="0"/>
+            </a:endParaRPr>
           </a:p>
         </p:txBody>
       </p:sp>
@@ -8472,8 +9554,8 @@
         </p:nvSpPr>
         <p:spPr>
           <a:xfrm>
-            <a:off x="539552" y="2060848"/>
-            <a:ext cx="7920880" cy="2631490"/>
+            <a:off x="467544" y="1412776"/>
+            <a:ext cx="7992888" cy="5247590"/>
           </a:xfrm>
           <a:prstGeom prst="rect">
             <a:avLst/>
@@ -8486,7 +9568,34 @@
           </a:bodyPr>
           <a:lstStyle/>
           <a:p>
-            <a:pPr marL="285750" lvl="0" indent="-285750">
+            <a:pPr>
+              <a:spcAft>
+                <a:spcPts val="600"/>
+              </a:spcAft>
+            </a:pPr>
+            <a:r>
+              <a:rPr lang="ru-RU" sz="2000" b="1" dirty="0">
+                <a:solidFill>
+                  <a:srgbClr val="000000"/>
+                </a:solidFill>
+                <a:latin typeface="Times New Roman" panose="02020603050405020304" pitchFamily="18" charset="0"/>
+                <a:cs typeface="Times New Roman" panose="02020603050405020304" pitchFamily="18" charset="0"/>
+              </a:rPr>
+              <a:t>Слабослышащие люди </a:t>
+            </a:r>
+            <a:r>
+              <a:rPr lang="ru-RU" sz="2000" b="1" dirty="0" smtClean="0">
+                <a:solidFill>
+                  <a:srgbClr val="000000"/>
+                </a:solidFill>
+                <a:latin typeface="Times New Roman" panose="02020603050405020304" pitchFamily="18" charset="0"/>
+                <a:cs typeface="Times New Roman" panose="02020603050405020304" pitchFamily="18" charset="0"/>
+              </a:rPr>
+              <a:t>используют для общения:</a:t>
+            </a:r>
+          </a:p>
+          <a:p>
+            <a:pPr marL="342900" indent="-342900">
               <a:spcAft>
                 <a:spcPts val="600"/>
               </a:spcAft>
@@ -8501,17 +9610,18 @@
                 <a:latin typeface="Times New Roman" panose="02020603050405020304" pitchFamily="18" charset="0"/>
                 <a:cs typeface="Times New Roman" panose="02020603050405020304" pitchFamily="18" charset="0"/>
               </a:rPr>
-              <a:t>Низкая точность и скорость перевода</a:t>
-            </a:r>
-          </a:p>
-          <a:p>
-            <a:pPr marL="285750" lvl="0" indent="-285750">
-              <a:spcAft>
-                <a:spcPts val="600"/>
-              </a:spcAft>
-              <a:buFont typeface="Arial" panose="020B0604020202020204" pitchFamily="34" charset="0"/>
-              <a:buChar char="•"/>
-            </a:pPr>
+              <a:t>Печатать текст </a:t>
+            </a:r>
+            <a:r>
+              <a:rPr lang="ru-RU" sz="2000" dirty="0">
+                <a:solidFill>
+                  <a:srgbClr val="000000"/>
+                </a:solidFill>
+                <a:latin typeface="Times New Roman" panose="02020603050405020304" pitchFamily="18" charset="0"/>
+                <a:cs typeface="Times New Roman" panose="02020603050405020304" pitchFamily="18" charset="0"/>
+              </a:rPr>
+              <a:t>в телефоне в различных приложениях </a:t>
+            </a:r>
             <a:r>
               <a:rPr lang="ru-RU" sz="2000" dirty="0" smtClean="0">
                 <a:solidFill>
@@ -8520,17 +9630,18 @@
                 <a:latin typeface="Times New Roman" panose="02020603050405020304" pitchFamily="18" charset="0"/>
                 <a:cs typeface="Times New Roman" panose="02020603050405020304" pitchFamily="18" charset="0"/>
               </a:rPr>
-              <a:t>Ограниченная поддержка языков и диалектов</a:t>
-            </a:r>
-          </a:p>
-          <a:p>
-            <a:pPr marL="285750" lvl="0" indent="-285750">
-              <a:spcAft>
-                <a:spcPts val="600"/>
-              </a:spcAft>
-              <a:buFont typeface="Arial" panose="020B0604020202020204" pitchFamily="34" charset="0"/>
-              <a:buChar char="•"/>
-            </a:pPr>
+              <a:t>(</a:t>
+            </a:r>
+            <a:r>
+              <a:rPr lang="ru-RU" sz="2000" dirty="0">
+                <a:solidFill>
+                  <a:srgbClr val="000000"/>
+                </a:solidFill>
+                <a:latin typeface="Times New Roman" panose="02020603050405020304" pitchFamily="18" charset="0"/>
+                <a:cs typeface="Times New Roman" panose="02020603050405020304" pitchFamily="18" charset="0"/>
+              </a:rPr>
+              <a:t>42,9</a:t>
+            </a:r>
             <a:r>
               <a:rPr lang="ru-RU" sz="2000" dirty="0" smtClean="0">
                 <a:solidFill>
@@ -8539,64 +9650,7 @@
                 <a:latin typeface="Times New Roman" panose="02020603050405020304" pitchFamily="18" charset="0"/>
                 <a:cs typeface="Times New Roman" panose="02020603050405020304" pitchFamily="18" charset="0"/>
               </a:rPr>
-              <a:t>Высокая стоимость</a:t>
-            </a:r>
-          </a:p>
-          <a:p>
-            <a:pPr marL="285750" lvl="0" indent="-285750">
-              <a:spcAft>
-                <a:spcPts val="600"/>
-              </a:spcAft>
-              <a:buFont typeface="Arial" panose="020B0604020202020204" pitchFamily="34" charset="0"/>
-              <a:buChar char="•"/>
-            </a:pPr>
-            <a:r>
-              <a:rPr lang="ru-RU" sz="2000" dirty="0" smtClean="0">
-                <a:solidFill>
-                  <a:srgbClr val="000000"/>
-                </a:solidFill>
-                <a:latin typeface="Times New Roman" panose="02020603050405020304" pitchFamily="18" charset="0"/>
-                <a:cs typeface="Times New Roman" panose="02020603050405020304" pitchFamily="18" charset="0"/>
-              </a:rPr>
-              <a:t>Зависимость от дополнительных устройств</a:t>
-            </a:r>
-          </a:p>
-          <a:p>
-            <a:pPr marL="285750" lvl="0" indent="-285750">
-              <a:spcAft>
-                <a:spcPts val="600"/>
-              </a:spcAft>
-              <a:buFont typeface="Arial" panose="020B0604020202020204" pitchFamily="34" charset="0"/>
-              <a:buChar char="•"/>
-            </a:pPr>
-            <a:r>
-              <a:rPr lang="ru-RU" sz="2000" dirty="0" smtClean="0">
-                <a:solidFill>
-                  <a:srgbClr val="000000"/>
-                </a:solidFill>
-                <a:latin typeface="Times New Roman" panose="02020603050405020304" pitchFamily="18" charset="0"/>
-                <a:cs typeface="Times New Roman" panose="02020603050405020304" pitchFamily="18" charset="0"/>
-              </a:rPr>
-              <a:t>Недостаточная интеграция с другими приложениями и устройствами</a:t>
-            </a:r>
-          </a:p>
-          <a:p>
-            <a:pPr marL="285750" lvl="0" indent="-285750">
-              <a:spcAft>
-                <a:spcPts val="600"/>
-              </a:spcAft>
-              <a:buFont typeface="Arial" panose="020B0604020202020204" pitchFamily="34" charset="0"/>
-              <a:buChar char="•"/>
-            </a:pPr>
-            <a:r>
-              <a:rPr lang="ru-RU" sz="2000" dirty="0" smtClean="0">
-                <a:solidFill>
-                  <a:srgbClr val="000000"/>
-                </a:solidFill>
-                <a:latin typeface="Times New Roman" panose="02020603050405020304" pitchFamily="18" charset="0"/>
-                <a:cs typeface="Times New Roman" panose="02020603050405020304" pitchFamily="18" charset="0"/>
-              </a:rPr>
-              <a:t>Недостаточное тестирование и оценка эффективности</a:t>
+              <a:t>%)</a:t>
             </a:r>
             <a:endParaRPr lang="ru-RU" sz="2000" dirty="0">
               <a:solidFill>
@@ -8606,6 +9660,336 @@
               <a:cs typeface="Times New Roman" panose="02020603050405020304" pitchFamily="18" charset="0"/>
             </a:endParaRPr>
           </a:p>
+          <a:p>
+            <a:pPr marL="342900" indent="-342900">
+              <a:spcAft>
+                <a:spcPts val="600"/>
+              </a:spcAft>
+              <a:buFont typeface="Arial" panose="020B0604020202020204" pitchFamily="34" charset="0"/>
+              <a:buChar char="•"/>
+            </a:pPr>
+            <a:r>
+              <a:rPr lang="ru-RU" sz="2000" dirty="0" smtClean="0">
+                <a:solidFill>
+                  <a:srgbClr val="000000"/>
+                </a:solidFill>
+                <a:latin typeface="Times New Roman" panose="02020603050405020304" pitchFamily="18" charset="0"/>
+                <a:cs typeface="Times New Roman" panose="02020603050405020304" pitchFamily="18" charset="0"/>
+              </a:rPr>
+              <a:t>заметку </a:t>
+            </a:r>
+            <a:r>
+              <a:rPr lang="ru-RU" sz="2000" dirty="0">
+                <a:solidFill>
+                  <a:srgbClr val="000000"/>
+                </a:solidFill>
+                <a:latin typeface="Times New Roman" panose="02020603050405020304" pitchFamily="18" charset="0"/>
+                <a:cs typeface="Times New Roman" panose="02020603050405020304" pitchFamily="18" charset="0"/>
+              </a:rPr>
+              <a:t>на телефоне и </a:t>
+            </a:r>
+            <a:r>
+              <a:rPr lang="ru-RU" sz="2000" dirty="0" smtClean="0">
+                <a:solidFill>
+                  <a:srgbClr val="000000"/>
+                </a:solidFill>
+                <a:latin typeface="Times New Roman" panose="02020603050405020304" pitchFamily="18" charset="0"/>
+                <a:cs typeface="Times New Roman" panose="02020603050405020304" pitchFamily="18" charset="0"/>
+              </a:rPr>
+              <a:t>Яндекс-браузером </a:t>
+            </a:r>
+            <a:r>
+              <a:rPr lang="ru-RU" sz="2000" dirty="0">
+                <a:solidFill>
+                  <a:srgbClr val="000000"/>
+                </a:solidFill>
+                <a:latin typeface="Times New Roman" panose="02020603050405020304" pitchFamily="18" charset="0"/>
+                <a:cs typeface="Times New Roman" panose="02020603050405020304" pitchFamily="18" charset="0"/>
+              </a:rPr>
+              <a:t>с голосовым </a:t>
+            </a:r>
+            <a:r>
+              <a:rPr lang="ru-RU" sz="2000" dirty="0" smtClean="0">
+                <a:solidFill>
+                  <a:srgbClr val="000000"/>
+                </a:solidFill>
+                <a:latin typeface="Times New Roman" panose="02020603050405020304" pitchFamily="18" charset="0"/>
+                <a:cs typeface="Times New Roman" panose="02020603050405020304" pitchFamily="18" charset="0"/>
+              </a:rPr>
+              <a:t>помощником </a:t>
+            </a:r>
+            <a:r>
+              <a:rPr lang="ru-RU" sz="2000" dirty="0">
+                <a:solidFill>
+                  <a:srgbClr val="000000"/>
+                </a:solidFill>
+                <a:latin typeface="Times New Roman" panose="02020603050405020304" pitchFamily="18" charset="0"/>
+                <a:cs typeface="Times New Roman" panose="02020603050405020304" pitchFamily="18" charset="0"/>
+              </a:rPr>
+              <a:t>«Алиса</a:t>
+            </a:r>
+            <a:r>
+              <a:rPr lang="ru-RU" sz="2000" dirty="0" smtClean="0">
+                <a:solidFill>
+                  <a:srgbClr val="000000"/>
+                </a:solidFill>
+                <a:latin typeface="Times New Roman" panose="02020603050405020304" pitchFamily="18" charset="0"/>
+                <a:cs typeface="Times New Roman" panose="02020603050405020304" pitchFamily="18" charset="0"/>
+              </a:rPr>
+              <a:t>» (48,1%)</a:t>
+            </a:r>
+          </a:p>
+          <a:p>
+            <a:pPr>
+              <a:spcAft>
+                <a:spcPts val="600"/>
+              </a:spcAft>
+            </a:pPr>
+            <a:r>
+              <a:rPr lang="ru-RU" sz="2000" b="1" dirty="0" smtClean="0">
+                <a:solidFill>
+                  <a:srgbClr val="000000"/>
+                </a:solidFill>
+                <a:latin typeface="Times New Roman" panose="02020603050405020304" pitchFamily="18" charset="0"/>
+                <a:cs typeface="Times New Roman" panose="02020603050405020304" pitchFamily="18" charset="0"/>
+              </a:rPr>
+              <a:t>Другие опросы</a:t>
+            </a:r>
+            <a:r>
+              <a:rPr lang="ru-RU" sz="2000" dirty="0" smtClean="0">
+                <a:solidFill>
+                  <a:srgbClr val="000000"/>
+                </a:solidFill>
+                <a:latin typeface="Times New Roman" panose="02020603050405020304" pitchFamily="18" charset="0"/>
+                <a:cs typeface="Times New Roman" panose="02020603050405020304" pitchFamily="18" charset="0"/>
+              </a:rPr>
+              <a:t>:</a:t>
+            </a:r>
+            <a:endParaRPr lang="ru-RU" sz="2000" dirty="0">
+              <a:solidFill>
+                <a:srgbClr val="000000"/>
+              </a:solidFill>
+              <a:latin typeface="Times New Roman" panose="02020603050405020304" pitchFamily="18" charset="0"/>
+              <a:cs typeface="Times New Roman" panose="02020603050405020304" pitchFamily="18" charset="0"/>
+            </a:endParaRPr>
+          </a:p>
+          <a:p>
+            <a:pPr marL="342900" indent="-342900">
+              <a:spcAft>
+                <a:spcPts val="600"/>
+              </a:spcAft>
+              <a:buFont typeface="Arial" panose="020B0604020202020204" pitchFamily="34" charset="0"/>
+              <a:buChar char="•"/>
+            </a:pPr>
+            <a:r>
+              <a:rPr lang="ru-RU" sz="2000" dirty="0" smtClean="0">
+                <a:solidFill>
+                  <a:srgbClr val="000000"/>
+                </a:solidFill>
+                <a:latin typeface="Times New Roman" panose="02020603050405020304" pitchFamily="18" charset="0"/>
+                <a:cs typeface="Times New Roman" panose="02020603050405020304" pitchFamily="18" charset="0"/>
+              </a:rPr>
+              <a:t>Предпочтение общаться на жестовом языке и обмениваться видеороликами (60%)</a:t>
+            </a:r>
+          </a:p>
+          <a:p>
+            <a:pPr marL="342900" indent="-342900">
+              <a:spcAft>
+                <a:spcPts val="600"/>
+              </a:spcAft>
+              <a:buFont typeface="Arial" panose="020B0604020202020204" pitchFamily="34" charset="0"/>
+              <a:buChar char="•"/>
+            </a:pPr>
+            <a:r>
+              <a:rPr lang="ru-RU" sz="2000" dirty="0" smtClean="0">
+                <a:solidFill>
+                  <a:srgbClr val="000000"/>
+                </a:solidFill>
+                <a:latin typeface="Times New Roman" panose="02020603050405020304" pitchFamily="18" charset="0"/>
+                <a:cs typeface="Times New Roman" panose="02020603050405020304" pitchFamily="18" charset="0"/>
+              </a:rPr>
+              <a:t>Использование </a:t>
+            </a:r>
+            <a:r>
+              <a:rPr lang="ru-RU" sz="2000" dirty="0">
+                <a:solidFill>
+                  <a:srgbClr val="000000"/>
+                </a:solidFill>
+                <a:latin typeface="Times New Roman" panose="02020603050405020304" pitchFamily="18" charset="0"/>
+                <a:cs typeface="Times New Roman" panose="02020603050405020304" pitchFamily="18" charset="0"/>
+              </a:rPr>
+              <a:t>преобразовать речи в </a:t>
+            </a:r>
+            <a:r>
+              <a:rPr lang="ru-RU" sz="2000" dirty="0" smtClean="0">
+                <a:solidFill>
+                  <a:srgbClr val="000000"/>
+                </a:solidFill>
+                <a:latin typeface="Times New Roman" panose="02020603050405020304" pitchFamily="18" charset="0"/>
+                <a:cs typeface="Times New Roman" panose="02020603050405020304" pitchFamily="18" charset="0"/>
+              </a:rPr>
+              <a:t>текст (64%)</a:t>
+            </a:r>
+          </a:p>
+          <a:p>
+            <a:pPr marL="342900" indent="-342900">
+              <a:spcAft>
+                <a:spcPts val="600"/>
+              </a:spcAft>
+              <a:buFont typeface="Arial" panose="020B0604020202020204" pitchFamily="34" charset="0"/>
+              <a:buChar char="•"/>
+            </a:pPr>
+            <a:r>
+              <a:rPr lang="ru-RU" sz="2000" dirty="0" smtClean="0">
+                <a:solidFill>
+                  <a:srgbClr val="000000"/>
+                </a:solidFill>
+                <a:latin typeface="Times New Roman" panose="02020603050405020304" pitchFamily="18" charset="0"/>
+                <a:cs typeface="Times New Roman" panose="02020603050405020304" pitchFamily="18" charset="0"/>
+              </a:rPr>
+              <a:t>Иметь поддержку нескольких языков (47%)</a:t>
+            </a:r>
+            <a:endParaRPr lang="ru-RU" sz="2000" dirty="0">
+              <a:solidFill>
+                <a:srgbClr val="000000"/>
+              </a:solidFill>
+              <a:latin typeface="Times New Roman" panose="02020603050405020304" pitchFamily="18" charset="0"/>
+              <a:cs typeface="Times New Roman" panose="02020603050405020304" pitchFamily="18" charset="0"/>
+            </a:endParaRPr>
+          </a:p>
+          <a:p>
+            <a:pPr marL="342900" indent="-342900">
+              <a:spcAft>
+                <a:spcPts val="600"/>
+              </a:spcAft>
+              <a:buFont typeface="Arial" panose="020B0604020202020204" pitchFamily="34" charset="0"/>
+              <a:buChar char="•"/>
+            </a:pPr>
+            <a:r>
+              <a:rPr lang="ru-RU" sz="2000" dirty="0" smtClean="0">
+                <a:solidFill>
+                  <a:srgbClr val="000000"/>
+                </a:solidFill>
+                <a:latin typeface="Times New Roman" panose="02020603050405020304" pitchFamily="18" charset="0"/>
+                <a:cs typeface="Times New Roman" panose="02020603050405020304" pitchFamily="18" charset="0"/>
+              </a:rPr>
+              <a:t>Желание смотреть видео с субтитрами (65%)</a:t>
+            </a:r>
+          </a:p>
+          <a:p>
+            <a:pPr>
+              <a:spcAft>
+                <a:spcPts val="600"/>
+              </a:spcAft>
+            </a:pPr>
+            <a:r>
+              <a:rPr lang="ru-RU" sz="2000" b="1" dirty="0">
+                <a:solidFill>
+                  <a:srgbClr val="000000"/>
+                </a:solidFill>
+                <a:latin typeface="Times New Roman" panose="02020603050405020304" pitchFamily="18" charset="0"/>
+                <a:cs typeface="Times New Roman" panose="02020603050405020304" pitchFamily="18" charset="0"/>
+              </a:rPr>
+              <a:t>Последствия контента </a:t>
+            </a:r>
+            <a:r>
+              <a:rPr lang="ru-RU" sz="2000" b="1" dirty="0" smtClean="0">
+                <a:solidFill>
+                  <a:srgbClr val="000000"/>
+                </a:solidFill>
+                <a:latin typeface="Times New Roman" panose="02020603050405020304" pitchFamily="18" charset="0"/>
+                <a:cs typeface="Times New Roman" panose="02020603050405020304" pitchFamily="18" charset="0"/>
+              </a:rPr>
+              <a:t>без субтитров</a:t>
+            </a:r>
+            <a:r>
+              <a:rPr lang="ru-RU" sz="2000" dirty="0" smtClean="0">
+                <a:solidFill>
+                  <a:srgbClr val="000000"/>
+                </a:solidFill>
+                <a:latin typeface="Times New Roman" panose="02020603050405020304" pitchFamily="18" charset="0"/>
+                <a:cs typeface="Times New Roman" panose="02020603050405020304" pitchFamily="18" charset="0"/>
+              </a:rPr>
+              <a:t>:</a:t>
+            </a:r>
+          </a:p>
+          <a:p>
+            <a:pPr marL="342900" indent="-342900">
+              <a:spcAft>
+                <a:spcPts val="600"/>
+              </a:spcAft>
+              <a:buFont typeface="Arial" panose="020B0604020202020204" pitchFamily="34" charset="0"/>
+              <a:buChar char="•"/>
+            </a:pPr>
+            <a:r>
+              <a:rPr lang="ru-RU" sz="2000" dirty="0" smtClean="0">
+                <a:solidFill>
+                  <a:srgbClr val="000000"/>
+                </a:solidFill>
+                <a:latin typeface="Times New Roman" panose="02020603050405020304" pitchFamily="18" charset="0"/>
+                <a:cs typeface="Times New Roman" panose="02020603050405020304" pitchFamily="18" charset="0"/>
+              </a:rPr>
+              <a:t>Ощущают разочарование (61%)</a:t>
+            </a:r>
+          </a:p>
+          <a:p>
+            <a:pPr marL="342900" indent="-342900">
+              <a:spcAft>
+                <a:spcPts val="600"/>
+              </a:spcAft>
+              <a:buFont typeface="Arial" panose="020B0604020202020204" pitchFamily="34" charset="0"/>
+              <a:buChar char="•"/>
+            </a:pPr>
+            <a:r>
+              <a:rPr lang="ru-RU" sz="2000" dirty="0" smtClean="0">
+                <a:solidFill>
+                  <a:srgbClr val="000000"/>
+                </a:solidFill>
+                <a:latin typeface="Times New Roman" panose="02020603050405020304" pitchFamily="18" charset="0"/>
+                <a:cs typeface="Times New Roman" panose="02020603050405020304" pitchFamily="18" charset="0"/>
+              </a:rPr>
+              <a:t>Чувствуют, что запаздывают с текущими новостями (55%)</a:t>
+            </a:r>
+          </a:p>
+          <a:p>
+            <a:pPr marL="342900" indent="-342900">
+              <a:spcAft>
+                <a:spcPts val="600"/>
+              </a:spcAft>
+              <a:buFont typeface="Arial" panose="020B0604020202020204" pitchFamily="34" charset="0"/>
+              <a:buChar char="•"/>
+            </a:pPr>
+            <a:r>
+              <a:rPr lang="ru-RU" sz="2000" dirty="0" smtClean="0">
+                <a:solidFill>
+                  <a:srgbClr val="000000"/>
+                </a:solidFill>
+                <a:latin typeface="Times New Roman" panose="02020603050405020304" pitchFamily="18" charset="0"/>
+                <a:cs typeface="Times New Roman" panose="02020603050405020304" pitchFamily="18" charset="0"/>
+              </a:rPr>
+              <a:t>Приходится потратить время </a:t>
+            </a:r>
+            <a:r>
+              <a:rPr lang="ru-RU" sz="2000" dirty="0">
+                <a:solidFill>
+                  <a:srgbClr val="000000"/>
+                </a:solidFill>
+                <a:latin typeface="Times New Roman" panose="02020603050405020304" pitchFamily="18" charset="0"/>
+                <a:cs typeface="Times New Roman" panose="02020603050405020304" pitchFamily="18" charset="0"/>
+              </a:rPr>
+              <a:t>на </a:t>
+            </a:r>
+            <a:r>
+              <a:rPr lang="ru-RU" sz="2000" dirty="0" smtClean="0">
+                <a:solidFill>
+                  <a:srgbClr val="000000"/>
+                </a:solidFill>
+                <a:latin typeface="Times New Roman" panose="02020603050405020304" pitchFamily="18" charset="0"/>
+                <a:cs typeface="Times New Roman" panose="02020603050405020304" pitchFamily="18" charset="0"/>
+              </a:rPr>
+              <a:t>поиск версии видео (55%)</a:t>
+            </a:r>
+          </a:p>
         </p:txBody>
       </p:sp>
       <p:sp>
@@ -8640,7 +10024,7 @@
     </p:spTree>
     <p:extLst>
       <p:ext uri="{BB962C8B-B14F-4D97-AF65-F5344CB8AC3E}">
-        <p14:creationId xmlns:p14="http://schemas.microsoft.com/office/powerpoint/2010/main" val="3399840881"/>
+        <p14:creationId xmlns:p14="http://schemas.microsoft.com/office/powerpoint/2010/main" val="1939407047"/>
       </p:ext>
     </p:extLst>
   </p:cSld>
@@ -8694,7 +10078,7 @@
             <a:r>
               <a:rPr lang="ru-RU" sz="4000" dirty="0">
                 <a:solidFill>
-                  <a:schemeClr val="tx1"/>
+                  <a:srgbClr val="000000"/>
                 </a:solidFill>
                 <a:latin typeface="Times New Roman" panose="02020603050405020304" pitchFamily="18" charset="0"/>
                 <a:cs typeface="Times New Roman" panose="02020603050405020304" pitchFamily="18" charset="0"/>
@@ -8742,7 +10126,7 @@
           <p:nvPr>
             <p:extLst>
               <p:ext uri="{D42A27DB-BD31-4B8C-83A1-F6EECF244321}">
-                <p14:modId xmlns:p14="http://schemas.microsoft.com/office/powerpoint/2010/main" val="1858285892"/>
+                <p14:modId xmlns:p14="http://schemas.microsoft.com/office/powerpoint/2010/main" val="706984318"/>
               </p:ext>
             </p:extLst>
           </p:nvPr>
